--- a/images/2023-07-19-ru-he-da-jian-shu-yu-zi-ji-de-zhi-shi-shou-ji-zheng-li-jia-gong-ti-xi/知识管理各种图片.pptx
+++ b/images/2023-07-19-ru-he-da-jian-shu-yu-zi-ji-de-zhi-shi-shou-ji-zheng-li-jia-gong-ti-xi/知识管理各种图片.pptx
@@ -10,6 +10,7 @@
     <p:sldId id="258" r:id="rId4"/>
     <p:sldId id="259" r:id="rId5"/>
     <p:sldId id="260" r:id="rId6"/>
+    <p:sldId id="261" r:id="rId7"/>
   </p:sldIdLst>
   <p:sldSz cx="12192000" cy="6858000"/>
   <p:notesSz cx="6858000" cy="9144000"/>
@@ -6396,6 +6397,1254 @@
 </p:sld>
 </file>
 
+<file path=ppt/slides/slide6.xml><?xml version="1.0" encoding="utf-8"?>
+<p:sld xmlns:a="http://schemas.openxmlformats.org/drawingml/2006/main" xmlns:r="http://schemas.openxmlformats.org/officeDocument/2006/relationships" xmlns:p="http://schemas.openxmlformats.org/presentationml/2006/main">
+  <p:cSld>
+    <p:spTree>
+      <p:nvGrpSpPr>
+        <p:cNvPr id="1" name=""/>
+        <p:cNvGrpSpPr/>
+        <p:nvPr/>
+      </p:nvGrpSpPr>
+      <p:grpSpPr>
+        <a:xfrm>
+          <a:off x="0" y="0"/>
+          <a:ext cx="0" cy="0"/>
+          <a:chOff x="0" y="0"/>
+          <a:chExt cx="0" cy="0"/>
+        </a:xfrm>
+      </p:grpSpPr>
+      <p:sp>
+        <p:nvSpPr>
+          <p:cNvPr id="4" name="矩形 3">
+            <a:extLst>
+              <a:ext uri="{FF2B5EF4-FFF2-40B4-BE49-F238E27FC236}">
+                <a16:creationId xmlns:a16="http://schemas.microsoft.com/office/drawing/2014/main" id="{683AAA15-9C7C-A290-1478-71AF76687499}"/>
+              </a:ext>
+            </a:extLst>
+          </p:cNvPr>
+          <p:cNvSpPr/>
+          <p:nvPr/>
+        </p:nvSpPr>
+        <p:spPr>
+          <a:xfrm>
+            <a:off x="1935480" y="491490"/>
+            <a:ext cx="1242060" cy="678180"/>
+          </a:xfrm>
+          <a:prstGeom prst="rect">
+            <a:avLst/>
+          </a:prstGeom>
+        </p:spPr>
+        <p:style>
+          <a:lnRef idx="0">
+            <a:schemeClr val="accent5"/>
+          </a:lnRef>
+          <a:fillRef idx="3">
+            <a:schemeClr val="accent5"/>
+          </a:fillRef>
+          <a:effectRef idx="3">
+            <a:schemeClr val="accent5"/>
+          </a:effectRef>
+          <a:fontRef idx="minor">
+            <a:schemeClr val="lt1"/>
+          </a:fontRef>
+        </p:style>
+        <p:txBody>
+          <a:bodyPr rtlCol="0" anchor="ctr"/>
+          <a:lstStyle/>
+          <a:p>
+            <a:pPr algn="ctr"/>
+            <a:r>
+              <a:rPr kumimoji="1" lang="zh-CN" altLang="en-US" dirty="0"/>
+              <a:t>信息</a:t>
+            </a:r>
+          </a:p>
+        </p:txBody>
+      </p:sp>
+      <p:sp>
+        <p:nvSpPr>
+          <p:cNvPr id="5" name="矩形 4">
+            <a:extLst>
+              <a:ext uri="{FF2B5EF4-FFF2-40B4-BE49-F238E27FC236}">
+                <a16:creationId xmlns:a16="http://schemas.microsoft.com/office/drawing/2014/main" id="{22D39DE0-AA5E-EF3F-39E7-4BDF65B154F0}"/>
+              </a:ext>
+            </a:extLst>
+          </p:cNvPr>
+          <p:cNvSpPr/>
+          <p:nvPr/>
+        </p:nvSpPr>
+        <p:spPr>
+          <a:xfrm>
+            <a:off x="1935480" y="1874520"/>
+            <a:ext cx="1242060" cy="678180"/>
+          </a:xfrm>
+          <a:prstGeom prst="rect">
+            <a:avLst/>
+          </a:prstGeom>
+        </p:spPr>
+        <p:style>
+          <a:lnRef idx="0">
+            <a:schemeClr val="accent5"/>
+          </a:lnRef>
+          <a:fillRef idx="3">
+            <a:schemeClr val="accent5"/>
+          </a:fillRef>
+          <a:effectRef idx="3">
+            <a:schemeClr val="accent5"/>
+          </a:effectRef>
+          <a:fontRef idx="minor">
+            <a:schemeClr val="lt1"/>
+          </a:fontRef>
+        </p:style>
+        <p:txBody>
+          <a:bodyPr rtlCol="0" anchor="ctr"/>
+          <a:lstStyle/>
+          <a:p>
+            <a:pPr algn="ctr"/>
+            <a:r>
+              <a:rPr kumimoji="1" lang="zh-CN" altLang="en-US" dirty="0"/>
+              <a:t>知识</a:t>
+            </a:r>
+          </a:p>
+        </p:txBody>
+      </p:sp>
+      <p:sp>
+        <p:nvSpPr>
+          <p:cNvPr id="6" name="矩形 5">
+            <a:extLst>
+              <a:ext uri="{FF2B5EF4-FFF2-40B4-BE49-F238E27FC236}">
+                <a16:creationId xmlns:a16="http://schemas.microsoft.com/office/drawing/2014/main" id="{6405943B-CDF8-7F06-38D2-C51B70C9C673}"/>
+              </a:ext>
+            </a:extLst>
+          </p:cNvPr>
+          <p:cNvSpPr/>
+          <p:nvPr/>
+        </p:nvSpPr>
+        <p:spPr>
+          <a:xfrm>
+            <a:off x="1935480" y="3257550"/>
+            <a:ext cx="1242060" cy="678180"/>
+          </a:xfrm>
+          <a:prstGeom prst="rect">
+            <a:avLst/>
+          </a:prstGeom>
+        </p:spPr>
+        <p:style>
+          <a:lnRef idx="0">
+            <a:schemeClr val="accent5"/>
+          </a:lnRef>
+          <a:fillRef idx="3">
+            <a:schemeClr val="accent5"/>
+          </a:fillRef>
+          <a:effectRef idx="3">
+            <a:schemeClr val="accent5"/>
+          </a:effectRef>
+          <a:fontRef idx="minor">
+            <a:schemeClr val="lt1"/>
+          </a:fontRef>
+        </p:style>
+        <p:txBody>
+          <a:bodyPr rtlCol="0" anchor="ctr"/>
+          <a:lstStyle/>
+          <a:p>
+            <a:pPr algn="ctr"/>
+            <a:r>
+              <a:rPr kumimoji="1" lang="zh-CN" altLang="en-US" dirty="0"/>
+              <a:t>经验</a:t>
+            </a:r>
+          </a:p>
+        </p:txBody>
+      </p:sp>
+      <p:sp>
+        <p:nvSpPr>
+          <p:cNvPr id="7" name="矩形 6">
+            <a:extLst>
+              <a:ext uri="{FF2B5EF4-FFF2-40B4-BE49-F238E27FC236}">
+                <a16:creationId xmlns:a16="http://schemas.microsoft.com/office/drawing/2014/main" id="{BE9954D2-FFF4-CEC9-0E07-B0DDD4FC2696}"/>
+              </a:ext>
+            </a:extLst>
+          </p:cNvPr>
+          <p:cNvSpPr/>
+          <p:nvPr/>
+        </p:nvSpPr>
+        <p:spPr>
+          <a:xfrm>
+            <a:off x="1935480" y="4640580"/>
+            <a:ext cx="1242060" cy="678180"/>
+          </a:xfrm>
+          <a:prstGeom prst="rect">
+            <a:avLst/>
+          </a:prstGeom>
+        </p:spPr>
+        <p:style>
+          <a:lnRef idx="0">
+            <a:schemeClr val="accent5"/>
+          </a:lnRef>
+          <a:fillRef idx="3">
+            <a:schemeClr val="accent5"/>
+          </a:fillRef>
+          <a:effectRef idx="3">
+            <a:schemeClr val="accent5"/>
+          </a:effectRef>
+          <a:fontRef idx="minor">
+            <a:schemeClr val="lt1"/>
+          </a:fontRef>
+        </p:style>
+        <p:txBody>
+          <a:bodyPr rtlCol="0" anchor="ctr"/>
+          <a:lstStyle/>
+          <a:p>
+            <a:pPr algn="ctr"/>
+            <a:r>
+              <a:rPr kumimoji="1" lang="zh-CN" altLang="en-US" dirty="0"/>
+              <a:t>创新</a:t>
+            </a:r>
+          </a:p>
+        </p:txBody>
+      </p:sp>
+      <p:sp>
+        <p:nvSpPr>
+          <p:cNvPr id="8" name="圆柱体 7">
+            <a:extLst>
+              <a:ext uri="{FF2B5EF4-FFF2-40B4-BE49-F238E27FC236}">
+                <a16:creationId xmlns:a16="http://schemas.microsoft.com/office/drawing/2014/main" id="{4E577D67-8433-CE59-50BB-D7F09B83321F}"/>
+              </a:ext>
+            </a:extLst>
+          </p:cNvPr>
+          <p:cNvSpPr/>
+          <p:nvPr/>
+        </p:nvSpPr>
+        <p:spPr>
+          <a:xfrm>
+            <a:off x="4434840" y="381000"/>
+            <a:ext cx="876300" cy="899160"/>
+          </a:xfrm>
+          <a:prstGeom prst="can">
+            <a:avLst/>
+          </a:prstGeom>
+        </p:spPr>
+        <p:style>
+          <a:lnRef idx="0">
+            <a:schemeClr val="accent6"/>
+          </a:lnRef>
+          <a:fillRef idx="3">
+            <a:schemeClr val="accent6"/>
+          </a:fillRef>
+          <a:effectRef idx="3">
+            <a:schemeClr val="accent6"/>
+          </a:effectRef>
+          <a:fontRef idx="minor">
+            <a:schemeClr val="lt1"/>
+          </a:fontRef>
+        </p:style>
+        <p:txBody>
+          <a:bodyPr rtlCol="0" anchor="ctr"/>
+          <a:lstStyle/>
+          <a:p>
+            <a:pPr algn="ctr"/>
+            <a:r>
+              <a:rPr kumimoji="1" lang="zh-CN" altLang="en-US" dirty="0"/>
+              <a:t>信息库</a:t>
+            </a:r>
+          </a:p>
+        </p:txBody>
+      </p:sp>
+      <p:sp>
+        <p:nvSpPr>
+          <p:cNvPr id="9" name="圆柱体 8">
+            <a:extLst>
+              <a:ext uri="{FF2B5EF4-FFF2-40B4-BE49-F238E27FC236}">
+                <a16:creationId xmlns:a16="http://schemas.microsoft.com/office/drawing/2014/main" id="{8F10FC0E-3550-AA5A-9D6D-3C920D0E394C}"/>
+              </a:ext>
+            </a:extLst>
+          </p:cNvPr>
+          <p:cNvSpPr/>
+          <p:nvPr/>
+        </p:nvSpPr>
+        <p:spPr>
+          <a:xfrm>
+            <a:off x="167640" y="1003935"/>
+            <a:ext cx="876300" cy="899160"/>
+          </a:xfrm>
+          <a:prstGeom prst="can">
+            <a:avLst/>
+          </a:prstGeom>
+        </p:spPr>
+        <p:style>
+          <a:lnRef idx="0">
+            <a:schemeClr val="accent6"/>
+          </a:lnRef>
+          <a:fillRef idx="3">
+            <a:schemeClr val="accent6"/>
+          </a:fillRef>
+          <a:effectRef idx="3">
+            <a:schemeClr val="accent6"/>
+          </a:effectRef>
+          <a:fontRef idx="minor">
+            <a:schemeClr val="lt1"/>
+          </a:fontRef>
+        </p:style>
+        <p:txBody>
+          <a:bodyPr rtlCol="0" anchor="ctr"/>
+          <a:lstStyle/>
+          <a:p>
+            <a:pPr algn="ctr"/>
+            <a:r>
+              <a:rPr kumimoji="1" lang="zh-CN" altLang="en-US" dirty="0"/>
+              <a:t>学习知识库</a:t>
+            </a:r>
+          </a:p>
+        </p:txBody>
+      </p:sp>
+      <p:sp>
+        <p:nvSpPr>
+          <p:cNvPr id="10" name="圆柱体 9">
+            <a:extLst>
+              <a:ext uri="{FF2B5EF4-FFF2-40B4-BE49-F238E27FC236}">
+                <a16:creationId xmlns:a16="http://schemas.microsoft.com/office/drawing/2014/main" id="{3F3A6A67-D1AB-FABD-02E4-971B7E30C63D}"/>
+              </a:ext>
+            </a:extLst>
+          </p:cNvPr>
+          <p:cNvSpPr/>
+          <p:nvPr/>
+        </p:nvSpPr>
+        <p:spPr>
+          <a:xfrm>
+            <a:off x="4434840" y="3147060"/>
+            <a:ext cx="876300" cy="899160"/>
+          </a:xfrm>
+          <a:prstGeom prst="can">
+            <a:avLst/>
+          </a:prstGeom>
+        </p:spPr>
+        <p:style>
+          <a:lnRef idx="0">
+            <a:schemeClr val="accent6"/>
+          </a:lnRef>
+          <a:fillRef idx="3">
+            <a:schemeClr val="accent6"/>
+          </a:fillRef>
+          <a:effectRef idx="3">
+            <a:schemeClr val="accent6"/>
+          </a:effectRef>
+          <a:fontRef idx="minor">
+            <a:schemeClr val="lt1"/>
+          </a:fontRef>
+        </p:style>
+        <p:txBody>
+          <a:bodyPr rtlCol="0" anchor="ctr"/>
+          <a:lstStyle/>
+          <a:p>
+            <a:pPr algn="ctr"/>
+            <a:r>
+              <a:rPr kumimoji="1" lang="zh-CN" altLang="en-US" dirty="0"/>
+              <a:t>经验知识库</a:t>
+            </a:r>
+          </a:p>
+        </p:txBody>
+      </p:sp>
+      <p:sp>
+        <p:nvSpPr>
+          <p:cNvPr id="11" name="圆柱体 10">
+            <a:extLst>
+              <a:ext uri="{FF2B5EF4-FFF2-40B4-BE49-F238E27FC236}">
+                <a16:creationId xmlns:a16="http://schemas.microsoft.com/office/drawing/2014/main" id="{69F6F64D-895D-5C8E-F2F4-A35A87C77A9A}"/>
+              </a:ext>
+            </a:extLst>
+          </p:cNvPr>
+          <p:cNvSpPr/>
+          <p:nvPr/>
+        </p:nvSpPr>
+        <p:spPr>
+          <a:xfrm>
+            <a:off x="4434840" y="4530090"/>
+            <a:ext cx="876300" cy="899160"/>
+          </a:xfrm>
+          <a:prstGeom prst="can">
+            <a:avLst/>
+          </a:prstGeom>
+        </p:spPr>
+        <p:style>
+          <a:lnRef idx="0">
+            <a:schemeClr val="accent6"/>
+          </a:lnRef>
+          <a:fillRef idx="3">
+            <a:schemeClr val="accent6"/>
+          </a:fillRef>
+          <a:effectRef idx="3">
+            <a:schemeClr val="accent6"/>
+          </a:effectRef>
+          <a:fontRef idx="minor">
+            <a:schemeClr val="lt1"/>
+          </a:fontRef>
+        </p:style>
+        <p:txBody>
+          <a:bodyPr rtlCol="0" anchor="ctr"/>
+          <a:lstStyle/>
+          <a:p>
+            <a:pPr algn="ctr"/>
+            <a:r>
+              <a:rPr kumimoji="1" lang="zh-CN" altLang="en-US" dirty="0"/>
+              <a:t>想法信息库</a:t>
+            </a:r>
+          </a:p>
+        </p:txBody>
+      </p:sp>
+      <p:cxnSp>
+        <p:nvCxnSpPr>
+          <p:cNvPr id="13" name="直线箭头连接符 12">
+            <a:extLst>
+              <a:ext uri="{FF2B5EF4-FFF2-40B4-BE49-F238E27FC236}">
+                <a16:creationId xmlns:a16="http://schemas.microsoft.com/office/drawing/2014/main" id="{4BD97EF7-01B0-26CF-3AF6-A6B9D6FC6E18}"/>
+              </a:ext>
+            </a:extLst>
+          </p:cNvPr>
+          <p:cNvCxnSpPr>
+            <a:stCxn id="4" idx="3"/>
+            <a:endCxn id="8" idx="2"/>
+          </p:cNvCxnSpPr>
+          <p:nvPr/>
+        </p:nvCxnSpPr>
+        <p:spPr>
+          <a:xfrm>
+            <a:off x="3177540" y="830580"/>
+            <a:ext cx="1257300" cy="0"/>
+          </a:xfrm>
+          <a:prstGeom prst="straightConnector1">
+            <a:avLst/>
+          </a:prstGeom>
+          <a:ln>
+            <a:tailEnd type="triangle"/>
+          </a:ln>
+        </p:spPr>
+        <p:style>
+          <a:lnRef idx="3">
+            <a:schemeClr val="accent1"/>
+          </a:lnRef>
+          <a:fillRef idx="0">
+            <a:schemeClr val="accent1"/>
+          </a:fillRef>
+          <a:effectRef idx="2">
+            <a:schemeClr val="accent1"/>
+          </a:effectRef>
+          <a:fontRef idx="minor">
+            <a:schemeClr val="tx1"/>
+          </a:fontRef>
+        </p:style>
+      </p:cxnSp>
+      <p:cxnSp>
+        <p:nvCxnSpPr>
+          <p:cNvPr id="14" name="直线箭头连接符 13">
+            <a:extLst>
+              <a:ext uri="{FF2B5EF4-FFF2-40B4-BE49-F238E27FC236}">
+                <a16:creationId xmlns:a16="http://schemas.microsoft.com/office/drawing/2014/main" id="{ABE06FF1-C9AB-20C5-801B-253711758E71}"/>
+              </a:ext>
+            </a:extLst>
+          </p:cNvPr>
+          <p:cNvCxnSpPr>
+            <a:cxnSpLocks/>
+            <a:stCxn id="6" idx="3"/>
+            <a:endCxn id="10" idx="2"/>
+          </p:cNvCxnSpPr>
+          <p:nvPr/>
+        </p:nvCxnSpPr>
+        <p:spPr>
+          <a:xfrm>
+            <a:off x="3177540" y="3596640"/>
+            <a:ext cx="1257300" cy="0"/>
+          </a:xfrm>
+          <a:prstGeom prst="straightConnector1">
+            <a:avLst/>
+          </a:prstGeom>
+          <a:ln>
+            <a:tailEnd type="triangle"/>
+          </a:ln>
+        </p:spPr>
+        <p:style>
+          <a:lnRef idx="3">
+            <a:schemeClr val="accent1"/>
+          </a:lnRef>
+          <a:fillRef idx="0">
+            <a:schemeClr val="accent1"/>
+          </a:fillRef>
+          <a:effectRef idx="2">
+            <a:schemeClr val="accent1"/>
+          </a:effectRef>
+          <a:fontRef idx="minor">
+            <a:schemeClr val="tx1"/>
+          </a:fontRef>
+        </p:style>
+      </p:cxnSp>
+      <p:cxnSp>
+        <p:nvCxnSpPr>
+          <p:cNvPr id="17" name="直线箭头连接符 16">
+            <a:extLst>
+              <a:ext uri="{FF2B5EF4-FFF2-40B4-BE49-F238E27FC236}">
+                <a16:creationId xmlns:a16="http://schemas.microsoft.com/office/drawing/2014/main" id="{1C5ACB7B-5BD1-94F7-35E5-364EF168D403}"/>
+              </a:ext>
+            </a:extLst>
+          </p:cNvPr>
+          <p:cNvCxnSpPr>
+            <a:cxnSpLocks/>
+            <a:stCxn id="7" idx="3"/>
+            <a:endCxn id="11" idx="2"/>
+          </p:cNvCxnSpPr>
+          <p:nvPr/>
+        </p:nvCxnSpPr>
+        <p:spPr>
+          <a:xfrm>
+            <a:off x="3177540" y="4979670"/>
+            <a:ext cx="1257300" cy="0"/>
+          </a:xfrm>
+          <a:prstGeom prst="straightConnector1">
+            <a:avLst/>
+          </a:prstGeom>
+          <a:ln>
+            <a:tailEnd type="triangle"/>
+          </a:ln>
+        </p:spPr>
+        <p:style>
+          <a:lnRef idx="3">
+            <a:schemeClr val="accent1"/>
+          </a:lnRef>
+          <a:fillRef idx="0">
+            <a:schemeClr val="accent1"/>
+          </a:fillRef>
+          <a:effectRef idx="2">
+            <a:schemeClr val="accent1"/>
+          </a:effectRef>
+          <a:fontRef idx="minor">
+            <a:schemeClr val="tx1"/>
+          </a:fontRef>
+        </p:style>
+      </p:cxnSp>
+      <p:cxnSp>
+        <p:nvCxnSpPr>
+          <p:cNvPr id="20" name="直线箭头连接符 19">
+            <a:extLst>
+              <a:ext uri="{FF2B5EF4-FFF2-40B4-BE49-F238E27FC236}">
+                <a16:creationId xmlns:a16="http://schemas.microsoft.com/office/drawing/2014/main" id="{7935D240-EF90-98A9-50BC-015F515C1524}"/>
+              </a:ext>
+            </a:extLst>
+          </p:cNvPr>
+          <p:cNvCxnSpPr>
+            <a:cxnSpLocks/>
+            <a:stCxn id="4" idx="2"/>
+            <a:endCxn id="5" idx="0"/>
+          </p:cNvCxnSpPr>
+          <p:nvPr/>
+        </p:nvCxnSpPr>
+        <p:spPr>
+          <a:xfrm>
+            <a:off x="2556510" y="1169670"/>
+            <a:ext cx="0" cy="704850"/>
+          </a:xfrm>
+          <a:prstGeom prst="straightConnector1">
+            <a:avLst/>
+          </a:prstGeom>
+          <a:ln w="76200">
+            <a:tailEnd type="triangle"/>
+          </a:ln>
+          <a:effectLst>
+            <a:outerShdw blurRad="50800" dist="38100" dir="2700000" algn="tl" rotWithShape="0">
+              <a:prstClr val="black">
+                <a:alpha val="40000"/>
+              </a:prstClr>
+            </a:outerShdw>
+          </a:effectLst>
+        </p:spPr>
+        <p:style>
+          <a:lnRef idx="3">
+            <a:schemeClr val="accent6"/>
+          </a:lnRef>
+          <a:fillRef idx="0">
+            <a:schemeClr val="accent6"/>
+          </a:fillRef>
+          <a:effectRef idx="2">
+            <a:schemeClr val="accent6"/>
+          </a:effectRef>
+          <a:fontRef idx="minor">
+            <a:schemeClr val="tx1"/>
+          </a:fontRef>
+        </p:style>
+      </p:cxnSp>
+      <p:sp>
+        <p:nvSpPr>
+          <p:cNvPr id="23" name="文本框 22">
+            <a:extLst>
+              <a:ext uri="{FF2B5EF4-FFF2-40B4-BE49-F238E27FC236}">
+                <a16:creationId xmlns:a16="http://schemas.microsoft.com/office/drawing/2014/main" id="{2C23AE51-472F-65D7-22FF-B0EC5D5F95D8}"/>
+              </a:ext>
+            </a:extLst>
+          </p:cNvPr>
+          <p:cNvSpPr txBox="1"/>
+          <p:nvPr/>
+        </p:nvSpPr>
+        <p:spPr>
+          <a:xfrm>
+            <a:off x="2233344" y="1286113"/>
+            <a:ext cx="595035" cy="338554"/>
+          </a:xfrm>
+          <a:prstGeom prst="rect">
+            <a:avLst/>
+          </a:prstGeom>
+          <a:noFill/>
+        </p:spPr>
+        <p:txBody>
+          <a:bodyPr wrap="none" rtlCol="0">
+            <a:spAutoFit/>
+          </a:bodyPr>
+          <a:lstStyle/>
+          <a:p>
+            <a:r>
+              <a:rPr kumimoji="1" lang="zh-CN" altLang="en-US" sz="1600" dirty="0">
+                <a:solidFill>
+                  <a:schemeClr val="tx1">
+                    <a:lumMod val="50000"/>
+                    <a:lumOff val="50000"/>
+                  </a:schemeClr>
+                </a:solidFill>
+              </a:rPr>
+              <a:t>学习</a:t>
+            </a:r>
+          </a:p>
+        </p:txBody>
+      </p:sp>
+      <p:cxnSp>
+        <p:nvCxnSpPr>
+          <p:cNvPr id="24" name="直线箭头连接符 23">
+            <a:extLst>
+              <a:ext uri="{FF2B5EF4-FFF2-40B4-BE49-F238E27FC236}">
+                <a16:creationId xmlns:a16="http://schemas.microsoft.com/office/drawing/2014/main" id="{3AC46F5A-1C84-7FF0-6740-B4F04E971A45}"/>
+              </a:ext>
+            </a:extLst>
+          </p:cNvPr>
+          <p:cNvCxnSpPr>
+            <a:cxnSpLocks/>
+            <a:stCxn id="5" idx="2"/>
+            <a:endCxn id="6" idx="0"/>
+          </p:cNvCxnSpPr>
+          <p:nvPr/>
+        </p:nvCxnSpPr>
+        <p:spPr>
+          <a:xfrm>
+            <a:off x="2556510" y="2552700"/>
+            <a:ext cx="0" cy="704850"/>
+          </a:xfrm>
+          <a:prstGeom prst="straightConnector1">
+            <a:avLst/>
+          </a:prstGeom>
+          <a:ln w="76200">
+            <a:tailEnd type="triangle"/>
+          </a:ln>
+          <a:effectLst>
+            <a:outerShdw blurRad="50800" dist="38100" dir="2700000" algn="tl" rotWithShape="0">
+              <a:prstClr val="black">
+                <a:alpha val="40000"/>
+              </a:prstClr>
+            </a:outerShdw>
+          </a:effectLst>
+        </p:spPr>
+        <p:style>
+          <a:lnRef idx="3">
+            <a:schemeClr val="accent6"/>
+          </a:lnRef>
+          <a:fillRef idx="0">
+            <a:schemeClr val="accent6"/>
+          </a:fillRef>
+          <a:effectRef idx="2">
+            <a:schemeClr val="accent6"/>
+          </a:effectRef>
+          <a:fontRef idx="minor">
+            <a:schemeClr val="tx1"/>
+          </a:fontRef>
+        </p:style>
+      </p:cxnSp>
+      <p:cxnSp>
+        <p:nvCxnSpPr>
+          <p:cNvPr id="27" name="直线箭头连接符 26">
+            <a:extLst>
+              <a:ext uri="{FF2B5EF4-FFF2-40B4-BE49-F238E27FC236}">
+                <a16:creationId xmlns:a16="http://schemas.microsoft.com/office/drawing/2014/main" id="{13895A60-726C-D7E2-50DF-E9B3E5B29C16}"/>
+              </a:ext>
+            </a:extLst>
+          </p:cNvPr>
+          <p:cNvCxnSpPr>
+            <a:cxnSpLocks/>
+            <a:stCxn id="6" idx="2"/>
+            <a:endCxn id="7" idx="0"/>
+          </p:cNvCxnSpPr>
+          <p:nvPr/>
+        </p:nvCxnSpPr>
+        <p:spPr>
+          <a:xfrm>
+            <a:off x="2556510" y="3935730"/>
+            <a:ext cx="0" cy="704850"/>
+          </a:xfrm>
+          <a:prstGeom prst="straightConnector1">
+            <a:avLst/>
+          </a:prstGeom>
+          <a:ln w="76200">
+            <a:tailEnd type="triangle"/>
+          </a:ln>
+          <a:effectLst>
+            <a:outerShdw blurRad="50800" dist="38100" dir="2700000" algn="tl" rotWithShape="0">
+              <a:prstClr val="black">
+                <a:alpha val="40000"/>
+              </a:prstClr>
+            </a:outerShdw>
+          </a:effectLst>
+        </p:spPr>
+        <p:style>
+          <a:lnRef idx="3">
+            <a:schemeClr val="accent6"/>
+          </a:lnRef>
+          <a:fillRef idx="0">
+            <a:schemeClr val="accent6"/>
+          </a:fillRef>
+          <a:effectRef idx="2">
+            <a:schemeClr val="accent6"/>
+          </a:effectRef>
+          <a:fontRef idx="minor">
+            <a:schemeClr val="tx1"/>
+          </a:fontRef>
+        </p:style>
+      </p:cxnSp>
+      <p:sp>
+        <p:nvSpPr>
+          <p:cNvPr id="30" name="文本框 29">
+            <a:extLst>
+              <a:ext uri="{FF2B5EF4-FFF2-40B4-BE49-F238E27FC236}">
+                <a16:creationId xmlns:a16="http://schemas.microsoft.com/office/drawing/2014/main" id="{8D58A66E-15F9-9E60-4268-311274FCA108}"/>
+              </a:ext>
+            </a:extLst>
+          </p:cNvPr>
+          <p:cNvSpPr txBox="1"/>
+          <p:nvPr/>
+        </p:nvSpPr>
+        <p:spPr>
+          <a:xfrm>
+            <a:off x="2258992" y="2722513"/>
+            <a:ext cx="595035" cy="338554"/>
+          </a:xfrm>
+          <a:prstGeom prst="rect">
+            <a:avLst/>
+          </a:prstGeom>
+          <a:noFill/>
+        </p:spPr>
+        <p:txBody>
+          <a:bodyPr wrap="none" rtlCol="0">
+            <a:spAutoFit/>
+          </a:bodyPr>
+          <a:lstStyle/>
+          <a:p>
+            <a:r>
+              <a:rPr kumimoji="1" lang="zh-CN" altLang="en-US" sz="1600" dirty="0">
+                <a:solidFill>
+                  <a:schemeClr val="tx1">
+                    <a:lumMod val="50000"/>
+                    <a:lumOff val="50000"/>
+                  </a:schemeClr>
+                </a:solidFill>
+              </a:rPr>
+              <a:t>使用</a:t>
+            </a:r>
+          </a:p>
+        </p:txBody>
+      </p:sp>
+      <p:sp>
+        <p:nvSpPr>
+          <p:cNvPr id="31" name="文本框 30">
+            <a:extLst>
+              <a:ext uri="{FF2B5EF4-FFF2-40B4-BE49-F238E27FC236}">
+                <a16:creationId xmlns:a16="http://schemas.microsoft.com/office/drawing/2014/main" id="{A5AF1E68-8FE0-8413-4609-1213316E0EAF}"/>
+              </a:ext>
+            </a:extLst>
+          </p:cNvPr>
+          <p:cNvSpPr txBox="1"/>
+          <p:nvPr/>
+        </p:nvSpPr>
+        <p:spPr>
+          <a:xfrm>
+            <a:off x="2263139" y="4105543"/>
+            <a:ext cx="595035" cy="338554"/>
+          </a:xfrm>
+          <a:prstGeom prst="rect">
+            <a:avLst/>
+          </a:prstGeom>
+          <a:noFill/>
+        </p:spPr>
+        <p:txBody>
+          <a:bodyPr wrap="none" rtlCol="0">
+            <a:spAutoFit/>
+          </a:bodyPr>
+          <a:lstStyle/>
+          <a:p>
+            <a:r>
+              <a:rPr kumimoji="1" lang="zh-CN" altLang="en-US" sz="1600" dirty="0">
+                <a:solidFill>
+                  <a:schemeClr val="tx1">
+                    <a:lumMod val="50000"/>
+                    <a:lumOff val="50000"/>
+                  </a:schemeClr>
+                </a:solidFill>
+              </a:rPr>
+              <a:t>共享</a:t>
+            </a:r>
+          </a:p>
+        </p:txBody>
+      </p:sp>
+      <p:sp>
+        <p:nvSpPr>
+          <p:cNvPr id="32" name="圆柱体 31">
+            <a:extLst>
+              <a:ext uri="{FF2B5EF4-FFF2-40B4-BE49-F238E27FC236}">
+                <a16:creationId xmlns:a16="http://schemas.microsoft.com/office/drawing/2014/main" id="{6EB607A2-DC01-8774-577B-A3DAF33CDE36}"/>
+              </a:ext>
+            </a:extLst>
+          </p:cNvPr>
+          <p:cNvSpPr/>
+          <p:nvPr/>
+        </p:nvSpPr>
+        <p:spPr>
+          <a:xfrm>
+            <a:off x="175260" y="2442210"/>
+            <a:ext cx="876300" cy="899160"/>
+          </a:xfrm>
+          <a:prstGeom prst="can">
+            <a:avLst/>
+          </a:prstGeom>
+        </p:spPr>
+        <p:style>
+          <a:lnRef idx="0">
+            <a:schemeClr val="accent6"/>
+          </a:lnRef>
+          <a:fillRef idx="3">
+            <a:schemeClr val="accent6"/>
+          </a:fillRef>
+          <a:effectRef idx="3">
+            <a:schemeClr val="accent6"/>
+          </a:effectRef>
+          <a:fontRef idx="minor">
+            <a:schemeClr val="lt1"/>
+          </a:fontRef>
+        </p:style>
+        <p:txBody>
+          <a:bodyPr rtlCol="0" anchor="ctr"/>
+          <a:lstStyle/>
+          <a:p>
+            <a:pPr algn="ctr"/>
+            <a:r>
+              <a:rPr kumimoji="1" lang="zh-CN" altLang="en-US" dirty="0"/>
+              <a:t>项目知识库</a:t>
+            </a:r>
+          </a:p>
+        </p:txBody>
+      </p:sp>
+      <p:cxnSp>
+        <p:nvCxnSpPr>
+          <p:cNvPr id="33" name="直线箭头连接符 32">
+            <a:extLst>
+              <a:ext uri="{FF2B5EF4-FFF2-40B4-BE49-F238E27FC236}">
+                <a16:creationId xmlns:a16="http://schemas.microsoft.com/office/drawing/2014/main" id="{963C1966-AA67-7A8E-9149-348A421B70ED}"/>
+              </a:ext>
+            </a:extLst>
+          </p:cNvPr>
+          <p:cNvCxnSpPr>
+            <a:cxnSpLocks/>
+            <a:stCxn id="23" idx="1"/>
+            <a:endCxn id="9" idx="4"/>
+          </p:cNvCxnSpPr>
+          <p:nvPr/>
+        </p:nvCxnSpPr>
+        <p:spPr>
+          <a:xfrm flipH="1" flipV="1">
+            <a:off x="1043940" y="1453515"/>
+            <a:ext cx="1189404" cy="1875"/>
+          </a:xfrm>
+          <a:prstGeom prst="straightConnector1">
+            <a:avLst/>
+          </a:prstGeom>
+          <a:ln>
+            <a:tailEnd type="triangle"/>
+          </a:ln>
+        </p:spPr>
+        <p:style>
+          <a:lnRef idx="3">
+            <a:schemeClr val="accent1"/>
+          </a:lnRef>
+          <a:fillRef idx="0">
+            <a:schemeClr val="accent1"/>
+          </a:fillRef>
+          <a:effectRef idx="2">
+            <a:schemeClr val="accent1"/>
+          </a:effectRef>
+          <a:fontRef idx="minor">
+            <a:schemeClr val="tx1"/>
+          </a:fontRef>
+        </p:style>
+      </p:cxnSp>
+      <p:cxnSp>
+        <p:nvCxnSpPr>
+          <p:cNvPr id="36" name="直线箭头连接符 35">
+            <a:extLst>
+              <a:ext uri="{FF2B5EF4-FFF2-40B4-BE49-F238E27FC236}">
+                <a16:creationId xmlns:a16="http://schemas.microsoft.com/office/drawing/2014/main" id="{3D48C1BE-5E11-34F6-76D4-597FC323D3F3}"/>
+              </a:ext>
+            </a:extLst>
+          </p:cNvPr>
+          <p:cNvCxnSpPr>
+            <a:cxnSpLocks/>
+            <a:stCxn id="30" idx="1"/>
+            <a:endCxn id="32" idx="4"/>
+          </p:cNvCxnSpPr>
+          <p:nvPr/>
+        </p:nvCxnSpPr>
+        <p:spPr>
+          <a:xfrm flipH="1">
+            <a:off x="1051560" y="2891790"/>
+            <a:ext cx="1207432" cy="0"/>
+          </a:xfrm>
+          <a:prstGeom prst="straightConnector1">
+            <a:avLst/>
+          </a:prstGeom>
+          <a:ln>
+            <a:tailEnd type="triangle"/>
+          </a:ln>
+        </p:spPr>
+        <p:style>
+          <a:lnRef idx="3">
+            <a:schemeClr val="accent1"/>
+          </a:lnRef>
+          <a:fillRef idx="0">
+            <a:schemeClr val="accent1"/>
+          </a:fillRef>
+          <a:effectRef idx="2">
+            <a:schemeClr val="accent1"/>
+          </a:effectRef>
+          <a:fontRef idx="minor">
+            <a:schemeClr val="tx1"/>
+          </a:fontRef>
+        </p:style>
+      </p:cxnSp>
+      <p:sp>
+        <p:nvSpPr>
+          <p:cNvPr id="42" name="文本框 41">
+            <a:extLst>
+              <a:ext uri="{FF2B5EF4-FFF2-40B4-BE49-F238E27FC236}">
+                <a16:creationId xmlns:a16="http://schemas.microsoft.com/office/drawing/2014/main" id="{59A6C828-51DE-8474-8702-478904B0929E}"/>
+              </a:ext>
+            </a:extLst>
+          </p:cNvPr>
+          <p:cNvSpPr txBox="1"/>
+          <p:nvPr/>
+        </p:nvSpPr>
+        <p:spPr>
+          <a:xfrm>
+            <a:off x="3497579" y="599747"/>
+            <a:ext cx="800219" cy="461665"/>
+          </a:xfrm>
+          <a:prstGeom prst="rect">
+            <a:avLst/>
+          </a:prstGeom>
+          <a:noFill/>
+        </p:spPr>
+        <p:txBody>
+          <a:bodyPr wrap="none" rtlCol="0">
+            <a:spAutoFit/>
+          </a:bodyPr>
+          <a:lstStyle/>
+          <a:p>
+            <a:r>
+              <a:rPr kumimoji="1" lang="zh-CN" altLang="en-US" sz="1200" dirty="0">
+                <a:solidFill>
+                  <a:schemeClr val="accent2">
+                    <a:lumMod val="75000"/>
+                  </a:schemeClr>
+                </a:solidFill>
+              </a:rPr>
+              <a:t>收集信息</a:t>
+            </a:r>
+            <a:endParaRPr kumimoji="1" lang="en-US" altLang="zh-CN" sz="1200" dirty="0">
+              <a:solidFill>
+                <a:schemeClr val="accent2">
+                  <a:lumMod val="75000"/>
+                </a:schemeClr>
+              </a:solidFill>
+            </a:endParaRPr>
+          </a:p>
+          <a:p>
+            <a:pPr algn="ctr"/>
+            <a:r>
+              <a:rPr kumimoji="1" lang="zh-CN" altLang="en-US" sz="1200" dirty="0">
+                <a:solidFill>
+                  <a:schemeClr val="accent2">
+                    <a:lumMod val="75000"/>
+                  </a:schemeClr>
+                </a:solidFill>
+              </a:rPr>
+              <a:t>整合</a:t>
+            </a:r>
+          </a:p>
+        </p:txBody>
+      </p:sp>
+      <p:sp>
+        <p:nvSpPr>
+          <p:cNvPr id="43" name="文本框 42">
+            <a:extLst>
+              <a:ext uri="{FF2B5EF4-FFF2-40B4-BE49-F238E27FC236}">
+                <a16:creationId xmlns:a16="http://schemas.microsoft.com/office/drawing/2014/main" id="{5B2DC204-D838-4426-0701-25836C65D240}"/>
+              </a:ext>
+            </a:extLst>
+          </p:cNvPr>
+          <p:cNvSpPr txBox="1"/>
+          <p:nvPr/>
+        </p:nvSpPr>
+        <p:spPr>
+          <a:xfrm>
+            <a:off x="1204585" y="1229975"/>
+            <a:ext cx="800219" cy="461665"/>
+          </a:xfrm>
+          <a:prstGeom prst="rect">
+            <a:avLst/>
+          </a:prstGeom>
+          <a:noFill/>
+        </p:spPr>
+        <p:txBody>
+          <a:bodyPr wrap="none" rtlCol="0">
+            <a:spAutoFit/>
+          </a:bodyPr>
+          <a:lstStyle/>
+          <a:p>
+            <a:r>
+              <a:rPr kumimoji="1" lang="zh-CN" altLang="en-US" sz="1200" dirty="0">
+                <a:solidFill>
+                  <a:schemeClr val="accent2">
+                    <a:lumMod val="75000"/>
+                  </a:schemeClr>
+                </a:solidFill>
+              </a:rPr>
+              <a:t>学习内容</a:t>
+            </a:r>
+            <a:endParaRPr kumimoji="1" lang="en-US" altLang="zh-CN" sz="1200" dirty="0">
+              <a:solidFill>
+                <a:schemeClr val="accent2">
+                  <a:lumMod val="75000"/>
+                </a:schemeClr>
+              </a:solidFill>
+            </a:endParaRPr>
+          </a:p>
+          <a:p>
+            <a:r>
+              <a:rPr kumimoji="1" lang="zh-CN" altLang="en-US" sz="1200" dirty="0">
+                <a:solidFill>
+                  <a:schemeClr val="accent2">
+                    <a:lumMod val="75000"/>
+                  </a:schemeClr>
+                </a:solidFill>
+              </a:rPr>
+              <a:t>思考反思</a:t>
+            </a:r>
+          </a:p>
+        </p:txBody>
+      </p:sp>
+      <p:sp>
+        <p:nvSpPr>
+          <p:cNvPr id="44" name="文本框 43">
+            <a:extLst>
+              <a:ext uri="{FF2B5EF4-FFF2-40B4-BE49-F238E27FC236}">
+                <a16:creationId xmlns:a16="http://schemas.microsoft.com/office/drawing/2014/main" id="{A6D34589-3343-6321-F5DE-913E22CD1751}"/>
+              </a:ext>
+            </a:extLst>
+          </p:cNvPr>
+          <p:cNvSpPr txBox="1"/>
+          <p:nvPr/>
+        </p:nvSpPr>
+        <p:spPr>
+          <a:xfrm>
+            <a:off x="1190505" y="2660957"/>
+            <a:ext cx="1107996" cy="461665"/>
+          </a:xfrm>
+          <a:prstGeom prst="rect">
+            <a:avLst/>
+          </a:prstGeom>
+          <a:noFill/>
+        </p:spPr>
+        <p:txBody>
+          <a:bodyPr wrap="none" rtlCol="0">
+            <a:spAutoFit/>
+          </a:bodyPr>
+          <a:lstStyle/>
+          <a:p>
+            <a:r>
+              <a:rPr kumimoji="1" lang="zh-CN" altLang="en-US" sz="1200" dirty="0">
+                <a:solidFill>
+                  <a:schemeClr val="accent2">
+                    <a:lumMod val="75000"/>
+                  </a:schemeClr>
+                </a:solidFill>
+              </a:rPr>
+              <a:t>持续关注内容</a:t>
+            </a:r>
+            <a:endParaRPr kumimoji="1" lang="en-US" altLang="zh-CN" sz="1200" dirty="0">
+              <a:solidFill>
+                <a:schemeClr val="accent2">
+                  <a:lumMod val="75000"/>
+                </a:schemeClr>
+              </a:solidFill>
+            </a:endParaRPr>
+          </a:p>
+          <a:p>
+            <a:pPr algn="ctr"/>
+            <a:r>
+              <a:rPr kumimoji="1" lang="zh-CN" altLang="en-US" sz="1200" dirty="0">
+                <a:solidFill>
+                  <a:schemeClr val="accent2">
+                    <a:lumMod val="75000"/>
+                  </a:schemeClr>
+                </a:solidFill>
+              </a:rPr>
+              <a:t>提炼成项目</a:t>
+            </a:r>
+          </a:p>
+        </p:txBody>
+      </p:sp>
+      <p:sp>
+        <p:nvSpPr>
+          <p:cNvPr id="45" name="文本框 44">
+            <a:extLst>
+              <a:ext uri="{FF2B5EF4-FFF2-40B4-BE49-F238E27FC236}">
+                <a16:creationId xmlns:a16="http://schemas.microsoft.com/office/drawing/2014/main" id="{81A8C492-A49F-F84C-8D4F-A102310EDCFE}"/>
+              </a:ext>
+            </a:extLst>
+          </p:cNvPr>
+          <p:cNvSpPr txBox="1"/>
+          <p:nvPr/>
+        </p:nvSpPr>
+        <p:spPr>
+          <a:xfrm>
+            <a:off x="3329136" y="3365807"/>
+            <a:ext cx="1107996" cy="461665"/>
+          </a:xfrm>
+          <a:prstGeom prst="rect">
+            <a:avLst/>
+          </a:prstGeom>
+          <a:noFill/>
+        </p:spPr>
+        <p:txBody>
+          <a:bodyPr wrap="none" rtlCol="0">
+            <a:spAutoFit/>
+          </a:bodyPr>
+          <a:lstStyle/>
+          <a:p>
+            <a:pPr algn="ctr"/>
+            <a:r>
+              <a:rPr kumimoji="1" lang="zh-CN" altLang="en-US" sz="1200" dirty="0">
+                <a:solidFill>
+                  <a:schemeClr val="accent2">
+                    <a:lumMod val="75000"/>
+                  </a:schemeClr>
+                </a:solidFill>
+              </a:rPr>
+              <a:t>完成的项目</a:t>
+            </a:r>
+            <a:endParaRPr kumimoji="1" lang="en-US" altLang="zh-CN" sz="1200" dirty="0">
+              <a:solidFill>
+                <a:schemeClr val="accent2">
+                  <a:lumMod val="75000"/>
+                </a:schemeClr>
+              </a:solidFill>
+            </a:endParaRPr>
+          </a:p>
+          <a:p>
+            <a:r>
+              <a:rPr kumimoji="1" lang="zh-CN" altLang="en-US" sz="1200" dirty="0">
+                <a:solidFill>
+                  <a:schemeClr val="accent2">
+                    <a:lumMod val="75000"/>
+                  </a:schemeClr>
+                </a:solidFill>
+              </a:rPr>
+              <a:t>可复用成经验</a:t>
+            </a:r>
+          </a:p>
+        </p:txBody>
+      </p:sp>
+      <p:sp>
+        <p:nvSpPr>
+          <p:cNvPr id="46" name="文本框 45">
+            <a:extLst>
+              <a:ext uri="{FF2B5EF4-FFF2-40B4-BE49-F238E27FC236}">
+                <a16:creationId xmlns:a16="http://schemas.microsoft.com/office/drawing/2014/main" id="{6F857460-FC2B-13FE-B62D-17018C67AF6D}"/>
+              </a:ext>
+            </a:extLst>
+          </p:cNvPr>
+          <p:cNvSpPr txBox="1"/>
+          <p:nvPr/>
+        </p:nvSpPr>
+        <p:spPr>
+          <a:xfrm>
+            <a:off x="3177541" y="4748837"/>
+            <a:ext cx="1107996" cy="461665"/>
+          </a:xfrm>
+          <a:prstGeom prst="rect">
+            <a:avLst/>
+          </a:prstGeom>
+          <a:noFill/>
+        </p:spPr>
+        <p:txBody>
+          <a:bodyPr wrap="none" rtlCol="0">
+            <a:spAutoFit/>
+          </a:bodyPr>
+          <a:lstStyle/>
+          <a:p>
+            <a:pPr algn="ctr"/>
+            <a:r>
+              <a:rPr kumimoji="1" lang="zh-CN" altLang="en-US" sz="1200" dirty="0">
+                <a:solidFill>
+                  <a:schemeClr val="accent2">
+                    <a:lumMod val="75000"/>
+                  </a:schemeClr>
+                </a:solidFill>
+              </a:rPr>
+              <a:t>可随时记录的</a:t>
+            </a:r>
+            <a:endParaRPr kumimoji="1" lang="en-US" altLang="zh-CN" sz="1200" dirty="0">
+              <a:solidFill>
+                <a:schemeClr val="accent2">
+                  <a:lumMod val="75000"/>
+                </a:schemeClr>
+              </a:solidFill>
+            </a:endParaRPr>
+          </a:p>
+          <a:p>
+            <a:pPr algn="ctr"/>
+            <a:r>
+              <a:rPr kumimoji="1" lang="zh-CN" altLang="en-US" sz="1200" dirty="0">
+                <a:solidFill>
+                  <a:schemeClr val="accent2">
+                    <a:lumMod val="75000"/>
+                  </a:schemeClr>
+                </a:solidFill>
+              </a:rPr>
+              <a:t>零散想法</a:t>
+            </a:r>
+          </a:p>
+        </p:txBody>
+      </p:sp>
+    </p:spTree>
+    <p:extLst>
+      <p:ext uri="{BB962C8B-B14F-4D97-AF65-F5344CB8AC3E}">
+        <p14:creationId xmlns:p14="http://schemas.microsoft.com/office/powerpoint/2010/main" val="2466968922"/>
+      </p:ext>
+    </p:extLst>
+  </p:cSld>
+  <p:clrMapOvr>
+    <a:masterClrMapping/>
+  </p:clrMapOvr>
+</p:sld>
+</file>
+
 <file path=ppt/theme/theme1.xml><?xml version="1.0" encoding="utf-8"?>
 <a:theme xmlns:a="http://schemas.openxmlformats.org/drawingml/2006/main" name="Office 主题​​">
   <a:themeElements>

--- a/images/2023-07-19-ru-he-da-jian-shu-yu-zi-ji-de-zhi-shi-shou-ji-zheng-li-jia-gong-ti-xi/知识管理各种图片.pptx
+++ b/images/2023-07-19-ru-he-da-jian-shu-yu-zi-ji-de-zhi-shi-shou-ji-zheng-li-jia-gong-ti-xi/知识管理各种图片.pptx
@@ -11,6 +11,9 @@
     <p:sldId id="259" r:id="rId5"/>
     <p:sldId id="260" r:id="rId6"/>
     <p:sldId id="261" r:id="rId7"/>
+    <p:sldId id="262" r:id="rId8"/>
+    <p:sldId id="263" r:id="rId9"/>
+    <p:sldId id="264" r:id="rId10"/>
   </p:sldIdLst>
   <p:sldSz cx="12192000" cy="6858000"/>
   <p:notesSz cx="6858000" cy="9144000"/>
@@ -264,7 +267,7 @@
           <a:p>
             <a:fld id="{1FED3324-CAE9-C448-AEBB-5F479A408AD6}" type="datetimeFigureOut">
               <a:rPr kumimoji="1" lang="zh-CN" altLang="en-US" smtClean="0"/>
-              <a:t>2023/8/25</a:t>
+              <a:t>2023/8/27</a:t>
             </a:fld>
             <a:endParaRPr kumimoji="1" lang="zh-CN" altLang="en-US"/>
           </a:p>
@@ -462,7 +465,7 @@
           <a:p>
             <a:fld id="{1FED3324-CAE9-C448-AEBB-5F479A408AD6}" type="datetimeFigureOut">
               <a:rPr kumimoji="1" lang="zh-CN" altLang="en-US" smtClean="0"/>
-              <a:t>2023/8/25</a:t>
+              <a:t>2023/8/27</a:t>
             </a:fld>
             <a:endParaRPr kumimoji="1" lang="zh-CN" altLang="en-US"/>
           </a:p>
@@ -670,7 +673,7 @@
           <a:p>
             <a:fld id="{1FED3324-CAE9-C448-AEBB-5F479A408AD6}" type="datetimeFigureOut">
               <a:rPr kumimoji="1" lang="zh-CN" altLang="en-US" smtClean="0"/>
-              <a:t>2023/8/25</a:t>
+              <a:t>2023/8/27</a:t>
             </a:fld>
             <a:endParaRPr kumimoji="1" lang="zh-CN" altLang="en-US"/>
           </a:p>
@@ -868,7 +871,7 @@
           <a:p>
             <a:fld id="{1FED3324-CAE9-C448-AEBB-5F479A408AD6}" type="datetimeFigureOut">
               <a:rPr kumimoji="1" lang="zh-CN" altLang="en-US" smtClean="0"/>
-              <a:t>2023/8/25</a:t>
+              <a:t>2023/8/27</a:t>
             </a:fld>
             <a:endParaRPr kumimoji="1" lang="zh-CN" altLang="en-US"/>
           </a:p>
@@ -1143,7 +1146,7 @@
           <a:p>
             <a:fld id="{1FED3324-CAE9-C448-AEBB-5F479A408AD6}" type="datetimeFigureOut">
               <a:rPr kumimoji="1" lang="zh-CN" altLang="en-US" smtClean="0"/>
-              <a:t>2023/8/25</a:t>
+              <a:t>2023/8/27</a:t>
             </a:fld>
             <a:endParaRPr kumimoji="1" lang="zh-CN" altLang="en-US"/>
           </a:p>
@@ -1408,7 +1411,7 @@
           <a:p>
             <a:fld id="{1FED3324-CAE9-C448-AEBB-5F479A408AD6}" type="datetimeFigureOut">
               <a:rPr kumimoji="1" lang="zh-CN" altLang="en-US" smtClean="0"/>
-              <a:t>2023/8/25</a:t>
+              <a:t>2023/8/27</a:t>
             </a:fld>
             <a:endParaRPr kumimoji="1" lang="zh-CN" altLang="en-US"/>
           </a:p>
@@ -1820,7 +1823,7 @@
           <a:p>
             <a:fld id="{1FED3324-CAE9-C448-AEBB-5F479A408AD6}" type="datetimeFigureOut">
               <a:rPr kumimoji="1" lang="zh-CN" altLang="en-US" smtClean="0"/>
-              <a:t>2023/8/25</a:t>
+              <a:t>2023/8/27</a:t>
             </a:fld>
             <a:endParaRPr kumimoji="1" lang="zh-CN" altLang="en-US"/>
           </a:p>
@@ -1961,7 +1964,7 @@
           <a:p>
             <a:fld id="{1FED3324-CAE9-C448-AEBB-5F479A408AD6}" type="datetimeFigureOut">
               <a:rPr kumimoji="1" lang="zh-CN" altLang="en-US" smtClean="0"/>
-              <a:t>2023/8/25</a:t>
+              <a:t>2023/8/27</a:t>
             </a:fld>
             <a:endParaRPr kumimoji="1" lang="zh-CN" altLang="en-US"/>
           </a:p>
@@ -2074,7 +2077,7 @@
           <a:p>
             <a:fld id="{1FED3324-CAE9-C448-AEBB-5F479A408AD6}" type="datetimeFigureOut">
               <a:rPr kumimoji="1" lang="zh-CN" altLang="en-US" smtClean="0"/>
-              <a:t>2023/8/25</a:t>
+              <a:t>2023/8/27</a:t>
             </a:fld>
             <a:endParaRPr kumimoji="1" lang="zh-CN" altLang="en-US"/>
           </a:p>
@@ -2385,7 +2388,7 @@
           <a:p>
             <a:fld id="{1FED3324-CAE9-C448-AEBB-5F479A408AD6}" type="datetimeFigureOut">
               <a:rPr kumimoji="1" lang="zh-CN" altLang="en-US" smtClean="0"/>
-              <a:t>2023/8/25</a:t>
+              <a:t>2023/8/27</a:t>
             </a:fld>
             <a:endParaRPr kumimoji="1" lang="zh-CN" altLang="en-US"/>
           </a:p>
@@ -2673,7 +2676,7 @@
           <a:p>
             <a:fld id="{1FED3324-CAE9-C448-AEBB-5F479A408AD6}" type="datetimeFigureOut">
               <a:rPr kumimoji="1" lang="zh-CN" altLang="en-US" smtClean="0"/>
-              <a:t>2023/8/25</a:t>
+              <a:t>2023/8/27</a:t>
             </a:fld>
             <a:endParaRPr kumimoji="1" lang="zh-CN" altLang="en-US"/>
           </a:p>
@@ -2914,7 +2917,7 @@
           <a:p>
             <a:fld id="{1FED3324-CAE9-C448-AEBB-5F479A408AD6}" type="datetimeFigureOut">
               <a:rPr kumimoji="1" lang="zh-CN" altLang="en-US" smtClean="0"/>
-              <a:t>2023/8/25</a:t>
+              <a:t>2023/8/27</a:t>
             </a:fld>
             <a:endParaRPr kumimoji="1" lang="zh-CN" altLang="en-US"/>
           </a:p>
@@ -7645,6 +7648,3830 @@
 </p:sld>
 </file>
 
+<file path=ppt/slides/slide7.xml><?xml version="1.0" encoding="utf-8"?>
+<p:sld xmlns:a="http://schemas.openxmlformats.org/drawingml/2006/main" xmlns:r="http://schemas.openxmlformats.org/officeDocument/2006/relationships" xmlns:p="http://schemas.openxmlformats.org/presentationml/2006/main">
+  <p:cSld>
+    <p:spTree>
+      <p:nvGrpSpPr>
+        <p:cNvPr id="1" name=""/>
+        <p:cNvGrpSpPr/>
+        <p:nvPr/>
+      </p:nvGrpSpPr>
+      <p:grpSpPr>
+        <a:xfrm>
+          <a:off x="0" y="0"/>
+          <a:ext cx="0" cy="0"/>
+          <a:chOff x="0" y="0"/>
+          <a:chExt cx="0" cy="0"/>
+        </a:xfrm>
+      </p:grpSpPr>
+      <p:sp>
+        <p:nvSpPr>
+          <p:cNvPr id="4" name="矩形 3">
+            <a:extLst>
+              <a:ext uri="{FF2B5EF4-FFF2-40B4-BE49-F238E27FC236}">
+                <a16:creationId xmlns:a16="http://schemas.microsoft.com/office/drawing/2014/main" id="{E5F3674D-3738-C848-D3A4-77D3F714B75B}"/>
+              </a:ext>
+            </a:extLst>
+          </p:cNvPr>
+          <p:cNvSpPr/>
+          <p:nvPr/>
+        </p:nvSpPr>
+        <p:spPr>
+          <a:xfrm>
+            <a:off x="1051933" y="4505719"/>
+            <a:ext cx="1345580" cy="676507"/>
+          </a:xfrm>
+          <a:prstGeom prst="rect">
+            <a:avLst/>
+          </a:prstGeom>
+        </p:spPr>
+        <p:style>
+          <a:lnRef idx="0">
+            <a:schemeClr val="accent3"/>
+          </a:lnRef>
+          <a:fillRef idx="3">
+            <a:schemeClr val="accent3"/>
+          </a:fillRef>
+          <a:effectRef idx="3">
+            <a:schemeClr val="accent3"/>
+          </a:effectRef>
+          <a:fontRef idx="minor">
+            <a:schemeClr val="lt1"/>
+          </a:fontRef>
+        </p:style>
+        <p:txBody>
+          <a:bodyPr rtlCol="0" anchor="ctr"/>
+          <a:lstStyle/>
+          <a:p>
+            <a:pPr algn="ctr"/>
+            <a:r>
+              <a:rPr kumimoji="1" lang="zh-CN" altLang="en-US" dirty="0"/>
+              <a:t>收集</a:t>
+            </a:r>
+            <a:r>
+              <a:rPr kumimoji="1" lang="en-US" altLang="zh-CN" dirty="0"/>
+              <a:t>/</a:t>
+            </a:r>
+            <a:r>
+              <a:rPr kumimoji="1" lang="zh-CN" altLang="en-US" dirty="0"/>
+              <a:t>录入</a:t>
+            </a:r>
+          </a:p>
+        </p:txBody>
+      </p:sp>
+      <p:sp>
+        <p:nvSpPr>
+          <p:cNvPr id="5" name="矩形 4">
+            <a:extLst>
+              <a:ext uri="{FF2B5EF4-FFF2-40B4-BE49-F238E27FC236}">
+                <a16:creationId xmlns:a16="http://schemas.microsoft.com/office/drawing/2014/main" id="{A7BBBE15-BFC6-5A95-491F-5B76CAFE35D2}"/>
+              </a:ext>
+            </a:extLst>
+          </p:cNvPr>
+          <p:cNvSpPr/>
+          <p:nvPr/>
+        </p:nvSpPr>
+        <p:spPr>
+          <a:xfrm>
+            <a:off x="3178098" y="4505719"/>
+            <a:ext cx="1345580" cy="676507"/>
+          </a:xfrm>
+          <a:prstGeom prst="rect">
+            <a:avLst/>
+          </a:prstGeom>
+        </p:spPr>
+        <p:style>
+          <a:lnRef idx="2">
+            <a:schemeClr val="accent4">
+              <a:shade val="15000"/>
+            </a:schemeClr>
+          </a:lnRef>
+          <a:fillRef idx="1">
+            <a:schemeClr val="accent4"/>
+          </a:fillRef>
+          <a:effectRef idx="0">
+            <a:schemeClr val="accent4"/>
+          </a:effectRef>
+          <a:fontRef idx="minor">
+            <a:schemeClr val="lt1"/>
+          </a:fontRef>
+        </p:style>
+        <p:txBody>
+          <a:bodyPr rtlCol="0" anchor="ctr"/>
+          <a:lstStyle/>
+          <a:p>
+            <a:pPr algn="ctr"/>
+            <a:r>
+              <a:rPr kumimoji="1" lang="zh-CN" altLang="en-US" dirty="0"/>
+              <a:t>整理</a:t>
+            </a:r>
+            <a:r>
+              <a:rPr kumimoji="1" lang="en-US" altLang="zh-CN" dirty="0"/>
+              <a:t>/</a:t>
+            </a:r>
+            <a:r>
+              <a:rPr kumimoji="1" lang="zh-CN" altLang="en-US" dirty="0"/>
+              <a:t>梳理</a:t>
+            </a:r>
+          </a:p>
+        </p:txBody>
+      </p:sp>
+      <p:sp>
+        <p:nvSpPr>
+          <p:cNvPr id="6" name="矩形 5">
+            <a:extLst>
+              <a:ext uri="{FF2B5EF4-FFF2-40B4-BE49-F238E27FC236}">
+                <a16:creationId xmlns:a16="http://schemas.microsoft.com/office/drawing/2014/main" id="{C66B773A-896B-9277-0F81-B9CD89E0AD78}"/>
+              </a:ext>
+            </a:extLst>
+          </p:cNvPr>
+          <p:cNvSpPr/>
+          <p:nvPr/>
+        </p:nvSpPr>
+        <p:spPr>
+          <a:xfrm>
+            <a:off x="5304263" y="4520586"/>
+            <a:ext cx="1345580" cy="676507"/>
+          </a:xfrm>
+          <a:prstGeom prst="rect">
+            <a:avLst/>
+          </a:prstGeom>
+        </p:spPr>
+        <p:style>
+          <a:lnRef idx="2">
+            <a:schemeClr val="accent2">
+              <a:shade val="15000"/>
+            </a:schemeClr>
+          </a:lnRef>
+          <a:fillRef idx="1">
+            <a:schemeClr val="accent2"/>
+          </a:fillRef>
+          <a:effectRef idx="0">
+            <a:schemeClr val="accent2"/>
+          </a:effectRef>
+          <a:fontRef idx="minor">
+            <a:schemeClr val="lt1"/>
+          </a:fontRef>
+        </p:style>
+        <p:txBody>
+          <a:bodyPr rtlCol="0" anchor="ctr"/>
+          <a:lstStyle/>
+          <a:p>
+            <a:pPr algn="ctr"/>
+            <a:r>
+              <a:rPr kumimoji="1" lang="zh-CN" altLang="en-US" dirty="0"/>
+              <a:t>提炼</a:t>
+            </a:r>
+            <a:r>
+              <a:rPr kumimoji="1" lang="en-US" altLang="zh-CN" dirty="0"/>
+              <a:t>/</a:t>
+            </a:r>
+            <a:r>
+              <a:rPr kumimoji="1" lang="zh-CN" altLang="en-US" dirty="0"/>
+              <a:t>使用</a:t>
+            </a:r>
+          </a:p>
+        </p:txBody>
+      </p:sp>
+      <p:sp>
+        <p:nvSpPr>
+          <p:cNvPr id="7" name="矩形 6">
+            <a:extLst>
+              <a:ext uri="{FF2B5EF4-FFF2-40B4-BE49-F238E27FC236}">
+                <a16:creationId xmlns:a16="http://schemas.microsoft.com/office/drawing/2014/main" id="{1FF8A0D1-29B1-2734-41A6-70517F73B8A2}"/>
+              </a:ext>
+            </a:extLst>
+          </p:cNvPr>
+          <p:cNvSpPr/>
+          <p:nvPr/>
+        </p:nvSpPr>
+        <p:spPr>
+          <a:xfrm>
+            <a:off x="7430428" y="4520586"/>
+            <a:ext cx="1345580" cy="676507"/>
+          </a:xfrm>
+          <a:prstGeom prst="rect">
+            <a:avLst/>
+          </a:prstGeom>
+        </p:spPr>
+        <p:style>
+          <a:lnRef idx="0">
+            <a:schemeClr val="accent6"/>
+          </a:lnRef>
+          <a:fillRef idx="3">
+            <a:schemeClr val="accent6"/>
+          </a:fillRef>
+          <a:effectRef idx="3">
+            <a:schemeClr val="accent6"/>
+          </a:effectRef>
+          <a:fontRef idx="minor">
+            <a:schemeClr val="lt1"/>
+          </a:fontRef>
+        </p:style>
+        <p:txBody>
+          <a:bodyPr rtlCol="0" anchor="ctr"/>
+          <a:lstStyle/>
+          <a:p>
+            <a:pPr algn="ctr"/>
+            <a:r>
+              <a:rPr kumimoji="1" lang="zh-CN" altLang="en-US" dirty="0"/>
+              <a:t>输出</a:t>
+            </a:r>
+            <a:r>
+              <a:rPr kumimoji="1" lang="en-US" altLang="zh-CN" dirty="0"/>
+              <a:t>/</a:t>
+            </a:r>
+            <a:r>
+              <a:rPr kumimoji="1" lang="zh-CN" altLang="en-US" dirty="0"/>
+              <a:t>使用</a:t>
+            </a:r>
+          </a:p>
+        </p:txBody>
+      </p:sp>
+      <p:sp>
+        <p:nvSpPr>
+          <p:cNvPr id="9" name="文本框 8">
+            <a:extLst>
+              <a:ext uri="{FF2B5EF4-FFF2-40B4-BE49-F238E27FC236}">
+                <a16:creationId xmlns:a16="http://schemas.microsoft.com/office/drawing/2014/main" id="{D6726B47-8091-6411-41FF-F5606C244241}"/>
+              </a:ext>
+            </a:extLst>
+          </p:cNvPr>
+          <p:cNvSpPr txBox="1"/>
+          <p:nvPr/>
+        </p:nvSpPr>
+        <p:spPr>
+          <a:xfrm>
+            <a:off x="1051933" y="1758983"/>
+            <a:ext cx="1550424" cy="2677656"/>
+          </a:xfrm>
+          <a:prstGeom prst="rect">
+            <a:avLst/>
+          </a:prstGeom>
+          <a:noFill/>
+        </p:spPr>
+        <p:txBody>
+          <a:bodyPr wrap="none" rtlCol="0">
+            <a:spAutoFit/>
+          </a:bodyPr>
+          <a:lstStyle/>
+          <a:p>
+            <a:pPr marL="285750" indent="-285750">
+              <a:buFont typeface="Wingdings" pitchFamily="2" charset="2"/>
+              <a:buChar char="Ø"/>
+            </a:pPr>
+            <a:r>
+              <a:rPr kumimoji="1" lang="zh-CN" altLang="en-US" sz="1400" dirty="0"/>
+              <a:t>突发灵感</a:t>
+            </a:r>
+            <a:endParaRPr kumimoji="1" lang="en-US" altLang="zh-CN" sz="1400" dirty="0"/>
+          </a:p>
+          <a:p>
+            <a:pPr marL="285750" indent="-285750">
+              <a:buFont typeface="Wingdings" pitchFamily="2" charset="2"/>
+              <a:buChar char="Ø"/>
+            </a:pPr>
+            <a:r>
+              <a:rPr kumimoji="1" lang="zh-CN" altLang="en-US" sz="1400" dirty="0"/>
+              <a:t>课程学习</a:t>
+            </a:r>
+            <a:endParaRPr kumimoji="1" lang="en-US" altLang="zh-CN" sz="1400" dirty="0"/>
+          </a:p>
+          <a:p>
+            <a:pPr marL="285750" indent="-285750">
+              <a:buFont typeface="Wingdings" pitchFamily="2" charset="2"/>
+              <a:buChar char="Ø"/>
+            </a:pPr>
+            <a:r>
+              <a:rPr kumimoji="1" lang="zh-CN" altLang="en-US" sz="1400" dirty="0"/>
+              <a:t>读书笔记</a:t>
+            </a:r>
+            <a:endParaRPr kumimoji="1" lang="en-US" altLang="zh-CN" sz="1400" dirty="0"/>
+          </a:p>
+          <a:p>
+            <a:pPr marL="285750" indent="-285750">
+              <a:buFont typeface="Wingdings" pitchFamily="2" charset="2"/>
+              <a:buChar char="Ø"/>
+            </a:pPr>
+            <a:r>
+              <a:rPr kumimoji="1" lang="zh-CN" altLang="en-US" sz="1400" dirty="0"/>
+              <a:t>网页文章</a:t>
+            </a:r>
+            <a:endParaRPr kumimoji="1" lang="en-US" altLang="zh-CN" sz="1400" dirty="0"/>
+          </a:p>
+          <a:p>
+            <a:pPr marL="285750" indent="-285750">
+              <a:buFont typeface="Wingdings" pitchFamily="2" charset="2"/>
+              <a:buChar char="Ø"/>
+            </a:pPr>
+            <a:r>
+              <a:rPr kumimoji="1" lang="zh-CN" altLang="en-US" sz="1400" dirty="0"/>
+              <a:t>公众号内容</a:t>
+            </a:r>
+            <a:endParaRPr kumimoji="1" lang="en-US" altLang="zh-CN" sz="1400" dirty="0"/>
+          </a:p>
+          <a:p>
+            <a:pPr marL="285750" indent="-285750">
+              <a:buFont typeface="Wingdings" pitchFamily="2" charset="2"/>
+              <a:buChar char="Ø"/>
+            </a:pPr>
+            <a:r>
+              <a:rPr kumimoji="1" lang="zh-CN" altLang="en-US" sz="1400" dirty="0"/>
+              <a:t>点赞收藏</a:t>
+            </a:r>
+            <a:endParaRPr kumimoji="1" lang="en-US" altLang="zh-CN" sz="1400" dirty="0"/>
+          </a:p>
+          <a:p>
+            <a:pPr marL="285750" indent="-285750">
+              <a:buFont typeface="Wingdings" pitchFamily="2" charset="2"/>
+              <a:buChar char="Ø"/>
+            </a:pPr>
+            <a:r>
+              <a:rPr kumimoji="1" lang="zh-CN" altLang="en-US" sz="1400" dirty="0"/>
+              <a:t>推</a:t>
+            </a:r>
+            <a:r>
+              <a:rPr kumimoji="1" lang="en-US" altLang="zh-CN" sz="1400" dirty="0"/>
+              <a:t>/</a:t>
+            </a:r>
+            <a:r>
+              <a:rPr kumimoji="1" lang="zh-CN" altLang="en-US" sz="1400" dirty="0"/>
+              <a:t>油管</a:t>
+            </a:r>
+            <a:endParaRPr kumimoji="1" lang="en-US" altLang="zh-CN" sz="1400" dirty="0"/>
+          </a:p>
+          <a:p>
+            <a:pPr marL="285750" indent="-285750">
+              <a:buFont typeface="Wingdings" pitchFamily="2" charset="2"/>
+              <a:buChar char="Ø"/>
+            </a:pPr>
+            <a:r>
+              <a:rPr kumimoji="1" lang="zh-CN" altLang="en-US" sz="1400" dirty="0"/>
+              <a:t>阶段性成果</a:t>
+            </a:r>
+            <a:endParaRPr kumimoji="1" lang="en-US" altLang="zh-CN" sz="1400" dirty="0"/>
+          </a:p>
+          <a:p>
+            <a:pPr marL="285750" indent="-285750">
+              <a:buFont typeface="Wingdings" pitchFamily="2" charset="2"/>
+              <a:buChar char="Ø"/>
+            </a:pPr>
+            <a:r>
+              <a:rPr kumimoji="1" lang="zh-CN" altLang="en-US" sz="1400" dirty="0"/>
+              <a:t>各种工作文档</a:t>
+            </a:r>
+            <a:endParaRPr kumimoji="1" lang="en-US" altLang="zh-CN" sz="1400" dirty="0"/>
+          </a:p>
+          <a:p>
+            <a:pPr marL="285750" indent="-285750">
+              <a:buFont typeface="Wingdings" pitchFamily="2" charset="2"/>
+              <a:buChar char="Ø"/>
+            </a:pPr>
+            <a:r>
+              <a:rPr kumimoji="1" lang="zh-CN" altLang="en-US" sz="1400" dirty="0"/>
+              <a:t>项目文档</a:t>
+            </a:r>
+            <a:endParaRPr kumimoji="1" lang="en-US" altLang="zh-CN" sz="1400" dirty="0"/>
+          </a:p>
+          <a:p>
+            <a:pPr marL="285750" indent="-285750">
+              <a:buFont typeface="Wingdings" pitchFamily="2" charset="2"/>
+              <a:buChar char="Ø"/>
+            </a:pPr>
+            <a:r>
+              <a:rPr kumimoji="1" lang="en-US" altLang="zh-CN" sz="1400" dirty="0"/>
+              <a:t>RSS</a:t>
+            </a:r>
+            <a:r>
+              <a:rPr kumimoji="1" lang="zh-CN" altLang="en-US" sz="1400" dirty="0"/>
+              <a:t>源</a:t>
+            </a:r>
+            <a:endParaRPr kumimoji="1" lang="en-US" altLang="zh-CN" sz="1400" dirty="0"/>
+          </a:p>
+          <a:p>
+            <a:pPr marL="285750" indent="-285750">
+              <a:buFont typeface="Wingdings" pitchFamily="2" charset="2"/>
+              <a:buChar char="Ø"/>
+            </a:pPr>
+            <a:r>
+              <a:rPr kumimoji="1" lang="en-US" altLang="zh-CN" sz="1400" dirty="0"/>
+              <a:t>……</a:t>
+            </a:r>
+            <a:endParaRPr kumimoji="1" lang="zh-CN" altLang="en-US" sz="1400" dirty="0"/>
+          </a:p>
+        </p:txBody>
+      </p:sp>
+      <p:sp>
+        <p:nvSpPr>
+          <p:cNvPr id="10" name="圆柱体 9">
+            <a:extLst>
+              <a:ext uri="{FF2B5EF4-FFF2-40B4-BE49-F238E27FC236}">
+                <a16:creationId xmlns:a16="http://schemas.microsoft.com/office/drawing/2014/main" id="{756E152F-82EA-0372-ACF7-3D6DD1DE8D6F}"/>
+              </a:ext>
+            </a:extLst>
+          </p:cNvPr>
+          <p:cNvSpPr/>
+          <p:nvPr/>
+        </p:nvSpPr>
+        <p:spPr>
+          <a:xfrm>
+            <a:off x="1241503" y="5460381"/>
+            <a:ext cx="966439" cy="1208048"/>
+          </a:xfrm>
+          <a:prstGeom prst="can">
+            <a:avLst/>
+          </a:prstGeom>
+        </p:spPr>
+        <p:style>
+          <a:lnRef idx="0">
+            <a:schemeClr val="accent6"/>
+          </a:lnRef>
+          <a:fillRef idx="3">
+            <a:schemeClr val="accent6"/>
+          </a:fillRef>
+          <a:effectRef idx="3">
+            <a:schemeClr val="accent6"/>
+          </a:effectRef>
+          <a:fontRef idx="minor">
+            <a:schemeClr val="lt1"/>
+          </a:fontRef>
+        </p:style>
+        <p:txBody>
+          <a:bodyPr rtlCol="0" anchor="ctr"/>
+          <a:lstStyle/>
+          <a:p>
+            <a:pPr algn="ctr"/>
+            <a:r>
+              <a:rPr kumimoji="1" lang="zh-CN" altLang="en-US" sz="1400" dirty="0"/>
+              <a:t>文件系统</a:t>
+            </a:r>
+            <a:r>
+              <a:rPr kumimoji="1" lang="en-US" altLang="zh-CN" sz="1400" dirty="0"/>
+              <a:t>/</a:t>
+            </a:r>
+            <a:r>
+              <a:rPr kumimoji="1" lang="zh-CN" altLang="en-US" sz="1400" dirty="0"/>
+              <a:t>信息库</a:t>
+            </a:r>
+          </a:p>
+        </p:txBody>
+      </p:sp>
+      <p:sp>
+        <p:nvSpPr>
+          <p:cNvPr id="11" name="文本框 10">
+            <a:extLst>
+              <a:ext uri="{FF2B5EF4-FFF2-40B4-BE49-F238E27FC236}">
+                <a16:creationId xmlns:a16="http://schemas.microsoft.com/office/drawing/2014/main" id="{FB8F721E-1861-99E5-265C-C597E01D4AAD}"/>
+              </a:ext>
+            </a:extLst>
+          </p:cNvPr>
+          <p:cNvSpPr txBox="1"/>
+          <p:nvPr/>
+        </p:nvSpPr>
+        <p:spPr>
+          <a:xfrm>
+            <a:off x="3178098" y="3482532"/>
+            <a:ext cx="1550424" cy="954107"/>
+          </a:xfrm>
+          <a:prstGeom prst="rect">
+            <a:avLst/>
+          </a:prstGeom>
+          <a:noFill/>
+        </p:spPr>
+        <p:txBody>
+          <a:bodyPr wrap="none" rtlCol="0">
+            <a:spAutoFit/>
+          </a:bodyPr>
+          <a:lstStyle/>
+          <a:p>
+            <a:pPr marL="285750" indent="-285750">
+              <a:buFont typeface="Wingdings" pitchFamily="2" charset="2"/>
+              <a:buChar char="Ø"/>
+            </a:pPr>
+            <a:r>
+              <a:rPr kumimoji="1" lang="zh-CN" altLang="en-US" sz="1400" dirty="0"/>
+              <a:t>整理后的文章</a:t>
+            </a:r>
+            <a:endParaRPr kumimoji="1" lang="en-US" altLang="zh-CN" sz="1400" dirty="0"/>
+          </a:p>
+          <a:p>
+            <a:pPr marL="285750" indent="-285750">
+              <a:buFont typeface="Wingdings" pitchFamily="2" charset="2"/>
+              <a:buChar char="Ø"/>
+            </a:pPr>
+            <a:r>
+              <a:rPr kumimoji="1" lang="zh-CN" altLang="en-US" sz="1400" dirty="0"/>
+              <a:t>音频</a:t>
+            </a:r>
+            <a:r>
+              <a:rPr kumimoji="1" lang="en-US" altLang="zh-CN" sz="1400" dirty="0"/>
+              <a:t>/</a:t>
+            </a:r>
+            <a:r>
+              <a:rPr kumimoji="1" lang="zh-CN" altLang="en-US" sz="1400" dirty="0"/>
+              <a:t>视频</a:t>
+            </a:r>
+            <a:endParaRPr kumimoji="1" lang="en-US" altLang="zh-CN" sz="1400" dirty="0"/>
+          </a:p>
+          <a:p>
+            <a:pPr marL="285750" indent="-285750">
+              <a:buFont typeface="Wingdings" pitchFamily="2" charset="2"/>
+              <a:buChar char="Ø"/>
+            </a:pPr>
+            <a:r>
+              <a:rPr kumimoji="1" lang="zh-CN" altLang="en-US" sz="1400" dirty="0"/>
+              <a:t>图片素材</a:t>
+            </a:r>
+            <a:endParaRPr kumimoji="1" lang="en-US" altLang="zh-CN" sz="1400" dirty="0"/>
+          </a:p>
+          <a:p>
+            <a:pPr marL="285750" indent="-285750">
+              <a:buFont typeface="Wingdings" pitchFamily="2" charset="2"/>
+              <a:buChar char="Ø"/>
+            </a:pPr>
+            <a:r>
+              <a:rPr kumimoji="1" lang="en-US" altLang="zh-CN" sz="1400" dirty="0"/>
+              <a:t>……</a:t>
+            </a:r>
+            <a:endParaRPr kumimoji="1" lang="zh-CN" altLang="en-US" sz="1400" dirty="0"/>
+          </a:p>
+        </p:txBody>
+      </p:sp>
+      <p:sp>
+        <p:nvSpPr>
+          <p:cNvPr id="12" name="圆柱体 11">
+            <a:extLst>
+              <a:ext uri="{FF2B5EF4-FFF2-40B4-BE49-F238E27FC236}">
+                <a16:creationId xmlns:a16="http://schemas.microsoft.com/office/drawing/2014/main" id="{522F6FCF-6F76-9356-46C3-7CDA1E9A0E1D}"/>
+              </a:ext>
+            </a:extLst>
+          </p:cNvPr>
+          <p:cNvSpPr/>
+          <p:nvPr/>
+        </p:nvSpPr>
+        <p:spPr>
+          <a:xfrm>
+            <a:off x="7675756" y="5460381"/>
+            <a:ext cx="966439" cy="1208048"/>
+          </a:xfrm>
+          <a:prstGeom prst="can">
+            <a:avLst/>
+          </a:prstGeom>
+        </p:spPr>
+        <p:style>
+          <a:lnRef idx="0">
+            <a:schemeClr val="accent6"/>
+          </a:lnRef>
+          <a:fillRef idx="3">
+            <a:schemeClr val="accent6"/>
+          </a:fillRef>
+          <a:effectRef idx="3">
+            <a:schemeClr val="accent6"/>
+          </a:effectRef>
+          <a:fontRef idx="minor">
+            <a:schemeClr val="lt1"/>
+          </a:fontRef>
+        </p:style>
+        <p:txBody>
+          <a:bodyPr rtlCol="0" anchor="ctr"/>
+          <a:lstStyle/>
+          <a:p>
+            <a:pPr algn="ctr"/>
+            <a:r>
+              <a:rPr kumimoji="1" lang="zh-CN" altLang="en-US" sz="1400" dirty="0"/>
+              <a:t>深度知识库</a:t>
+            </a:r>
+          </a:p>
+        </p:txBody>
+      </p:sp>
+      <p:sp>
+        <p:nvSpPr>
+          <p:cNvPr id="13" name="文本框 12">
+            <a:extLst>
+              <a:ext uri="{FF2B5EF4-FFF2-40B4-BE49-F238E27FC236}">
+                <a16:creationId xmlns:a16="http://schemas.microsoft.com/office/drawing/2014/main" id="{52F1C18A-C015-4C34-D11A-4561B9DEE75D}"/>
+              </a:ext>
+            </a:extLst>
+          </p:cNvPr>
+          <p:cNvSpPr txBox="1"/>
+          <p:nvPr/>
+        </p:nvSpPr>
+        <p:spPr>
+          <a:xfrm>
+            <a:off x="7430428" y="3267088"/>
+            <a:ext cx="1550424" cy="1169551"/>
+          </a:xfrm>
+          <a:prstGeom prst="rect">
+            <a:avLst/>
+          </a:prstGeom>
+          <a:noFill/>
+        </p:spPr>
+        <p:txBody>
+          <a:bodyPr wrap="none" rtlCol="0">
+            <a:spAutoFit/>
+          </a:bodyPr>
+          <a:lstStyle/>
+          <a:p>
+            <a:pPr marL="285750" indent="-285750">
+              <a:buFont typeface="Wingdings" pitchFamily="2" charset="2"/>
+              <a:buChar char="Ø"/>
+            </a:pPr>
+            <a:r>
+              <a:rPr kumimoji="1" lang="zh-CN" altLang="en-US" sz="1400" dirty="0"/>
+              <a:t>发到公众号</a:t>
+            </a:r>
+            <a:endParaRPr kumimoji="1" lang="en-US" altLang="zh-CN" sz="1400" dirty="0"/>
+          </a:p>
+          <a:p>
+            <a:pPr marL="285750" indent="-285750">
+              <a:buFont typeface="Wingdings" pitchFamily="2" charset="2"/>
+              <a:buChar char="Ø"/>
+            </a:pPr>
+            <a:r>
+              <a:rPr kumimoji="1" lang="zh-CN" altLang="en-US" sz="1400" dirty="0"/>
+              <a:t>发到博客</a:t>
+            </a:r>
+            <a:endParaRPr kumimoji="1" lang="en-US" altLang="zh-CN" sz="1400" dirty="0"/>
+          </a:p>
+          <a:p>
+            <a:pPr marL="285750" indent="-285750">
+              <a:buFont typeface="Wingdings" pitchFamily="2" charset="2"/>
+              <a:buChar char="Ø"/>
+            </a:pPr>
+            <a:r>
+              <a:rPr kumimoji="1" lang="zh-CN" altLang="en-US" sz="1400" dirty="0"/>
+              <a:t>发到视频网站</a:t>
+            </a:r>
+            <a:endParaRPr kumimoji="1" lang="en-US" altLang="zh-CN" sz="1400" dirty="0"/>
+          </a:p>
+          <a:p>
+            <a:pPr marL="285750" indent="-285750">
+              <a:buFont typeface="Wingdings" pitchFamily="2" charset="2"/>
+              <a:buChar char="Ø"/>
+            </a:pPr>
+            <a:r>
+              <a:rPr kumimoji="1" lang="zh-CN" altLang="en-US" sz="1400" dirty="0"/>
+              <a:t>内部分享</a:t>
+            </a:r>
+            <a:endParaRPr kumimoji="1" lang="en-US" altLang="zh-CN" sz="1400" dirty="0"/>
+          </a:p>
+          <a:p>
+            <a:pPr marL="285750" indent="-285750">
+              <a:buFont typeface="Wingdings" pitchFamily="2" charset="2"/>
+              <a:buChar char="Ø"/>
+            </a:pPr>
+            <a:r>
+              <a:rPr kumimoji="1" lang="en-US" altLang="zh-CN" sz="1400" dirty="0"/>
+              <a:t>……</a:t>
+            </a:r>
+            <a:endParaRPr kumimoji="1" lang="zh-CN" altLang="en-US" sz="1400" dirty="0"/>
+          </a:p>
+        </p:txBody>
+      </p:sp>
+      <p:sp>
+        <p:nvSpPr>
+          <p:cNvPr id="14" name="圆柱体 13">
+            <a:extLst>
+              <a:ext uri="{FF2B5EF4-FFF2-40B4-BE49-F238E27FC236}">
+                <a16:creationId xmlns:a16="http://schemas.microsoft.com/office/drawing/2014/main" id="{DAA2A608-6906-4563-638D-E8603D071F1D}"/>
+              </a:ext>
+            </a:extLst>
+          </p:cNvPr>
+          <p:cNvSpPr/>
+          <p:nvPr/>
+        </p:nvSpPr>
+        <p:spPr>
+          <a:xfrm>
+            <a:off x="3367668" y="5460381"/>
+            <a:ext cx="966439" cy="1208048"/>
+          </a:xfrm>
+          <a:prstGeom prst="can">
+            <a:avLst/>
+          </a:prstGeom>
+        </p:spPr>
+        <p:style>
+          <a:lnRef idx="0">
+            <a:schemeClr val="accent6"/>
+          </a:lnRef>
+          <a:fillRef idx="3">
+            <a:schemeClr val="accent6"/>
+          </a:fillRef>
+          <a:effectRef idx="3">
+            <a:schemeClr val="accent6"/>
+          </a:effectRef>
+          <a:fontRef idx="minor">
+            <a:schemeClr val="lt1"/>
+          </a:fontRef>
+        </p:style>
+        <p:txBody>
+          <a:bodyPr rtlCol="0" anchor="ctr"/>
+          <a:lstStyle/>
+          <a:p>
+            <a:pPr algn="ctr"/>
+            <a:r>
+              <a:rPr kumimoji="1" lang="zh-CN" altLang="en-US" sz="1400" dirty="0"/>
+              <a:t>文件系统</a:t>
+            </a:r>
+            <a:r>
+              <a:rPr kumimoji="1" lang="en-US" altLang="zh-CN" sz="1400" dirty="0"/>
+              <a:t>/</a:t>
+            </a:r>
+            <a:r>
+              <a:rPr kumimoji="1" lang="zh-CN" altLang="en-US" sz="1400" dirty="0"/>
+              <a:t>知识库</a:t>
+            </a:r>
+          </a:p>
+        </p:txBody>
+      </p:sp>
+      <p:cxnSp>
+        <p:nvCxnSpPr>
+          <p:cNvPr id="16" name="直线箭头连接符 15">
+            <a:extLst>
+              <a:ext uri="{FF2B5EF4-FFF2-40B4-BE49-F238E27FC236}">
+                <a16:creationId xmlns:a16="http://schemas.microsoft.com/office/drawing/2014/main" id="{87FD9A31-4162-0DC2-3091-8BA35702EC38}"/>
+              </a:ext>
+            </a:extLst>
+          </p:cNvPr>
+          <p:cNvCxnSpPr>
+            <a:stCxn id="4" idx="3"/>
+            <a:endCxn id="5" idx="1"/>
+          </p:cNvCxnSpPr>
+          <p:nvPr/>
+        </p:nvCxnSpPr>
+        <p:spPr>
+          <a:xfrm>
+            <a:off x="2397513" y="4843973"/>
+            <a:ext cx="780585" cy="0"/>
+          </a:xfrm>
+          <a:prstGeom prst="straightConnector1">
+            <a:avLst/>
+          </a:prstGeom>
+          <a:ln>
+            <a:tailEnd type="triangle"/>
+          </a:ln>
+        </p:spPr>
+        <p:style>
+          <a:lnRef idx="3">
+            <a:schemeClr val="accent1"/>
+          </a:lnRef>
+          <a:fillRef idx="0">
+            <a:schemeClr val="accent1"/>
+          </a:fillRef>
+          <a:effectRef idx="2">
+            <a:schemeClr val="accent1"/>
+          </a:effectRef>
+          <a:fontRef idx="minor">
+            <a:schemeClr val="tx1"/>
+          </a:fontRef>
+        </p:style>
+      </p:cxnSp>
+      <p:sp>
+        <p:nvSpPr>
+          <p:cNvPr id="17" name="圆柱体 16">
+            <a:extLst>
+              <a:ext uri="{FF2B5EF4-FFF2-40B4-BE49-F238E27FC236}">
+                <a16:creationId xmlns:a16="http://schemas.microsoft.com/office/drawing/2014/main" id="{C3468249-7BF3-A3A8-4C90-B186F34DF47A}"/>
+              </a:ext>
+            </a:extLst>
+          </p:cNvPr>
+          <p:cNvSpPr/>
+          <p:nvPr/>
+        </p:nvSpPr>
+        <p:spPr>
+          <a:xfrm>
+            <a:off x="5493833" y="5460381"/>
+            <a:ext cx="966439" cy="1208048"/>
+          </a:xfrm>
+          <a:prstGeom prst="can">
+            <a:avLst/>
+          </a:prstGeom>
+        </p:spPr>
+        <p:style>
+          <a:lnRef idx="0">
+            <a:schemeClr val="accent6"/>
+          </a:lnRef>
+          <a:fillRef idx="3">
+            <a:schemeClr val="accent6"/>
+          </a:fillRef>
+          <a:effectRef idx="3">
+            <a:schemeClr val="accent6"/>
+          </a:effectRef>
+          <a:fontRef idx="minor">
+            <a:schemeClr val="lt1"/>
+          </a:fontRef>
+        </p:style>
+        <p:txBody>
+          <a:bodyPr rtlCol="0" anchor="ctr"/>
+          <a:lstStyle/>
+          <a:p>
+            <a:pPr algn="ctr"/>
+            <a:r>
+              <a:rPr kumimoji="1" lang="zh-CN" altLang="en-US" sz="1400" dirty="0"/>
+              <a:t>文件系统</a:t>
+            </a:r>
+            <a:r>
+              <a:rPr kumimoji="1" lang="en-US" altLang="zh-CN" sz="1400" dirty="0"/>
+              <a:t>/</a:t>
+            </a:r>
+            <a:r>
+              <a:rPr kumimoji="1" lang="zh-CN" altLang="en-US" sz="1400" dirty="0"/>
+              <a:t>知识库</a:t>
+            </a:r>
+          </a:p>
+        </p:txBody>
+      </p:sp>
+      <p:sp>
+        <p:nvSpPr>
+          <p:cNvPr id="18" name="文本框 17">
+            <a:extLst>
+              <a:ext uri="{FF2B5EF4-FFF2-40B4-BE49-F238E27FC236}">
+                <a16:creationId xmlns:a16="http://schemas.microsoft.com/office/drawing/2014/main" id="{10A877D4-BAEA-2828-B556-78D22158A407}"/>
+              </a:ext>
+            </a:extLst>
+          </p:cNvPr>
+          <p:cNvSpPr txBox="1"/>
+          <p:nvPr/>
+        </p:nvSpPr>
+        <p:spPr>
+          <a:xfrm>
+            <a:off x="5304263" y="3909336"/>
+            <a:ext cx="1191352" cy="523220"/>
+          </a:xfrm>
+          <a:prstGeom prst="rect">
+            <a:avLst/>
+          </a:prstGeom>
+          <a:noFill/>
+        </p:spPr>
+        <p:txBody>
+          <a:bodyPr wrap="none" rtlCol="0">
+            <a:spAutoFit/>
+          </a:bodyPr>
+          <a:lstStyle/>
+          <a:p>
+            <a:pPr marL="285750" indent="-285750">
+              <a:buFont typeface="Wingdings" pitchFamily="2" charset="2"/>
+              <a:buChar char="Ø"/>
+            </a:pPr>
+            <a:r>
+              <a:rPr kumimoji="1" lang="zh-CN" altLang="en-US" sz="1400" dirty="0"/>
+              <a:t>分析总结</a:t>
+            </a:r>
+            <a:endParaRPr kumimoji="1" lang="en-US" altLang="zh-CN" sz="1400" dirty="0"/>
+          </a:p>
+          <a:p>
+            <a:pPr marL="285750" indent="-285750">
+              <a:buFont typeface="Wingdings" pitchFamily="2" charset="2"/>
+              <a:buChar char="Ø"/>
+            </a:pPr>
+            <a:r>
+              <a:rPr kumimoji="1" lang="en-US" altLang="zh-CN" sz="1400" dirty="0"/>
+              <a:t>……</a:t>
+            </a:r>
+            <a:endParaRPr kumimoji="1" lang="zh-CN" altLang="en-US" sz="1400" dirty="0"/>
+          </a:p>
+        </p:txBody>
+      </p:sp>
+      <p:cxnSp>
+        <p:nvCxnSpPr>
+          <p:cNvPr id="19" name="直线箭头连接符 18">
+            <a:extLst>
+              <a:ext uri="{FF2B5EF4-FFF2-40B4-BE49-F238E27FC236}">
+                <a16:creationId xmlns:a16="http://schemas.microsoft.com/office/drawing/2014/main" id="{E0ADC00A-9851-3A27-2090-8F64FD552183}"/>
+              </a:ext>
+            </a:extLst>
+          </p:cNvPr>
+          <p:cNvCxnSpPr>
+            <a:cxnSpLocks/>
+            <a:stCxn id="5" idx="3"/>
+            <a:endCxn id="6" idx="1"/>
+          </p:cNvCxnSpPr>
+          <p:nvPr/>
+        </p:nvCxnSpPr>
+        <p:spPr>
+          <a:xfrm>
+            <a:off x="4523678" y="4843973"/>
+            <a:ext cx="780585" cy="14867"/>
+          </a:xfrm>
+          <a:prstGeom prst="straightConnector1">
+            <a:avLst/>
+          </a:prstGeom>
+          <a:ln>
+            <a:tailEnd type="triangle"/>
+          </a:ln>
+        </p:spPr>
+        <p:style>
+          <a:lnRef idx="3">
+            <a:schemeClr val="accent1"/>
+          </a:lnRef>
+          <a:fillRef idx="0">
+            <a:schemeClr val="accent1"/>
+          </a:fillRef>
+          <a:effectRef idx="2">
+            <a:schemeClr val="accent1"/>
+          </a:effectRef>
+          <a:fontRef idx="minor">
+            <a:schemeClr val="tx1"/>
+          </a:fontRef>
+        </p:style>
+      </p:cxnSp>
+      <p:cxnSp>
+        <p:nvCxnSpPr>
+          <p:cNvPr id="22" name="直线箭头连接符 21">
+            <a:extLst>
+              <a:ext uri="{FF2B5EF4-FFF2-40B4-BE49-F238E27FC236}">
+                <a16:creationId xmlns:a16="http://schemas.microsoft.com/office/drawing/2014/main" id="{C3019716-A831-B3A7-7CF7-2FEDCC29E032}"/>
+              </a:ext>
+            </a:extLst>
+          </p:cNvPr>
+          <p:cNvCxnSpPr>
+            <a:cxnSpLocks/>
+            <a:stCxn id="6" idx="3"/>
+            <a:endCxn id="7" idx="1"/>
+          </p:cNvCxnSpPr>
+          <p:nvPr/>
+        </p:nvCxnSpPr>
+        <p:spPr>
+          <a:xfrm>
+            <a:off x="6649843" y="4858840"/>
+            <a:ext cx="780585" cy="0"/>
+          </a:xfrm>
+          <a:prstGeom prst="straightConnector1">
+            <a:avLst/>
+          </a:prstGeom>
+          <a:ln>
+            <a:tailEnd type="triangle"/>
+          </a:ln>
+        </p:spPr>
+        <p:style>
+          <a:lnRef idx="3">
+            <a:schemeClr val="accent1"/>
+          </a:lnRef>
+          <a:fillRef idx="0">
+            <a:schemeClr val="accent1"/>
+          </a:fillRef>
+          <a:effectRef idx="2">
+            <a:schemeClr val="accent1"/>
+          </a:effectRef>
+          <a:fontRef idx="minor">
+            <a:schemeClr val="tx1"/>
+          </a:fontRef>
+        </p:style>
+      </p:cxnSp>
+      <p:pic>
+        <p:nvPicPr>
+          <p:cNvPr id="25" name="Picture 12" descr="Feedly - Wikipedia">
+            <a:extLst>
+              <a:ext uri="{FF2B5EF4-FFF2-40B4-BE49-F238E27FC236}">
+                <a16:creationId xmlns:a16="http://schemas.microsoft.com/office/drawing/2014/main" id="{2FA2423B-3233-2A2E-FB63-30282CAD8F62}"/>
+              </a:ext>
+            </a:extLst>
+          </p:cNvPr>
+          <p:cNvPicPr>
+            <a:picLocks noChangeAspect="1" noChangeArrowheads="1"/>
+          </p:cNvPicPr>
+          <p:nvPr/>
+        </p:nvPicPr>
+        <p:blipFill>
+          <a:blip r:embed="rId2">
+            <a:extLst>
+              <a:ext uri="{28A0092B-C50C-407E-A947-70E740481C1C}">
+                <a14:useLocalDpi xmlns:a14="http://schemas.microsoft.com/office/drawing/2010/main" val="0"/>
+              </a:ext>
+            </a:extLst>
+          </a:blip>
+          <a:srcRect/>
+          <a:stretch>
+            <a:fillRect/>
+          </a:stretch>
+        </p:blipFill>
+        <p:spPr bwMode="auto">
+          <a:xfrm>
+            <a:off x="2151015" y="3994388"/>
+            <a:ext cx="563127" cy="506101"/>
+          </a:xfrm>
+          <a:prstGeom prst="rect">
+            <a:avLst/>
+          </a:prstGeom>
+          <a:noFill/>
+          <a:extLst>
+            <a:ext uri="{909E8E84-426E-40DD-AFC4-6F175D3DCCD1}">
+              <a14:hiddenFill xmlns:a14="http://schemas.microsoft.com/office/drawing/2010/main">
+                <a:solidFill>
+                  <a:srgbClr val="FFFFFF"/>
+                </a:solidFill>
+              </a14:hiddenFill>
+            </a:ext>
+          </a:extLst>
+        </p:spPr>
+      </p:pic>
+      <p:pic>
+        <p:nvPicPr>
+          <p:cNvPr id="26" name="Picture 20" descr="印象笔记Desktop App for Mac and PC - WebCatalog">
+            <a:extLst>
+              <a:ext uri="{FF2B5EF4-FFF2-40B4-BE49-F238E27FC236}">
+                <a16:creationId xmlns:a16="http://schemas.microsoft.com/office/drawing/2014/main" id="{416DE577-44A9-9016-685E-7469E7DD28EB}"/>
+              </a:ext>
+            </a:extLst>
+          </p:cNvPr>
+          <p:cNvPicPr>
+            <a:picLocks noChangeAspect="1" noChangeArrowheads="1"/>
+          </p:cNvPicPr>
+          <p:nvPr/>
+        </p:nvPicPr>
+        <p:blipFill>
+          <a:blip r:embed="rId3">
+            <a:extLst>
+              <a:ext uri="{28A0092B-C50C-407E-A947-70E740481C1C}">
+                <a14:useLocalDpi xmlns:a14="http://schemas.microsoft.com/office/drawing/2010/main" val="0"/>
+              </a:ext>
+            </a:extLst>
+          </a:blip>
+          <a:srcRect/>
+          <a:stretch>
+            <a:fillRect/>
+          </a:stretch>
+        </p:blipFill>
+        <p:spPr bwMode="auto">
+          <a:xfrm>
+            <a:off x="4339693" y="3900770"/>
+            <a:ext cx="563126" cy="563126"/>
+          </a:xfrm>
+          <a:prstGeom prst="rect">
+            <a:avLst/>
+          </a:prstGeom>
+          <a:noFill/>
+          <a:extLst>
+            <a:ext uri="{909E8E84-426E-40DD-AFC4-6F175D3DCCD1}">
+              <a14:hiddenFill xmlns:a14="http://schemas.microsoft.com/office/drawing/2010/main">
+                <a:solidFill>
+                  <a:srgbClr val="FFFFFF"/>
+                </a:solidFill>
+              </a14:hiddenFill>
+            </a:ext>
+          </a:extLst>
+        </p:spPr>
+      </p:pic>
+      <p:pic>
+        <p:nvPicPr>
+          <p:cNvPr id="27" name="Picture 14" descr="Notion Reviews 2023: Details, Pricing, &amp; Features | G2">
+            <a:extLst>
+              <a:ext uri="{FF2B5EF4-FFF2-40B4-BE49-F238E27FC236}">
+                <a16:creationId xmlns:a16="http://schemas.microsoft.com/office/drawing/2014/main" id="{998D3E54-5717-C546-9517-56382D708249}"/>
+              </a:ext>
+            </a:extLst>
+          </p:cNvPr>
+          <p:cNvPicPr>
+            <a:picLocks noChangeAspect="1" noChangeArrowheads="1"/>
+          </p:cNvPicPr>
+          <p:nvPr/>
+        </p:nvPicPr>
+        <p:blipFill rotWithShape="1">
+          <a:blip r:embed="rId4">
+            <a:extLst>
+              <a:ext uri="{28A0092B-C50C-407E-A947-70E740481C1C}">
+                <a14:useLocalDpi xmlns:a14="http://schemas.microsoft.com/office/drawing/2010/main" val="0"/>
+              </a:ext>
+            </a:extLst>
+          </a:blip>
+          <a:srcRect l="23549" t="9690" r="23208" b="2274"/>
+          <a:stretch/>
+        </p:blipFill>
+        <p:spPr bwMode="auto">
+          <a:xfrm>
+            <a:off x="6595125" y="4011992"/>
+            <a:ext cx="519124" cy="451327"/>
+          </a:xfrm>
+          <a:prstGeom prst="rect">
+            <a:avLst/>
+          </a:prstGeom>
+          <a:noFill/>
+          <a:extLst>
+            <a:ext uri="{909E8E84-426E-40DD-AFC4-6F175D3DCCD1}">
+              <a14:hiddenFill xmlns:a14="http://schemas.microsoft.com/office/drawing/2010/main">
+                <a:solidFill>
+                  <a:srgbClr val="FFFFFF"/>
+                </a:solidFill>
+              </a14:hiddenFill>
+            </a:ext>
+          </a:extLst>
+        </p:spPr>
+      </p:pic>
+      <p:pic>
+        <p:nvPicPr>
+          <p:cNvPr id="28" name="Picture 16" descr="Obsidian (software) - Wikipedia">
+            <a:extLst>
+              <a:ext uri="{FF2B5EF4-FFF2-40B4-BE49-F238E27FC236}">
+                <a16:creationId xmlns:a16="http://schemas.microsoft.com/office/drawing/2014/main" id="{A901DF15-C2C0-76ED-BEE6-F9BA7439968E}"/>
+              </a:ext>
+            </a:extLst>
+          </p:cNvPr>
+          <p:cNvPicPr>
+            <a:picLocks noChangeAspect="1" noChangeArrowheads="1"/>
+          </p:cNvPicPr>
+          <p:nvPr/>
+        </p:nvPicPr>
+        <p:blipFill>
+          <a:blip r:embed="rId5">
+            <a:extLst>
+              <a:ext uri="{28A0092B-C50C-407E-A947-70E740481C1C}">
+                <a14:useLocalDpi xmlns:a14="http://schemas.microsoft.com/office/drawing/2010/main" val="0"/>
+              </a:ext>
+            </a:extLst>
+          </a:blip>
+          <a:srcRect/>
+          <a:stretch>
+            <a:fillRect/>
+          </a:stretch>
+        </p:blipFill>
+        <p:spPr bwMode="auto">
+          <a:xfrm>
+            <a:off x="8609368" y="4041777"/>
+            <a:ext cx="482819" cy="482819"/>
+          </a:xfrm>
+          <a:prstGeom prst="rect">
+            <a:avLst/>
+          </a:prstGeom>
+          <a:noFill/>
+          <a:extLst>
+            <a:ext uri="{909E8E84-426E-40DD-AFC4-6F175D3DCCD1}">
+              <a14:hiddenFill xmlns:a14="http://schemas.microsoft.com/office/drawing/2010/main">
+                <a:solidFill>
+                  <a:srgbClr val="FFFFFF"/>
+                </a:solidFill>
+              </a14:hiddenFill>
+            </a:ext>
+          </a:extLst>
+        </p:spPr>
+      </p:pic>
+    </p:spTree>
+    <p:extLst>
+      <p:ext uri="{BB962C8B-B14F-4D97-AF65-F5344CB8AC3E}">
+        <p14:creationId xmlns:p14="http://schemas.microsoft.com/office/powerpoint/2010/main" val="2220528221"/>
+      </p:ext>
+    </p:extLst>
+  </p:cSld>
+  <p:clrMapOvr>
+    <a:masterClrMapping/>
+  </p:clrMapOvr>
+</p:sld>
+</file>
+
+<file path=ppt/slides/slide8.xml><?xml version="1.0" encoding="utf-8"?>
+<p:sld xmlns:a="http://schemas.openxmlformats.org/drawingml/2006/main" xmlns:r="http://schemas.openxmlformats.org/officeDocument/2006/relationships" xmlns:p="http://schemas.openxmlformats.org/presentationml/2006/main">
+  <p:cSld>
+    <p:spTree>
+      <p:nvGrpSpPr>
+        <p:cNvPr id="1" name=""/>
+        <p:cNvGrpSpPr/>
+        <p:nvPr/>
+      </p:nvGrpSpPr>
+      <p:grpSpPr>
+        <a:xfrm>
+          <a:off x="0" y="0"/>
+          <a:ext cx="0" cy="0"/>
+          <a:chOff x="0" y="0"/>
+          <a:chExt cx="0" cy="0"/>
+        </a:xfrm>
+      </p:grpSpPr>
+      <p:sp>
+        <p:nvSpPr>
+          <p:cNvPr id="56" name="矩形 55">
+            <a:extLst>
+              <a:ext uri="{FF2B5EF4-FFF2-40B4-BE49-F238E27FC236}">
+                <a16:creationId xmlns:a16="http://schemas.microsoft.com/office/drawing/2014/main" id="{9059DF71-DF69-E577-28D1-95024D7355AC}"/>
+              </a:ext>
+            </a:extLst>
+          </p:cNvPr>
+          <p:cNvSpPr/>
+          <p:nvPr/>
+        </p:nvSpPr>
+        <p:spPr>
+          <a:xfrm>
+            <a:off x="4887951" y="816392"/>
+            <a:ext cx="4630377" cy="2321297"/>
+          </a:xfrm>
+          <a:prstGeom prst="rect">
+            <a:avLst/>
+          </a:prstGeom>
+        </p:spPr>
+        <p:style>
+          <a:lnRef idx="1">
+            <a:schemeClr val="accent4"/>
+          </a:lnRef>
+          <a:fillRef idx="2">
+            <a:schemeClr val="accent4"/>
+          </a:fillRef>
+          <a:effectRef idx="1">
+            <a:schemeClr val="accent4"/>
+          </a:effectRef>
+          <a:fontRef idx="minor">
+            <a:schemeClr val="dk1"/>
+          </a:fontRef>
+        </p:style>
+        <p:txBody>
+          <a:bodyPr rtlCol="0" anchor="ctr"/>
+          <a:lstStyle/>
+          <a:p>
+            <a:pPr algn="ctr"/>
+            <a:endParaRPr kumimoji="1" lang="zh-CN" altLang="en-US"/>
+          </a:p>
+        </p:txBody>
+      </p:sp>
+      <p:sp>
+        <p:nvSpPr>
+          <p:cNvPr id="4" name="圆柱体 3">
+            <a:extLst>
+              <a:ext uri="{FF2B5EF4-FFF2-40B4-BE49-F238E27FC236}">
+                <a16:creationId xmlns:a16="http://schemas.microsoft.com/office/drawing/2014/main" id="{A8D133BF-D2E0-E22E-8D1E-6483DC30960E}"/>
+              </a:ext>
+            </a:extLst>
+          </p:cNvPr>
+          <p:cNvSpPr/>
+          <p:nvPr/>
+        </p:nvSpPr>
+        <p:spPr>
+          <a:xfrm>
+            <a:off x="1635512" y="4404732"/>
+            <a:ext cx="966439" cy="1208048"/>
+          </a:xfrm>
+          <a:prstGeom prst="can">
+            <a:avLst/>
+          </a:prstGeom>
+        </p:spPr>
+        <p:style>
+          <a:lnRef idx="0">
+            <a:schemeClr val="accent6"/>
+          </a:lnRef>
+          <a:fillRef idx="3">
+            <a:schemeClr val="accent6"/>
+          </a:fillRef>
+          <a:effectRef idx="3">
+            <a:schemeClr val="accent6"/>
+          </a:effectRef>
+          <a:fontRef idx="minor">
+            <a:schemeClr val="lt1"/>
+          </a:fontRef>
+        </p:style>
+        <p:txBody>
+          <a:bodyPr rtlCol="0" anchor="ctr"/>
+          <a:lstStyle/>
+          <a:p>
+            <a:pPr algn="ctr"/>
+            <a:r>
+              <a:rPr kumimoji="1" lang="zh-CN" altLang="en-US" sz="1400" dirty="0"/>
+              <a:t>图文信息库</a:t>
+            </a:r>
+          </a:p>
+        </p:txBody>
+      </p:sp>
+      <p:pic>
+        <p:nvPicPr>
+          <p:cNvPr id="1030" name="Picture 6" descr="Joplin Open Source Cross-Platform Notebook App – by Knightwise - Podfeet  Podcasts">
+            <a:extLst>
+              <a:ext uri="{FF2B5EF4-FFF2-40B4-BE49-F238E27FC236}">
+                <a16:creationId xmlns:a16="http://schemas.microsoft.com/office/drawing/2014/main" id="{22D088A2-E378-FF0B-4FC6-383AA7A02717}"/>
+              </a:ext>
+            </a:extLst>
+          </p:cNvPr>
+          <p:cNvPicPr>
+            <a:picLocks noChangeAspect="1" noChangeArrowheads="1"/>
+          </p:cNvPicPr>
+          <p:nvPr/>
+        </p:nvPicPr>
+        <p:blipFill>
+          <a:blip r:embed="rId2">
+            <a:extLst>
+              <a:ext uri="{28A0092B-C50C-407E-A947-70E740481C1C}">
+                <a14:useLocalDpi xmlns:a14="http://schemas.microsoft.com/office/drawing/2010/main" val="0"/>
+              </a:ext>
+            </a:extLst>
+          </a:blip>
+          <a:srcRect/>
+          <a:stretch>
+            <a:fillRect/>
+          </a:stretch>
+        </p:blipFill>
+        <p:spPr bwMode="auto">
+          <a:xfrm>
+            <a:off x="2601951" y="5117988"/>
+            <a:ext cx="836342" cy="377703"/>
+          </a:xfrm>
+          <a:prstGeom prst="rect">
+            <a:avLst/>
+          </a:prstGeom>
+          <a:noFill/>
+          <a:extLst>
+            <a:ext uri="{909E8E84-426E-40DD-AFC4-6F175D3DCCD1}">
+              <a14:hiddenFill xmlns:a14="http://schemas.microsoft.com/office/drawing/2010/main">
+                <a:solidFill>
+                  <a:srgbClr val="FFFFFF"/>
+                </a:solidFill>
+              </a14:hiddenFill>
+            </a:ext>
+          </a:extLst>
+        </p:spPr>
+      </p:pic>
+      <p:pic>
+        <p:nvPicPr>
+          <p:cNvPr id="1034" name="Picture 10" descr="What is the Webpage? | What Makes a Webpage Works? | InforamtionQ.com">
+            <a:extLst>
+              <a:ext uri="{FF2B5EF4-FFF2-40B4-BE49-F238E27FC236}">
+                <a16:creationId xmlns:a16="http://schemas.microsoft.com/office/drawing/2014/main" id="{C77B457A-817D-48A7-EF22-56F667CB2672}"/>
+              </a:ext>
+            </a:extLst>
+          </p:cNvPr>
+          <p:cNvPicPr>
+            <a:picLocks noChangeAspect="1" noChangeArrowheads="1"/>
+          </p:cNvPicPr>
+          <p:nvPr/>
+        </p:nvPicPr>
+        <p:blipFill>
+          <a:blip r:embed="rId3">
+            <a:extLst>
+              <a:ext uri="{28A0092B-C50C-407E-A947-70E740481C1C}">
+                <a14:useLocalDpi xmlns:a14="http://schemas.microsoft.com/office/drawing/2010/main" val="0"/>
+              </a:ext>
+            </a:extLst>
+          </a:blip>
+          <a:srcRect/>
+          <a:stretch>
+            <a:fillRect/>
+          </a:stretch>
+        </p:blipFill>
+        <p:spPr bwMode="auto">
+          <a:xfrm>
+            <a:off x="314335" y="3725135"/>
+            <a:ext cx="1204332" cy="761298"/>
+          </a:xfrm>
+          <a:prstGeom prst="rect">
+            <a:avLst/>
+          </a:prstGeom>
+          <a:noFill/>
+          <a:extLst>
+            <a:ext uri="{909E8E84-426E-40DD-AFC4-6F175D3DCCD1}">
+              <a14:hiddenFill xmlns:a14="http://schemas.microsoft.com/office/drawing/2010/main">
+                <a:solidFill>
+                  <a:srgbClr val="FFFFFF"/>
+                </a:solidFill>
+              </a14:hiddenFill>
+            </a:ext>
+          </a:extLst>
+        </p:spPr>
+      </p:pic>
+      <p:cxnSp>
+        <p:nvCxnSpPr>
+          <p:cNvPr id="8" name="肘形连接符 7">
+            <a:extLst>
+              <a:ext uri="{FF2B5EF4-FFF2-40B4-BE49-F238E27FC236}">
+                <a16:creationId xmlns:a16="http://schemas.microsoft.com/office/drawing/2014/main" id="{4C91D4DB-677A-FCA4-F9E7-FB4C51FBF5F4}"/>
+              </a:ext>
+            </a:extLst>
+          </p:cNvPr>
+          <p:cNvCxnSpPr>
+            <a:stCxn id="1034" idx="2"/>
+            <a:endCxn id="4" idx="2"/>
+          </p:cNvCxnSpPr>
+          <p:nvPr/>
+        </p:nvCxnSpPr>
+        <p:spPr>
+          <a:xfrm rot="16200000" flipH="1">
+            <a:off x="1014845" y="4388088"/>
+            <a:ext cx="522323" cy="719011"/>
+          </a:xfrm>
+          <a:prstGeom prst="bentConnector2">
+            <a:avLst/>
+          </a:prstGeom>
+          <a:ln>
+            <a:tailEnd type="triangle"/>
+          </a:ln>
+        </p:spPr>
+        <p:style>
+          <a:lnRef idx="3">
+            <a:schemeClr val="accent1"/>
+          </a:lnRef>
+          <a:fillRef idx="0">
+            <a:schemeClr val="accent1"/>
+          </a:fillRef>
+          <a:effectRef idx="2">
+            <a:schemeClr val="accent1"/>
+          </a:effectRef>
+          <a:fontRef idx="minor">
+            <a:schemeClr val="tx1"/>
+          </a:fontRef>
+        </p:style>
+      </p:cxnSp>
+      <p:sp>
+        <p:nvSpPr>
+          <p:cNvPr id="11" name="文本框 10">
+            <a:extLst>
+              <a:ext uri="{FF2B5EF4-FFF2-40B4-BE49-F238E27FC236}">
+                <a16:creationId xmlns:a16="http://schemas.microsoft.com/office/drawing/2014/main" id="{55292FFC-818D-F6D2-36C8-13FE9500F64F}"/>
+              </a:ext>
+            </a:extLst>
+          </p:cNvPr>
+          <p:cNvSpPr txBox="1"/>
+          <p:nvPr/>
+        </p:nvSpPr>
+        <p:spPr>
+          <a:xfrm>
+            <a:off x="396166" y="4747146"/>
+            <a:ext cx="1040670" cy="523220"/>
+          </a:xfrm>
+          <a:prstGeom prst="rect">
+            <a:avLst/>
+          </a:prstGeom>
+          <a:noFill/>
+          <a:ln>
+            <a:noFill/>
+          </a:ln>
+        </p:spPr>
+        <p:style>
+          <a:lnRef idx="0">
+            <a:scrgbClr r="0" g="0" b="0"/>
+          </a:lnRef>
+          <a:fillRef idx="0">
+            <a:scrgbClr r="0" g="0" b="0"/>
+          </a:fillRef>
+          <a:effectRef idx="0">
+            <a:scrgbClr r="0" g="0" b="0"/>
+          </a:effectRef>
+          <a:fontRef idx="minor">
+            <a:schemeClr val="accent2"/>
+          </a:fontRef>
+        </p:style>
+        <p:txBody>
+          <a:bodyPr wrap="none" rtlCol="0">
+            <a:spAutoFit/>
+          </a:bodyPr>
+          <a:lstStyle/>
+          <a:p>
+            <a:r>
+              <a:rPr kumimoji="1" lang="en-US" altLang="zh-CN" sz="1400" dirty="0"/>
+              <a:t>Joplin</a:t>
+            </a:r>
+          </a:p>
+          <a:p>
+            <a:r>
+              <a:rPr kumimoji="1" lang="en-US" altLang="zh-CN" sz="1400" dirty="0"/>
+              <a:t>Web</a:t>
+            </a:r>
+            <a:r>
+              <a:rPr kumimoji="1" lang="zh-CN" altLang="en-US" sz="1400" dirty="0"/>
+              <a:t> </a:t>
+            </a:r>
+            <a:r>
+              <a:rPr kumimoji="1" lang="en-US" altLang="zh-CN" sz="1400" dirty="0" err="1"/>
+              <a:t>Cliper</a:t>
+            </a:r>
+            <a:endParaRPr kumimoji="1" lang="zh-CN" altLang="en-US" sz="1400" dirty="0"/>
+          </a:p>
+        </p:txBody>
+      </p:sp>
+      <p:pic>
+        <p:nvPicPr>
+          <p:cNvPr id="1036" name="Picture 12" descr="苹果手机备忘录怎么恢复？苹果恢复大师恢复iPhone备忘录教程">
+            <a:extLst>
+              <a:ext uri="{FF2B5EF4-FFF2-40B4-BE49-F238E27FC236}">
+                <a16:creationId xmlns:a16="http://schemas.microsoft.com/office/drawing/2014/main" id="{ED01EEB8-7455-AF3D-27DC-1C4100B50B2D}"/>
+              </a:ext>
+            </a:extLst>
+          </p:cNvPr>
+          <p:cNvPicPr>
+            <a:picLocks noChangeAspect="1" noChangeArrowheads="1"/>
+          </p:cNvPicPr>
+          <p:nvPr/>
+        </p:nvPicPr>
+        <p:blipFill rotWithShape="1">
+          <a:blip r:embed="rId4">
+            <a:extLst>
+              <a:ext uri="{28A0092B-C50C-407E-A947-70E740481C1C}">
+                <a14:useLocalDpi xmlns:a14="http://schemas.microsoft.com/office/drawing/2010/main" val="0"/>
+              </a:ext>
+            </a:extLst>
+          </a:blip>
+          <a:srcRect l="21082" t="1938" r="20722" b="3246"/>
+          <a:stretch/>
+        </p:blipFill>
+        <p:spPr bwMode="auto">
+          <a:xfrm>
+            <a:off x="1873623" y="2445435"/>
+            <a:ext cx="966439" cy="1139499"/>
+          </a:xfrm>
+          <a:prstGeom prst="rect">
+            <a:avLst/>
+          </a:prstGeom>
+          <a:noFill/>
+          <a:extLst>
+            <a:ext uri="{909E8E84-426E-40DD-AFC4-6F175D3DCCD1}">
+              <a14:hiddenFill xmlns:a14="http://schemas.microsoft.com/office/drawing/2010/main">
+                <a:solidFill>
+                  <a:srgbClr val="FFFFFF"/>
+                </a:solidFill>
+              </a14:hiddenFill>
+            </a:ext>
+          </a:extLst>
+        </p:spPr>
+      </p:pic>
+      <p:cxnSp>
+        <p:nvCxnSpPr>
+          <p:cNvPr id="13" name="肘形连接符 12">
+            <a:extLst>
+              <a:ext uri="{FF2B5EF4-FFF2-40B4-BE49-F238E27FC236}">
+                <a16:creationId xmlns:a16="http://schemas.microsoft.com/office/drawing/2014/main" id="{126F9413-CD48-0E78-0B9E-1EBFBB5021C0}"/>
+              </a:ext>
+            </a:extLst>
+          </p:cNvPr>
+          <p:cNvCxnSpPr>
+            <a:cxnSpLocks/>
+            <a:stCxn id="1036" idx="2"/>
+            <a:endCxn id="4" idx="1"/>
+          </p:cNvCxnSpPr>
+          <p:nvPr/>
+        </p:nvCxnSpPr>
+        <p:spPr>
+          <a:xfrm rot="5400000">
+            <a:off x="1827889" y="3875778"/>
+            <a:ext cx="819798" cy="238111"/>
+          </a:xfrm>
+          <a:prstGeom prst="bentConnector3">
+            <a:avLst>
+              <a:gd name="adj1" fmla="val 50000"/>
+            </a:avLst>
+          </a:prstGeom>
+          <a:ln>
+            <a:tailEnd type="triangle"/>
+          </a:ln>
+        </p:spPr>
+        <p:style>
+          <a:lnRef idx="3">
+            <a:schemeClr val="accent1"/>
+          </a:lnRef>
+          <a:fillRef idx="0">
+            <a:schemeClr val="accent1"/>
+          </a:fillRef>
+          <a:effectRef idx="2">
+            <a:schemeClr val="accent1"/>
+          </a:effectRef>
+          <a:fontRef idx="minor">
+            <a:schemeClr val="tx1"/>
+          </a:fontRef>
+        </p:style>
+      </p:cxnSp>
+      <p:sp>
+        <p:nvSpPr>
+          <p:cNvPr id="16" name="文本框 15">
+            <a:extLst>
+              <a:ext uri="{FF2B5EF4-FFF2-40B4-BE49-F238E27FC236}">
+                <a16:creationId xmlns:a16="http://schemas.microsoft.com/office/drawing/2014/main" id="{8332BBC1-6214-D7BE-7ED5-F6FE41B3A32C}"/>
+              </a:ext>
+            </a:extLst>
+          </p:cNvPr>
+          <p:cNvSpPr txBox="1"/>
+          <p:nvPr/>
+        </p:nvSpPr>
+        <p:spPr>
+          <a:xfrm>
+            <a:off x="1976095" y="3941973"/>
+            <a:ext cx="679994" cy="307777"/>
+          </a:xfrm>
+          <a:prstGeom prst="rect">
+            <a:avLst/>
+          </a:prstGeom>
+          <a:noFill/>
+          <a:ln>
+            <a:noFill/>
+          </a:ln>
+        </p:spPr>
+        <p:style>
+          <a:lnRef idx="0">
+            <a:scrgbClr r="0" g="0" b="0"/>
+          </a:lnRef>
+          <a:fillRef idx="0">
+            <a:scrgbClr r="0" g="0" b="0"/>
+          </a:fillRef>
+          <a:effectRef idx="0">
+            <a:scrgbClr r="0" g="0" b="0"/>
+          </a:effectRef>
+          <a:fontRef idx="minor">
+            <a:schemeClr val="accent2"/>
+          </a:fontRef>
+        </p:style>
+        <p:txBody>
+          <a:bodyPr wrap="none" rtlCol="0">
+            <a:spAutoFit/>
+          </a:bodyPr>
+          <a:lstStyle/>
+          <a:p>
+            <a:r>
+              <a:rPr kumimoji="1" lang="en-US" altLang="zh-CN" sz="1400" dirty="0"/>
+              <a:t>iCloud</a:t>
+            </a:r>
+            <a:endParaRPr kumimoji="1" lang="zh-CN" altLang="en-US" sz="1400" dirty="0"/>
+          </a:p>
+        </p:txBody>
+      </p:sp>
+      <p:sp>
+        <p:nvSpPr>
+          <p:cNvPr id="18" name="圆柱体 17">
+            <a:extLst>
+              <a:ext uri="{FF2B5EF4-FFF2-40B4-BE49-F238E27FC236}">
+                <a16:creationId xmlns:a16="http://schemas.microsoft.com/office/drawing/2014/main" id="{122E7853-6A17-5E2F-BAB6-ED6B5C58AF0A}"/>
+              </a:ext>
+            </a:extLst>
+          </p:cNvPr>
+          <p:cNvSpPr/>
+          <p:nvPr/>
+        </p:nvSpPr>
+        <p:spPr>
+          <a:xfrm>
+            <a:off x="3921512" y="4404732"/>
+            <a:ext cx="966439" cy="1208048"/>
+          </a:xfrm>
+          <a:prstGeom prst="can">
+            <a:avLst/>
+          </a:prstGeom>
+        </p:spPr>
+        <p:style>
+          <a:lnRef idx="0">
+            <a:schemeClr val="accent6"/>
+          </a:lnRef>
+          <a:fillRef idx="3">
+            <a:schemeClr val="accent6"/>
+          </a:fillRef>
+          <a:effectRef idx="3">
+            <a:schemeClr val="accent6"/>
+          </a:effectRef>
+          <a:fontRef idx="minor">
+            <a:schemeClr val="lt1"/>
+          </a:fontRef>
+        </p:style>
+        <p:txBody>
+          <a:bodyPr rtlCol="0" anchor="ctr"/>
+          <a:lstStyle/>
+          <a:p>
+            <a:pPr algn="ctr"/>
+            <a:r>
+              <a:rPr kumimoji="1" lang="zh-CN" altLang="en-US" sz="1400" dirty="0"/>
+              <a:t>图片</a:t>
+            </a:r>
+            <a:r>
+              <a:rPr kumimoji="1" lang="en-US" altLang="zh-CN" sz="1400" dirty="0"/>
+              <a:t>/</a:t>
+            </a:r>
+            <a:r>
+              <a:rPr kumimoji="1" lang="zh-CN" altLang="en-US" sz="1400" dirty="0"/>
+              <a:t>视频信息库</a:t>
+            </a:r>
+          </a:p>
+        </p:txBody>
+      </p:sp>
+      <p:pic>
+        <p:nvPicPr>
+          <p:cNvPr id="1038" name="Picture 14" descr="Billfish - 免费的图片设计素材采集、管理和查找软件，支持图像、视频、音频和字体等文件管理｜那些免费的砖">
+            <a:extLst>
+              <a:ext uri="{FF2B5EF4-FFF2-40B4-BE49-F238E27FC236}">
+                <a16:creationId xmlns:a16="http://schemas.microsoft.com/office/drawing/2014/main" id="{7A532968-5013-A473-F328-5493B13D5797}"/>
+              </a:ext>
+            </a:extLst>
+          </p:cNvPr>
+          <p:cNvPicPr>
+            <a:picLocks noChangeAspect="1" noChangeArrowheads="1"/>
+          </p:cNvPicPr>
+          <p:nvPr/>
+        </p:nvPicPr>
+        <p:blipFill rotWithShape="1">
+          <a:blip r:embed="rId5">
+            <a:extLst>
+              <a:ext uri="{28A0092B-C50C-407E-A947-70E740481C1C}">
+                <a14:useLocalDpi xmlns:a14="http://schemas.microsoft.com/office/drawing/2010/main" val="0"/>
+              </a:ext>
+            </a:extLst>
+          </a:blip>
+          <a:srcRect l="35733" t="19067" r="36789" b="24373"/>
+          <a:stretch/>
+        </p:blipFill>
+        <p:spPr bwMode="auto">
+          <a:xfrm>
+            <a:off x="4887951" y="5117988"/>
+            <a:ext cx="548639" cy="635241"/>
+          </a:xfrm>
+          <a:prstGeom prst="rect">
+            <a:avLst/>
+          </a:prstGeom>
+          <a:noFill/>
+          <a:extLst>
+            <a:ext uri="{909E8E84-426E-40DD-AFC4-6F175D3DCCD1}">
+              <a14:hiddenFill xmlns:a14="http://schemas.microsoft.com/office/drawing/2010/main">
+                <a:solidFill>
+                  <a:srgbClr val="FFFFFF"/>
+                </a:solidFill>
+              </a14:hiddenFill>
+            </a:ext>
+          </a:extLst>
+        </p:spPr>
+      </p:pic>
+      <p:sp>
+        <p:nvSpPr>
+          <p:cNvPr id="19" name="圆柱体 18">
+            <a:extLst>
+              <a:ext uri="{FF2B5EF4-FFF2-40B4-BE49-F238E27FC236}">
+                <a16:creationId xmlns:a16="http://schemas.microsoft.com/office/drawing/2014/main" id="{3F4D0A0B-54AE-9EC6-6647-EFC04C167F17}"/>
+              </a:ext>
+            </a:extLst>
+          </p:cNvPr>
+          <p:cNvSpPr/>
+          <p:nvPr/>
+        </p:nvSpPr>
+        <p:spPr>
+          <a:xfrm>
+            <a:off x="6403029" y="4486432"/>
+            <a:ext cx="966439" cy="1208048"/>
+          </a:xfrm>
+          <a:prstGeom prst="can">
+            <a:avLst/>
+          </a:prstGeom>
+        </p:spPr>
+        <p:style>
+          <a:lnRef idx="0">
+            <a:schemeClr val="accent6"/>
+          </a:lnRef>
+          <a:fillRef idx="3">
+            <a:schemeClr val="accent6"/>
+          </a:fillRef>
+          <a:effectRef idx="3">
+            <a:schemeClr val="accent6"/>
+          </a:effectRef>
+          <a:fontRef idx="minor">
+            <a:schemeClr val="lt1"/>
+          </a:fontRef>
+        </p:style>
+        <p:txBody>
+          <a:bodyPr rtlCol="0" anchor="ctr"/>
+          <a:lstStyle/>
+          <a:p>
+            <a:pPr algn="ctr"/>
+            <a:r>
+              <a:rPr kumimoji="1" lang="zh-CN" altLang="en-US" sz="1400" dirty="0"/>
+              <a:t>文件系统</a:t>
+            </a:r>
+            <a:r>
+              <a:rPr kumimoji="1" lang="en-US" altLang="zh-CN" sz="1400" dirty="0"/>
+              <a:t>—</a:t>
+            </a:r>
+            <a:r>
+              <a:rPr kumimoji="1" lang="zh-CN" altLang="en-US" sz="1400" dirty="0"/>
+              <a:t>重要文件</a:t>
+            </a:r>
+          </a:p>
+        </p:txBody>
+      </p:sp>
+      <p:sp>
+        <p:nvSpPr>
+          <p:cNvPr id="20" name="圆柱体 19">
+            <a:extLst>
+              <a:ext uri="{FF2B5EF4-FFF2-40B4-BE49-F238E27FC236}">
+                <a16:creationId xmlns:a16="http://schemas.microsoft.com/office/drawing/2014/main" id="{9589B4CE-698A-DBA7-B855-DDCE31872D81}"/>
+              </a:ext>
+            </a:extLst>
+          </p:cNvPr>
+          <p:cNvSpPr/>
+          <p:nvPr/>
+        </p:nvSpPr>
+        <p:spPr>
+          <a:xfrm>
+            <a:off x="8237925" y="4482583"/>
+            <a:ext cx="966439" cy="1208048"/>
+          </a:xfrm>
+          <a:prstGeom prst="can">
+            <a:avLst/>
+          </a:prstGeom>
+        </p:spPr>
+        <p:style>
+          <a:lnRef idx="0">
+            <a:schemeClr val="accent6"/>
+          </a:lnRef>
+          <a:fillRef idx="3">
+            <a:schemeClr val="accent6"/>
+          </a:fillRef>
+          <a:effectRef idx="3">
+            <a:schemeClr val="accent6"/>
+          </a:effectRef>
+          <a:fontRef idx="minor">
+            <a:schemeClr val="lt1"/>
+          </a:fontRef>
+        </p:style>
+        <p:txBody>
+          <a:bodyPr rtlCol="0" anchor="ctr"/>
+          <a:lstStyle/>
+          <a:p>
+            <a:pPr algn="ctr"/>
+            <a:r>
+              <a:rPr kumimoji="1" lang="zh-CN" altLang="en-US" sz="1400" dirty="0"/>
+              <a:t>文件系统</a:t>
+            </a:r>
+            <a:r>
+              <a:rPr kumimoji="1" lang="en-US" altLang="zh-CN" sz="1400" dirty="0"/>
+              <a:t>—</a:t>
+            </a:r>
+            <a:r>
+              <a:rPr kumimoji="1" lang="zh-CN" altLang="en-US" sz="1400" dirty="0"/>
+              <a:t>普通文件</a:t>
+            </a:r>
+          </a:p>
+        </p:txBody>
+      </p:sp>
+      <p:pic>
+        <p:nvPicPr>
+          <p:cNvPr id="1040" name="Picture 16" descr="糯词笔记- 高效的读书笔记管理工具">
+            <a:extLst>
+              <a:ext uri="{FF2B5EF4-FFF2-40B4-BE49-F238E27FC236}">
+                <a16:creationId xmlns:a16="http://schemas.microsoft.com/office/drawing/2014/main" id="{18A1381E-471E-103C-D0AE-D2DDD7738A2E}"/>
+              </a:ext>
+            </a:extLst>
+          </p:cNvPr>
+          <p:cNvPicPr>
+            <a:picLocks noChangeAspect="1" noChangeArrowheads="1"/>
+          </p:cNvPicPr>
+          <p:nvPr/>
+        </p:nvPicPr>
+        <p:blipFill>
+          <a:blip r:embed="rId6">
+            <a:extLst>
+              <a:ext uri="{28A0092B-C50C-407E-A947-70E740481C1C}">
+                <a14:useLocalDpi xmlns:a14="http://schemas.microsoft.com/office/drawing/2010/main" val="0"/>
+              </a:ext>
+            </a:extLst>
+          </a:blip>
+          <a:srcRect/>
+          <a:stretch>
+            <a:fillRect/>
+          </a:stretch>
+        </p:blipFill>
+        <p:spPr bwMode="auto">
+          <a:xfrm>
+            <a:off x="136631" y="6043233"/>
+            <a:ext cx="978937" cy="682869"/>
+          </a:xfrm>
+          <a:prstGeom prst="rect">
+            <a:avLst/>
+          </a:prstGeom>
+          <a:noFill/>
+          <a:extLst>
+            <a:ext uri="{909E8E84-426E-40DD-AFC4-6F175D3DCCD1}">
+              <a14:hiddenFill xmlns:a14="http://schemas.microsoft.com/office/drawing/2010/main">
+                <a:solidFill>
+                  <a:srgbClr val="FFFFFF"/>
+                </a:solidFill>
+              </a14:hiddenFill>
+            </a:ext>
+          </a:extLst>
+        </p:spPr>
+      </p:pic>
+      <p:sp>
+        <p:nvSpPr>
+          <p:cNvPr id="22" name="文本框 21">
+            <a:extLst>
+              <a:ext uri="{FF2B5EF4-FFF2-40B4-BE49-F238E27FC236}">
+                <a16:creationId xmlns:a16="http://schemas.microsoft.com/office/drawing/2014/main" id="{150E8885-9DFA-788C-DE7B-8AC5BBE335CB}"/>
+              </a:ext>
+            </a:extLst>
+          </p:cNvPr>
+          <p:cNvSpPr txBox="1"/>
+          <p:nvPr/>
+        </p:nvSpPr>
+        <p:spPr>
+          <a:xfrm>
+            <a:off x="202703" y="2514734"/>
+            <a:ext cx="1370888" cy="1169551"/>
+          </a:xfrm>
+          <a:prstGeom prst="rect">
+            <a:avLst/>
+          </a:prstGeom>
+          <a:noFill/>
+        </p:spPr>
+        <p:txBody>
+          <a:bodyPr wrap="none" rtlCol="0">
+            <a:spAutoFit/>
+          </a:bodyPr>
+          <a:lstStyle/>
+          <a:p>
+            <a:pPr marL="285750" indent="-285750">
+              <a:buFont typeface="Wingdings" pitchFamily="2" charset="2"/>
+              <a:buChar char="Ø"/>
+            </a:pPr>
+            <a:r>
+              <a:rPr kumimoji="1" lang="zh-CN" altLang="en-US" sz="1400" dirty="0">
+                <a:solidFill>
+                  <a:schemeClr val="accent5">
+                    <a:lumMod val="75000"/>
+                  </a:schemeClr>
+                </a:solidFill>
+              </a:rPr>
+              <a:t>网页文章</a:t>
+            </a:r>
+            <a:endParaRPr kumimoji="1" lang="en-US" altLang="zh-CN" sz="1400" dirty="0">
+              <a:solidFill>
+                <a:schemeClr val="accent5">
+                  <a:lumMod val="75000"/>
+                </a:schemeClr>
+              </a:solidFill>
+            </a:endParaRPr>
+          </a:p>
+          <a:p>
+            <a:pPr marL="285750" indent="-285750">
+              <a:buFont typeface="Wingdings" pitchFamily="2" charset="2"/>
+              <a:buChar char="Ø"/>
+            </a:pPr>
+            <a:r>
+              <a:rPr kumimoji="1" lang="zh-CN" altLang="en-US" sz="1400" dirty="0">
+                <a:solidFill>
+                  <a:schemeClr val="accent5">
+                    <a:lumMod val="75000"/>
+                  </a:schemeClr>
+                </a:solidFill>
+              </a:rPr>
+              <a:t>公众号内容</a:t>
+            </a:r>
+            <a:endParaRPr kumimoji="1" lang="en-US" altLang="zh-CN" sz="1400" dirty="0">
+              <a:solidFill>
+                <a:schemeClr val="accent5">
+                  <a:lumMod val="75000"/>
+                </a:schemeClr>
+              </a:solidFill>
+            </a:endParaRPr>
+          </a:p>
+          <a:p>
+            <a:pPr marL="285750" indent="-285750">
+              <a:buFont typeface="Wingdings" pitchFamily="2" charset="2"/>
+              <a:buChar char="Ø"/>
+            </a:pPr>
+            <a:r>
+              <a:rPr kumimoji="1" lang="zh-CN" altLang="en-US" sz="1400" dirty="0">
+                <a:solidFill>
+                  <a:schemeClr val="accent5">
+                    <a:lumMod val="75000"/>
+                  </a:schemeClr>
+                </a:solidFill>
+              </a:rPr>
+              <a:t>点赞收藏</a:t>
+            </a:r>
+            <a:endParaRPr kumimoji="1" lang="en-US" altLang="zh-CN" sz="1400" dirty="0">
+              <a:solidFill>
+                <a:schemeClr val="accent5">
+                  <a:lumMod val="75000"/>
+                </a:schemeClr>
+              </a:solidFill>
+            </a:endParaRPr>
+          </a:p>
+          <a:p>
+            <a:pPr marL="285750" indent="-285750">
+              <a:buFont typeface="Wingdings" pitchFamily="2" charset="2"/>
+              <a:buChar char="Ø"/>
+            </a:pPr>
+            <a:r>
+              <a:rPr kumimoji="1" lang="en-US" altLang="zh-CN" sz="1400" dirty="0">
+                <a:solidFill>
+                  <a:schemeClr val="accent5">
+                    <a:lumMod val="75000"/>
+                  </a:schemeClr>
+                </a:solidFill>
+              </a:rPr>
+              <a:t>RSS</a:t>
+            </a:r>
+            <a:r>
+              <a:rPr kumimoji="1" lang="zh-CN" altLang="en-US" sz="1400" dirty="0">
+                <a:solidFill>
+                  <a:schemeClr val="accent5">
+                    <a:lumMod val="75000"/>
+                  </a:schemeClr>
+                </a:solidFill>
+              </a:rPr>
+              <a:t>源</a:t>
+            </a:r>
+            <a:endParaRPr kumimoji="1" lang="en-US" altLang="zh-CN" sz="1400" dirty="0">
+              <a:solidFill>
+                <a:schemeClr val="accent5">
+                  <a:lumMod val="75000"/>
+                </a:schemeClr>
+              </a:solidFill>
+            </a:endParaRPr>
+          </a:p>
+          <a:p>
+            <a:pPr marL="285750" indent="-285750">
+              <a:buFont typeface="Wingdings" pitchFamily="2" charset="2"/>
+              <a:buChar char="Ø"/>
+            </a:pPr>
+            <a:r>
+              <a:rPr kumimoji="1" lang="en-US" altLang="zh-CN" sz="1400" dirty="0">
+                <a:solidFill>
+                  <a:schemeClr val="accent5">
+                    <a:lumMod val="75000"/>
+                  </a:schemeClr>
+                </a:solidFill>
+              </a:rPr>
+              <a:t>……</a:t>
+            </a:r>
+            <a:endParaRPr kumimoji="1" lang="zh-CN" altLang="en-US" sz="1400" dirty="0">
+              <a:solidFill>
+                <a:schemeClr val="accent5">
+                  <a:lumMod val="75000"/>
+                </a:schemeClr>
+              </a:solidFill>
+            </a:endParaRPr>
+          </a:p>
+        </p:txBody>
+      </p:sp>
+      <p:sp>
+        <p:nvSpPr>
+          <p:cNvPr id="23" name="文本框 22">
+            <a:extLst>
+              <a:ext uri="{FF2B5EF4-FFF2-40B4-BE49-F238E27FC236}">
+                <a16:creationId xmlns:a16="http://schemas.microsoft.com/office/drawing/2014/main" id="{4D722235-1EF5-A196-79DC-34785FA9D4DA}"/>
+              </a:ext>
+            </a:extLst>
+          </p:cNvPr>
+          <p:cNvSpPr txBox="1"/>
+          <p:nvPr/>
+        </p:nvSpPr>
+        <p:spPr>
+          <a:xfrm>
+            <a:off x="1115568" y="6201257"/>
+            <a:ext cx="981359" cy="523220"/>
+          </a:xfrm>
+          <a:prstGeom prst="rect">
+            <a:avLst/>
+          </a:prstGeom>
+          <a:noFill/>
+        </p:spPr>
+        <p:txBody>
+          <a:bodyPr wrap="none" rtlCol="0">
+            <a:spAutoFit/>
+          </a:bodyPr>
+          <a:lstStyle>
+            <a:defPPr>
+              <a:defRPr lang="zh-CN"/>
+            </a:defPPr>
+            <a:lvl1pPr marL="285750" indent="-285750">
+              <a:buFont typeface="Wingdings" pitchFamily="2" charset="2"/>
+              <a:buChar char="Ø"/>
+              <a:defRPr kumimoji="1" sz="1400">
+                <a:solidFill>
+                  <a:schemeClr val="accent5">
+                    <a:lumMod val="75000"/>
+                  </a:schemeClr>
+                </a:solidFill>
+              </a:defRPr>
+            </a:lvl1pPr>
+          </a:lstStyle>
+          <a:p>
+            <a:r>
+              <a:rPr lang="en-US" altLang="zh-CN" dirty="0"/>
+              <a:t>Kindle</a:t>
+            </a:r>
+          </a:p>
+          <a:p>
+            <a:r>
+              <a:rPr lang="en-US" altLang="zh-CN" dirty="0" err="1"/>
+              <a:t>calibre</a:t>
+            </a:r>
+            <a:endParaRPr lang="en-US" altLang="zh-CN" dirty="0"/>
+          </a:p>
+        </p:txBody>
+      </p:sp>
+      <p:pic>
+        <p:nvPicPr>
+          <p:cNvPr id="1042" name="Picture 18" descr="2 Solutions to Transfer Microsoft Office to Another Computer [2023]">
+            <a:extLst>
+              <a:ext uri="{FF2B5EF4-FFF2-40B4-BE49-F238E27FC236}">
+                <a16:creationId xmlns:a16="http://schemas.microsoft.com/office/drawing/2014/main" id="{6DD14787-66CB-717C-C275-C8E1BA012407}"/>
+              </a:ext>
+            </a:extLst>
+          </p:cNvPr>
+          <p:cNvPicPr>
+            <a:picLocks noChangeAspect="1" noChangeArrowheads="1"/>
+          </p:cNvPicPr>
+          <p:nvPr/>
+        </p:nvPicPr>
+        <p:blipFill>
+          <a:blip r:embed="rId7">
+            <a:extLst>
+              <a:ext uri="{28A0092B-C50C-407E-A947-70E740481C1C}">
+                <a14:useLocalDpi xmlns:a14="http://schemas.microsoft.com/office/drawing/2010/main" val="0"/>
+              </a:ext>
+            </a:extLst>
+          </a:blip>
+          <a:srcRect/>
+          <a:stretch>
+            <a:fillRect/>
+          </a:stretch>
+        </p:blipFill>
+        <p:spPr bwMode="auto">
+          <a:xfrm>
+            <a:off x="2996540" y="3137689"/>
+            <a:ext cx="1251712" cy="704088"/>
+          </a:xfrm>
+          <a:prstGeom prst="rect">
+            <a:avLst/>
+          </a:prstGeom>
+          <a:noFill/>
+          <a:extLst>
+            <a:ext uri="{909E8E84-426E-40DD-AFC4-6F175D3DCCD1}">
+              <a14:hiddenFill xmlns:a14="http://schemas.microsoft.com/office/drawing/2010/main">
+                <a:solidFill>
+                  <a:srgbClr val="FFFFFF"/>
+                </a:solidFill>
+              </a14:hiddenFill>
+            </a:ext>
+          </a:extLst>
+        </p:spPr>
+      </p:pic>
+      <p:cxnSp>
+        <p:nvCxnSpPr>
+          <p:cNvPr id="24" name="肘形连接符 23">
+            <a:extLst>
+              <a:ext uri="{FF2B5EF4-FFF2-40B4-BE49-F238E27FC236}">
+                <a16:creationId xmlns:a16="http://schemas.microsoft.com/office/drawing/2014/main" id="{19E032F7-4AF8-7A28-64EF-EF614C1A1EC2}"/>
+              </a:ext>
+            </a:extLst>
+          </p:cNvPr>
+          <p:cNvCxnSpPr>
+            <a:cxnSpLocks/>
+            <a:stCxn id="1042" idx="2"/>
+            <a:endCxn id="4" idx="4"/>
+          </p:cNvCxnSpPr>
+          <p:nvPr/>
+        </p:nvCxnSpPr>
+        <p:spPr>
+          <a:xfrm rot="5400000">
+            <a:off x="2528685" y="3915044"/>
+            <a:ext cx="1166979" cy="1020445"/>
+          </a:xfrm>
+          <a:prstGeom prst="bentConnector2">
+            <a:avLst/>
+          </a:prstGeom>
+          <a:ln>
+            <a:tailEnd type="triangle"/>
+          </a:ln>
+        </p:spPr>
+        <p:style>
+          <a:lnRef idx="3">
+            <a:schemeClr val="accent1"/>
+          </a:lnRef>
+          <a:fillRef idx="0">
+            <a:schemeClr val="accent1"/>
+          </a:fillRef>
+          <a:effectRef idx="2">
+            <a:schemeClr val="accent1"/>
+          </a:effectRef>
+          <a:fontRef idx="minor">
+            <a:schemeClr val="tx1"/>
+          </a:fontRef>
+        </p:style>
+      </p:cxnSp>
+      <p:sp>
+        <p:nvSpPr>
+          <p:cNvPr id="29" name="文本框 28">
+            <a:extLst>
+              <a:ext uri="{FF2B5EF4-FFF2-40B4-BE49-F238E27FC236}">
+                <a16:creationId xmlns:a16="http://schemas.microsoft.com/office/drawing/2014/main" id="{59E9DABF-FCE0-E2BF-74FC-8CCDE9E7E917}"/>
+              </a:ext>
+            </a:extLst>
+          </p:cNvPr>
+          <p:cNvSpPr txBox="1"/>
+          <p:nvPr/>
+        </p:nvSpPr>
+        <p:spPr>
+          <a:xfrm>
+            <a:off x="3126423" y="2169415"/>
+            <a:ext cx="1370888" cy="954107"/>
+          </a:xfrm>
+          <a:prstGeom prst="rect">
+            <a:avLst/>
+          </a:prstGeom>
+          <a:noFill/>
+        </p:spPr>
+        <p:txBody>
+          <a:bodyPr wrap="none" rtlCol="0">
+            <a:spAutoFit/>
+          </a:bodyPr>
+          <a:lstStyle>
+            <a:defPPr>
+              <a:defRPr lang="zh-CN"/>
+            </a:defPPr>
+            <a:lvl1pPr marL="285750" indent="-285750">
+              <a:buFont typeface="Wingdings" pitchFamily="2" charset="2"/>
+              <a:buChar char="Ø"/>
+              <a:defRPr kumimoji="1" sz="1400">
+                <a:solidFill>
+                  <a:schemeClr val="accent5">
+                    <a:lumMod val="75000"/>
+                  </a:schemeClr>
+                </a:solidFill>
+              </a:defRPr>
+            </a:lvl1pPr>
+          </a:lstStyle>
+          <a:p>
+            <a:r>
+              <a:rPr lang="zh-CN" altLang="en-US" dirty="0"/>
+              <a:t>课程学习</a:t>
+            </a:r>
+            <a:endParaRPr lang="en-US" altLang="zh-CN" dirty="0"/>
+          </a:p>
+          <a:p>
+            <a:r>
+              <a:rPr lang="zh-CN" altLang="en-US" dirty="0"/>
+              <a:t>阶段性成果</a:t>
+            </a:r>
+            <a:endParaRPr lang="en-US" altLang="zh-CN" dirty="0"/>
+          </a:p>
+          <a:p>
+            <a:r>
+              <a:rPr lang="zh-CN" altLang="en-US" dirty="0"/>
+              <a:t>项目文档</a:t>
+            </a:r>
+            <a:endParaRPr lang="en-US" altLang="zh-CN" dirty="0"/>
+          </a:p>
+          <a:p>
+            <a:r>
+              <a:rPr lang="en-US" altLang="zh-CN" dirty="0"/>
+              <a:t>……</a:t>
+            </a:r>
+            <a:endParaRPr lang="zh-CN" altLang="en-US" dirty="0"/>
+          </a:p>
+        </p:txBody>
+      </p:sp>
+      <p:pic>
+        <p:nvPicPr>
+          <p:cNvPr id="1044" name="Picture 20" descr="确保在正规的新闻媒体网站中进行在线新闻发布| Media OutReach Newswire">
+            <a:extLst>
+              <a:ext uri="{FF2B5EF4-FFF2-40B4-BE49-F238E27FC236}">
+                <a16:creationId xmlns:a16="http://schemas.microsoft.com/office/drawing/2014/main" id="{60F9AAB3-3767-06ED-C08F-846D48EA9DA9}"/>
+              </a:ext>
+            </a:extLst>
+          </p:cNvPr>
+          <p:cNvPicPr>
+            <a:picLocks noChangeAspect="1" noChangeArrowheads="1"/>
+          </p:cNvPicPr>
+          <p:nvPr/>
+        </p:nvPicPr>
+        <p:blipFill>
+          <a:blip r:embed="rId8">
+            <a:extLst>
+              <a:ext uri="{28A0092B-C50C-407E-A947-70E740481C1C}">
+                <a14:useLocalDpi xmlns:a14="http://schemas.microsoft.com/office/drawing/2010/main" val="0"/>
+              </a:ext>
+            </a:extLst>
+          </a:blip>
+          <a:srcRect/>
+          <a:stretch>
+            <a:fillRect/>
+          </a:stretch>
+        </p:blipFill>
+        <p:spPr bwMode="auto">
+          <a:xfrm>
+            <a:off x="314335" y="816392"/>
+            <a:ext cx="801233" cy="851285"/>
+          </a:xfrm>
+          <a:prstGeom prst="rect">
+            <a:avLst/>
+          </a:prstGeom>
+          <a:noFill/>
+          <a:extLst>
+            <a:ext uri="{909E8E84-426E-40DD-AFC4-6F175D3DCCD1}">
+              <a14:hiddenFill xmlns:a14="http://schemas.microsoft.com/office/drawing/2010/main">
+                <a:solidFill>
+                  <a:srgbClr val="FFFFFF"/>
+                </a:solidFill>
+              </a14:hiddenFill>
+            </a:ext>
+          </a:extLst>
+        </p:spPr>
+      </p:pic>
+      <p:sp>
+        <p:nvSpPr>
+          <p:cNvPr id="30" name="文本框 29">
+            <a:extLst>
+              <a:ext uri="{FF2B5EF4-FFF2-40B4-BE49-F238E27FC236}">
+                <a16:creationId xmlns:a16="http://schemas.microsoft.com/office/drawing/2014/main" id="{8899DAD0-FCE5-FEEE-2BD1-5900395C862E}"/>
+              </a:ext>
+            </a:extLst>
+          </p:cNvPr>
+          <p:cNvSpPr txBox="1"/>
+          <p:nvPr/>
+        </p:nvSpPr>
+        <p:spPr>
+          <a:xfrm>
+            <a:off x="1095941" y="923020"/>
+            <a:ext cx="1079142" cy="523220"/>
+          </a:xfrm>
+          <a:prstGeom prst="rect">
+            <a:avLst/>
+          </a:prstGeom>
+          <a:noFill/>
+        </p:spPr>
+        <p:txBody>
+          <a:bodyPr wrap="none" rtlCol="0">
+            <a:spAutoFit/>
+          </a:bodyPr>
+          <a:lstStyle>
+            <a:defPPr>
+              <a:defRPr lang="zh-CN"/>
+            </a:defPPr>
+            <a:lvl1pPr marL="285750" indent="-285750">
+              <a:buFont typeface="Wingdings" pitchFamily="2" charset="2"/>
+              <a:buChar char="Ø"/>
+              <a:defRPr kumimoji="1" sz="1400">
+                <a:solidFill>
+                  <a:schemeClr val="accent5">
+                    <a:lumMod val="75000"/>
+                  </a:schemeClr>
+                </a:solidFill>
+              </a:defRPr>
+            </a:lvl1pPr>
+          </a:lstStyle>
+          <a:p>
+            <a:r>
+              <a:rPr lang="zh-CN" altLang="en-US" dirty="0"/>
+              <a:t>推</a:t>
+            </a:r>
+            <a:r>
+              <a:rPr lang="en-US" altLang="zh-CN" dirty="0"/>
+              <a:t>/</a:t>
+            </a:r>
+            <a:r>
+              <a:rPr lang="zh-CN" altLang="en-US" dirty="0"/>
+              <a:t>油管</a:t>
+            </a:r>
+            <a:endParaRPr lang="en-US" altLang="zh-CN" dirty="0"/>
+          </a:p>
+          <a:p>
+            <a:r>
+              <a:rPr lang="en-US" altLang="zh-CN" dirty="0"/>
+              <a:t>……</a:t>
+            </a:r>
+          </a:p>
+        </p:txBody>
+      </p:sp>
+      <p:cxnSp>
+        <p:nvCxnSpPr>
+          <p:cNvPr id="31" name="肘形连接符 30">
+            <a:extLst>
+              <a:ext uri="{FF2B5EF4-FFF2-40B4-BE49-F238E27FC236}">
+                <a16:creationId xmlns:a16="http://schemas.microsoft.com/office/drawing/2014/main" id="{09937EFC-629B-87F9-7513-45CC0310DF30}"/>
+              </a:ext>
+            </a:extLst>
+          </p:cNvPr>
+          <p:cNvCxnSpPr>
+            <a:cxnSpLocks/>
+            <a:stCxn id="1044" idx="2"/>
+            <a:endCxn id="22" idx="0"/>
+          </p:cNvCxnSpPr>
+          <p:nvPr/>
+        </p:nvCxnSpPr>
+        <p:spPr>
+          <a:xfrm rot="16200000" flipH="1">
+            <a:off x="378021" y="2004607"/>
+            <a:ext cx="847057" cy="173195"/>
+          </a:xfrm>
+          <a:prstGeom prst="bentConnector3">
+            <a:avLst>
+              <a:gd name="adj1" fmla="val 50000"/>
+            </a:avLst>
+          </a:prstGeom>
+          <a:ln>
+            <a:tailEnd type="triangle"/>
+          </a:ln>
+        </p:spPr>
+        <p:style>
+          <a:lnRef idx="3">
+            <a:schemeClr val="accent1"/>
+          </a:lnRef>
+          <a:fillRef idx="0">
+            <a:schemeClr val="accent1"/>
+          </a:fillRef>
+          <a:effectRef idx="2">
+            <a:schemeClr val="accent1"/>
+          </a:effectRef>
+          <a:fontRef idx="minor">
+            <a:schemeClr val="tx1"/>
+          </a:fontRef>
+        </p:style>
+      </p:cxnSp>
+      <p:sp>
+        <p:nvSpPr>
+          <p:cNvPr id="34" name="文本框 33">
+            <a:extLst>
+              <a:ext uri="{FF2B5EF4-FFF2-40B4-BE49-F238E27FC236}">
+                <a16:creationId xmlns:a16="http://schemas.microsoft.com/office/drawing/2014/main" id="{AB25C422-72E3-3AFB-0F6F-4137087DCE6E}"/>
+              </a:ext>
+            </a:extLst>
+          </p:cNvPr>
+          <p:cNvSpPr txBox="1"/>
+          <p:nvPr/>
+        </p:nvSpPr>
+        <p:spPr>
+          <a:xfrm>
+            <a:off x="202703" y="1955503"/>
+            <a:ext cx="851515" cy="307777"/>
+          </a:xfrm>
+          <a:prstGeom prst="rect">
+            <a:avLst/>
+          </a:prstGeom>
+          <a:noFill/>
+          <a:ln>
+            <a:noFill/>
+          </a:ln>
+        </p:spPr>
+        <p:style>
+          <a:lnRef idx="0">
+            <a:scrgbClr r="0" g="0" b="0"/>
+          </a:lnRef>
+          <a:fillRef idx="0">
+            <a:scrgbClr r="0" g="0" b="0"/>
+          </a:fillRef>
+          <a:effectRef idx="0">
+            <a:scrgbClr r="0" g="0" b="0"/>
+          </a:effectRef>
+          <a:fontRef idx="minor">
+            <a:schemeClr val="accent2"/>
+          </a:fontRef>
+        </p:style>
+        <p:txBody>
+          <a:bodyPr wrap="none" rtlCol="0">
+            <a:spAutoFit/>
+          </a:bodyPr>
+          <a:lstStyle/>
+          <a:p>
+            <a:r>
+              <a:rPr kumimoji="1" lang="en-US" altLang="zh-CN" sz="1400" dirty="0"/>
+              <a:t>RSS</a:t>
+            </a:r>
+            <a:r>
+              <a:rPr kumimoji="1" lang="zh-CN" altLang="en-US" sz="1400" dirty="0"/>
+              <a:t> </a:t>
+            </a:r>
+            <a:r>
+              <a:rPr kumimoji="1" lang="en-US" altLang="zh-CN" sz="1400" dirty="0"/>
+              <a:t>Hub</a:t>
+            </a:r>
+            <a:endParaRPr kumimoji="1" lang="zh-CN" altLang="en-US" sz="1400" dirty="0"/>
+          </a:p>
+        </p:txBody>
+      </p:sp>
+      <p:sp>
+        <p:nvSpPr>
+          <p:cNvPr id="36" name="文本框 35">
+            <a:extLst>
+              <a:ext uri="{FF2B5EF4-FFF2-40B4-BE49-F238E27FC236}">
+                <a16:creationId xmlns:a16="http://schemas.microsoft.com/office/drawing/2014/main" id="{9D983033-4B2C-3C5D-E61E-EE7CD23706A0}"/>
+              </a:ext>
+            </a:extLst>
+          </p:cNvPr>
+          <p:cNvSpPr txBox="1"/>
+          <p:nvPr/>
+        </p:nvSpPr>
+        <p:spPr>
+          <a:xfrm>
+            <a:off x="2026023" y="1820077"/>
+            <a:ext cx="1191352" cy="738664"/>
+          </a:xfrm>
+          <a:prstGeom prst="rect">
+            <a:avLst/>
+          </a:prstGeom>
+          <a:noFill/>
+        </p:spPr>
+        <p:txBody>
+          <a:bodyPr wrap="none" rtlCol="0">
+            <a:spAutoFit/>
+          </a:bodyPr>
+          <a:lstStyle>
+            <a:defPPr>
+              <a:defRPr lang="zh-CN"/>
+            </a:defPPr>
+            <a:lvl1pPr marL="285750" indent="-285750">
+              <a:buFont typeface="Wingdings" pitchFamily="2" charset="2"/>
+              <a:buChar char="Ø"/>
+              <a:defRPr kumimoji="1" sz="1400">
+                <a:solidFill>
+                  <a:schemeClr val="accent5">
+                    <a:lumMod val="75000"/>
+                  </a:schemeClr>
+                </a:solidFill>
+              </a:defRPr>
+            </a:lvl1pPr>
+          </a:lstStyle>
+          <a:p>
+            <a:r>
+              <a:rPr lang="zh-CN" altLang="en-US" dirty="0"/>
+              <a:t>突发灵感</a:t>
+            </a:r>
+            <a:endParaRPr lang="en-US" altLang="zh-CN" dirty="0"/>
+          </a:p>
+          <a:p>
+            <a:r>
+              <a:rPr lang="zh-CN" altLang="en-US" dirty="0"/>
+              <a:t>沟通记录</a:t>
+            </a:r>
+            <a:endParaRPr lang="en-US" altLang="zh-CN" dirty="0"/>
+          </a:p>
+          <a:p>
+            <a:r>
+              <a:rPr lang="en-US" altLang="zh-CN" dirty="0"/>
+              <a:t>……</a:t>
+            </a:r>
+            <a:endParaRPr lang="zh-CN" altLang="en-US" dirty="0"/>
+          </a:p>
+        </p:txBody>
+      </p:sp>
+      <p:cxnSp>
+        <p:nvCxnSpPr>
+          <p:cNvPr id="37" name="肘形连接符 36">
+            <a:extLst>
+              <a:ext uri="{FF2B5EF4-FFF2-40B4-BE49-F238E27FC236}">
+                <a16:creationId xmlns:a16="http://schemas.microsoft.com/office/drawing/2014/main" id="{7116CDC5-E6CC-705E-AE50-6EA8D7CD2F12}"/>
+              </a:ext>
+            </a:extLst>
+          </p:cNvPr>
+          <p:cNvCxnSpPr>
+            <a:cxnSpLocks/>
+            <a:stCxn id="1040" idx="0"/>
+            <a:endCxn id="4" idx="3"/>
+          </p:cNvCxnSpPr>
+          <p:nvPr/>
+        </p:nvCxnSpPr>
+        <p:spPr>
+          <a:xfrm rot="5400000" flipH="1" flipV="1">
+            <a:off x="1157190" y="5081691"/>
+            <a:ext cx="430453" cy="1492632"/>
+          </a:xfrm>
+          <a:prstGeom prst="bentConnector3">
+            <a:avLst>
+              <a:gd name="adj1" fmla="val 50000"/>
+            </a:avLst>
+          </a:prstGeom>
+          <a:ln>
+            <a:tailEnd type="triangle"/>
+          </a:ln>
+        </p:spPr>
+        <p:style>
+          <a:lnRef idx="3">
+            <a:schemeClr val="accent1"/>
+          </a:lnRef>
+          <a:fillRef idx="0">
+            <a:schemeClr val="accent1"/>
+          </a:fillRef>
+          <a:effectRef idx="2">
+            <a:schemeClr val="accent1"/>
+          </a:effectRef>
+          <a:fontRef idx="minor">
+            <a:schemeClr val="tx1"/>
+          </a:fontRef>
+        </p:style>
+      </p:cxnSp>
+      <p:sp>
+        <p:nvSpPr>
+          <p:cNvPr id="40" name="文本框 39">
+            <a:extLst>
+              <a:ext uri="{FF2B5EF4-FFF2-40B4-BE49-F238E27FC236}">
+                <a16:creationId xmlns:a16="http://schemas.microsoft.com/office/drawing/2014/main" id="{9D3CB030-EE41-00F2-3AF8-03E5523D10DF}"/>
+              </a:ext>
+            </a:extLst>
+          </p:cNvPr>
+          <p:cNvSpPr txBox="1"/>
+          <p:nvPr/>
+        </p:nvSpPr>
+        <p:spPr>
+          <a:xfrm>
+            <a:off x="701653" y="5566689"/>
+            <a:ext cx="816249" cy="307777"/>
+          </a:xfrm>
+          <a:prstGeom prst="rect">
+            <a:avLst/>
+          </a:prstGeom>
+          <a:noFill/>
+          <a:ln>
+            <a:noFill/>
+          </a:ln>
+        </p:spPr>
+        <p:style>
+          <a:lnRef idx="0">
+            <a:scrgbClr r="0" g="0" b="0"/>
+          </a:lnRef>
+          <a:fillRef idx="0">
+            <a:scrgbClr r="0" g="0" b="0"/>
+          </a:fillRef>
+          <a:effectRef idx="0">
+            <a:scrgbClr r="0" g="0" b="0"/>
+          </a:effectRef>
+          <a:fontRef idx="minor">
+            <a:schemeClr val="accent2"/>
+          </a:fontRef>
+        </p:style>
+        <p:txBody>
+          <a:bodyPr wrap="none" rtlCol="0">
+            <a:spAutoFit/>
+          </a:bodyPr>
+          <a:lstStyle/>
+          <a:p>
+            <a:r>
+              <a:rPr kumimoji="1" lang="en-US" altLang="zh-CN" sz="1400" dirty="0" err="1"/>
+              <a:t>Knote</a:t>
+            </a:r>
+            <a:r>
+              <a:rPr kumimoji="1" lang="zh-CN" altLang="en-US" sz="1400" dirty="0"/>
+              <a:t>等</a:t>
+            </a:r>
+            <a:endParaRPr kumimoji="1" lang="en-US" altLang="zh-CN" sz="1400" dirty="0"/>
+          </a:p>
+        </p:txBody>
+      </p:sp>
+      <p:sp>
+        <p:nvSpPr>
+          <p:cNvPr id="41" name="文本框 40">
+            <a:extLst>
+              <a:ext uri="{FF2B5EF4-FFF2-40B4-BE49-F238E27FC236}">
+                <a16:creationId xmlns:a16="http://schemas.microsoft.com/office/drawing/2014/main" id="{8AD6BFED-C464-E1BB-57A0-034CC2804A0F}"/>
+              </a:ext>
+            </a:extLst>
+          </p:cNvPr>
+          <p:cNvSpPr txBox="1"/>
+          <p:nvPr/>
+        </p:nvSpPr>
+        <p:spPr>
+          <a:xfrm>
+            <a:off x="4387058" y="3902046"/>
+            <a:ext cx="1550424" cy="523220"/>
+          </a:xfrm>
+          <a:prstGeom prst="rect">
+            <a:avLst/>
+          </a:prstGeom>
+          <a:noFill/>
+        </p:spPr>
+        <p:txBody>
+          <a:bodyPr wrap="none" rtlCol="0">
+            <a:spAutoFit/>
+          </a:bodyPr>
+          <a:lstStyle>
+            <a:defPPr>
+              <a:defRPr lang="zh-CN"/>
+            </a:defPPr>
+            <a:lvl1pPr marL="285750" indent="-285750">
+              <a:buFont typeface="Wingdings" pitchFamily="2" charset="2"/>
+              <a:buChar char="Ø"/>
+              <a:defRPr kumimoji="1" sz="1400">
+                <a:solidFill>
+                  <a:schemeClr val="accent5">
+                    <a:lumMod val="75000"/>
+                  </a:schemeClr>
+                </a:solidFill>
+              </a:defRPr>
+            </a:lvl1pPr>
+          </a:lstStyle>
+          <a:p>
+            <a:r>
+              <a:rPr lang="zh-CN" altLang="en-US" dirty="0"/>
+              <a:t>日常素材收集</a:t>
+            </a:r>
+            <a:endParaRPr lang="en-US" altLang="zh-CN" dirty="0"/>
+          </a:p>
+          <a:p>
+            <a:r>
+              <a:rPr lang="zh-CN" altLang="en-US" dirty="0"/>
+              <a:t>花瓣网之类的</a:t>
+            </a:r>
+          </a:p>
+        </p:txBody>
+      </p:sp>
+      <p:sp>
+        <p:nvSpPr>
+          <p:cNvPr id="42" name="文本框 41">
+            <a:extLst>
+              <a:ext uri="{FF2B5EF4-FFF2-40B4-BE49-F238E27FC236}">
+                <a16:creationId xmlns:a16="http://schemas.microsoft.com/office/drawing/2014/main" id="{AE82E3BA-5B2C-69E4-9E24-9D75A1EE62EB}"/>
+              </a:ext>
+            </a:extLst>
+          </p:cNvPr>
+          <p:cNvSpPr txBox="1"/>
+          <p:nvPr/>
+        </p:nvSpPr>
+        <p:spPr>
+          <a:xfrm>
+            <a:off x="6289775" y="3209548"/>
+            <a:ext cx="1598515" cy="1384995"/>
+          </a:xfrm>
+          <a:prstGeom prst="rect">
+            <a:avLst/>
+          </a:prstGeom>
+          <a:noFill/>
+        </p:spPr>
+        <p:txBody>
+          <a:bodyPr wrap="none" rtlCol="0">
+            <a:spAutoFit/>
+          </a:bodyPr>
+          <a:lstStyle>
+            <a:defPPr>
+              <a:defRPr lang="zh-CN"/>
+            </a:defPPr>
+            <a:lvl1pPr marL="285750" indent="-285750">
+              <a:buFont typeface="Wingdings" pitchFamily="2" charset="2"/>
+              <a:buChar char="Ø"/>
+              <a:defRPr kumimoji="1" sz="1400">
+                <a:solidFill>
+                  <a:schemeClr val="accent5">
+                    <a:lumMod val="75000"/>
+                  </a:schemeClr>
+                </a:solidFill>
+              </a:defRPr>
+            </a:lvl1pPr>
+          </a:lstStyle>
+          <a:p>
+            <a:r>
+              <a:rPr lang="zh-CN" altLang="en-US" dirty="0"/>
+              <a:t>各种工作文档</a:t>
+            </a:r>
+            <a:endParaRPr lang="en-US" altLang="zh-CN" dirty="0"/>
+          </a:p>
+          <a:p>
+            <a:r>
+              <a:rPr lang="zh-CN" altLang="en-US" dirty="0"/>
+              <a:t>项目文档</a:t>
+            </a:r>
+            <a:endParaRPr lang="en-US" altLang="zh-CN" dirty="0"/>
+          </a:p>
+          <a:p>
+            <a:r>
+              <a:rPr lang="zh-CN" altLang="en-US" dirty="0"/>
+              <a:t>护照身份证</a:t>
+            </a:r>
+            <a:endParaRPr lang="en-US" altLang="zh-CN" dirty="0"/>
+          </a:p>
+          <a:p>
+            <a:r>
+              <a:rPr lang="zh-CN" altLang="en-US" dirty="0"/>
+              <a:t>病例诊断书</a:t>
+            </a:r>
+            <a:endParaRPr lang="en-US" altLang="zh-CN" dirty="0"/>
+          </a:p>
+          <a:p>
+            <a:r>
+              <a:rPr lang="zh-CN" altLang="en-US" dirty="0"/>
+              <a:t>其他重要文件</a:t>
+            </a:r>
+            <a:endParaRPr lang="en-US" altLang="zh-CN" dirty="0"/>
+          </a:p>
+          <a:p>
+            <a:r>
+              <a:rPr lang="en-US" altLang="zh-CN" dirty="0"/>
+              <a:t>……</a:t>
+            </a:r>
+            <a:endParaRPr lang="zh-CN" altLang="en-US" dirty="0"/>
+          </a:p>
+        </p:txBody>
+      </p:sp>
+      <p:sp>
+        <p:nvSpPr>
+          <p:cNvPr id="43" name="文本框 42">
+            <a:extLst>
+              <a:ext uri="{FF2B5EF4-FFF2-40B4-BE49-F238E27FC236}">
+                <a16:creationId xmlns:a16="http://schemas.microsoft.com/office/drawing/2014/main" id="{7FAA051C-4029-3F21-AE38-ACCE63396D2E}"/>
+              </a:ext>
+            </a:extLst>
+          </p:cNvPr>
+          <p:cNvSpPr txBox="1"/>
+          <p:nvPr/>
+        </p:nvSpPr>
+        <p:spPr>
+          <a:xfrm>
+            <a:off x="8237925" y="3429000"/>
+            <a:ext cx="1191352" cy="954107"/>
+          </a:xfrm>
+          <a:prstGeom prst="rect">
+            <a:avLst/>
+          </a:prstGeom>
+          <a:noFill/>
+        </p:spPr>
+        <p:txBody>
+          <a:bodyPr wrap="none" rtlCol="0">
+            <a:spAutoFit/>
+          </a:bodyPr>
+          <a:lstStyle>
+            <a:defPPr>
+              <a:defRPr lang="zh-CN"/>
+            </a:defPPr>
+            <a:lvl1pPr marL="285750" indent="-285750">
+              <a:buFont typeface="Wingdings" pitchFamily="2" charset="2"/>
+              <a:buChar char="Ø"/>
+              <a:defRPr kumimoji="1" sz="1400">
+                <a:solidFill>
+                  <a:schemeClr val="accent5">
+                    <a:lumMod val="75000"/>
+                  </a:schemeClr>
+                </a:solidFill>
+              </a:defRPr>
+            </a:lvl1pPr>
+          </a:lstStyle>
+          <a:p>
+            <a:r>
+              <a:rPr lang="zh-CN" altLang="en-US" dirty="0"/>
+              <a:t>无损音乐</a:t>
+            </a:r>
+            <a:endParaRPr lang="en-US" altLang="zh-CN" dirty="0"/>
+          </a:p>
+          <a:p>
+            <a:r>
+              <a:rPr lang="zh-CN" altLang="en-US" dirty="0"/>
+              <a:t>高清电影</a:t>
+            </a:r>
+            <a:endParaRPr lang="en-US" altLang="zh-CN" dirty="0"/>
+          </a:p>
+          <a:p>
+            <a:r>
+              <a:rPr lang="zh-CN" altLang="en-US" dirty="0"/>
+              <a:t>电子书</a:t>
+            </a:r>
+            <a:endParaRPr lang="en-US" altLang="zh-CN" dirty="0"/>
+          </a:p>
+          <a:p>
+            <a:r>
+              <a:rPr lang="en-US" altLang="zh-CN" dirty="0"/>
+              <a:t>……</a:t>
+            </a:r>
+            <a:endParaRPr lang="zh-CN" altLang="en-US" dirty="0"/>
+          </a:p>
+        </p:txBody>
+      </p:sp>
+      <p:sp>
+        <p:nvSpPr>
+          <p:cNvPr id="46" name="左大括号 45">
+            <a:extLst>
+              <a:ext uri="{FF2B5EF4-FFF2-40B4-BE49-F238E27FC236}">
+                <a16:creationId xmlns:a16="http://schemas.microsoft.com/office/drawing/2014/main" id="{3052B535-E85E-D09A-BFBF-8E7355F84FEA}"/>
+              </a:ext>
+            </a:extLst>
+          </p:cNvPr>
+          <p:cNvSpPr/>
+          <p:nvPr/>
+        </p:nvSpPr>
+        <p:spPr>
+          <a:xfrm>
+            <a:off x="6226927" y="1190311"/>
+            <a:ext cx="193775" cy="1784377"/>
+          </a:xfrm>
+          <a:prstGeom prst="leftBrace">
+            <a:avLst/>
+          </a:prstGeom>
+        </p:spPr>
+        <p:style>
+          <a:lnRef idx="1">
+            <a:schemeClr val="accent1"/>
+          </a:lnRef>
+          <a:fillRef idx="0">
+            <a:schemeClr val="accent1"/>
+          </a:fillRef>
+          <a:effectRef idx="0">
+            <a:schemeClr val="accent1"/>
+          </a:effectRef>
+          <a:fontRef idx="minor">
+            <a:schemeClr val="tx1"/>
+          </a:fontRef>
+        </p:style>
+        <p:txBody>
+          <a:bodyPr rtlCol="0" anchor="ctr"/>
+          <a:lstStyle/>
+          <a:p>
+            <a:pPr algn="ctr"/>
+            <a:endParaRPr kumimoji="1" lang="zh-CN" altLang="en-US"/>
+          </a:p>
+        </p:txBody>
+      </p:sp>
+      <p:sp>
+        <p:nvSpPr>
+          <p:cNvPr id="47" name="文本框 46">
+            <a:extLst>
+              <a:ext uri="{FF2B5EF4-FFF2-40B4-BE49-F238E27FC236}">
+                <a16:creationId xmlns:a16="http://schemas.microsoft.com/office/drawing/2014/main" id="{6B16D7F5-890B-F272-BF51-FAB4147791A2}"/>
+              </a:ext>
+            </a:extLst>
+          </p:cNvPr>
+          <p:cNvSpPr txBox="1"/>
+          <p:nvPr/>
+        </p:nvSpPr>
+        <p:spPr>
+          <a:xfrm>
+            <a:off x="6454347" y="1190311"/>
+            <a:ext cx="1422184" cy="369332"/>
+          </a:xfrm>
+          <a:prstGeom prst="rect">
+            <a:avLst/>
+          </a:prstGeom>
+        </p:spPr>
+        <p:style>
+          <a:lnRef idx="2">
+            <a:schemeClr val="accent3"/>
+          </a:lnRef>
+          <a:fillRef idx="1">
+            <a:schemeClr val="lt1"/>
+          </a:fillRef>
+          <a:effectRef idx="0">
+            <a:schemeClr val="accent3"/>
+          </a:effectRef>
+          <a:fontRef idx="minor">
+            <a:schemeClr val="dk1"/>
+          </a:fontRef>
+        </p:style>
+        <p:txBody>
+          <a:bodyPr wrap="none" rtlCol="0">
+            <a:spAutoFit/>
+          </a:bodyPr>
+          <a:lstStyle/>
+          <a:p>
+            <a:r>
+              <a:rPr kumimoji="1" lang="en-US" altLang="zh-CN" dirty="0"/>
+              <a:t>Inbox</a:t>
+            </a:r>
+            <a:r>
+              <a:rPr kumimoji="1" lang="zh-CN" altLang="en-US" dirty="0"/>
+              <a:t>文件夹</a:t>
+            </a:r>
+          </a:p>
+        </p:txBody>
+      </p:sp>
+      <p:sp>
+        <p:nvSpPr>
+          <p:cNvPr id="48" name="文本框 47">
+            <a:extLst>
+              <a:ext uri="{FF2B5EF4-FFF2-40B4-BE49-F238E27FC236}">
+                <a16:creationId xmlns:a16="http://schemas.microsoft.com/office/drawing/2014/main" id="{8D4BA571-EB9E-0FE1-DAD7-491A34AB807F}"/>
+              </a:ext>
+            </a:extLst>
+          </p:cNvPr>
+          <p:cNvSpPr txBox="1"/>
+          <p:nvPr/>
+        </p:nvSpPr>
+        <p:spPr>
+          <a:xfrm>
+            <a:off x="6454347" y="2580696"/>
+            <a:ext cx="1443024" cy="369332"/>
+          </a:xfrm>
+          <a:prstGeom prst="rect">
+            <a:avLst/>
+          </a:prstGeom>
+        </p:spPr>
+        <p:style>
+          <a:lnRef idx="3">
+            <a:schemeClr val="lt1"/>
+          </a:lnRef>
+          <a:fillRef idx="1">
+            <a:schemeClr val="dk1"/>
+          </a:fillRef>
+          <a:effectRef idx="1">
+            <a:schemeClr val="dk1"/>
+          </a:effectRef>
+          <a:fontRef idx="minor">
+            <a:schemeClr val="lt1"/>
+          </a:fontRef>
+        </p:style>
+        <p:txBody>
+          <a:bodyPr wrap="none" rtlCol="0">
+            <a:spAutoFit/>
+          </a:bodyPr>
+          <a:lstStyle/>
+          <a:p>
+            <a:r>
+              <a:rPr kumimoji="1" lang="en-US" altLang="zh-CN" dirty="0"/>
+              <a:t>Temp</a:t>
+            </a:r>
+            <a:r>
+              <a:rPr kumimoji="1" lang="zh-CN" altLang="en-US" dirty="0"/>
+              <a:t>文件夹</a:t>
+            </a:r>
+          </a:p>
+        </p:txBody>
+      </p:sp>
+      <p:sp>
+        <p:nvSpPr>
+          <p:cNvPr id="51" name="文本框 50">
+            <a:extLst>
+              <a:ext uri="{FF2B5EF4-FFF2-40B4-BE49-F238E27FC236}">
+                <a16:creationId xmlns:a16="http://schemas.microsoft.com/office/drawing/2014/main" id="{A417D765-37A9-1774-3AD4-BACE80A8240A}"/>
+              </a:ext>
+            </a:extLst>
+          </p:cNvPr>
+          <p:cNvSpPr txBox="1"/>
+          <p:nvPr/>
+        </p:nvSpPr>
+        <p:spPr>
+          <a:xfrm>
+            <a:off x="7876531" y="1251866"/>
+            <a:ext cx="902811" cy="307777"/>
+          </a:xfrm>
+          <a:prstGeom prst="rect">
+            <a:avLst/>
+          </a:prstGeom>
+          <a:noFill/>
+        </p:spPr>
+        <p:txBody>
+          <a:bodyPr wrap="none" rtlCol="0">
+            <a:spAutoFit/>
+          </a:bodyPr>
+          <a:lstStyle>
+            <a:defPPr>
+              <a:defRPr lang="zh-CN"/>
+            </a:defPPr>
+            <a:lvl1pPr indent="0">
+              <a:buFont typeface="Wingdings" pitchFamily="2" charset="2"/>
+              <a:buNone/>
+              <a:defRPr kumimoji="1" sz="1400"/>
+            </a:lvl1pPr>
+          </a:lstStyle>
+          <a:p>
+            <a:r>
+              <a:rPr lang="zh-CN" altLang="en-US" dirty="0"/>
+              <a:t>未整理的</a:t>
+            </a:r>
+          </a:p>
+        </p:txBody>
+      </p:sp>
+      <p:sp>
+        <p:nvSpPr>
+          <p:cNvPr id="52" name="文本框 51">
+            <a:extLst>
+              <a:ext uri="{FF2B5EF4-FFF2-40B4-BE49-F238E27FC236}">
+                <a16:creationId xmlns:a16="http://schemas.microsoft.com/office/drawing/2014/main" id="{BCB8447A-A5E0-30CE-1E1D-FA063F260060}"/>
+              </a:ext>
+            </a:extLst>
+          </p:cNvPr>
+          <p:cNvSpPr txBox="1"/>
+          <p:nvPr/>
+        </p:nvSpPr>
+        <p:spPr>
+          <a:xfrm>
+            <a:off x="7904120" y="2632749"/>
+            <a:ext cx="1082348" cy="307777"/>
+          </a:xfrm>
+          <a:prstGeom prst="rect">
+            <a:avLst/>
+          </a:prstGeom>
+          <a:noFill/>
+        </p:spPr>
+        <p:txBody>
+          <a:bodyPr wrap="none" rtlCol="0">
+            <a:spAutoFit/>
+          </a:bodyPr>
+          <a:lstStyle>
+            <a:defPPr>
+              <a:defRPr lang="zh-CN"/>
+            </a:defPPr>
+            <a:lvl1pPr indent="0">
+              <a:buFont typeface="Wingdings" pitchFamily="2" charset="2"/>
+              <a:buNone/>
+              <a:defRPr kumimoji="1" sz="1400"/>
+            </a:lvl1pPr>
+          </a:lstStyle>
+          <a:p>
+            <a:r>
+              <a:rPr lang="zh-CN" altLang="en-US" dirty="0"/>
+              <a:t>暂时用一下</a:t>
+            </a:r>
+          </a:p>
+        </p:txBody>
+      </p:sp>
+      <p:sp>
+        <p:nvSpPr>
+          <p:cNvPr id="53" name="文本框 52">
+            <a:extLst>
+              <a:ext uri="{FF2B5EF4-FFF2-40B4-BE49-F238E27FC236}">
+                <a16:creationId xmlns:a16="http://schemas.microsoft.com/office/drawing/2014/main" id="{CC0247CC-70D4-BE5D-8655-7F260264F4D6}"/>
+              </a:ext>
+            </a:extLst>
+          </p:cNvPr>
+          <p:cNvSpPr txBox="1"/>
+          <p:nvPr/>
+        </p:nvSpPr>
+        <p:spPr>
+          <a:xfrm>
+            <a:off x="6492305" y="1924945"/>
+            <a:ext cx="877163" cy="369332"/>
+          </a:xfrm>
+          <a:prstGeom prst="rect">
+            <a:avLst/>
+          </a:prstGeom>
+        </p:spPr>
+        <p:style>
+          <a:lnRef idx="3">
+            <a:schemeClr val="lt1"/>
+          </a:lnRef>
+          <a:fillRef idx="1">
+            <a:schemeClr val="accent6"/>
+          </a:fillRef>
+          <a:effectRef idx="1">
+            <a:schemeClr val="accent6"/>
+          </a:effectRef>
+          <a:fontRef idx="minor">
+            <a:schemeClr val="lt1"/>
+          </a:fontRef>
+        </p:style>
+        <p:txBody>
+          <a:bodyPr wrap="none" rtlCol="0">
+            <a:spAutoFit/>
+          </a:bodyPr>
+          <a:lstStyle/>
+          <a:p>
+            <a:r>
+              <a:rPr kumimoji="1" lang="zh-CN" altLang="en-US" dirty="0"/>
+              <a:t>未分类</a:t>
+            </a:r>
+          </a:p>
+        </p:txBody>
+      </p:sp>
+      <p:sp>
+        <p:nvSpPr>
+          <p:cNvPr id="54" name="文本框 53">
+            <a:extLst>
+              <a:ext uri="{FF2B5EF4-FFF2-40B4-BE49-F238E27FC236}">
+                <a16:creationId xmlns:a16="http://schemas.microsoft.com/office/drawing/2014/main" id="{7A941914-990E-BE09-DB86-AE6A2BEA2768}"/>
+              </a:ext>
+            </a:extLst>
+          </p:cNvPr>
+          <p:cNvSpPr txBox="1"/>
+          <p:nvPr/>
+        </p:nvSpPr>
+        <p:spPr>
+          <a:xfrm>
+            <a:off x="7867770" y="1768860"/>
+            <a:ext cx="1441420" cy="738664"/>
+          </a:xfrm>
+          <a:prstGeom prst="rect">
+            <a:avLst/>
+          </a:prstGeom>
+          <a:noFill/>
+        </p:spPr>
+        <p:txBody>
+          <a:bodyPr wrap="none" rtlCol="0">
+            <a:spAutoFit/>
+          </a:bodyPr>
+          <a:lstStyle>
+            <a:defPPr>
+              <a:defRPr lang="zh-CN"/>
+            </a:defPPr>
+            <a:lvl1pPr marL="285750" indent="-285750">
+              <a:buFont typeface="Wingdings" pitchFamily="2" charset="2"/>
+              <a:buChar char="Ø"/>
+              <a:defRPr kumimoji="1" sz="1400">
+                <a:solidFill>
+                  <a:schemeClr val="accent5">
+                    <a:lumMod val="75000"/>
+                  </a:schemeClr>
+                </a:solidFill>
+              </a:defRPr>
+            </a:lvl1pPr>
+          </a:lstStyle>
+          <a:p>
+            <a:pPr marL="0" indent="0">
+              <a:buNone/>
+            </a:pPr>
+            <a:r>
+              <a:rPr lang="zh-CN" altLang="en-US" dirty="0">
+                <a:solidFill>
+                  <a:schemeClr val="tx1"/>
+                </a:solidFill>
+              </a:rPr>
+              <a:t>减轻分类焦虑</a:t>
+            </a:r>
+            <a:endParaRPr lang="en-US" altLang="zh-CN" dirty="0">
+              <a:solidFill>
+                <a:schemeClr val="tx1"/>
+              </a:solidFill>
+            </a:endParaRPr>
+          </a:p>
+          <a:p>
+            <a:pPr marL="0" indent="0">
+              <a:buNone/>
+            </a:pPr>
+            <a:r>
+              <a:rPr lang="zh-CN" altLang="en-US" dirty="0">
+                <a:solidFill>
+                  <a:schemeClr val="tx1"/>
+                </a:solidFill>
+              </a:rPr>
+              <a:t>整理的时候发现</a:t>
+            </a:r>
+            <a:endParaRPr lang="en-US" altLang="zh-CN" dirty="0">
+              <a:solidFill>
+                <a:schemeClr val="tx1"/>
+              </a:solidFill>
+            </a:endParaRPr>
+          </a:p>
+          <a:p>
+            <a:pPr marL="0" indent="0">
+              <a:buNone/>
+            </a:pPr>
+            <a:r>
+              <a:rPr lang="zh-CN" altLang="en-US" dirty="0">
+                <a:solidFill>
+                  <a:schemeClr val="tx1"/>
+                </a:solidFill>
+              </a:rPr>
+              <a:t>不知道咋办的</a:t>
+            </a:r>
+          </a:p>
+        </p:txBody>
+      </p:sp>
+      <p:sp>
+        <p:nvSpPr>
+          <p:cNvPr id="55" name="文本框 54">
+            <a:extLst>
+              <a:ext uri="{FF2B5EF4-FFF2-40B4-BE49-F238E27FC236}">
+                <a16:creationId xmlns:a16="http://schemas.microsoft.com/office/drawing/2014/main" id="{2E194FEE-E5AC-B651-6401-D6854C2B474C}"/>
+              </a:ext>
+            </a:extLst>
+          </p:cNvPr>
+          <p:cNvSpPr txBox="1"/>
+          <p:nvPr/>
+        </p:nvSpPr>
+        <p:spPr>
+          <a:xfrm>
+            <a:off x="5047328" y="1904334"/>
+            <a:ext cx="1107996" cy="369332"/>
+          </a:xfrm>
+          <a:prstGeom prst="rect">
+            <a:avLst/>
+          </a:prstGeom>
+        </p:spPr>
+        <p:style>
+          <a:lnRef idx="0">
+            <a:schemeClr val="accent5"/>
+          </a:lnRef>
+          <a:fillRef idx="3">
+            <a:schemeClr val="accent5"/>
+          </a:fillRef>
+          <a:effectRef idx="3">
+            <a:schemeClr val="accent5"/>
+          </a:effectRef>
+          <a:fontRef idx="minor">
+            <a:schemeClr val="lt1"/>
+          </a:fontRef>
+        </p:style>
+        <p:txBody>
+          <a:bodyPr wrap="none" rtlCol="0">
+            <a:spAutoFit/>
+          </a:bodyPr>
+          <a:lstStyle/>
+          <a:p>
+            <a:r>
+              <a:rPr kumimoji="1" lang="zh-CN" altLang="en-US" dirty="0"/>
+              <a:t>资源结构</a:t>
+            </a:r>
+          </a:p>
+        </p:txBody>
+      </p:sp>
+    </p:spTree>
+    <p:extLst>
+      <p:ext uri="{BB962C8B-B14F-4D97-AF65-F5344CB8AC3E}">
+        <p14:creationId xmlns:p14="http://schemas.microsoft.com/office/powerpoint/2010/main" val="3505832669"/>
+      </p:ext>
+    </p:extLst>
+  </p:cSld>
+  <p:clrMapOvr>
+    <a:masterClrMapping/>
+  </p:clrMapOvr>
+</p:sld>
+</file>
+
+<file path=ppt/slides/slide9.xml><?xml version="1.0" encoding="utf-8"?>
+<p:sld xmlns:a="http://schemas.openxmlformats.org/drawingml/2006/main" xmlns:r="http://schemas.openxmlformats.org/officeDocument/2006/relationships" xmlns:p="http://schemas.openxmlformats.org/presentationml/2006/main">
+  <p:cSld>
+    <p:spTree>
+      <p:nvGrpSpPr>
+        <p:cNvPr id="1" name=""/>
+        <p:cNvGrpSpPr/>
+        <p:nvPr/>
+      </p:nvGrpSpPr>
+      <p:grpSpPr>
+        <a:xfrm>
+          <a:off x="0" y="0"/>
+          <a:ext cx="0" cy="0"/>
+          <a:chOff x="0" y="0"/>
+          <a:chExt cx="0" cy="0"/>
+        </a:xfrm>
+      </p:grpSpPr>
+      <p:sp>
+        <p:nvSpPr>
+          <p:cNvPr id="5" name="圆柱体 4">
+            <a:extLst>
+              <a:ext uri="{FF2B5EF4-FFF2-40B4-BE49-F238E27FC236}">
+                <a16:creationId xmlns:a16="http://schemas.microsoft.com/office/drawing/2014/main" id="{F1C53A98-D940-F87F-CB2F-28F975EBF89B}"/>
+              </a:ext>
+            </a:extLst>
+          </p:cNvPr>
+          <p:cNvSpPr/>
+          <p:nvPr/>
+        </p:nvSpPr>
+        <p:spPr>
+          <a:xfrm>
+            <a:off x="1689559" y="2824976"/>
+            <a:ext cx="966439" cy="1208048"/>
+          </a:xfrm>
+          <a:prstGeom prst="can">
+            <a:avLst/>
+          </a:prstGeom>
+        </p:spPr>
+        <p:style>
+          <a:lnRef idx="0">
+            <a:schemeClr val="accent3"/>
+          </a:lnRef>
+          <a:fillRef idx="3">
+            <a:schemeClr val="accent3"/>
+          </a:fillRef>
+          <a:effectRef idx="3">
+            <a:schemeClr val="accent3"/>
+          </a:effectRef>
+          <a:fontRef idx="minor">
+            <a:schemeClr val="lt1"/>
+          </a:fontRef>
+        </p:style>
+        <p:txBody>
+          <a:bodyPr rtlCol="0" anchor="ctr"/>
+          <a:lstStyle/>
+          <a:p>
+            <a:pPr algn="ctr"/>
+            <a:r>
+              <a:rPr kumimoji="1" lang="zh-CN" altLang="en-US" sz="1400" dirty="0"/>
+              <a:t>文件系统</a:t>
+            </a:r>
+            <a:r>
+              <a:rPr kumimoji="1" lang="en-US" altLang="zh-CN" sz="1400" dirty="0"/>
+              <a:t>/</a:t>
+            </a:r>
+            <a:r>
+              <a:rPr kumimoji="1" lang="zh-CN" altLang="en-US" sz="1400" dirty="0"/>
+              <a:t>信息库</a:t>
+            </a:r>
+          </a:p>
+        </p:txBody>
+      </p:sp>
+      <p:sp>
+        <p:nvSpPr>
+          <p:cNvPr id="6" name="圆柱体 5">
+            <a:extLst>
+              <a:ext uri="{FF2B5EF4-FFF2-40B4-BE49-F238E27FC236}">
+                <a16:creationId xmlns:a16="http://schemas.microsoft.com/office/drawing/2014/main" id="{0D6CD25F-936F-8FB5-CF3E-6FD6C192A945}"/>
+              </a:ext>
+            </a:extLst>
+          </p:cNvPr>
+          <p:cNvSpPr/>
+          <p:nvPr/>
+        </p:nvSpPr>
+        <p:spPr>
+          <a:xfrm>
+            <a:off x="5946135" y="2824976"/>
+            <a:ext cx="966439" cy="1208048"/>
+          </a:xfrm>
+          <a:prstGeom prst="can">
+            <a:avLst/>
+          </a:prstGeom>
+        </p:spPr>
+        <p:style>
+          <a:lnRef idx="0">
+            <a:schemeClr val="accent6"/>
+          </a:lnRef>
+          <a:fillRef idx="3">
+            <a:schemeClr val="accent6"/>
+          </a:fillRef>
+          <a:effectRef idx="3">
+            <a:schemeClr val="accent6"/>
+          </a:effectRef>
+          <a:fontRef idx="minor">
+            <a:schemeClr val="lt1"/>
+          </a:fontRef>
+        </p:style>
+        <p:txBody>
+          <a:bodyPr rtlCol="0" anchor="ctr"/>
+          <a:lstStyle/>
+          <a:p>
+            <a:pPr algn="ctr"/>
+            <a:r>
+              <a:rPr kumimoji="1" lang="zh-CN" altLang="en-US" sz="1400" dirty="0"/>
+              <a:t>深度知识库</a:t>
+            </a:r>
+          </a:p>
+        </p:txBody>
+      </p:sp>
+      <p:sp>
+        <p:nvSpPr>
+          <p:cNvPr id="7" name="圆柱体 6">
+            <a:extLst>
+              <a:ext uri="{FF2B5EF4-FFF2-40B4-BE49-F238E27FC236}">
+                <a16:creationId xmlns:a16="http://schemas.microsoft.com/office/drawing/2014/main" id="{27BB1CB1-0FF0-4E7C-EC02-0E0B31FBF9B8}"/>
+              </a:ext>
+            </a:extLst>
+          </p:cNvPr>
+          <p:cNvSpPr/>
+          <p:nvPr/>
+        </p:nvSpPr>
+        <p:spPr>
+          <a:xfrm>
+            <a:off x="3815724" y="2824976"/>
+            <a:ext cx="966439" cy="1208048"/>
+          </a:xfrm>
+          <a:prstGeom prst="can">
+            <a:avLst/>
+          </a:prstGeom>
+        </p:spPr>
+        <p:style>
+          <a:lnRef idx="0">
+            <a:schemeClr val="accent4"/>
+          </a:lnRef>
+          <a:fillRef idx="3">
+            <a:schemeClr val="accent4"/>
+          </a:fillRef>
+          <a:effectRef idx="3">
+            <a:schemeClr val="accent4"/>
+          </a:effectRef>
+          <a:fontRef idx="minor">
+            <a:schemeClr val="lt1"/>
+          </a:fontRef>
+        </p:style>
+        <p:txBody>
+          <a:bodyPr rtlCol="0" anchor="ctr"/>
+          <a:lstStyle/>
+          <a:p>
+            <a:pPr algn="ctr"/>
+            <a:r>
+              <a:rPr kumimoji="1" lang="zh-CN" altLang="en-US" sz="1400" dirty="0"/>
+              <a:t>浅层知识库</a:t>
+            </a:r>
+            <a:r>
+              <a:rPr kumimoji="1" lang="en-US" altLang="zh-CN" sz="1400" dirty="0"/>
+              <a:t>/</a:t>
+            </a:r>
+            <a:r>
+              <a:rPr kumimoji="1" lang="zh-CN" altLang="en-US" sz="1400" dirty="0"/>
+              <a:t>经验库</a:t>
+            </a:r>
+          </a:p>
+        </p:txBody>
+      </p:sp>
+      <p:pic>
+        <p:nvPicPr>
+          <p:cNvPr id="9" name="Picture 6" descr="Joplin Open Source Cross-Platform Notebook App – by Knightwise - Podfeet  Podcasts">
+            <a:extLst>
+              <a:ext uri="{FF2B5EF4-FFF2-40B4-BE49-F238E27FC236}">
+                <a16:creationId xmlns:a16="http://schemas.microsoft.com/office/drawing/2014/main" id="{F207E36E-32E6-5D9B-1D1A-4580124F76A5}"/>
+              </a:ext>
+            </a:extLst>
+          </p:cNvPr>
+          <p:cNvPicPr>
+            <a:picLocks noChangeAspect="1" noChangeArrowheads="1"/>
+          </p:cNvPicPr>
+          <p:nvPr/>
+        </p:nvPicPr>
+        <p:blipFill>
+          <a:blip r:embed="rId2">
+            <a:extLst>
+              <a:ext uri="{28A0092B-C50C-407E-A947-70E740481C1C}">
+                <a14:useLocalDpi xmlns:a14="http://schemas.microsoft.com/office/drawing/2010/main" val="0"/>
+              </a:ext>
+            </a:extLst>
+          </a:blip>
+          <a:srcRect/>
+          <a:stretch>
+            <a:fillRect/>
+          </a:stretch>
+        </p:blipFill>
+        <p:spPr bwMode="auto">
+          <a:xfrm>
+            <a:off x="2655998" y="3655321"/>
+            <a:ext cx="836342" cy="377703"/>
+          </a:xfrm>
+          <a:prstGeom prst="rect">
+            <a:avLst/>
+          </a:prstGeom>
+          <a:noFill/>
+          <a:extLst>
+            <a:ext uri="{909E8E84-426E-40DD-AFC4-6F175D3DCCD1}">
+              <a14:hiddenFill xmlns:a14="http://schemas.microsoft.com/office/drawing/2010/main">
+                <a:solidFill>
+                  <a:srgbClr val="FFFFFF"/>
+                </a:solidFill>
+              </a14:hiddenFill>
+            </a:ext>
+          </a:extLst>
+        </p:spPr>
+      </p:pic>
+      <p:pic>
+        <p:nvPicPr>
+          <p:cNvPr id="10" name="Picture 14" descr="Notion Reviews 2023: Details, Pricing, &amp; Features | G2">
+            <a:extLst>
+              <a:ext uri="{FF2B5EF4-FFF2-40B4-BE49-F238E27FC236}">
+                <a16:creationId xmlns:a16="http://schemas.microsoft.com/office/drawing/2014/main" id="{0FBC6131-B017-3BBF-1439-CE986E3ADFE9}"/>
+              </a:ext>
+            </a:extLst>
+          </p:cNvPr>
+          <p:cNvPicPr>
+            <a:picLocks noChangeAspect="1" noChangeArrowheads="1"/>
+          </p:cNvPicPr>
+          <p:nvPr/>
+        </p:nvPicPr>
+        <p:blipFill rotWithShape="1">
+          <a:blip r:embed="rId3">
+            <a:extLst>
+              <a:ext uri="{28A0092B-C50C-407E-A947-70E740481C1C}">
+                <a14:useLocalDpi xmlns:a14="http://schemas.microsoft.com/office/drawing/2010/main" val="0"/>
+              </a:ext>
+            </a:extLst>
+          </a:blip>
+          <a:srcRect l="23549" t="9690" r="23208" b="2274"/>
+          <a:stretch/>
+        </p:blipFill>
+        <p:spPr bwMode="auto">
+          <a:xfrm>
+            <a:off x="4783376" y="3655321"/>
+            <a:ext cx="550771" cy="478841"/>
+          </a:xfrm>
+          <a:prstGeom prst="rect">
+            <a:avLst/>
+          </a:prstGeom>
+          <a:noFill/>
+          <a:extLst>
+            <a:ext uri="{909E8E84-426E-40DD-AFC4-6F175D3DCCD1}">
+              <a14:hiddenFill xmlns:a14="http://schemas.microsoft.com/office/drawing/2010/main">
+                <a:solidFill>
+                  <a:srgbClr val="FFFFFF"/>
+                </a:solidFill>
+              </a14:hiddenFill>
+            </a:ext>
+          </a:extLst>
+        </p:spPr>
+      </p:pic>
+      <p:pic>
+        <p:nvPicPr>
+          <p:cNvPr id="11" name="Picture 16" descr="Obsidian (software) - Wikipedia">
+            <a:extLst>
+              <a:ext uri="{FF2B5EF4-FFF2-40B4-BE49-F238E27FC236}">
+                <a16:creationId xmlns:a16="http://schemas.microsoft.com/office/drawing/2014/main" id="{A97ED0CA-8C4D-91B8-DFFE-DAE12DA67EC2}"/>
+              </a:ext>
+            </a:extLst>
+          </p:cNvPr>
+          <p:cNvPicPr>
+            <a:picLocks noChangeAspect="1" noChangeArrowheads="1"/>
+          </p:cNvPicPr>
+          <p:nvPr/>
+        </p:nvPicPr>
+        <p:blipFill>
+          <a:blip r:embed="rId4">
+            <a:extLst>
+              <a:ext uri="{28A0092B-C50C-407E-A947-70E740481C1C}">
+                <a14:useLocalDpi xmlns:a14="http://schemas.microsoft.com/office/drawing/2010/main" val="0"/>
+              </a:ext>
+            </a:extLst>
+          </a:blip>
+          <a:srcRect/>
+          <a:stretch>
+            <a:fillRect/>
+          </a:stretch>
+        </p:blipFill>
+        <p:spPr bwMode="auto">
+          <a:xfrm>
+            <a:off x="6910754" y="3583391"/>
+            <a:ext cx="550771" cy="550771"/>
+          </a:xfrm>
+          <a:prstGeom prst="rect">
+            <a:avLst/>
+          </a:prstGeom>
+          <a:noFill/>
+          <a:extLst>
+            <a:ext uri="{909E8E84-426E-40DD-AFC4-6F175D3DCCD1}">
+              <a14:hiddenFill xmlns:a14="http://schemas.microsoft.com/office/drawing/2010/main">
+                <a:solidFill>
+                  <a:srgbClr val="FFFFFF"/>
+                </a:solidFill>
+              </a14:hiddenFill>
+            </a:ext>
+          </a:extLst>
+        </p:spPr>
+      </p:pic>
+      <p:sp>
+        <p:nvSpPr>
+          <p:cNvPr id="12" name="右箭头 11">
+            <a:extLst>
+              <a:ext uri="{FF2B5EF4-FFF2-40B4-BE49-F238E27FC236}">
+                <a16:creationId xmlns:a16="http://schemas.microsoft.com/office/drawing/2014/main" id="{395CE701-76C4-B437-26CB-7EA7DDAE9CDB}"/>
+              </a:ext>
+            </a:extLst>
+          </p:cNvPr>
+          <p:cNvSpPr/>
+          <p:nvPr/>
+        </p:nvSpPr>
+        <p:spPr>
+          <a:xfrm>
+            <a:off x="1689559" y="2286000"/>
+            <a:ext cx="5771966" cy="411480"/>
+          </a:xfrm>
+          <a:prstGeom prst="rightArrow">
+            <a:avLst/>
+          </a:prstGeom>
+        </p:spPr>
+        <p:style>
+          <a:lnRef idx="2">
+            <a:schemeClr val="accent1">
+              <a:shade val="15000"/>
+            </a:schemeClr>
+          </a:lnRef>
+          <a:fillRef idx="1">
+            <a:schemeClr val="accent1"/>
+          </a:fillRef>
+          <a:effectRef idx="0">
+            <a:schemeClr val="accent1"/>
+          </a:effectRef>
+          <a:fontRef idx="minor">
+            <a:schemeClr val="lt1"/>
+          </a:fontRef>
+        </p:style>
+        <p:txBody>
+          <a:bodyPr rtlCol="0" anchor="ctr"/>
+          <a:lstStyle/>
+          <a:p>
+            <a:pPr algn="ctr"/>
+            <a:r>
+              <a:rPr kumimoji="1" lang="zh-CN" altLang="en-US" dirty="0"/>
+              <a:t>重要程度</a:t>
+            </a:r>
+          </a:p>
+        </p:txBody>
+      </p:sp>
+      <p:sp>
+        <p:nvSpPr>
+          <p:cNvPr id="13" name="右箭头 12">
+            <a:extLst>
+              <a:ext uri="{FF2B5EF4-FFF2-40B4-BE49-F238E27FC236}">
+                <a16:creationId xmlns:a16="http://schemas.microsoft.com/office/drawing/2014/main" id="{649C4EBE-6334-54FB-F821-297D3783D0A0}"/>
+              </a:ext>
+            </a:extLst>
+          </p:cNvPr>
+          <p:cNvSpPr/>
+          <p:nvPr/>
+        </p:nvSpPr>
+        <p:spPr>
+          <a:xfrm rot="10800000">
+            <a:off x="1689559" y="4187952"/>
+            <a:ext cx="5771966" cy="411480"/>
+          </a:xfrm>
+          <a:prstGeom prst="rightArrow">
+            <a:avLst>
+              <a:gd name="adj1" fmla="val 50000"/>
+              <a:gd name="adj2" fmla="val 61111"/>
+            </a:avLst>
+          </a:prstGeom>
+          <a:ln cap="sq"/>
+        </p:spPr>
+        <p:style>
+          <a:lnRef idx="2">
+            <a:schemeClr val="accent1">
+              <a:shade val="15000"/>
+            </a:schemeClr>
+          </a:lnRef>
+          <a:fillRef idx="1">
+            <a:schemeClr val="accent1"/>
+          </a:fillRef>
+          <a:effectRef idx="0">
+            <a:schemeClr val="accent1"/>
+          </a:effectRef>
+          <a:fontRef idx="minor">
+            <a:schemeClr val="lt1"/>
+          </a:fontRef>
+        </p:style>
+        <p:txBody>
+          <a:bodyPr vert="vert270" rtlCol="0" anchor="ctr"/>
+          <a:lstStyle/>
+          <a:p>
+            <a:pPr algn="ctr"/>
+            <a:r>
+              <a:rPr kumimoji="1" lang="zh-CN" altLang="en-US" dirty="0"/>
+              <a:t>数据量</a:t>
+            </a:r>
+          </a:p>
+        </p:txBody>
+      </p:sp>
+      <p:sp>
+        <p:nvSpPr>
+          <p:cNvPr id="14" name="文本框 13">
+            <a:extLst>
+              <a:ext uri="{FF2B5EF4-FFF2-40B4-BE49-F238E27FC236}">
+                <a16:creationId xmlns:a16="http://schemas.microsoft.com/office/drawing/2014/main" id="{D6705E77-985D-425A-FC81-51E089EAF725}"/>
+              </a:ext>
+            </a:extLst>
+          </p:cNvPr>
+          <p:cNvSpPr txBox="1"/>
+          <p:nvPr/>
+        </p:nvSpPr>
+        <p:spPr>
+          <a:xfrm>
+            <a:off x="4892040" y="3163824"/>
+            <a:ext cx="646331" cy="369332"/>
+          </a:xfrm>
+          <a:prstGeom prst="rect">
+            <a:avLst/>
+          </a:prstGeom>
+          <a:noFill/>
+        </p:spPr>
+        <p:txBody>
+          <a:bodyPr wrap="none" rtlCol="0">
+            <a:spAutoFit/>
+          </a:bodyPr>
+          <a:lstStyle/>
+          <a:p>
+            <a:r>
+              <a:rPr kumimoji="1" lang="zh-CN" altLang="en-US" dirty="0"/>
+              <a:t>自己</a:t>
+            </a:r>
+          </a:p>
+        </p:txBody>
+      </p:sp>
+      <p:sp>
+        <p:nvSpPr>
+          <p:cNvPr id="15" name="文本框 14">
+            <a:extLst>
+              <a:ext uri="{FF2B5EF4-FFF2-40B4-BE49-F238E27FC236}">
+                <a16:creationId xmlns:a16="http://schemas.microsoft.com/office/drawing/2014/main" id="{75D76E07-1CCE-1E6B-DE0B-C76317EA5B1B}"/>
+              </a:ext>
+            </a:extLst>
+          </p:cNvPr>
+          <p:cNvSpPr txBox="1"/>
+          <p:nvPr/>
+        </p:nvSpPr>
+        <p:spPr>
+          <a:xfrm>
+            <a:off x="6910754" y="3160269"/>
+            <a:ext cx="646331" cy="369332"/>
+          </a:xfrm>
+          <a:prstGeom prst="rect">
+            <a:avLst/>
+          </a:prstGeom>
+          <a:noFill/>
+        </p:spPr>
+        <p:txBody>
+          <a:bodyPr wrap="none" rtlCol="0">
+            <a:spAutoFit/>
+          </a:bodyPr>
+          <a:lstStyle/>
+          <a:p>
+            <a:r>
+              <a:rPr kumimoji="1" lang="zh-CN" altLang="en-US" dirty="0"/>
+              <a:t>自己</a:t>
+            </a:r>
+          </a:p>
+        </p:txBody>
+      </p:sp>
+      <p:sp>
+        <p:nvSpPr>
+          <p:cNvPr id="16" name="文本框 15">
+            <a:extLst>
+              <a:ext uri="{FF2B5EF4-FFF2-40B4-BE49-F238E27FC236}">
+                <a16:creationId xmlns:a16="http://schemas.microsoft.com/office/drawing/2014/main" id="{C7BFB286-A4B0-D104-699C-611EE806A732}"/>
+              </a:ext>
+            </a:extLst>
+          </p:cNvPr>
+          <p:cNvSpPr txBox="1"/>
+          <p:nvPr/>
+        </p:nvSpPr>
+        <p:spPr>
+          <a:xfrm>
+            <a:off x="2584046" y="3167610"/>
+            <a:ext cx="877163" cy="369332"/>
+          </a:xfrm>
+          <a:prstGeom prst="rect">
+            <a:avLst/>
+          </a:prstGeom>
+          <a:noFill/>
+        </p:spPr>
+        <p:txBody>
+          <a:bodyPr wrap="none" rtlCol="0">
+            <a:spAutoFit/>
+          </a:bodyPr>
+          <a:lstStyle/>
+          <a:p>
+            <a:r>
+              <a:rPr kumimoji="1" lang="zh-CN" altLang="en-US" dirty="0"/>
+              <a:t>收集的</a:t>
+            </a:r>
+          </a:p>
+        </p:txBody>
+      </p:sp>
+    </p:spTree>
+    <p:extLst>
+      <p:ext uri="{BB962C8B-B14F-4D97-AF65-F5344CB8AC3E}">
+        <p14:creationId xmlns:p14="http://schemas.microsoft.com/office/powerpoint/2010/main" val="1868909662"/>
+      </p:ext>
+    </p:extLst>
+  </p:cSld>
+  <p:clrMapOvr>
+    <a:masterClrMapping/>
+  </p:clrMapOvr>
+</p:sld>
+</file>
+
 <file path=ppt/theme/theme1.xml><?xml version="1.0" encoding="utf-8"?>
 <a:theme xmlns:a="http://schemas.openxmlformats.org/drawingml/2006/main" name="Office 主题​​">
   <a:themeElements>

--- a/images/2023-07-19-ru-he-da-jian-shu-yu-zi-ji-de-zhi-shi-shou-ji-zheng-li-jia-gong-ti-xi/知识管理各种图片.pptx
+++ b/images/2023-07-19-ru-he-da-jian-shu-yu-zi-ji-de-zhi-shi-shou-ji-zheng-li-jia-gong-ti-xi/知识管理各种图片.pptx
@@ -14,6 +14,10 @@
     <p:sldId id="262" r:id="rId8"/>
     <p:sldId id="263" r:id="rId9"/>
     <p:sldId id="264" r:id="rId10"/>
+    <p:sldId id="265" r:id="rId11"/>
+    <p:sldId id="266" r:id="rId12"/>
+    <p:sldId id="267" r:id="rId13"/>
+    <p:sldId id="268" r:id="rId14"/>
   </p:sldIdLst>
   <p:sldSz cx="12192000" cy="6858000"/>
   <p:notesSz cx="6858000" cy="9144000"/>
@@ -267,7 +271,7 @@
           <a:p>
             <a:fld id="{1FED3324-CAE9-C448-AEBB-5F479A408AD6}" type="datetimeFigureOut">
               <a:rPr kumimoji="1" lang="zh-CN" altLang="en-US" smtClean="0"/>
-              <a:t>2023/8/27</a:t>
+              <a:t>2023/8/28</a:t>
             </a:fld>
             <a:endParaRPr kumimoji="1" lang="zh-CN" altLang="en-US"/>
           </a:p>
@@ -465,7 +469,7 @@
           <a:p>
             <a:fld id="{1FED3324-CAE9-C448-AEBB-5F479A408AD6}" type="datetimeFigureOut">
               <a:rPr kumimoji="1" lang="zh-CN" altLang="en-US" smtClean="0"/>
-              <a:t>2023/8/27</a:t>
+              <a:t>2023/8/28</a:t>
             </a:fld>
             <a:endParaRPr kumimoji="1" lang="zh-CN" altLang="en-US"/>
           </a:p>
@@ -673,7 +677,7 @@
           <a:p>
             <a:fld id="{1FED3324-CAE9-C448-AEBB-5F479A408AD6}" type="datetimeFigureOut">
               <a:rPr kumimoji="1" lang="zh-CN" altLang="en-US" smtClean="0"/>
-              <a:t>2023/8/27</a:t>
+              <a:t>2023/8/28</a:t>
             </a:fld>
             <a:endParaRPr kumimoji="1" lang="zh-CN" altLang="en-US"/>
           </a:p>
@@ -871,7 +875,7 @@
           <a:p>
             <a:fld id="{1FED3324-CAE9-C448-AEBB-5F479A408AD6}" type="datetimeFigureOut">
               <a:rPr kumimoji="1" lang="zh-CN" altLang="en-US" smtClean="0"/>
-              <a:t>2023/8/27</a:t>
+              <a:t>2023/8/28</a:t>
             </a:fld>
             <a:endParaRPr kumimoji="1" lang="zh-CN" altLang="en-US"/>
           </a:p>
@@ -1146,7 +1150,7 @@
           <a:p>
             <a:fld id="{1FED3324-CAE9-C448-AEBB-5F479A408AD6}" type="datetimeFigureOut">
               <a:rPr kumimoji="1" lang="zh-CN" altLang="en-US" smtClean="0"/>
-              <a:t>2023/8/27</a:t>
+              <a:t>2023/8/28</a:t>
             </a:fld>
             <a:endParaRPr kumimoji="1" lang="zh-CN" altLang="en-US"/>
           </a:p>
@@ -1411,7 +1415,7 @@
           <a:p>
             <a:fld id="{1FED3324-CAE9-C448-AEBB-5F479A408AD6}" type="datetimeFigureOut">
               <a:rPr kumimoji="1" lang="zh-CN" altLang="en-US" smtClean="0"/>
-              <a:t>2023/8/27</a:t>
+              <a:t>2023/8/28</a:t>
             </a:fld>
             <a:endParaRPr kumimoji="1" lang="zh-CN" altLang="en-US"/>
           </a:p>
@@ -1823,7 +1827,7 @@
           <a:p>
             <a:fld id="{1FED3324-CAE9-C448-AEBB-5F479A408AD6}" type="datetimeFigureOut">
               <a:rPr kumimoji="1" lang="zh-CN" altLang="en-US" smtClean="0"/>
-              <a:t>2023/8/27</a:t>
+              <a:t>2023/8/28</a:t>
             </a:fld>
             <a:endParaRPr kumimoji="1" lang="zh-CN" altLang="en-US"/>
           </a:p>
@@ -1964,7 +1968,7 @@
           <a:p>
             <a:fld id="{1FED3324-CAE9-C448-AEBB-5F479A408AD6}" type="datetimeFigureOut">
               <a:rPr kumimoji="1" lang="zh-CN" altLang="en-US" smtClean="0"/>
-              <a:t>2023/8/27</a:t>
+              <a:t>2023/8/28</a:t>
             </a:fld>
             <a:endParaRPr kumimoji="1" lang="zh-CN" altLang="en-US"/>
           </a:p>
@@ -2077,7 +2081,7 @@
           <a:p>
             <a:fld id="{1FED3324-CAE9-C448-AEBB-5F479A408AD6}" type="datetimeFigureOut">
               <a:rPr kumimoji="1" lang="zh-CN" altLang="en-US" smtClean="0"/>
-              <a:t>2023/8/27</a:t>
+              <a:t>2023/8/28</a:t>
             </a:fld>
             <a:endParaRPr kumimoji="1" lang="zh-CN" altLang="en-US"/>
           </a:p>
@@ -2388,7 +2392,7 @@
           <a:p>
             <a:fld id="{1FED3324-CAE9-C448-AEBB-5F479A408AD6}" type="datetimeFigureOut">
               <a:rPr kumimoji="1" lang="zh-CN" altLang="en-US" smtClean="0"/>
-              <a:t>2023/8/27</a:t>
+              <a:t>2023/8/28</a:t>
             </a:fld>
             <a:endParaRPr kumimoji="1" lang="zh-CN" altLang="en-US"/>
           </a:p>
@@ -2676,7 +2680,7 @@
           <a:p>
             <a:fld id="{1FED3324-CAE9-C448-AEBB-5F479A408AD6}" type="datetimeFigureOut">
               <a:rPr kumimoji="1" lang="zh-CN" altLang="en-US" smtClean="0"/>
-              <a:t>2023/8/27</a:t>
+              <a:t>2023/8/28</a:t>
             </a:fld>
             <a:endParaRPr kumimoji="1" lang="zh-CN" altLang="en-US"/>
           </a:p>
@@ -2917,7 +2921,7 @@
           <a:p>
             <a:fld id="{1FED3324-CAE9-C448-AEBB-5F479A408AD6}" type="datetimeFigureOut">
               <a:rPr kumimoji="1" lang="zh-CN" altLang="en-US" smtClean="0"/>
-              <a:t>2023/8/27</a:t>
+              <a:t>2023/8/28</a:t>
             </a:fld>
             <a:endParaRPr kumimoji="1" lang="zh-CN" altLang="en-US"/>
           </a:p>
@@ -3466,6 +3470,2864 @@
 </p:sld>
 </file>
 
+<file path=ppt/slides/slide10.xml><?xml version="1.0" encoding="utf-8"?>
+<p:sld xmlns:a="http://schemas.openxmlformats.org/drawingml/2006/main" xmlns:r="http://schemas.openxmlformats.org/officeDocument/2006/relationships" xmlns:p="http://schemas.openxmlformats.org/presentationml/2006/main">
+  <p:cSld>
+    <p:spTree>
+      <p:nvGrpSpPr>
+        <p:cNvPr id="1" name=""/>
+        <p:cNvGrpSpPr/>
+        <p:nvPr/>
+      </p:nvGrpSpPr>
+      <p:grpSpPr>
+        <a:xfrm>
+          <a:off x="0" y="0"/>
+          <a:ext cx="0" cy="0"/>
+          <a:chOff x="0" y="0"/>
+          <a:chExt cx="0" cy="0"/>
+        </a:xfrm>
+      </p:grpSpPr>
+      <p:sp>
+        <p:nvSpPr>
+          <p:cNvPr id="8" name="矩形 7">
+            <a:extLst>
+              <a:ext uri="{FF2B5EF4-FFF2-40B4-BE49-F238E27FC236}">
+                <a16:creationId xmlns:a16="http://schemas.microsoft.com/office/drawing/2014/main" id="{B7E6AE78-4064-952C-A912-4B207780AA32}"/>
+              </a:ext>
+            </a:extLst>
+          </p:cNvPr>
+          <p:cNvSpPr/>
+          <p:nvPr/>
+        </p:nvSpPr>
+        <p:spPr>
+          <a:xfrm>
+            <a:off x="862361" y="349405"/>
+            <a:ext cx="3040566" cy="3345366"/>
+          </a:xfrm>
+          <a:prstGeom prst="rect">
+            <a:avLst/>
+          </a:prstGeom>
+        </p:spPr>
+        <p:style>
+          <a:lnRef idx="2">
+            <a:schemeClr val="accent1"/>
+          </a:lnRef>
+          <a:fillRef idx="1">
+            <a:schemeClr val="lt1"/>
+          </a:fillRef>
+          <a:effectRef idx="0">
+            <a:schemeClr val="accent1"/>
+          </a:effectRef>
+          <a:fontRef idx="minor">
+            <a:schemeClr val="dk1"/>
+          </a:fontRef>
+        </p:style>
+        <p:txBody>
+          <a:bodyPr rtlCol="0" anchor="ctr"/>
+          <a:lstStyle/>
+          <a:p>
+            <a:pPr algn="ctr"/>
+            <a:endParaRPr kumimoji="1" lang="zh-CN" altLang="en-US" dirty="0"/>
+          </a:p>
+        </p:txBody>
+      </p:sp>
+      <p:sp>
+        <p:nvSpPr>
+          <p:cNvPr id="4" name="竖卷形 3">
+            <a:extLst>
+              <a:ext uri="{FF2B5EF4-FFF2-40B4-BE49-F238E27FC236}">
+                <a16:creationId xmlns:a16="http://schemas.microsoft.com/office/drawing/2014/main" id="{12EB60D2-65F9-08CA-E499-DC01A0B1EA9C}"/>
+              </a:ext>
+            </a:extLst>
+          </p:cNvPr>
+          <p:cNvSpPr/>
+          <p:nvPr/>
+        </p:nvSpPr>
+        <p:spPr>
+          <a:xfrm>
+            <a:off x="2665141" y="1616927"/>
+            <a:ext cx="828908" cy="754566"/>
+          </a:xfrm>
+          <a:prstGeom prst="verticalScroll">
+            <a:avLst/>
+          </a:prstGeom>
+        </p:spPr>
+        <p:style>
+          <a:lnRef idx="2">
+            <a:schemeClr val="accent2">
+              <a:shade val="15000"/>
+            </a:schemeClr>
+          </a:lnRef>
+          <a:fillRef idx="1">
+            <a:schemeClr val="accent2"/>
+          </a:fillRef>
+          <a:effectRef idx="0">
+            <a:schemeClr val="accent2"/>
+          </a:effectRef>
+          <a:fontRef idx="minor">
+            <a:schemeClr val="lt1"/>
+          </a:fontRef>
+        </p:style>
+        <p:txBody>
+          <a:bodyPr rtlCol="0" anchor="ctr"/>
+          <a:lstStyle/>
+          <a:p>
+            <a:pPr algn="ctr"/>
+            <a:r>
+              <a:rPr kumimoji="1" lang="en-US" altLang="zh-CN" sz="1400" dirty="0"/>
+              <a:t>HTML</a:t>
+            </a:r>
+            <a:endParaRPr kumimoji="1" lang="zh-CN" altLang="en-US" sz="1400" dirty="0"/>
+          </a:p>
+        </p:txBody>
+      </p:sp>
+      <p:sp>
+        <p:nvSpPr>
+          <p:cNvPr id="5" name="竖卷形 4">
+            <a:extLst>
+              <a:ext uri="{FF2B5EF4-FFF2-40B4-BE49-F238E27FC236}">
+                <a16:creationId xmlns:a16="http://schemas.microsoft.com/office/drawing/2014/main" id="{5071C7FE-B3C4-5F5C-A1F9-63086707BAA0}"/>
+              </a:ext>
+            </a:extLst>
+          </p:cNvPr>
+          <p:cNvSpPr/>
+          <p:nvPr/>
+        </p:nvSpPr>
+        <p:spPr>
+          <a:xfrm>
+            <a:off x="2382644" y="572430"/>
+            <a:ext cx="951571" cy="754566"/>
+          </a:xfrm>
+          <a:prstGeom prst="verticalScroll">
+            <a:avLst/>
+          </a:prstGeom>
+        </p:spPr>
+        <p:style>
+          <a:lnRef idx="2">
+            <a:schemeClr val="accent1">
+              <a:shade val="15000"/>
+            </a:schemeClr>
+          </a:lnRef>
+          <a:fillRef idx="1">
+            <a:schemeClr val="accent1"/>
+          </a:fillRef>
+          <a:effectRef idx="0">
+            <a:schemeClr val="accent1"/>
+          </a:effectRef>
+          <a:fontRef idx="minor">
+            <a:schemeClr val="lt1"/>
+          </a:fontRef>
+        </p:style>
+        <p:txBody>
+          <a:bodyPr rtlCol="0" anchor="ctr"/>
+          <a:lstStyle/>
+          <a:p>
+            <a:pPr algn="ctr"/>
+            <a:r>
+              <a:rPr kumimoji="1" lang="en-US" altLang="zh-CN" sz="1400" dirty="0"/>
+              <a:t>Image</a:t>
+            </a:r>
+            <a:endParaRPr kumimoji="1" lang="zh-CN" altLang="en-US" sz="1400" dirty="0"/>
+          </a:p>
+        </p:txBody>
+      </p:sp>
+      <p:sp>
+        <p:nvSpPr>
+          <p:cNvPr id="6" name="竖卷形 5">
+            <a:extLst>
+              <a:ext uri="{FF2B5EF4-FFF2-40B4-BE49-F238E27FC236}">
+                <a16:creationId xmlns:a16="http://schemas.microsoft.com/office/drawing/2014/main" id="{5875333B-A27C-3515-C13B-BFECFF0252DE}"/>
+              </a:ext>
+            </a:extLst>
+          </p:cNvPr>
+          <p:cNvSpPr/>
+          <p:nvPr/>
+        </p:nvSpPr>
+        <p:spPr>
+          <a:xfrm>
+            <a:off x="2613102" y="2732049"/>
+            <a:ext cx="698810" cy="698810"/>
+          </a:xfrm>
+          <a:prstGeom prst="verticalScroll">
+            <a:avLst/>
+          </a:prstGeom>
+        </p:spPr>
+        <p:style>
+          <a:lnRef idx="2">
+            <a:schemeClr val="accent1">
+              <a:shade val="15000"/>
+            </a:schemeClr>
+          </a:lnRef>
+          <a:fillRef idx="1">
+            <a:schemeClr val="accent1"/>
+          </a:fillRef>
+          <a:effectRef idx="0">
+            <a:schemeClr val="accent1"/>
+          </a:effectRef>
+          <a:fontRef idx="minor">
+            <a:schemeClr val="lt1"/>
+          </a:fontRef>
+        </p:style>
+        <p:txBody>
+          <a:bodyPr rtlCol="0" anchor="ctr"/>
+          <a:lstStyle/>
+          <a:p>
+            <a:pPr algn="ctr"/>
+            <a:r>
+              <a:rPr kumimoji="1" lang="en-US" altLang="zh-CN" sz="1400" dirty="0"/>
+              <a:t>CSS</a:t>
+            </a:r>
+            <a:endParaRPr kumimoji="1" lang="zh-CN" altLang="en-US" sz="1400" dirty="0"/>
+          </a:p>
+        </p:txBody>
+      </p:sp>
+      <p:sp>
+        <p:nvSpPr>
+          <p:cNvPr id="7" name="竖卷形 6">
+            <a:extLst>
+              <a:ext uri="{FF2B5EF4-FFF2-40B4-BE49-F238E27FC236}">
+                <a16:creationId xmlns:a16="http://schemas.microsoft.com/office/drawing/2014/main" id="{EF421C1A-7D64-4BFF-1BF7-3F0B6992326A}"/>
+              </a:ext>
+            </a:extLst>
+          </p:cNvPr>
+          <p:cNvSpPr/>
+          <p:nvPr/>
+        </p:nvSpPr>
+        <p:spPr>
+          <a:xfrm>
+            <a:off x="1371599" y="1312127"/>
+            <a:ext cx="698810" cy="698810"/>
+          </a:xfrm>
+          <a:prstGeom prst="verticalScroll">
+            <a:avLst/>
+          </a:prstGeom>
+        </p:spPr>
+        <p:style>
+          <a:lnRef idx="2">
+            <a:schemeClr val="accent1">
+              <a:shade val="15000"/>
+            </a:schemeClr>
+          </a:lnRef>
+          <a:fillRef idx="1">
+            <a:schemeClr val="accent1"/>
+          </a:fillRef>
+          <a:effectRef idx="0">
+            <a:schemeClr val="accent1"/>
+          </a:effectRef>
+          <a:fontRef idx="minor">
+            <a:schemeClr val="lt1"/>
+          </a:fontRef>
+        </p:style>
+        <p:txBody>
+          <a:bodyPr rtlCol="0" anchor="ctr"/>
+          <a:lstStyle/>
+          <a:p>
+            <a:pPr algn="ctr"/>
+            <a:r>
+              <a:rPr kumimoji="1" lang="en-US" altLang="zh-CN" sz="1400" dirty="0"/>
+              <a:t>JS</a:t>
+            </a:r>
+            <a:endParaRPr kumimoji="1" lang="zh-CN" altLang="en-US" sz="1400" dirty="0"/>
+          </a:p>
+        </p:txBody>
+      </p:sp>
+      <p:cxnSp>
+        <p:nvCxnSpPr>
+          <p:cNvPr id="10" name="直线箭头连接符 9">
+            <a:extLst>
+              <a:ext uri="{FF2B5EF4-FFF2-40B4-BE49-F238E27FC236}">
+                <a16:creationId xmlns:a16="http://schemas.microsoft.com/office/drawing/2014/main" id="{5D537960-67E5-17C8-FCBE-86FD9D391E86}"/>
+              </a:ext>
+            </a:extLst>
+          </p:cNvPr>
+          <p:cNvCxnSpPr>
+            <a:stCxn id="5" idx="2"/>
+            <a:endCxn id="4" idx="0"/>
+          </p:cNvCxnSpPr>
+          <p:nvPr/>
+        </p:nvCxnSpPr>
+        <p:spPr>
+          <a:xfrm>
+            <a:off x="2858430" y="1326996"/>
+            <a:ext cx="221165" cy="289931"/>
+          </a:xfrm>
+          <a:prstGeom prst="straightConnector1">
+            <a:avLst/>
+          </a:prstGeom>
+          <a:ln>
+            <a:tailEnd type="triangle"/>
+          </a:ln>
+        </p:spPr>
+        <p:style>
+          <a:lnRef idx="3">
+            <a:schemeClr val="accent1"/>
+          </a:lnRef>
+          <a:fillRef idx="0">
+            <a:schemeClr val="accent1"/>
+          </a:fillRef>
+          <a:effectRef idx="2">
+            <a:schemeClr val="accent1"/>
+          </a:effectRef>
+          <a:fontRef idx="minor">
+            <a:schemeClr val="tx1"/>
+          </a:fontRef>
+        </p:style>
+      </p:cxnSp>
+      <p:cxnSp>
+        <p:nvCxnSpPr>
+          <p:cNvPr id="11" name="直线箭头连接符 10">
+            <a:extLst>
+              <a:ext uri="{FF2B5EF4-FFF2-40B4-BE49-F238E27FC236}">
+                <a16:creationId xmlns:a16="http://schemas.microsoft.com/office/drawing/2014/main" id="{751F9FDD-42FB-66EC-3A97-F3B6CD66628C}"/>
+              </a:ext>
+            </a:extLst>
+          </p:cNvPr>
+          <p:cNvCxnSpPr>
+            <a:cxnSpLocks/>
+            <a:stCxn id="6" idx="0"/>
+            <a:endCxn id="4" idx="2"/>
+          </p:cNvCxnSpPr>
+          <p:nvPr/>
+        </p:nvCxnSpPr>
+        <p:spPr>
+          <a:xfrm flipV="1">
+            <a:off x="2962507" y="2371493"/>
+            <a:ext cx="117088" cy="360556"/>
+          </a:xfrm>
+          <a:prstGeom prst="straightConnector1">
+            <a:avLst/>
+          </a:prstGeom>
+          <a:ln>
+            <a:tailEnd type="triangle"/>
+          </a:ln>
+        </p:spPr>
+        <p:style>
+          <a:lnRef idx="3">
+            <a:schemeClr val="accent1"/>
+          </a:lnRef>
+          <a:fillRef idx="0">
+            <a:schemeClr val="accent1"/>
+          </a:fillRef>
+          <a:effectRef idx="2">
+            <a:schemeClr val="accent1"/>
+          </a:effectRef>
+          <a:fontRef idx="minor">
+            <a:schemeClr val="tx1"/>
+          </a:fontRef>
+        </p:style>
+      </p:cxnSp>
+      <p:cxnSp>
+        <p:nvCxnSpPr>
+          <p:cNvPr id="12" name="直线箭头连接符 11">
+            <a:extLst>
+              <a:ext uri="{FF2B5EF4-FFF2-40B4-BE49-F238E27FC236}">
+                <a16:creationId xmlns:a16="http://schemas.microsoft.com/office/drawing/2014/main" id="{68F83A9E-07C6-4313-ED7B-060D541B85B1}"/>
+              </a:ext>
+            </a:extLst>
+          </p:cNvPr>
+          <p:cNvCxnSpPr>
+            <a:cxnSpLocks/>
+            <a:stCxn id="7" idx="3"/>
+            <a:endCxn id="4" idx="1"/>
+          </p:cNvCxnSpPr>
+          <p:nvPr/>
+        </p:nvCxnSpPr>
+        <p:spPr>
+          <a:xfrm>
+            <a:off x="1983058" y="1661532"/>
+            <a:ext cx="776404" cy="332678"/>
+          </a:xfrm>
+          <a:prstGeom prst="straightConnector1">
+            <a:avLst/>
+          </a:prstGeom>
+          <a:ln>
+            <a:tailEnd type="triangle"/>
+          </a:ln>
+        </p:spPr>
+        <p:style>
+          <a:lnRef idx="3">
+            <a:schemeClr val="accent1"/>
+          </a:lnRef>
+          <a:fillRef idx="0">
+            <a:schemeClr val="accent1"/>
+          </a:fillRef>
+          <a:effectRef idx="2">
+            <a:schemeClr val="accent1"/>
+          </a:effectRef>
+          <a:fontRef idx="minor">
+            <a:schemeClr val="tx1"/>
+          </a:fontRef>
+        </p:style>
+      </p:cxnSp>
+      <p:sp>
+        <p:nvSpPr>
+          <p:cNvPr id="17" name="竖卷形 16">
+            <a:extLst>
+              <a:ext uri="{FF2B5EF4-FFF2-40B4-BE49-F238E27FC236}">
+                <a16:creationId xmlns:a16="http://schemas.microsoft.com/office/drawing/2014/main" id="{02B8135E-553B-C1AC-6828-90DD39E1780E}"/>
+              </a:ext>
+            </a:extLst>
+          </p:cNvPr>
+          <p:cNvSpPr/>
+          <p:nvPr/>
+        </p:nvSpPr>
+        <p:spPr>
+          <a:xfrm>
+            <a:off x="1475677" y="2551771"/>
+            <a:ext cx="836342" cy="698810"/>
+          </a:xfrm>
+          <a:prstGeom prst="verticalScroll">
+            <a:avLst/>
+          </a:prstGeom>
+        </p:spPr>
+        <p:style>
+          <a:lnRef idx="2">
+            <a:schemeClr val="accent1">
+              <a:shade val="15000"/>
+            </a:schemeClr>
+          </a:lnRef>
+          <a:fillRef idx="1">
+            <a:schemeClr val="accent1"/>
+          </a:fillRef>
+          <a:effectRef idx="0">
+            <a:schemeClr val="accent1"/>
+          </a:effectRef>
+          <a:fontRef idx="minor">
+            <a:schemeClr val="lt1"/>
+          </a:fontRef>
+        </p:style>
+        <p:txBody>
+          <a:bodyPr rtlCol="0" anchor="ctr"/>
+          <a:lstStyle/>
+          <a:p>
+            <a:pPr algn="ctr"/>
+            <a:r>
+              <a:rPr kumimoji="1" lang="en-US" altLang="zh-CN" sz="1400" dirty="0"/>
+              <a:t>Media</a:t>
+            </a:r>
+            <a:endParaRPr kumimoji="1" lang="zh-CN" altLang="en-US" sz="1400" dirty="0"/>
+          </a:p>
+        </p:txBody>
+      </p:sp>
+      <p:cxnSp>
+        <p:nvCxnSpPr>
+          <p:cNvPr id="18" name="直线箭头连接符 17">
+            <a:extLst>
+              <a:ext uri="{FF2B5EF4-FFF2-40B4-BE49-F238E27FC236}">
+                <a16:creationId xmlns:a16="http://schemas.microsoft.com/office/drawing/2014/main" id="{67732A4B-7F0A-271C-5585-D4D6A2F3FC7E}"/>
+              </a:ext>
+            </a:extLst>
+          </p:cNvPr>
+          <p:cNvCxnSpPr>
+            <a:cxnSpLocks/>
+            <a:stCxn id="17" idx="0"/>
+            <a:endCxn id="4" idx="1"/>
+          </p:cNvCxnSpPr>
+          <p:nvPr/>
+        </p:nvCxnSpPr>
+        <p:spPr>
+          <a:xfrm flipV="1">
+            <a:off x="1893848" y="1994210"/>
+            <a:ext cx="865614" cy="557561"/>
+          </a:xfrm>
+          <a:prstGeom prst="straightConnector1">
+            <a:avLst/>
+          </a:prstGeom>
+          <a:ln>
+            <a:tailEnd type="triangle"/>
+          </a:ln>
+        </p:spPr>
+        <p:style>
+          <a:lnRef idx="3">
+            <a:schemeClr val="accent1"/>
+          </a:lnRef>
+          <a:fillRef idx="0">
+            <a:schemeClr val="accent1"/>
+          </a:fillRef>
+          <a:effectRef idx="2">
+            <a:schemeClr val="accent1"/>
+          </a:effectRef>
+          <a:fontRef idx="minor">
+            <a:schemeClr val="tx1"/>
+          </a:fontRef>
+        </p:style>
+      </p:cxnSp>
+      <p:sp>
+        <p:nvSpPr>
+          <p:cNvPr id="24" name="文本框 23">
+            <a:extLst>
+              <a:ext uri="{FF2B5EF4-FFF2-40B4-BE49-F238E27FC236}">
+                <a16:creationId xmlns:a16="http://schemas.microsoft.com/office/drawing/2014/main" id="{8D8DC2DF-D69E-FA93-0EF6-A8C4EF69FB3F}"/>
+              </a:ext>
+            </a:extLst>
+          </p:cNvPr>
+          <p:cNvSpPr txBox="1"/>
+          <p:nvPr/>
+        </p:nvSpPr>
+        <p:spPr>
+          <a:xfrm>
+            <a:off x="1077950" y="520390"/>
+            <a:ext cx="815898" cy="369332"/>
+          </a:xfrm>
+          <a:prstGeom prst="rect">
+            <a:avLst/>
+          </a:prstGeom>
+          <a:noFill/>
+        </p:spPr>
+        <p:txBody>
+          <a:bodyPr wrap="square" rtlCol="0">
+            <a:spAutoFit/>
+          </a:bodyPr>
+          <a:lstStyle/>
+          <a:p>
+            <a:r>
+              <a:rPr kumimoji="1" lang="zh-CN" altLang="en-US" dirty="0"/>
+              <a:t>网页</a:t>
+            </a:r>
+          </a:p>
+        </p:txBody>
+      </p:sp>
+      <p:sp>
+        <p:nvSpPr>
+          <p:cNvPr id="25" name="磁盘 24">
+            <a:extLst>
+              <a:ext uri="{FF2B5EF4-FFF2-40B4-BE49-F238E27FC236}">
+                <a16:creationId xmlns:a16="http://schemas.microsoft.com/office/drawing/2014/main" id="{7040AC8B-015B-66BC-E1B8-0B55593CB692}"/>
+              </a:ext>
+            </a:extLst>
+          </p:cNvPr>
+          <p:cNvSpPr/>
+          <p:nvPr/>
+        </p:nvSpPr>
+        <p:spPr>
+          <a:xfrm>
+            <a:off x="5865542" y="1405053"/>
+            <a:ext cx="973873" cy="1237785"/>
+          </a:xfrm>
+          <a:prstGeom prst="flowChartMagneticDisk">
+            <a:avLst/>
+          </a:prstGeom>
+        </p:spPr>
+        <p:style>
+          <a:lnRef idx="1">
+            <a:schemeClr val="accent6"/>
+          </a:lnRef>
+          <a:fillRef idx="3">
+            <a:schemeClr val="accent6"/>
+          </a:fillRef>
+          <a:effectRef idx="2">
+            <a:schemeClr val="accent6"/>
+          </a:effectRef>
+          <a:fontRef idx="minor">
+            <a:schemeClr val="lt1"/>
+          </a:fontRef>
+        </p:style>
+        <p:txBody>
+          <a:bodyPr rtlCol="0" anchor="ctr"/>
+          <a:lstStyle/>
+          <a:p>
+            <a:pPr algn="ctr"/>
+            <a:r>
+              <a:rPr kumimoji="1" lang="zh-CN" altLang="en-US" dirty="0"/>
+              <a:t>信息库</a:t>
+            </a:r>
+          </a:p>
+        </p:txBody>
+      </p:sp>
+      <p:sp>
+        <p:nvSpPr>
+          <p:cNvPr id="27" name="可选流程 26">
+            <a:extLst>
+              <a:ext uri="{FF2B5EF4-FFF2-40B4-BE49-F238E27FC236}">
+                <a16:creationId xmlns:a16="http://schemas.microsoft.com/office/drawing/2014/main" id="{8CA3BC8D-6C17-80C3-6FD0-B797C10C1329}"/>
+              </a:ext>
+            </a:extLst>
+          </p:cNvPr>
+          <p:cNvSpPr/>
+          <p:nvPr/>
+        </p:nvSpPr>
+        <p:spPr>
+          <a:xfrm>
+            <a:off x="4267199" y="1713571"/>
+            <a:ext cx="1248937" cy="624468"/>
+          </a:xfrm>
+          <a:prstGeom prst="flowChartAlternateProcess">
+            <a:avLst/>
+          </a:prstGeom>
+        </p:spPr>
+        <p:style>
+          <a:lnRef idx="2">
+            <a:schemeClr val="accent6"/>
+          </a:lnRef>
+          <a:fillRef idx="1">
+            <a:schemeClr val="lt1"/>
+          </a:fillRef>
+          <a:effectRef idx="0">
+            <a:schemeClr val="accent6"/>
+          </a:effectRef>
+          <a:fontRef idx="minor">
+            <a:schemeClr val="dk1"/>
+          </a:fontRef>
+        </p:style>
+        <p:txBody>
+          <a:bodyPr rtlCol="0" anchor="ctr"/>
+          <a:lstStyle/>
+          <a:p>
+            <a:pPr algn="ctr"/>
+            <a:r>
+              <a:rPr kumimoji="1" lang="en-US" altLang="zh-CN" dirty="0"/>
+              <a:t>Web</a:t>
+            </a:r>
+            <a:r>
+              <a:rPr kumimoji="1" lang="zh-CN" altLang="en-US" dirty="0"/>
+              <a:t> </a:t>
+            </a:r>
+            <a:r>
+              <a:rPr kumimoji="1" lang="en-US" altLang="zh-CN" dirty="0"/>
+              <a:t>Clipper</a:t>
+            </a:r>
+            <a:endParaRPr kumimoji="1" lang="zh-CN" altLang="en-US" dirty="0"/>
+          </a:p>
+        </p:txBody>
+      </p:sp>
+      <p:cxnSp>
+        <p:nvCxnSpPr>
+          <p:cNvPr id="28" name="直线箭头连接符 27">
+            <a:extLst>
+              <a:ext uri="{FF2B5EF4-FFF2-40B4-BE49-F238E27FC236}">
+                <a16:creationId xmlns:a16="http://schemas.microsoft.com/office/drawing/2014/main" id="{88D7C634-378A-05C5-2E8F-B1E4748D427D}"/>
+              </a:ext>
+            </a:extLst>
+          </p:cNvPr>
+          <p:cNvCxnSpPr>
+            <a:cxnSpLocks/>
+            <a:stCxn id="8" idx="3"/>
+            <a:endCxn id="27" idx="1"/>
+          </p:cNvCxnSpPr>
+          <p:nvPr/>
+        </p:nvCxnSpPr>
+        <p:spPr>
+          <a:xfrm>
+            <a:off x="3902927" y="2022088"/>
+            <a:ext cx="364272" cy="3717"/>
+          </a:xfrm>
+          <a:prstGeom prst="straightConnector1">
+            <a:avLst/>
+          </a:prstGeom>
+          <a:ln w="57150">
+            <a:tailEnd type="triangle"/>
+          </a:ln>
+        </p:spPr>
+        <p:style>
+          <a:lnRef idx="3">
+            <a:schemeClr val="accent1"/>
+          </a:lnRef>
+          <a:fillRef idx="0">
+            <a:schemeClr val="accent1"/>
+          </a:fillRef>
+          <a:effectRef idx="2">
+            <a:schemeClr val="accent1"/>
+          </a:effectRef>
+          <a:fontRef idx="minor">
+            <a:schemeClr val="tx1"/>
+          </a:fontRef>
+        </p:style>
+      </p:cxnSp>
+      <p:cxnSp>
+        <p:nvCxnSpPr>
+          <p:cNvPr id="31" name="直线箭头连接符 30">
+            <a:extLst>
+              <a:ext uri="{FF2B5EF4-FFF2-40B4-BE49-F238E27FC236}">
+                <a16:creationId xmlns:a16="http://schemas.microsoft.com/office/drawing/2014/main" id="{D4D6A40E-607C-4229-66CB-97DB72534326}"/>
+              </a:ext>
+            </a:extLst>
+          </p:cNvPr>
+          <p:cNvCxnSpPr>
+            <a:cxnSpLocks/>
+            <a:stCxn id="27" idx="3"/>
+            <a:endCxn id="25" idx="2"/>
+          </p:cNvCxnSpPr>
+          <p:nvPr/>
+        </p:nvCxnSpPr>
+        <p:spPr>
+          <a:xfrm flipV="1">
+            <a:off x="5516136" y="2023946"/>
+            <a:ext cx="349406" cy="1859"/>
+          </a:xfrm>
+          <a:prstGeom prst="straightConnector1">
+            <a:avLst/>
+          </a:prstGeom>
+          <a:ln w="57150">
+            <a:tailEnd type="triangle"/>
+          </a:ln>
+        </p:spPr>
+        <p:style>
+          <a:lnRef idx="3">
+            <a:schemeClr val="accent1"/>
+          </a:lnRef>
+          <a:fillRef idx="0">
+            <a:schemeClr val="accent1"/>
+          </a:fillRef>
+          <a:effectRef idx="2">
+            <a:schemeClr val="accent1"/>
+          </a:effectRef>
+          <a:fontRef idx="minor">
+            <a:schemeClr val="tx1"/>
+          </a:fontRef>
+        </p:style>
+      </p:cxnSp>
+      <p:sp>
+        <p:nvSpPr>
+          <p:cNvPr id="34" name="文本框 33">
+            <a:extLst>
+              <a:ext uri="{FF2B5EF4-FFF2-40B4-BE49-F238E27FC236}">
+                <a16:creationId xmlns:a16="http://schemas.microsoft.com/office/drawing/2014/main" id="{37706143-20CC-58EF-C459-1D300D077E2E}"/>
+              </a:ext>
+            </a:extLst>
+          </p:cNvPr>
+          <p:cNvSpPr txBox="1"/>
+          <p:nvPr/>
+        </p:nvSpPr>
+        <p:spPr>
+          <a:xfrm>
+            <a:off x="4200293" y="2433858"/>
+            <a:ext cx="2145139" cy="738664"/>
+          </a:xfrm>
+          <a:prstGeom prst="rect">
+            <a:avLst/>
+          </a:prstGeom>
+          <a:noFill/>
+        </p:spPr>
+        <p:txBody>
+          <a:bodyPr wrap="none" rtlCol="0">
+            <a:spAutoFit/>
+          </a:bodyPr>
+          <a:lstStyle/>
+          <a:p>
+            <a:pPr marL="285750" indent="-285750">
+              <a:buFont typeface="Wingdings" pitchFamily="2" charset="2"/>
+              <a:buChar char="Ø"/>
+            </a:pPr>
+            <a:r>
+              <a:rPr kumimoji="1" lang="zh-CN" altLang="en-US" sz="1400" dirty="0"/>
+              <a:t>下载所有资源</a:t>
+            </a:r>
+            <a:endParaRPr kumimoji="1" lang="en-US" altLang="zh-CN" sz="1400" dirty="0"/>
+          </a:p>
+          <a:p>
+            <a:pPr marL="285750" indent="-285750">
+              <a:buFont typeface="Wingdings" pitchFamily="2" charset="2"/>
+              <a:buChar char="Ø"/>
+            </a:pPr>
+            <a:r>
+              <a:rPr kumimoji="1" lang="zh-CN" altLang="en-US" sz="1400" dirty="0"/>
+              <a:t>去掉网页中多余部分</a:t>
+            </a:r>
+            <a:endParaRPr kumimoji="1" lang="en-US" altLang="zh-CN" sz="1400" dirty="0"/>
+          </a:p>
+          <a:p>
+            <a:pPr marL="285750" indent="-285750">
+              <a:buFont typeface="Wingdings" pitchFamily="2" charset="2"/>
+              <a:buChar char="Ø"/>
+            </a:pPr>
+            <a:r>
+              <a:rPr kumimoji="1" lang="zh-CN" altLang="en-US" sz="1400" dirty="0"/>
+              <a:t>修改格式（可选）</a:t>
+            </a:r>
+          </a:p>
+        </p:txBody>
+      </p:sp>
+      <p:sp>
+        <p:nvSpPr>
+          <p:cNvPr id="35" name="文本框 34">
+            <a:extLst>
+              <a:ext uri="{FF2B5EF4-FFF2-40B4-BE49-F238E27FC236}">
+                <a16:creationId xmlns:a16="http://schemas.microsoft.com/office/drawing/2014/main" id="{D95CC39A-6AD5-9E70-F994-0B87A21F554C}"/>
+              </a:ext>
+            </a:extLst>
+          </p:cNvPr>
+          <p:cNvSpPr txBox="1"/>
+          <p:nvPr/>
+        </p:nvSpPr>
+        <p:spPr>
+          <a:xfrm>
+            <a:off x="4224260" y="798451"/>
+            <a:ext cx="2872902" cy="738664"/>
+          </a:xfrm>
+          <a:prstGeom prst="rect">
+            <a:avLst/>
+          </a:prstGeom>
+        </p:spPr>
+        <p:style>
+          <a:lnRef idx="1">
+            <a:schemeClr val="accent3"/>
+          </a:lnRef>
+          <a:fillRef idx="2">
+            <a:schemeClr val="accent3"/>
+          </a:fillRef>
+          <a:effectRef idx="1">
+            <a:schemeClr val="accent3"/>
+          </a:effectRef>
+          <a:fontRef idx="minor">
+            <a:schemeClr val="dk1"/>
+          </a:fontRef>
+        </p:style>
+        <p:txBody>
+          <a:bodyPr wrap="none" rtlCol="0">
+            <a:spAutoFit/>
+          </a:bodyPr>
+          <a:lstStyle/>
+          <a:p>
+            <a:pPr marL="285750" indent="-285750">
+              <a:buFont typeface="Wingdings" pitchFamily="2" charset="2"/>
+              <a:buChar char="l"/>
+            </a:pPr>
+            <a:r>
+              <a:rPr kumimoji="1" lang="zh-CN" altLang="en-US" sz="1400" dirty="0">
+                <a:solidFill>
+                  <a:schemeClr val="bg1"/>
+                </a:solidFill>
+              </a:rPr>
+              <a:t>知识库内置，</a:t>
+            </a:r>
+            <a:r>
+              <a:rPr kumimoji="1" lang="en-US" altLang="zh-CN" sz="1400" dirty="0">
+                <a:solidFill>
+                  <a:schemeClr val="bg1"/>
+                </a:solidFill>
+              </a:rPr>
+              <a:t>Notion</a:t>
+            </a:r>
+            <a:r>
+              <a:rPr kumimoji="1" lang="zh-CN" altLang="en-US" sz="1400" dirty="0">
+                <a:solidFill>
+                  <a:schemeClr val="bg1"/>
+                </a:solidFill>
+              </a:rPr>
+              <a:t>，印象</a:t>
+            </a:r>
+            <a:r>
+              <a:rPr kumimoji="1" lang="en-US" altLang="zh-CN" sz="1400" dirty="0">
+                <a:solidFill>
+                  <a:schemeClr val="bg1"/>
+                </a:solidFill>
+              </a:rPr>
+              <a:t>……</a:t>
+            </a:r>
+          </a:p>
+          <a:p>
+            <a:pPr marL="285750" indent="-285750">
+              <a:buFont typeface="Wingdings" pitchFamily="2" charset="2"/>
+              <a:buChar char="l"/>
+            </a:pPr>
+            <a:r>
+              <a:rPr kumimoji="1" lang="zh-CN" altLang="en-US" sz="1400" dirty="0">
+                <a:solidFill>
+                  <a:schemeClr val="bg1"/>
+                </a:solidFill>
+              </a:rPr>
+              <a:t>独立的扩展</a:t>
+            </a:r>
+            <a:endParaRPr kumimoji="1" lang="en-US" altLang="zh-CN" sz="1400" dirty="0">
+              <a:solidFill>
+                <a:schemeClr val="bg1"/>
+              </a:solidFill>
+            </a:endParaRPr>
+          </a:p>
+          <a:p>
+            <a:pPr marL="285750" indent="-285750">
+              <a:buFont typeface="Wingdings" pitchFamily="2" charset="2"/>
+              <a:buChar char="l"/>
+            </a:pPr>
+            <a:r>
+              <a:rPr kumimoji="1" lang="zh-CN" altLang="en-US" sz="1400" dirty="0">
+                <a:solidFill>
+                  <a:schemeClr val="bg1"/>
+                </a:solidFill>
+              </a:rPr>
+              <a:t>稍后阅读内置</a:t>
+            </a:r>
+            <a:endParaRPr kumimoji="1" lang="en-US" altLang="zh-CN" sz="1400" dirty="0">
+              <a:solidFill>
+                <a:schemeClr val="bg1"/>
+              </a:solidFill>
+            </a:endParaRPr>
+          </a:p>
+        </p:txBody>
+      </p:sp>
+    </p:spTree>
+    <p:extLst>
+      <p:ext uri="{BB962C8B-B14F-4D97-AF65-F5344CB8AC3E}">
+        <p14:creationId xmlns:p14="http://schemas.microsoft.com/office/powerpoint/2010/main" val="1093631192"/>
+      </p:ext>
+    </p:extLst>
+  </p:cSld>
+  <p:clrMapOvr>
+    <a:masterClrMapping/>
+  </p:clrMapOvr>
+</p:sld>
+</file>
+
+<file path=ppt/slides/slide11.xml><?xml version="1.0" encoding="utf-8"?>
+<p:sld xmlns:a="http://schemas.openxmlformats.org/drawingml/2006/main" xmlns:r="http://schemas.openxmlformats.org/officeDocument/2006/relationships" xmlns:p="http://schemas.openxmlformats.org/presentationml/2006/main">
+  <p:cSld>
+    <p:spTree>
+      <p:nvGrpSpPr>
+        <p:cNvPr id="1" name=""/>
+        <p:cNvGrpSpPr/>
+        <p:nvPr/>
+      </p:nvGrpSpPr>
+      <p:grpSpPr>
+        <a:xfrm>
+          <a:off x="0" y="0"/>
+          <a:ext cx="0" cy="0"/>
+          <a:chOff x="0" y="0"/>
+          <a:chExt cx="0" cy="0"/>
+        </a:xfrm>
+      </p:grpSpPr>
+      <p:pic>
+        <p:nvPicPr>
+          <p:cNvPr id="4" name="图片 3">
+            <a:extLst>
+              <a:ext uri="{FF2B5EF4-FFF2-40B4-BE49-F238E27FC236}">
+                <a16:creationId xmlns:a16="http://schemas.microsoft.com/office/drawing/2014/main" id="{5D95CAC2-145E-38AF-14AD-0A0979E24B75}"/>
+              </a:ext>
+            </a:extLst>
+          </p:cNvPr>
+          <p:cNvPicPr>
+            <a:picLocks noChangeAspect="1"/>
+          </p:cNvPicPr>
+          <p:nvPr/>
+        </p:nvPicPr>
+        <p:blipFill>
+          <a:blip r:embed="rId2"/>
+          <a:stretch>
+            <a:fillRect/>
+          </a:stretch>
+        </p:blipFill>
+        <p:spPr>
+          <a:xfrm>
+            <a:off x="443261" y="2294673"/>
+            <a:ext cx="2667000" cy="2387600"/>
+          </a:xfrm>
+          <a:prstGeom prst="rect">
+            <a:avLst/>
+          </a:prstGeom>
+        </p:spPr>
+      </p:pic>
+      <p:pic>
+        <p:nvPicPr>
+          <p:cNvPr id="5" name="图片 4">
+            <a:extLst>
+              <a:ext uri="{FF2B5EF4-FFF2-40B4-BE49-F238E27FC236}">
+                <a16:creationId xmlns:a16="http://schemas.microsoft.com/office/drawing/2014/main" id="{6FFF7E76-BE36-3E68-8DD7-0B7EDB0FD230}"/>
+              </a:ext>
+            </a:extLst>
+          </p:cNvPr>
+          <p:cNvPicPr>
+            <a:picLocks noChangeAspect="1"/>
+          </p:cNvPicPr>
+          <p:nvPr/>
+        </p:nvPicPr>
+        <p:blipFill>
+          <a:blip r:embed="rId3"/>
+          <a:stretch>
+            <a:fillRect/>
+          </a:stretch>
+        </p:blipFill>
+        <p:spPr>
+          <a:xfrm>
+            <a:off x="2471163" y="886134"/>
+            <a:ext cx="6325135" cy="2817077"/>
+          </a:xfrm>
+          <a:prstGeom prst="rect">
+            <a:avLst/>
+          </a:prstGeom>
+        </p:spPr>
+      </p:pic>
+      <p:pic>
+        <p:nvPicPr>
+          <p:cNvPr id="6" name="图片 5">
+            <a:extLst>
+              <a:ext uri="{FF2B5EF4-FFF2-40B4-BE49-F238E27FC236}">
+                <a16:creationId xmlns:a16="http://schemas.microsoft.com/office/drawing/2014/main" id="{81C8192B-CBC0-22B8-3868-F6DD1EB73226}"/>
+              </a:ext>
+            </a:extLst>
+          </p:cNvPr>
+          <p:cNvPicPr>
+            <a:picLocks noChangeAspect="1"/>
+          </p:cNvPicPr>
+          <p:nvPr/>
+        </p:nvPicPr>
+        <p:blipFill>
+          <a:blip r:embed="rId4"/>
+          <a:stretch>
+            <a:fillRect/>
+          </a:stretch>
+        </p:blipFill>
+        <p:spPr>
+          <a:xfrm>
+            <a:off x="3558479" y="3648521"/>
+            <a:ext cx="4673600" cy="1511300"/>
+          </a:xfrm>
+          <a:prstGeom prst="rect">
+            <a:avLst/>
+          </a:prstGeom>
+        </p:spPr>
+      </p:pic>
+    </p:spTree>
+    <p:extLst>
+      <p:ext uri="{BB962C8B-B14F-4D97-AF65-F5344CB8AC3E}">
+        <p14:creationId xmlns:p14="http://schemas.microsoft.com/office/powerpoint/2010/main" val="38903190"/>
+      </p:ext>
+    </p:extLst>
+  </p:cSld>
+  <p:clrMapOvr>
+    <a:masterClrMapping/>
+  </p:clrMapOvr>
+</p:sld>
+</file>
+
+<file path=ppt/slides/slide12.xml><?xml version="1.0" encoding="utf-8"?>
+<p:sld xmlns:a="http://schemas.openxmlformats.org/drawingml/2006/main" xmlns:r="http://schemas.openxmlformats.org/officeDocument/2006/relationships" xmlns:p="http://schemas.openxmlformats.org/presentationml/2006/main">
+  <p:cSld>
+    <p:spTree>
+      <p:nvGrpSpPr>
+        <p:cNvPr id="1" name=""/>
+        <p:cNvGrpSpPr/>
+        <p:nvPr/>
+      </p:nvGrpSpPr>
+      <p:grpSpPr>
+        <a:xfrm>
+          <a:off x="0" y="0"/>
+          <a:ext cx="0" cy="0"/>
+          <a:chOff x="0" y="0"/>
+          <a:chExt cx="0" cy="0"/>
+        </a:xfrm>
+      </p:grpSpPr>
+      <p:sp>
+        <p:nvSpPr>
+          <p:cNvPr id="5" name="磁盘 4">
+            <a:extLst>
+              <a:ext uri="{FF2B5EF4-FFF2-40B4-BE49-F238E27FC236}">
+                <a16:creationId xmlns:a16="http://schemas.microsoft.com/office/drawing/2014/main" id="{D1A4E3E6-22AC-CD6C-6815-D62493042CDD}"/>
+              </a:ext>
+            </a:extLst>
+          </p:cNvPr>
+          <p:cNvSpPr/>
+          <p:nvPr/>
+        </p:nvSpPr>
+        <p:spPr>
+          <a:xfrm>
+            <a:off x="1613210" y="2966224"/>
+            <a:ext cx="951571" cy="1055649"/>
+          </a:xfrm>
+          <a:prstGeom prst="flowChartMagneticDisk">
+            <a:avLst/>
+          </a:prstGeom>
+        </p:spPr>
+        <p:style>
+          <a:lnRef idx="2">
+            <a:schemeClr val="accent6">
+              <a:shade val="15000"/>
+            </a:schemeClr>
+          </a:lnRef>
+          <a:fillRef idx="1">
+            <a:schemeClr val="accent6"/>
+          </a:fillRef>
+          <a:effectRef idx="0">
+            <a:schemeClr val="accent6"/>
+          </a:effectRef>
+          <a:fontRef idx="minor">
+            <a:schemeClr val="lt1"/>
+          </a:fontRef>
+        </p:style>
+        <p:txBody>
+          <a:bodyPr rtlCol="0" anchor="ctr"/>
+          <a:lstStyle/>
+          <a:p>
+            <a:pPr algn="ctr"/>
+            <a:r>
+              <a:rPr kumimoji="1" lang="zh-CN" altLang="en-US" dirty="0"/>
+              <a:t>网站</a:t>
+            </a:r>
+          </a:p>
+        </p:txBody>
+      </p:sp>
+      <p:pic>
+        <p:nvPicPr>
+          <p:cNvPr id="1026" name="Picture 2">
+            <a:extLst>
+              <a:ext uri="{FF2B5EF4-FFF2-40B4-BE49-F238E27FC236}">
+                <a16:creationId xmlns:a16="http://schemas.microsoft.com/office/drawing/2014/main" id="{847AC9DE-019F-AE44-4143-BC8B187CC1AC}"/>
+              </a:ext>
+            </a:extLst>
+          </p:cNvPr>
+          <p:cNvPicPr>
+            <a:picLocks noChangeAspect="1" noChangeArrowheads="1"/>
+          </p:cNvPicPr>
+          <p:nvPr/>
+        </p:nvPicPr>
+        <p:blipFill>
+          <a:blip r:embed="rId2">
+            <a:extLst>
+              <a:ext uri="{28A0092B-C50C-407E-A947-70E740481C1C}">
+                <a14:useLocalDpi xmlns:a14="http://schemas.microsoft.com/office/drawing/2010/main" val="0"/>
+              </a:ext>
+            </a:extLst>
+          </a:blip>
+          <a:srcRect/>
+          <a:stretch>
+            <a:fillRect/>
+          </a:stretch>
+        </p:blipFill>
+        <p:spPr bwMode="auto">
+          <a:xfrm>
+            <a:off x="4769000" y="1548066"/>
+            <a:ext cx="800410" cy="800410"/>
+          </a:xfrm>
+          <a:prstGeom prst="rect">
+            <a:avLst/>
+          </a:prstGeom>
+          <a:noFill/>
+          <a:extLst>
+            <a:ext uri="{909E8E84-426E-40DD-AFC4-6F175D3DCCD1}">
+              <a14:hiddenFill xmlns:a14="http://schemas.microsoft.com/office/drawing/2010/main">
+                <a:solidFill>
+                  <a:srgbClr val="FFFFFF"/>
+                </a:solidFill>
+              </a14:hiddenFill>
+            </a:ext>
+          </a:extLst>
+        </p:spPr>
+      </p:pic>
+      <p:cxnSp>
+        <p:nvCxnSpPr>
+          <p:cNvPr id="10" name="肘形连接符 9">
+            <a:extLst>
+              <a:ext uri="{FF2B5EF4-FFF2-40B4-BE49-F238E27FC236}">
+                <a16:creationId xmlns:a16="http://schemas.microsoft.com/office/drawing/2014/main" id="{8B7A239A-9190-B469-7ABA-76660268B250}"/>
+              </a:ext>
+            </a:extLst>
+          </p:cNvPr>
+          <p:cNvCxnSpPr>
+            <a:cxnSpLocks/>
+            <a:stCxn id="5" idx="1"/>
+            <a:endCxn id="1030" idx="2"/>
+          </p:cNvCxnSpPr>
+          <p:nvPr/>
+        </p:nvCxnSpPr>
+        <p:spPr>
+          <a:xfrm rot="5400000" flipH="1" flipV="1">
+            <a:off x="2685063" y="1822085"/>
+            <a:ext cx="548072" cy="1740207"/>
+          </a:xfrm>
+          <a:prstGeom prst="bentConnector3">
+            <a:avLst>
+              <a:gd name="adj1" fmla="val 50000"/>
+            </a:avLst>
+          </a:prstGeom>
+          <a:ln>
+            <a:tailEnd type="triangle"/>
+          </a:ln>
+        </p:spPr>
+        <p:style>
+          <a:lnRef idx="3">
+            <a:schemeClr val="accent1"/>
+          </a:lnRef>
+          <a:fillRef idx="0">
+            <a:schemeClr val="accent1"/>
+          </a:fillRef>
+          <a:effectRef idx="2">
+            <a:schemeClr val="accent1"/>
+          </a:effectRef>
+          <a:fontRef idx="minor">
+            <a:schemeClr val="tx1"/>
+          </a:fontRef>
+        </p:style>
+      </p:cxnSp>
+      <p:cxnSp>
+        <p:nvCxnSpPr>
+          <p:cNvPr id="13" name="肘形连接符 12">
+            <a:extLst>
+              <a:ext uri="{FF2B5EF4-FFF2-40B4-BE49-F238E27FC236}">
+                <a16:creationId xmlns:a16="http://schemas.microsoft.com/office/drawing/2014/main" id="{E69BC128-423A-BDDA-6463-403744FC57F9}"/>
+              </a:ext>
+            </a:extLst>
+          </p:cNvPr>
+          <p:cNvCxnSpPr>
+            <a:cxnSpLocks/>
+            <a:stCxn id="5" idx="3"/>
+            <a:endCxn id="1032" idx="0"/>
+          </p:cNvCxnSpPr>
+          <p:nvPr/>
+        </p:nvCxnSpPr>
+        <p:spPr>
+          <a:xfrm rot="16200000" flipH="1">
+            <a:off x="2748770" y="3362098"/>
+            <a:ext cx="416207" cy="1735755"/>
+          </a:xfrm>
+          <a:prstGeom prst="bentConnector3">
+            <a:avLst>
+              <a:gd name="adj1" fmla="val 50000"/>
+            </a:avLst>
+          </a:prstGeom>
+          <a:ln>
+            <a:tailEnd type="triangle"/>
+          </a:ln>
+        </p:spPr>
+        <p:style>
+          <a:lnRef idx="3">
+            <a:schemeClr val="accent1"/>
+          </a:lnRef>
+          <a:fillRef idx="0">
+            <a:schemeClr val="accent1"/>
+          </a:fillRef>
+          <a:effectRef idx="2">
+            <a:schemeClr val="accent1"/>
+          </a:effectRef>
+          <a:fontRef idx="minor">
+            <a:schemeClr val="tx1"/>
+          </a:fontRef>
+        </p:style>
+      </p:cxnSp>
+      <p:sp>
+        <p:nvSpPr>
+          <p:cNvPr id="20" name="文本框 19">
+            <a:extLst>
+              <a:ext uri="{FF2B5EF4-FFF2-40B4-BE49-F238E27FC236}">
+                <a16:creationId xmlns:a16="http://schemas.microsoft.com/office/drawing/2014/main" id="{CD309514-906C-FE86-03A4-D431D7C7192A}"/>
+              </a:ext>
+            </a:extLst>
+          </p:cNvPr>
+          <p:cNvSpPr txBox="1"/>
+          <p:nvPr/>
+        </p:nvSpPr>
+        <p:spPr>
+          <a:xfrm>
+            <a:off x="2502739" y="2525597"/>
+            <a:ext cx="902811" cy="307777"/>
+          </a:xfrm>
+          <a:prstGeom prst="rect">
+            <a:avLst/>
+          </a:prstGeom>
+        </p:spPr>
+        <p:style>
+          <a:lnRef idx="0">
+            <a:schemeClr val="accent1"/>
+          </a:lnRef>
+          <a:fillRef idx="3">
+            <a:schemeClr val="accent1"/>
+          </a:fillRef>
+          <a:effectRef idx="3">
+            <a:schemeClr val="accent1"/>
+          </a:effectRef>
+          <a:fontRef idx="minor">
+            <a:schemeClr val="lt1"/>
+          </a:fontRef>
+        </p:style>
+        <p:txBody>
+          <a:bodyPr wrap="none" rtlCol="0">
+            <a:spAutoFit/>
+          </a:bodyPr>
+          <a:lstStyle/>
+          <a:p>
+            <a:r>
+              <a:rPr kumimoji="1" lang="en-US" altLang="zh-CN" sz="1400" dirty="0"/>
+              <a:t>Web</a:t>
+            </a:r>
+            <a:r>
+              <a:rPr kumimoji="1" lang="zh-CN" altLang="en-US" sz="1400" dirty="0"/>
+              <a:t>服务</a:t>
+            </a:r>
+          </a:p>
+        </p:txBody>
+      </p:sp>
+      <p:sp>
+        <p:nvSpPr>
+          <p:cNvPr id="21" name="文本框 20">
+            <a:extLst>
+              <a:ext uri="{FF2B5EF4-FFF2-40B4-BE49-F238E27FC236}">
+                <a16:creationId xmlns:a16="http://schemas.microsoft.com/office/drawing/2014/main" id="{DBE52A1B-663C-4DA1-98C9-F4789931760C}"/>
+              </a:ext>
+            </a:extLst>
+          </p:cNvPr>
+          <p:cNvSpPr txBox="1"/>
+          <p:nvPr/>
+        </p:nvSpPr>
+        <p:spPr>
+          <a:xfrm>
+            <a:off x="2496314" y="4076088"/>
+            <a:ext cx="833883" cy="307777"/>
+          </a:xfrm>
+          <a:prstGeom prst="rect">
+            <a:avLst/>
+          </a:prstGeom>
+        </p:spPr>
+        <p:style>
+          <a:lnRef idx="0">
+            <a:schemeClr val="accent2"/>
+          </a:lnRef>
+          <a:fillRef idx="3">
+            <a:schemeClr val="accent2"/>
+          </a:fillRef>
+          <a:effectRef idx="3">
+            <a:schemeClr val="accent2"/>
+          </a:effectRef>
+          <a:fontRef idx="minor">
+            <a:schemeClr val="lt1"/>
+          </a:fontRef>
+        </p:style>
+        <p:txBody>
+          <a:bodyPr wrap="none" rtlCol="0">
+            <a:spAutoFit/>
+          </a:bodyPr>
+          <a:lstStyle>
+            <a:defPPr>
+              <a:defRPr lang="zh-CN"/>
+            </a:defPPr>
+            <a:lvl1pPr>
+              <a:defRPr kumimoji="1" sz="1400">
+                <a:solidFill>
+                  <a:schemeClr val="lt1"/>
+                </a:solidFill>
+              </a:defRPr>
+            </a:lvl1pPr>
+            <a:lvl2pPr>
+              <a:defRPr>
+                <a:solidFill>
+                  <a:schemeClr val="lt1"/>
+                </a:solidFill>
+              </a:defRPr>
+            </a:lvl2pPr>
+            <a:lvl3pPr>
+              <a:defRPr>
+                <a:solidFill>
+                  <a:schemeClr val="lt1"/>
+                </a:solidFill>
+              </a:defRPr>
+            </a:lvl3pPr>
+            <a:lvl4pPr>
+              <a:defRPr>
+                <a:solidFill>
+                  <a:schemeClr val="lt1"/>
+                </a:solidFill>
+              </a:defRPr>
+            </a:lvl4pPr>
+            <a:lvl5pPr>
+              <a:defRPr>
+                <a:solidFill>
+                  <a:schemeClr val="lt1"/>
+                </a:solidFill>
+              </a:defRPr>
+            </a:lvl5pPr>
+            <a:lvl6pPr>
+              <a:defRPr>
+                <a:solidFill>
+                  <a:schemeClr val="lt1"/>
+                </a:solidFill>
+              </a:defRPr>
+            </a:lvl6pPr>
+            <a:lvl7pPr>
+              <a:defRPr>
+                <a:solidFill>
+                  <a:schemeClr val="lt1"/>
+                </a:solidFill>
+              </a:defRPr>
+            </a:lvl7pPr>
+            <a:lvl8pPr>
+              <a:defRPr>
+                <a:solidFill>
+                  <a:schemeClr val="lt1"/>
+                </a:solidFill>
+              </a:defRPr>
+            </a:lvl8pPr>
+            <a:lvl9pPr>
+              <a:defRPr>
+                <a:solidFill>
+                  <a:schemeClr val="lt1"/>
+                </a:solidFill>
+              </a:defRPr>
+            </a:lvl9pPr>
+          </a:lstStyle>
+          <a:p>
+            <a:r>
+              <a:rPr lang="en-US" altLang="zh-CN" dirty="0"/>
+              <a:t>RSS</a:t>
+            </a:r>
+            <a:r>
+              <a:rPr lang="zh-CN" altLang="en-US" dirty="0"/>
+              <a:t>服务</a:t>
+            </a:r>
+          </a:p>
+        </p:txBody>
+      </p:sp>
+      <p:pic>
+        <p:nvPicPr>
+          <p:cNvPr id="1030" name="Picture 6" descr="HTML - Wikipedia">
+            <a:extLst>
+              <a:ext uri="{FF2B5EF4-FFF2-40B4-BE49-F238E27FC236}">
+                <a16:creationId xmlns:a16="http://schemas.microsoft.com/office/drawing/2014/main" id="{68F13CDF-6BF3-00DE-5DF3-DECC40B2905C}"/>
+              </a:ext>
+            </a:extLst>
+          </p:cNvPr>
+          <p:cNvPicPr>
+            <a:picLocks noChangeAspect="1" noChangeArrowheads="1"/>
+          </p:cNvPicPr>
+          <p:nvPr/>
+        </p:nvPicPr>
+        <p:blipFill>
+          <a:blip r:embed="rId3">
+            <a:extLst>
+              <a:ext uri="{28A0092B-C50C-407E-A947-70E740481C1C}">
+                <a14:useLocalDpi xmlns:a14="http://schemas.microsoft.com/office/drawing/2010/main" val="0"/>
+              </a:ext>
+            </a:extLst>
+          </a:blip>
+          <a:srcRect/>
+          <a:stretch>
+            <a:fillRect/>
+          </a:stretch>
+        </p:blipFill>
+        <p:spPr bwMode="auto">
+          <a:xfrm>
+            <a:off x="3360851" y="1481449"/>
+            <a:ext cx="936703" cy="936703"/>
+          </a:xfrm>
+          <a:prstGeom prst="rect">
+            <a:avLst/>
+          </a:prstGeom>
+          <a:noFill/>
+          <a:extLst>
+            <a:ext uri="{909E8E84-426E-40DD-AFC4-6F175D3DCCD1}">
+              <a14:hiddenFill xmlns:a14="http://schemas.microsoft.com/office/drawing/2010/main">
+                <a:solidFill>
+                  <a:srgbClr val="FFFFFF"/>
+                </a:solidFill>
+              </a14:hiddenFill>
+            </a:ext>
+          </a:extLst>
+        </p:spPr>
+      </p:pic>
+      <p:pic>
+        <p:nvPicPr>
+          <p:cNvPr id="1032" name="Picture 8" descr="XML OR HTML? • Nigeria's Premier Digital Branding Partner">
+            <a:extLst>
+              <a:ext uri="{FF2B5EF4-FFF2-40B4-BE49-F238E27FC236}">
+                <a16:creationId xmlns:a16="http://schemas.microsoft.com/office/drawing/2014/main" id="{8BAB9E34-FD12-4BA3-8345-FC727DF9EABA}"/>
+              </a:ext>
+            </a:extLst>
+          </p:cNvPr>
+          <p:cNvPicPr>
+            <a:picLocks noChangeAspect="1" noChangeArrowheads="1"/>
+          </p:cNvPicPr>
+          <p:nvPr/>
+        </p:nvPicPr>
+        <p:blipFill>
+          <a:blip r:embed="rId4">
+            <a:extLst>
+              <a:ext uri="{28A0092B-C50C-407E-A947-70E740481C1C}">
+                <a14:useLocalDpi xmlns:a14="http://schemas.microsoft.com/office/drawing/2010/main" val="0"/>
+              </a:ext>
+            </a:extLst>
+          </a:blip>
+          <a:srcRect/>
+          <a:stretch>
+            <a:fillRect/>
+          </a:stretch>
+        </p:blipFill>
+        <p:spPr bwMode="auto">
+          <a:xfrm>
+            <a:off x="3339165" y="4438080"/>
+            <a:ext cx="971172" cy="891135"/>
+          </a:xfrm>
+          <a:prstGeom prst="rect">
+            <a:avLst/>
+          </a:prstGeom>
+          <a:noFill/>
+          <a:extLst>
+            <a:ext uri="{909E8E84-426E-40DD-AFC4-6F175D3DCCD1}">
+              <a14:hiddenFill xmlns:a14="http://schemas.microsoft.com/office/drawing/2010/main">
+                <a:solidFill>
+                  <a:srgbClr val="FFFFFF"/>
+                </a:solidFill>
+              </a14:hiddenFill>
+            </a:ext>
+          </a:extLst>
+        </p:spPr>
+      </p:pic>
+      <p:pic>
+        <p:nvPicPr>
+          <p:cNvPr id="1034" name="Picture 10" descr="XML Structure Overview">
+            <a:extLst>
+              <a:ext uri="{FF2B5EF4-FFF2-40B4-BE49-F238E27FC236}">
+                <a16:creationId xmlns:a16="http://schemas.microsoft.com/office/drawing/2014/main" id="{E34A62DE-4369-D634-A632-94E45C2FE0B2}"/>
+              </a:ext>
+            </a:extLst>
+          </p:cNvPr>
+          <p:cNvPicPr>
+            <a:picLocks noChangeAspect="1" noChangeArrowheads="1"/>
+          </p:cNvPicPr>
+          <p:nvPr/>
+        </p:nvPicPr>
+        <p:blipFill>
+          <a:blip r:embed="rId5">
+            <a:extLst>
+              <a:ext uri="{28A0092B-C50C-407E-A947-70E740481C1C}">
+                <a14:useLocalDpi xmlns:a14="http://schemas.microsoft.com/office/drawing/2010/main" val="0"/>
+              </a:ext>
+            </a:extLst>
+          </a:blip>
+          <a:srcRect/>
+          <a:stretch>
+            <a:fillRect/>
+          </a:stretch>
+        </p:blipFill>
+        <p:spPr bwMode="auto">
+          <a:xfrm>
+            <a:off x="1763894" y="4577773"/>
+            <a:ext cx="1568769" cy="999493"/>
+          </a:xfrm>
+          <a:prstGeom prst="rect">
+            <a:avLst/>
+          </a:prstGeom>
+          <a:noFill/>
+          <a:extLst>
+            <a:ext uri="{909E8E84-426E-40DD-AFC4-6F175D3DCCD1}">
+              <a14:hiddenFill xmlns:a14="http://schemas.microsoft.com/office/drawing/2010/main">
+                <a:solidFill>
+                  <a:srgbClr val="FFFFFF"/>
+                </a:solidFill>
+              </a14:hiddenFill>
+            </a:ext>
+          </a:extLst>
+        </p:spPr>
+      </p:pic>
+      <p:pic>
+        <p:nvPicPr>
+          <p:cNvPr id="1036" name="Picture 12" descr="What Are HTML and CSS and What Are They For? - EPICODE">
+            <a:extLst>
+              <a:ext uri="{FF2B5EF4-FFF2-40B4-BE49-F238E27FC236}">
+                <a16:creationId xmlns:a16="http://schemas.microsoft.com/office/drawing/2014/main" id="{AB75E515-55B2-99FB-7BD3-F0F84E081875}"/>
+              </a:ext>
+            </a:extLst>
+          </p:cNvPr>
+          <p:cNvPicPr>
+            <a:picLocks noChangeAspect="1" noChangeArrowheads="1"/>
+          </p:cNvPicPr>
+          <p:nvPr/>
+        </p:nvPicPr>
+        <p:blipFill>
+          <a:blip r:embed="rId6">
+            <a:extLst>
+              <a:ext uri="{28A0092B-C50C-407E-A947-70E740481C1C}">
+                <a14:useLocalDpi xmlns:a14="http://schemas.microsoft.com/office/drawing/2010/main" val="0"/>
+              </a:ext>
+            </a:extLst>
+          </a:blip>
+          <a:srcRect/>
+          <a:stretch>
+            <a:fillRect/>
+          </a:stretch>
+        </p:blipFill>
+        <p:spPr bwMode="auto">
+          <a:xfrm>
+            <a:off x="2088995" y="1029379"/>
+            <a:ext cx="1341399" cy="1341399"/>
+          </a:xfrm>
+          <a:prstGeom prst="rect">
+            <a:avLst/>
+          </a:prstGeom>
+          <a:noFill/>
+          <a:extLst>
+            <a:ext uri="{909E8E84-426E-40DD-AFC4-6F175D3DCCD1}">
+              <a14:hiddenFill xmlns:a14="http://schemas.microsoft.com/office/drawing/2010/main">
+                <a:solidFill>
+                  <a:srgbClr val="FFFFFF"/>
+                </a:solidFill>
+              </a14:hiddenFill>
+            </a:ext>
+          </a:extLst>
+        </p:spPr>
+      </p:pic>
+      <p:pic>
+        <p:nvPicPr>
+          <p:cNvPr id="1040" name="Picture 16" descr="大象的墨水屏篇五十七：打破信息茧房，聊过时的RSS服务在墨水屏上订阅- 极客IT网">
+            <a:extLst>
+              <a:ext uri="{FF2B5EF4-FFF2-40B4-BE49-F238E27FC236}">
+                <a16:creationId xmlns:a16="http://schemas.microsoft.com/office/drawing/2014/main" id="{F83C84C0-B581-2AE8-8937-C78D03DFBFCA}"/>
+              </a:ext>
+            </a:extLst>
+          </p:cNvPr>
+          <p:cNvPicPr>
+            <a:picLocks noChangeAspect="1" noChangeArrowheads="1"/>
+          </p:cNvPicPr>
+          <p:nvPr/>
+        </p:nvPicPr>
+        <p:blipFill rotWithShape="1">
+          <a:blip r:embed="rId7">
+            <a:extLst>
+              <a:ext uri="{28A0092B-C50C-407E-A947-70E740481C1C}">
+                <a14:useLocalDpi xmlns:a14="http://schemas.microsoft.com/office/drawing/2010/main" val="0"/>
+              </a:ext>
+            </a:extLst>
+          </a:blip>
+          <a:srcRect l="5653" t="13829" r="57021" b="17955"/>
+          <a:stretch/>
+        </p:blipFill>
+        <p:spPr bwMode="auto">
+          <a:xfrm>
+            <a:off x="2709124" y="3695647"/>
+            <a:ext cx="408261" cy="373061"/>
+          </a:xfrm>
+          <a:prstGeom prst="rect">
+            <a:avLst/>
+          </a:prstGeom>
+          <a:noFill/>
+          <a:extLst>
+            <a:ext uri="{909E8E84-426E-40DD-AFC4-6F175D3DCCD1}">
+              <a14:hiddenFill xmlns:a14="http://schemas.microsoft.com/office/drawing/2010/main">
+                <a:solidFill>
+                  <a:srgbClr val="FFFFFF"/>
+                </a:solidFill>
+              </a14:hiddenFill>
+            </a:ext>
+          </a:extLst>
+        </p:spPr>
+      </p:pic>
+      <p:pic>
+        <p:nvPicPr>
+          <p:cNvPr id="1042" name="Picture 18" descr="免费的Web服务| 赢图云">
+            <a:extLst>
+              <a:ext uri="{FF2B5EF4-FFF2-40B4-BE49-F238E27FC236}">
+                <a16:creationId xmlns:a16="http://schemas.microsoft.com/office/drawing/2014/main" id="{02C8D207-F1AE-9DD9-241F-0336DF6BC6B5}"/>
+              </a:ext>
+            </a:extLst>
+          </p:cNvPr>
+          <p:cNvPicPr>
+            <a:picLocks noChangeAspect="1" noChangeArrowheads="1"/>
+          </p:cNvPicPr>
+          <p:nvPr/>
+        </p:nvPicPr>
+        <p:blipFill>
+          <a:blip r:embed="rId8">
+            <a:extLst>
+              <a:ext uri="{28A0092B-C50C-407E-A947-70E740481C1C}">
+                <a14:useLocalDpi xmlns:a14="http://schemas.microsoft.com/office/drawing/2010/main" val="0"/>
+              </a:ext>
+            </a:extLst>
+          </a:blip>
+          <a:srcRect/>
+          <a:stretch>
+            <a:fillRect/>
+          </a:stretch>
+        </p:blipFill>
+        <p:spPr bwMode="auto">
+          <a:xfrm>
+            <a:off x="2667542" y="2845117"/>
+            <a:ext cx="529450" cy="529450"/>
+          </a:xfrm>
+          <a:prstGeom prst="rect">
+            <a:avLst/>
+          </a:prstGeom>
+          <a:noFill/>
+          <a:extLst>
+            <a:ext uri="{909E8E84-426E-40DD-AFC4-6F175D3DCCD1}">
+              <a14:hiddenFill xmlns:a14="http://schemas.microsoft.com/office/drawing/2010/main">
+                <a:solidFill>
+                  <a:srgbClr val="FFFFFF"/>
+                </a:solidFill>
+              </a14:hiddenFill>
+            </a:ext>
+          </a:extLst>
+        </p:spPr>
+      </p:pic>
+      <p:cxnSp>
+        <p:nvCxnSpPr>
+          <p:cNvPr id="28" name="肘形连接符 27">
+            <a:extLst>
+              <a:ext uri="{FF2B5EF4-FFF2-40B4-BE49-F238E27FC236}">
+                <a16:creationId xmlns:a16="http://schemas.microsoft.com/office/drawing/2014/main" id="{36AE3B37-ABFD-7E2E-8ADC-F9C3D9822DDD}"/>
+              </a:ext>
+            </a:extLst>
+          </p:cNvPr>
+          <p:cNvCxnSpPr>
+            <a:cxnSpLocks/>
+            <a:stCxn id="1030" idx="3"/>
+            <a:endCxn id="1026" idx="1"/>
+          </p:cNvCxnSpPr>
+          <p:nvPr/>
+        </p:nvCxnSpPr>
+        <p:spPr>
+          <a:xfrm flipV="1">
+            <a:off x="4297554" y="1948271"/>
+            <a:ext cx="471446" cy="1530"/>
+          </a:xfrm>
+          <a:prstGeom prst="bentConnector3">
+            <a:avLst>
+              <a:gd name="adj1" fmla="val 50000"/>
+            </a:avLst>
+          </a:prstGeom>
+          <a:ln>
+            <a:tailEnd type="triangle"/>
+          </a:ln>
+        </p:spPr>
+        <p:style>
+          <a:lnRef idx="3">
+            <a:schemeClr val="accent1"/>
+          </a:lnRef>
+          <a:fillRef idx="0">
+            <a:schemeClr val="accent1"/>
+          </a:fillRef>
+          <a:effectRef idx="2">
+            <a:schemeClr val="accent1"/>
+          </a:effectRef>
+          <a:fontRef idx="minor">
+            <a:schemeClr val="tx1"/>
+          </a:fontRef>
+        </p:style>
+      </p:cxnSp>
+      <p:pic>
+        <p:nvPicPr>
+          <p:cNvPr id="31" name="Picture 12" descr="Feedly - Wikipedia">
+            <a:extLst>
+              <a:ext uri="{FF2B5EF4-FFF2-40B4-BE49-F238E27FC236}">
+                <a16:creationId xmlns:a16="http://schemas.microsoft.com/office/drawing/2014/main" id="{B217C5F2-AE18-E1CB-7FCD-957E23C2F044}"/>
+              </a:ext>
+            </a:extLst>
+          </p:cNvPr>
+          <p:cNvPicPr>
+            <a:picLocks noChangeAspect="1" noChangeArrowheads="1"/>
+          </p:cNvPicPr>
+          <p:nvPr/>
+        </p:nvPicPr>
+        <p:blipFill>
+          <a:blip r:embed="rId9">
+            <a:extLst>
+              <a:ext uri="{28A0092B-C50C-407E-A947-70E740481C1C}">
+                <a14:useLocalDpi xmlns:a14="http://schemas.microsoft.com/office/drawing/2010/main" val="0"/>
+              </a:ext>
+            </a:extLst>
+          </a:blip>
+          <a:srcRect/>
+          <a:stretch>
+            <a:fillRect/>
+          </a:stretch>
+        </p:blipFill>
+        <p:spPr bwMode="auto">
+          <a:xfrm>
+            <a:off x="4769000" y="4521155"/>
+            <a:ext cx="802721" cy="721433"/>
+          </a:xfrm>
+          <a:prstGeom prst="rect">
+            <a:avLst/>
+          </a:prstGeom>
+          <a:noFill/>
+          <a:extLst>
+            <a:ext uri="{909E8E84-426E-40DD-AFC4-6F175D3DCCD1}">
+              <a14:hiddenFill xmlns:a14="http://schemas.microsoft.com/office/drawing/2010/main">
+                <a:solidFill>
+                  <a:srgbClr val="FFFFFF"/>
+                </a:solidFill>
+              </a14:hiddenFill>
+            </a:ext>
+          </a:extLst>
+        </p:spPr>
+      </p:pic>
+      <p:sp>
+        <p:nvSpPr>
+          <p:cNvPr id="32" name="文本框 31">
+            <a:extLst>
+              <a:ext uri="{FF2B5EF4-FFF2-40B4-BE49-F238E27FC236}">
+                <a16:creationId xmlns:a16="http://schemas.microsoft.com/office/drawing/2014/main" id="{93121D9E-04DD-8D03-D313-0EC8314BFCF1}"/>
+              </a:ext>
+            </a:extLst>
+          </p:cNvPr>
+          <p:cNvSpPr txBox="1"/>
+          <p:nvPr/>
+        </p:nvSpPr>
+        <p:spPr>
+          <a:xfrm>
+            <a:off x="4769000" y="2417320"/>
+            <a:ext cx="723275" cy="307777"/>
+          </a:xfrm>
+          <a:prstGeom prst="rect">
+            <a:avLst/>
+          </a:prstGeom>
+        </p:spPr>
+        <p:style>
+          <a:lnRef idx="2">
+            <a:schemeClr val="accent1"/>
+          </a:lnRef>
+          <a:fillRef idx="1">
+            <a:schemeClr val="lt1"/>
+          </a:fillRef>
+          <a:effectRef idx="0">
+            <a:schemeClr val="accent1"/>
+          </a:effectRef>
+          <a:fontRef idx="minor">
+            <a:schemeClr val="dk1"/>
+          </a:fontRef>
+        </p:style>
+        <p:txBody>
+          <a:bodyPr wrap="none" rtlCol="0">
+            <a:spAutoFit/>
+          </a:bodyPr>
+          <a:lstStyle/>
+          <a:p>
+            <a:r>
+              <a:rPr kumimoji="1" lang="zh-CN" altLang="en-US" sz="1400" dirty="0"/>
+              <a:t>浏览器</a:t>
+            </a:r>
+          </a:p>
+        </p:txBody>
+      </p:sp>
+      <p:sp>
+        <p:nvSpPr>
+          <p:cNvPr id="33" name="文本框 32">
+            <a:extLst>
+              <a:ext uri="{FF2B5EF4-FFF2-40B4-BE49-F238E27FC236}">
+                <a16:creationId xmlns:a16="http://schemas.microsoft.com/office/drawing/2014/main" id="{D177D42E-86A6-CD29-9650-459495B16C70}"/>
+              </a:ext>
+            </a:extLst>
+          </p:cNvPr>
+          <p:cNvSpPr txBox="1"/>
+          <p:nvPr/>
+        </p:nvSpPr>
+        <p:spPr>
+          <a:xfrm>
+            <a:off x="4662495" y="5199500"/>
+            <a:ext cx="1013419" cy="307777"/>
+          </a:xfrm>
+          <a:prstGeom prst="rect">
+            <a:avLst/>
+          </a:prstGeom>
+        </p:spPr>
+        <p:style>
+          <a:lnRef idx="2">
+            <a:schemeClr val="accent1"/>
+          </a:lnRef>
+          <a:fillRef idx="1">
+            <a:schemeClr val="lt1"/>
+          </a:fillRef>
+          <a:effectRef idx="0">
+            <a:schemeClr val="accent1"/>
+          </a:effectRef>
+          <a:fontRef idx="minor">
+            <a:schemeClr val="dk1"/>
+          </a:fontRef>
+        </p:style>
+        <p:txBody>
+          <a:bodyPr wrap="none" rtlCol="0">
+            <a:spAutoFit/>
+          </a:bodyPr>
+          <a:lstStyle/>
+          <a:p>
+            <a:r>
+              <a:rPr kumimoji="1" lang="en-US" altLang="zh-CN" sz="1400" dirty="0"/>
+              <a:t>RSS</a:t>
+            </a:r>
+            <a:r>
+              <a:rPr kumimoji="1" lang="zh-CN" altLang="en-US" sz="1400" dirty="0"/>
+              <a:t>阅读器</a:t>
+            </a:r>
+          </a:p>
+        </p:txBody>
+      </p:sp>
+      <p:cxnSp>
+        <p:nvCxnSpPr>
+          <p:cNvPr id="34" name="肘形连接符 33">
+            <a:extLst>
+              <a:ext uri="{FF2B5EF4-FFF2-40B4-BE49-F238E27FC236}">
+                <a16:creationId xmlns:a16="http://schemas.microsoft.com/office/drawing/2014/main" id="{12A18B0E-91A0-FE23-E7BE-0A880A10E58D}"/>
+              </a:ext>
+            </a:extLst>
+          </p:cNvPr>
+          <p:cNvCxnSpPr>
+            <a:cxnSpLocks/>
+            <a:stCxn id="1032" idx="3"/>
+            <a:endCxn id="31" idx="1"/>
+          </p:cNvCxnSpPr>
+          <p:nvPr/>
+        </p:nvCxnSpPr>
+        <p:spPr>
+          <a:xfrm flipV="1">
+            <a:off x="4310337" y="4881872"/>
+            <a:ext cx="458663" cy="1776"/>
+          </a:xfrm>
+          <a:prstGeom prst="bentConnector3">
+            <a:avLst>
+              <a:gd name="adj1" fmla="val 50000"/>
+            </a:avLst>
+          </a:prstGeom>
+          <a:ln>
+            <a:tailEnd type="triangle"/>
+          </a:ln>
+        </p:spPr>
+        <p:style>
+          <a:lnRef idx="3">
+            <a:schemeClr val="accent1"/>
+          </a:lnRef>
+          <a:fillRef idx="0">
+            <a:schemeClr val="accent1"/>
+          </a:fillRef>
+          <a:effectRef idx="2">
+            <a:schemeClr val="accent1"/>
+          </a:effectRef>
+          <a:fontRef idx="minor">
+            <a:schemeClr val="tx1"/>
+          </a:fontRef>
+        </p:style>
+      </p:cxnSp>
+      <p:pic>
+        <p:nvPicPr>
+          <p:cNvPr id="37" name="图片 36">
+            <a:extLst>
+              <a:ext uri="{FF2B5EF4-FFF2-40B4-BE49-F238E27FC236}">
+                <a16:creationId xmlns:a16="http://schemas.microsoft.com/office/drawing/2014/main" id="{A52B836F-E1CA-2BDD-486D-F731CF27B06F}"/>
+              </a:ext>
+            </a:extLst>
+          </p:cNvPr>
+          <p:cNvPicPr>
+            <a:picLocks noChangeAspect="1"/>
+          </p:cNvPicPr>
+          <p:nvPr/>
+        </p:nvPicPr>
+        <p:blipFill>
+          <a:blip r:embed="rId10"/>
+          <a:stretch>
+            <a:fillRect/>
+          </a:stretch>
+        </p:blipFill>
+        <p:spPr>
+          <a:xfrm>
+            <a:off x="6509207" y="412256"/>
+            <a:ext cx="3179045" cy="2697586"/>
+          </a:xfrm>
+          <a:prstGeom prst="rect">
+            <a:avLst/>
+          </a:prstGeom>
+        </p:spPr>
+      </p:pic>
+      <p:cxnSp>
+        <p:nvCxnSpPr>
+          <p:cNvPr id="38" name="肘形连接符 37">
+            <a:extLst>
+              <a:ext uri="{FF2B5EF4-FFF2-40B4-BE49-F238E27FC236}">
+                <a16:creationId xmlns:a16="http://schemas.microsoft.com/office/drawing/2014/main" id="{002CC859-DB22-A4B6-D011-5CFE3E00DC8E}"/>
+              </a:ext>
+            </a:extLst>
+          </p:cNvPr>
+          <p:cNvCxnSpPr>
+            <a:cxnSpLocks/>
+            <a:stCxn id="1026" idx="3"/>
+            <a:endCxn id="37" idx="1"/>
+          </p:cNvCxnSpPr>
+          <p:nvPr/>
+        </p:nvCxnSpPr>
+        <p:spPr>
+          <a:xfrm flipV="1">
+            <a:off x="5569410" y="1761049"/>
+            <a:ext cx="939797" cy="187222"/>
+          </a:xfrm>
+          <a:prstGeom prst="bentConnector3">
+            <a:avLst>
+              <a:gd name="adj1" fmla="val 50000"/>
+            </a:avLst>
+          </a:prstGeom>
+          <a:ln>
+            <a:tailEnd type="triangle"/>
+          </a:ln>
+        </p:spPr>
+        <p:style>
+          <a:lnRef idx="3">
+            <a:schemeClr val="accent1"/>
+          </a:lnRef>
+          <a:fillRef idx="0">
+            <a:schemeClr val="accent1"/>
+          </a:fillRef>
+          <a:effectRef idx="2">
+            <a:schemeClr val="accent1"/>
+          </a:effectRef>
+          <a:fontRef idx="minor">
+            <a:schemeClr val="tx1"/>
+          </a:fontRef>
+        </p:style>
+      </p:cxnSp>
+      <p:pic>
+        <p:nvPicPr>
+          <p:cNvPr id="42" name="图片 41">
+            <a:extLst>
+              <a:ext uri="{FF2B5EF4-FFF2-40B4-BE49-F238E27FC236}">
+                <a16:creationId xmlns:a16="http://schemas.microsoft.com/office/drawing/2014/main" id="{C5D57F17-702B-1921-37BA-20DB12DE857B}"/>
+              </a:ext>
+            </a:extLst>
+          </p:cNvPr>
+          <p:cNvPicPr>
+            <a:picLocks noChangeAspect="1"/>
+          </p:cNvPicPr>
+          <p:nvPr/>
+        </p:nvPicPr>
+        <p:blipFill>
+          <a:blip r:embed="rId11"/>
+          <a:stretch>
+            <a:fillRect/>
+          </a:stretch>
+        </p:blipFill>
+        <p:spPr>
+          <a:xfrm>
+            <a:off x="6286183" y="3695647"/>
+            <a:ext cx="4693764" cy="2332350"/>
+          </a:xfrm>
+          <a:prstGeom prst="rect">
+            <a:avLst/>
+          </a:prstGeom>
+        </p:spPr>
+      </p:pic>
+      <p:cxnSp>
+        <p:nvCxnSpPr>
+          <p:cNvPr id="43" name="肘形连接符 42">
+            <a:extLst>
+              <a:ext uri="{FF2B5EF4-FFF2-40B4-BE49-F238E27FC236}">
+                <a16:creationId xmlns:a16="http://schemas.microsoft.com/office/drawing/2014/main" id="{72073CA9-9BF2-C561-9BBC-14DC8B83ACF5}"/>
+              </a:ext>
+            </a:extLst>
+          </p:cNvPr>
+          <p:cNvCxnSpPr>
+            <a:cxnSpLocks/>
+            <a:stCxn id="31" idx="3"/>
+            <a:endCxn id="42" idx="1"/>
+          </p:cNvCxnSpPr>
+          <p:nvPr/>
+        </p:nvCxnSpPr>
+        <p:spPr>
+          <a:xfrm flipV="1">
+            <a:off x="5571721" y="4861822"/>
+            <a:ext cx="714462" cy="20050"/>
+          </a:xfrm>
+          <a:prstGeom prst="bentConnector3">
+            <a:avLst>
+              <a:gd name="adj1" fmla="val 50000"/>
+            </a:avLst>
+          </a:prstGeom>
+          <a:ln>
+            <a:tailEnd type="triangle"/>
+          </a:ln>
+        </p:spPr>
+        <p:style>
+          <a:lnRef idx="3">
+            <a:schemeClr val="accent1"/>
+          </a:lnRef>
+          <a:fillRef idx="0">
+            <a:schemeClr val="accent1"/>
+          </a:fillRef>
+          <a:effectRef idx="2">
+            <a:schemeClr val="accent1"/>
+          </a:effectRef>
+          <a:fontRef idx="minor">
+            <a:schemeClr val="tx1"/>
+          </a:fontRef>
+        </p:style>
+      </p:cxnSp>
+    </p:spTree>
+    <p:extLst>
+      <p:ext uri="{BB962C8B-B14F-4D97-AF65-F5344CB8AC3E}">
+        <p14:creationId xmlns:p14="http://schemas.microsoft.com/office/powerpoint/2010/main" val="1855313717"/>
+      </p:ext>
+    </p:extLst>
+  </p:cSld>
+  <p:clrMapOvr>
+    <a:masterClrMapping/>
+  </p:clrMapOvr>
+</p:sld>
+</file>
+
+<file path=ppt/slides/slide13.xml><?xml version="1.0" encoding="utf-8"?>
+<p:sld xmlns:a="http://schemas.openxmlformats.org/drawingml/2006/main" xmlns:r="http://schemas.openxmlformats.org/officeDocument/2006/relationships" xmlns:p="http://schemas.openxmlformats.org/presentationml/2006/main">
+  <p:cSld>
+    <p:spTree>
+      <p:nvGrpSpPr>
+        <p:cNvPr id="1" name=""/>
+        <p:cNvGrpSpPr/>
+        <p:nvPr/>
+      </p:nvGrpSpPr>
+      <p:grpSpPr>
+        <a:xfrm>
+          <a:off x="0" y="0"/>
+          <a:ext cx="0" cy="0"/>
+          <a:chOff x="0" y="0"/>
+          <a:chExt cx="0" cy="0"/>
+        </a:xfrm>
+      </p:grpSpPr>
+      <p:sp>
+        <p:nvSpPr>
+          <p:cNvPr id="51" name="矩形 50">
+            <a:extLst>
+              <a:ext uri="{FF2B5EF4-FFF2-40B4-BE49-F238E27FC236}">
+                <a16:creationId xmlns:a16="http://schemas.microsoft.com/office/drawing/2014/main" id="{AB49698F-D631-1BD8-9B28-AA943EF637EA}"/>
+              </a:ext>
+            </a:extLst>
+          </p:cNvPr>
+          <p:cNvSpPr/>
+          <p:nvPr/>
+        </p:nvSpPr>
+        <p:spPr>
+          <a:xfrm>
+            <a:off x="1688203" y="3429984"/>
+            <a:ext cx="2199416" cy="1956820"/>
+          </a:xfrm>
+          <a:prstGeom prst="rect">
+            <a:avLst/>
+          </a:prstGeom>
+        </p:spPr>
+        <p:style>
+          <a:lnRef idx="2">
+            <a:schemeClr val="accent3">
+              <a:shade val="15000"/>
+            </a:schemeClr>
+          </a:lnRef>
+          <a:fillRef idx="1">
+            <a:schemeClr val="accent3"/>
+          </a:fillRef>
+          <a:effectRef idx="0">
+            <a:schemeClr val="accent3"/>
+          </a:effectRef>
+          <a:fontRef idx="minor">
+            <a:schemeClr val="lt1"/>
+          </a:fontRef>
+        </p:style>
+        <p:txBody>
+          <a:bodyPr rtlCol="0" anchor="ctr"/>
+          <a:lstStyle/>
+          <a:p>
+            <a:pPr algn="ctr"/>
+            <a:endParaRPr kumimoji="1" lang="zh-CN" altLang="en-US"/>
+          </a:p>
+        </p:txBody>
+      </p:sp>
+      <p:sp>
+        <p:nvSpPr>
+          <p:cNvPr id="50" name="矩形 49">
+            <a:extLst>
+              <a:ext uri="{FF2B5EF4-FFF2-40B4-BE49-F238E27FC236}">
+                <a16:creationId xmlns:a16="http://schemas.microsoft.com/office/drawing/2014/main" id="{96B80C97-AD4F-D71B-3E09-ED81D8A97B75}"/>
+              </a:ext>
+            </a:extLst>
+          </p:cNvPr>
+          <p:cNvSpPr/>
+          <p:nvPr/>
+        </p:nvSpPr>
+        <p:spPr>
+          <a:xfrm>
+            <a:off x="1703183" y="833718"/>
+            <a:ext cx="2199416" cy="2537208"/>
+          </a:xfrm>
+          <a:prstGeom prst="rect">
+            <a:avLst/>
+          </a:prstGeom>
+        </p:spPr>
+        <p:style>
+          <a:lnRef idx="2">
+            <a:schemeClr val="accent1">
+              <a:shade val="15000"/>
+            </a:schemeClr>
+          </a:lnRef>
+          <a:fillRef idx="1">
+            <a:schemeClr val="accent1"/>
+          </a:fillRef>
+          <a:effectRef idx="0">
+            <a:schemeClr val="accent1"/>
+          </a:effectRef>
+          <a:fontRef idx="minor">
+            <a:schemeClr val="lt1"/>
+          </a:fontRef>
+        </p:style>
+        <p:txBody>
+          <a:bodyPr rtlCol="0" anchor="ctr"/>
+          <a:lstStyle/>
+          <a:p>
+            <a:pPr algn="ctr"/>
+            <a:endParaRPr kumimoji="1" lang="zh-CN" altLang="en-US"/>
+          </a:p>
+        </p:txBody>
+      </p:sp>
+      <p:sp>
+        <p:nvSpPr>
+          <p:cNvPr id="4" name="磁盘 3">
+            <a:extLst>
+              <a:ext uri="{FF2B5EF4-FFF2-40B4-BE49-F238E27FC236}">
+                <a16:creationId xmlns:a16="http://schemas.microsoft.com/office/drawing/2014/main" id="{4E38866D-54C9-1309-3BB5-0F7D49E047B9}"/>
+              </a:ext>
+            </a:extLst>
+          </p:cNvPr>
+          <p:cNvSpPr/>
+          <p:nvPr/>
+        </p:nvSpPr>
+        <p:spPr>
+          <a:xfrm>
+            <a:off x="1933315" y="1557890"/>
+            <a:ext cx="657485" cy="790863"/>
+          </a:xfrm>
+          <a:prstGeom prst="flowChartMagneticDisk">
+            <a:avLst/>
+          </a:prstGeom>
+        </p:spPr>
+        <p:style>
+          <a:lnRef idx="2">
+            <a:schemeClr val="accent6">
+              <a:shade val="15000"/>
+            </a:schemeClr>
+          </a:lnRef>
+          <a:fillRef idx="1">
+            <a:schemeClr val="accent6"/>
+          </a:fillRef>
+          <a:effectRef idx="0">
+            <a:schemeClr val="accent6"/>
+          </a:effectRef>
+          <a:fontRef idx="minor">
+            <a:schemeClr val="lt1"/>
+          </a:fontRef>
+        </p:style>
+        <p:txBody>
+          <a:bodyPr rtlCol="0" anchor="ctr"/>
+          <a:lstStyle/>
+          <a:p>
+            <a:pPr algn="ctr"/>
+            <a:r>
+              <a:rPr kumimoji="1" lang="zh-CN" altLang="en-US" dirty="0"/>
+              <a:t>网站</a:t>
+            </a:r>
+          </a:p>
+        </p:txBody>
+      </p:sp>
+      <p:pic>
+        <p:nvPicPr>
+          <p:cNvPr id="14" name="Picture 16" descr="大象的墨水屏篇五十七：打破信息茧房，聊过时的RSS服务在墨水屏上订阅- 极客IT网">
+            <a:extLst>
+              <a:ext uri="{FF2B5EF4-FFF2-40B4-BE49-F238E27FC236}">
+                <a16:creationId xmlns:a16="http://schemas.microsoft.com/office/drawing/2014/main" id="{53971C0C-9CAA-E3A7-4A0D-EC6B4ECCF750}"/>
+              </a:ext>
+            </a:extLst>
+          </p:cNvPr>
+          <p:cNvPicPr>
+            <a:picLocks noChangeAspect="1" noChangeArrowheads="1"/>
+          </p:cNvPicPr>
+          <p:nvPr/>
+        </p:nvPicPr>
+        <p:blipFill rotWithShape="1">
+          <a:blip r:embed="rId2">
+            <a:extLst>
+              <a:ext uri="{28A0092B-C50C-407E-A947-70E740481C1C}">
+                <a14:useLocalDpi xmlns:a14="http://schemas.microsoft.com/office/drawing/2010/main" val="0"/>
+              </a:ext>
+            </a:extLst>
+          </a:blip>
+          <a:srcRect l="5653" t="13829" r="57021" b="17955"/>
+          <a:stretch/>
+        </p:blipFill>
+        <p:spPr bwMode="auto">
+          <a:xfrm>
+            <a:off x="2927502" y="1946088"/>
+            <a:ext cx="408261" cy="373061"/>
+          </a:xfrm>
+          <a:prstGeom prst="rect">
+            <a:avLst/>
+          </a:prstGeom>
+          <a:noFill/>
+          <a:extLst>
+            <a:ext uri="{909E8E84-426E-40DD-AFC4-6F175D3DCCD1}">
+              <a14:hiddenFill xmlns:a14="http://schemas.microsoft.com/office/drawing/2010/main">
+                <a:solidFill>
+                  <a:srgbClr val="FFFFFF"/>
+                </a:solidFill>
+              </a14:hiddenFill>
+            </a:ext>
+          </a:extLst>
+        </p:spPr>
+      </p:pic>
+      <p:pic>
+        <p:nvPicPr>
+          <p:cNvPr id="17" name="Picture 12" descr="Feedly - Wikipedia">
+            <a:extLst>
+              <a:ext uri="{FF2B5EF4-FFF2-40B4-BE49-F238E27FC236}">
+                <a16:creationId xmlns:a16="http://schemas.microsoft.com/office/drawing/2014/main" id="{AFA975B7-D865-D437-E4D6-2317A1CC32C1}"/>
+              </a:ext>
+            </a:extLst>
+          </p:cNvPr>
+          <p:cNvPicPr>
+            <a:picLocks noChangeAspect="1" noChangeArrowheads="1"/>
+          </p:cNvPicPr>
+          <p:nvPr/>
+        </p:nvPicPr>
+        <p:blipFill>
+          <a:blip r:embed="rId3">
+            <a:extLst>
+              <a:ext uri="{28A0092B-C50C-407E-A947-70E740481C1C}">
+                <a14:useLocalDpi xmlns:a14="http://schemas.microsoft.com/office/drawing/2010/main" val="0"/>
+              </a:ext>
+            </a:extLst>
+          </a:blip>
+          <a:srcRect/>
+          <a:stretch>
+            <a:fillRect/>
+          </a:stretch>
+        </p:blipFill>
+        <p:spPr bwMode="auto">
+          <a:xfrm>
+            <a:off x="5441353" y="2765312"/>
+            <a:ext cx="802721" cy="721433"/>
+          </a:xfrm>
+          <a:prstGeom prst="rect">
+            <a:avLst/>
+          </a:prstGeom>
+          <a:noFill/>
+          <a:extLst>
+            <a:ext uri="{909E8E84-426E-40DD-AFC4-6F175D3DCCD1}">
+              <a14:hiddenFill xmlns:a14="http://schemas.microsoft.com/office/drawing/2010/main">
+                <a:solidFill>
+                  <a:srgbClr val="FFFFFF"/>
+                </a:solidFill>
+              </a14:hiddenFill>
+            </a:ext>
+          </a:extLst>
+        </p:spPr>
+      </p:pic>
+      <p:sp>
+        <p:nvSpPr>
+          <p:cNvPr id="19" name="文本框 18">
+            <a:extLst>
+              <a:ext uri="{FF2B5EF4-FFF2-40B4-BE49-F238E27FC236}">
+                <a16:creationId xmlns:a16="http://schemas.microsoft.com/office/drawing/2014/main" id="{35612078-C983-40B2-6998-E9F14F5EFABA}"/>
+              </a:ext>
+            </a:extLst>
+          </p:cNvPr>
+          <p:cNvSpPr txBox="1"/>
+          <p:nvPr/>
+        </p:nvSpPr>
+        <p:spPr>
+          <a:xfrm>
+            <a:off x="5336003" y="3555944"/>
+            <a:ext cx="1013419" cy="307777"/>
+          </a:xfrm>
+          <a:prstGeom prst="rect">
+            <a:avLst/>
+          </a:prstGeom>
+        </p:spPr>
+        <p:style>
+          <a:lnRef idx="2">
+            <a:schemeClr val="accent1"/>
+          </a:lnRef>
+          <a:fillRef idx="1">
+            <a:schemeClr val="lt1"/>
+          </a:fillRef>
+          <a:effectRef idx="0">
+            <a:schemeClr val="accent1"/>
+          </a:effectRef>
+          <a:fontRef idx="minor">
+            <a:schemeClr val="dk1"/>
+          </a:fontRef>
+        </p:style>
+        <p:txBody>
+          <a:bodyPr wrap="none" rtlCol="0">
+            <a:spAutoFit/>
+          </a:bodyPr>
+          <a:lstStyle/>
+          <a:p>
+            <a:r>
+              <a:rPr kumimoji="1" lang="en-US" altLang="zh-CN" sz="1400" dirty="0"/>
+              <a:t>RSS</a:t>
+            </a:r>
+            <a:r>
+              <a:rPr kumimoji="1" lang="zh-CN" altLang="en-US" sz="1400" dirty="0"/>
+              <a:t>阅读器</a:t>
+            </a:r>
+          </a:p>
+        </p:txBody>
+      </p:sp>
+      <p:sp>
+        <p:nvSpPr>
+          <p:cNvPr id="46" name="磁盘 45">
+            <a:extLst>
+              <a:ext uri="{FF2B5EF4-FFF2-40B4-BE49-F238E27FC236}">
+                <a16:creationId xmlns:a16="http://schemas.microsoft.com/office/drawing/2014/main" id="{7D21B39A-70DB-D491-7945-5D4060C30144}"/>
+              </a:ext>
+            </a:extLst>
+          </p:cNvPr>
+          <p:cNvSpPr/>
+          <p:nvPr/>
+        </p:nvSpPr>
+        <p:spPr>
+          <a:xfrm>
+            <a:off x="1933313" y="4509247"/>
+            <a:ext cx="657485" cy="790863"/>
+          </a:xfrm>
+          <a:prstGeom prst="flowChartMagneticDisk">
+            <a:avLst/>
+          </a:prstGeom>
+        </p:spPr>
+        <p:style>
+          <a:lnRef idx="1">
+            <a:schemeClr val="accent2"/>
+          </a:lnRef>
+          <a:fillRef idx="2">
+            <a:schemeClr val="accent2"/>
+          </a:fillRef>
+          <a:effectRef idx="1">
+            <a:schemeClr val="accent2"/>
+          </a:effectRef>
+          <a:fontRef idx="minor">
+            <a:schemeClr val="dk1"/>
+          </a:fontRef>
+        </p:style>
+        <p:txBody>
+          <a:bodyPr rtlCol="0" anchor="ctr"/>
+          <a:lstStyle/>
+          <a:p>
+            <a:pPr algn="ctr"/>
+            <a:r>
+              <a:rPr kumimoji="1" lang="zh-CN" altLang="en-US" dirty="0"/>
+              <a:t>网站</a:t>
+            </a:r>
+          </a:p>
+        </p:txBody>
+      </p:sp>
+      <p:sp>
+        <p:nvSpPr>
+          <p:cNvPr id="47" name="磁盘 46">
+            <a:extLst>
+              <a:ext uri="{FF2B5EF4-FFF2-40B4-BE49-F238E27FC236}">
+                <a16:creationId xmlns:a16="http://schemas.microsoft.com/office/drawing/2014/main" id="{B201FF7E-1985-55FF-8CCE-7A18CE776A3F}"/>
+              </a:ext>
+            </a:extLst>
+          </p:cNvPr>
+          <p:cNvSpPr/>
+          <p:nvPr/>
+        </p:nvSpPr>
+        <p:spPr>
+          <a:xfrm>
+            <a:off x="2787911" y="2437416"/>
+            <a:ext cx="657485" cy="790863"/>
+          </a:xfrm>
+          <a:prstGeom prst="flowChartMagneticDisk">
+            <a:avLst/>
+          </a:prstGeom>
+        </p:spPr>
+        <p:style>
+          <a:lnRef idx="2">
+            <a:schemeClr val="accent6">
+              <a:shade val="15000"/>
+            </a:schemeClr>
+          </a:lnRef>
+          <a:fillRef idx="1">
+            <a:schemeClr val="accent6"/>
+          </a:fillRef>
+          <a:effectRef idx="0">
+            <a:schemeClr val="accent6"/>
+          </a:effectRef>
+          <a:fontRef idx="minor">
+            <a:schemeClr val="lt1"/>
+          </a:fontRef>
+        </p:style>
+        <p:txBody>
+          <a:bodyPr rtlCol="0" anchor="ctr"/>
+          <a:lstStyle/>
+          <a:p>
+            <a:pPr algn="ctr"/>
+            <a:r>
+              <a:rPr kumimoji="1" lang="zh-CN" altLang="en-US" dirty="0"/>
+              <a:t>网站</a:t>
+            </a:r>
+          </a:p>
+        </p:txBody>
+      </p:sp>
+      <p:sp>
+        <p:nvSpPr>
+          <p:cNvPr id="48" name="磁盘 47">
+            <a:extLst>
+              <a:ext uri="{FF2B5EF4-FFF2-40B4-BE49-F238E27FC236}">
+                <a16:creationId xmlns:a16="http://schemas.microsoft.com/office/drawing/2014/main" id="{FF23573D-6B6B-EEEE-90DF-E7968B505322}"/>
+              </a:ext>
+            </a:extLst>
+          </p:cNvPr>
+          <p:cNvSpPr/>
+          <p:nvPr/>
+        </p:nvSpPr>
+        <p:spPr>
+          <a:xfrm>
+            <a:off x="2802891" y="993661"/>
+            <a:ext cx="657485" cy="790863"/>
+          </a:xfrm>
+          <a:prstGeom prst="flowChartMagneticDisk">
+            <a:avLst/>
+          </a:prstGeom>
+        </p:spPr>
+        <p:style>
+          <a:lnRef idx="2">
+            <a:schemeClr val="accent6">
+              <a:shade val="15000"/>
+            </a:schemeClr>
+          </a:lnRef>
+          <a:fillRef idx="1">
+            <a:schemeClr val="accent6"/>
+          </a:fillRef>
+          <a:effectRef idx="0">
+            <a:schemeClr val="accent6"/>
+          </a:effectRef>
+          <a:fontRef idx="minor">
+            <a:schemeClr val="lt1"/>
+          </a:fontRef>
+        </p:style>
+        <p:txBody>
+          <a:bodyPr rtlCol="0" anchor="ctr"/>
+          <a:lstStyle/>
+          <a:p>
+            <a:pPr algn="ctr"/>
+            <a:r>
+              <a:rPr kumimoji="1" lang="zh-CN" altLang="en-US" dirty="0"/>
+              <a:t>网站</a:t>
+            </a:r>
+          </a:p>
+        </p:txBody>
+      </p:sp>
+      <p:sp>
+        <p:nvSpPr>
+          <p:cNvPr id="49" name="磁盘 48">
+            <a:extLst>
+              <a:ext uri="{FF2B5EF4-FFF2-40B4-BE49-F238E27FC236}">
+                <a16:creationId xmlns:a16="http://schemas.microsoft.com/office/drawing/2014/main" id="{7AC877CE-8EC8-7675-9BA8-F8C3548490D9}"/>
+              </a:ext>
+            </a:extLst>
+          </p:cNvPr>
+          <p:cNvSpPr/>
+          <p:nvPr/>
+        </p:nvSpPr>
+        <p:spPr>
+          <a:xfrm>
+            <a:off x="1933315" y="3486745"/>
+            <a:ext cx="657485" cy="790863"/>
+          </a:xfrm>
+          <a:prstGeom prst="flowChartMagneticDisk">
+            <a:avLst/>
+          </a:prstGeom>
+        </p:spPr>
+        <p:style>
+          <a:lnRef idx="1">
+            <a:schemeClr val="accent4"/>
+          </a:lnRef>
+          <a:fillRef idx="2">
+            <a:schemeClr val="accent4"/>
+          </a:fillRef>
+          <a:effectRef idx="1">
+            <a:schemeClr val="accent4"/>
+          </a:effectRef>
+          <a:fontRef idx="minor">
+            <a:schemeClr val="dk1"/>
+          </a:fontRef>
+        </p:style>
+        <p:txBody>
+          <a:bodyPr rtlCol="0" anchor="ctr"/>
+          <a:lstStyle/>
+          <a:p>
+            <a:pPr algn="ctr"/>
+            <a:r>
+              <a:rPr kumimoji="1" lang="zh-CN" altLang="en-US" dirty="0"/>
+              <a:t>网站</a:t>
+            </a:r>
+          </a:p>
+        </p:txBody>
+      </p:sp>
+      <p:sp>
+        <p:nvSpPr>
+          <p:cNvPr id="52" name="磁盘 51">
+            <a:extLst>
+              <a:ext uri="{FF2B5EF4-FFF2-40B4-BE49-F238E27FC236}">
+                <a16:creationId xmlns:a16="http://schemas.microsoft.com/office/drawing/2014/main" id="{443815B4-E2E6-BC16-1AE7-583ABB483F1F}"/>
+              </a:ext>
+            </a:extLst>
+          </p:cNvPr>
+          <p:cNvSpPr/>
+          <p:nvPr/>
+        </p:nvSpPr>
+        <p:spPr>
+          <a:xfrm>
+            <a:off x="2986247" y="4031801"/>
+            <a:ext cx="657485" cy="790863"/>
+          </a:xfrm>
+          <a:prstGeom prst="flowChartMagneticDisk">
+            <a:avLst/>
+          </a:prstGeom>
+        </p:spPr>
+        <p:style>
+          <a:lnRef idx="2">
+            <a:schemeClr val="accent5">
+              <a:shade val="15000"/>
+            </a:schemeClr>
+          </a:lnRef>
+          <a:fillRef idx="1">
+            <a:schemeClr val="accent5"/>
+          </a:fillRef>
+          <a:effectRef idx="0">
+            <a:schemeClr val="accent5"/>
+          </a:effectRef>
+          <a:fontRef idx="minor">
+            <a:schemeClr val="lt1"/>
+          </a:fontRef>
+        </p:style>
+        <p:txBody>
+          <a:bodyPr rtlCol="0" anchor="ctr"/>
+          <a:lstStyle/>
+          <a:p>
+            <a:pPr algn="ctr"/>
+            <a:r>
+              <a:rPr kumimoji="1" lang="zh-CN" altLang="en-US" dirty="0"/>
+              <a:t>网站</a:t>
+            </a:r>
+          </a:p>
+        </p:txBody>
+      </p:sp>
+      <p:pic>
+        <p:nvPicPr>
+          <p:cNvPr id="2050" name="Picture 2" descr="Introduction | RSSHub">
+            <a:extLst>
+              <a:ext uri="{FF2B5EF4-FFF2-40B4-BE49-F238E27FC236}">
+                <a16:creationId xmlns:a16="http://schemas.microsoft.com/office/drawing/2014/main" id="{4922AF13-AE1B-660B-137A-703FFA003DDE}"/>
+              </a:ext>
+            </a:extLst>
+          </p:cNvPr>
+          <p:cNvPicPr>
+            <a:picLocks noChangeAspect="1" noChangeArrowheads="1"/>
+          </p:cNvPicPr>
+          <p:nvPr/>
+        </p:nvPicPr>
+        <p:blipFill>
+          <a:blip r:embed="rId4">
+            <a:extLst>
+              <a:ext uri="{28A0092B-C50C-407E-A947-70E740481C1C}">
+                <a14:useLocalDpi xmlns:a14="http://schemas.microsoft.com/office/drawing/2010/main" val="0"/>
+              </a:ext>
+            </a:extLst>
+          </a:blip>
+          <a:srcRect/>
+          <a:stretch>
+            <a:fillRect/>
+          </a:stretch>
+        </p:blipFill>
+        <p:spPr bwMode="auto">
+          <a:xfrm>
+            <a:off x="4371021" y="3870165"/>
+            <a:ext cx="662990" cy="662990"/>
+          </a:xfrm>
+          <a:prstGeom prst="rect">
+            <a:avLst/>
+          </a:prstGeom>
+          <a:noFill/>
+          <a:extLst>
+            <a:ext uri="{909E8E84-426E-40DD-AFC4-6F175D3DCCD1}">
+              <a14:hiddenFill xmlns:a14="http://schemas.microsoft.com/office/drawing/2010/main">
+                <a:solidFill>
+                  <a:srgbClr val="FFFFFF"/>
+                </a:solidFill>
+              </a14:hiddenFill>
+            </a:ext>
+          </a:extLst>
+        </p:spPr>
+      </p:pic>
+      <p:cxnSp>
+        <p:nvCxnSpPr>
+          <p:cNvPr id="54" name="肘形连接符 53">
+            <a:extLst>
+              <a:ext uri="{FF2B5EF4-FFF2-40B4-BE49-F238E27FC236}">
+                <a16:creationId xmlns:a16="http://schemas.microsoft.com/office/drawing/2014/main" id="{DA68321D-7971-18DA-2A0A-BAA8454CC4C2}"/>
+              </a:ext>
+            </a:extLst>
+          </p:cNvPr>
+          <p:cNvCxnSpPr>
+            <a:stCxn id="51" idx="3"/>
+            <a:endCxn id="2050" idx="1"/>
+          </p:cNvCxnSpPr>
+          <p:nvPr/>
+        </p:nvCxnSpPr>
+        <p:spPr>
+          <a:xfrm flipV="1">
+            <a:off x="3887619" y="4201660"/>
+            <a:ext cx="483402" cy="206734"/>
+          </a:xfrm>
+          <a:prstGeom prst="bentConnector3">
+            <a:avLst/>
+          </a:prstGeom>
+          <a:ln w="38100">
+            <a:tailEnd type="triangle"/>
+          </a:ln>
+        </p:spPr>
+        <p:style>
+          <a:lnRef idx="1">
+            <a:schemeClr val="accent1"/>
+          </a:lnRef>
+          <a:fillRef idx="0">
+            <a:schemeClr val="accent1"/>
+          </a:fillRef>
+          <a:effectRef idx="0">
+            <a:schemeClr val="accent1"/>
+          </a:effectRef>
+          <a:fontRef idx="minor">
+            <a:schemeClr val="tx1"/>
+          </a:fontRef>
+        </p:style>
+      </p:cxnSp>
+      <p:cxnSp>
+        <p:nvCxnSpPr>
+          <p:cNvPr id="55" name="肘形连接符 54">
+            <a:extLst>
+              <a:ext uri="{FF2B5EF4-FFF2-40B4-BE49-F238E27FC236}">
+                <a16:creationId xmlns:a16="http://schemas.microsoft.com/office/drawing/2014/main" id="{01C31185-6A35-021B-F717-1C9B9E5EEF38}"/>
+              </a:ext>
+            </a:extLst>
+          </p:cNvPr>
+          <p:cNvCxnSpPr>
+            <a:cxnSpLocks/>
+            <a:stCxn id="50" idx="3"/>
+            <a:endCxn id="17" idx="0"/>
+          </p:cNvCxnSpPr>
+          <p:nvPr/>
+        </p:nvCxnSpPr>
+        <p:spPr>
+          <a:xfrm>
+            <a:off x="3902599" y="2102322"/>
+            <a:ext cx="1940115" cy="662990"/>
+          </a:xfrm>
+          <a:prstGeom prst="bentConnector2">
+            <a:avLst/>
+          </a:prstGeom>
+          <a:ln w="38100">
+            <a:tailEnd type="triangle"/>
+          </a:ln>
+        </p:spPr>
+        <p:style>
+          <a:lnRef idx="1">
+            <a:schemeClr val="accent1"/>
+          </a:lnRef>
+          <a:fillRef idx="0">
+            <a:schemeClr val="accent1"/>
+          </a:fillRef>
+          <a:effectRef idx="0">
+            <a:schemeClr val="accent1"/>
+          </a:effectRef>
+          <a:fontRef idx="minor">
+            <a:schemeClr val="tx1"/>
+          </a:fontRef>
+        </p:style>
+      </p:cxnSp>
+      <p:sp>
+        <p:nvSpPr>
+          <p:cNvPr id="61" name="文本框 60">
+            <a:extLst>
+              <a:ext uri="{FF2B5EF4-FFF2-40B4-BE49-F238E27FC236}">
+                <a16:creationId xmlns:a16="http://schemas.microsoft.com/office/drawing/2014/main" id="{03F2A17C-9088-00AE-CD89-36733B751C40}"/>
+              </a:ext>
+            </a:extLst>
+          </p:cNvPr>
+          <p:cNvSpPr txBox="1"/>
+          <p:nvPr/>
+        </p:nvSpPr>
+        <p:spPr>
+          <a:xfrm>
+            <a:off x="4022904" y="4596901"/>
+            <a:ext cx="1699504" cy="307777"/>
+          </a:xfrm>
+          <a:prstGeom prst="rect">
+            <a:avLst/>
+          </a:prstGeom>
+        </p:spPr>
+        <p:style>
+          <a:lnRef idx="2">
+            <a:schemeClr val="accent1"/>
+          </a:lnRef>
+          <a:fillRef idx="1">
+            <a:schemeClr val="lt1"/>
+          </a:fillRef>
+          <a:effectRef idx="0">
+            <a:schemeClr val="accent1"/>
+          </a:effectRef>
+          <a:fontRef idx="minor">
+            <a:schemeClr val="dk1"/>
+          </a:fontRef>
+        </p:style>
+        <p:txBody>
+          <a:bodyPr wrap="none" rtlCol="0">
+            <a:spAutoFit/>
+          </a:bodyPr>
+          <a:lstStyle/>
+          <a:p>
+            <a:r>
+              <a:rPr kumimoji="1" lang="zh-CN" altLang="en-US" sz="1400" dirty="0"/>
+              <a:t>转换器，如</a:t>
+            </a:r>
+            <a:r>
+              <a:rPr kumimoji="1" lang="en-US" altLang="zh-CN" sz="1400" dirty="0" err="1"/>
+              <a:t>RSSHub</a:t>
+            </a:r>
+            <a:endParaRPr kumimoji="1" lang="zh-CN" altLang="en-US" sz="1400" dirty="0"/>
+          </a:p>
+        </p:txBody>
+      </p:sp>
+      <p:cxnSp>
+        <p:nvCxnSpPr>
+          <p:cNvPr id="62" name="肘形连接符 61">
+            <a:extLst>
+              <a:ext uri="{FF2B5EF4-FFF2-40B4-BE49-F238E27FC236}">
+                <a16:creationId xmlns:a16="http://schemas.microsoft.com/office/drawing/2014/main" id="{C6465703-42FA-C5C3-796C-5137AFEBA3DD}"/>
+              </a:ext>
+            </a:extLst>
+          </p:cNvPr>
+          <p:cNvCxnSpPr>
+            <a:cxnSpLocks/>
+            <a:stCxn id="2050" idx="3"/>
+            <a:endCxn id="17" idx="1"/>
+          </p:cNvCxnSpPr>
+          <p:nvPr/>
+        </p:nvCxnSpPr>
+        <p:spPr>
+          <a:xfrm flipV="1">
+            <a:off x="5034011" y="3126029"/>
+            <a:ext cx="407342" cy="1075631"/>
+          </a:xfrm>
+          <a:prstGeom prst="bentConnector3">
+            <a:avLst>
+              <a:gd name="adj1" fmla="val 50000"/>
+            </a:avLst>
+          </a:prstGeom>
+          <a:ln w="38100">
+            <a:tailEnd type="triangle"/>
+          </a:ln>
+        </p:spPr>
+        <p:style>
+          <a:lnRef idx="1">
+            <a:schemeClr val="accent1"/>
+          </a:lnRef>
+          <a:fillRef idx="0">
+            <a:schemeClr val="accent1"/>
+          </a:fillRef>
+          <a:effectRef idx="0">
+            <a:schemeClr val="accent1"/>
+          </a:effectRef>
+          <a:fontRef idx="minor">
+            <a:schemeClr val="tx1"/>
+          </a:fontRef>
+        </p:style>
+      </p:cxnSp>
+    </p:spTree>
+    <p:extLst>
+      <p:ext uri="{BB962C8B-B14F-4D97-AF65-F5344CB8AC3E}">
+        <p14:creationId xmlns:p14="http://schemas.microsoft.com/office/powerpoint/2010/main" val="1544727196"/>
+      </p:ext>
+    </p:extLst>
+  </p:cSld>
+  <p:clrMapOvr>
+    <a:masterClrMapping/>
+  </p:clrMapOvr>
+</p:sld>
+</file>
+
 <file path=ppt/slides/slide2.xml><?xml version="1.0" encoding="utf-8"?>
 <p:sld xmlns:a="http://schemas.openxmlformats.org/drawingml/2006/main" xmlns:r="http://schemas.openxmlformats.org/officeDocument/2006/relationships" xmlns:p="http://schemas.openxmlformats.org/presentationml/2006/main">
   <p:cSld>

--- a/images/2023-07-19-ru-he-da-jian-shu-yu-zi-ji-de-zhi-shi-shou-ji-zheng-li-jia-gong-ti-xi/知识管理各种图片.pptx
+++ b/images/2023-07-19-ru-he-da-jian-shu-yu-zi-ji-de-zhi-shi-shou-ji-zheng-li-jia-gong-ti-xi/知识管理各种图片.pptx
@@ -18,6 +18,7 @@
     <p:sldId id="266" r:id="rId12"/>
     <p:sldId id="267" r:id="rId13"/>
     <p:sldId id="268" r:id="rId14"/>
+    <p:sldId id="269" r:id="rId15"/>
   </p:sldIdLst>
   <p:sldSz cx="12192000" cy="6858000"/>
   <p:notesSz cx="6858000" cy="9144000"/>
@@ -271,7 +272,7 @@
           <a:p>
             <a:fld id="{1FED3324-CAE9-C448-AEBB-5F479A408AD6}" type="datetimeFigureOut">
               <a:rPr kumimoji="1" lang="zh-CN" altLang="en-US" smtClean="0"/>
-              <a:t>2023/8/28</a:t>
+              <a:t>2023/8/29</a:t>
             </a:fld>
             <a:endParaRPr kumimoji="1" lang="zh-CN" altLang="en-US"/>
           </a:p>
@@ -469,7 +470,7 @@
           <a:p>
             <a:fld id="{1FED3324-CAE9-C448-AEBB-5F479A408AD6}" type="datetimeFigureOut">
               <a:rPr kumimoji="1" lang="zh-CN" altLang="en-US" smtClean="0"/>
-              <a:t>2023/8/28</a:t>
+              <a:t>2023/8/29</a:t>
             </a:fld>
             <a:endParaRPr kumimoji="1" lang="zh-CN" altLang="en-US"/>
           </a:p>
@@ -677,7 +678,7 @@
           <a:p>
             <a:fld id="{1FED3324-CAE9-C448-AEBB-5F479A408AD6}" type="datetimeFigureOut">
               <a:rPr kumimoji="1" lang="zh-CN" altLang="en-US" smtClean="0"/>
-              <a:t>2023/8/28</a:t>
+              <a:t>2023/8/29</a:t>
             </a:fld>
             <a:endParaRPr kumimoji="1" lang="zh-CN" altLang="en-US"/>
           </a:p>
@@ -875,7 +876,7 @@
           <a:p>
             <a:fld id="{1FED3324-CAE9-C448-AEBB-5F479A408AD6}" type="datetimeFigureOut">
               <a:rPr kumimoji="1" lang="zh-CN" altLang="en-US" smtClean="0"/>
-              <a:t>2023/8/28</a:t>
+              <a:t>2023/8/29</a:t>
             </a:fld>
             <a:endParaRPr kumimoji="1" lang="zh-CN" altLang="en-US"/>
           </a:p>
@@ -1150,7 +1151,7 @@
           <a:p>
             <a:fld id="{1FED3324-CAE9-C448-AEBB-5F479A408AD6}" type="datetimeFigureOut">
               <a:rPr kumimoji="1" lang="zh-CN" altLang="en-US" smtClean="0"/>
-              <a:t>2023/8/28</a:t>
+              <a:t>2023/8/29</a:t>
             </a:fld>
             <a:endParaRPr kumimoji="1" lang="zh-CN" altLang="en-US"/>
           </a:p>
@@ -1415,7 +1416,7 @@
           <a:p>
             <a:fld id="{1FED3324-CAE9-C448-AEBB-5F479A408AD6}" type="datetimeFigureOut">
               <a:rPr kumimoji="1" lang="zh-CN" altLang="en-US" smtClean="0"/>
-              <a:t>2023/8/28</a:t>
+              <a:t>2023/8/29</a:t>
             </a:fld>
             <a:endParaRPr kumimoji="1" lang="zh-CN" altLang="en-US"/>
           </a:p>
@@ -1827,7 +1828,7 @@
           <a:p>
             <a:fld id="{1FED3324-CAE9-C448-AEBB-5F479A408AD6}" type="datetimeFigureOut">
               <a:rPr kumimoji="1" lang="zh-CN" altLang="en-US" smtClean="0"/>
-              <a:t>2023/8/28</a:t>
+              <a:t>2023/8/29</a:t>
             </a:fld>
             <a:endParaRPr kumimoji="1" lang="zh-CN" altLang="en-US"/>
           </a:p>
@@ -1968,7 +1969,7 @@
           <a:p>
             <a:fld id="{1FED3324-CAE9-C448-AEBB-5F479A408AD6}" type="datetimeFigureOut">
               <a:rPr kumimoji="1" lang="zh-CN" altLang="en-US" smtClean="0"/>
-              <a:t>2023/8/28</a:t>
+              <a:t>2023/8/29</a:t>
             </a:fld>
             <a:endParaRPr kumimoji="1" lang="zh-CN" altLang="en-US"/>
           </a:p>
@@ -2081,7 +2082,7 @@
           <a:p>
             <a:fld id="{1FED3324-CAE9-C448-AEBB-5F479A408AD6}" type="datetimeFigureOut">
               <a:rPr kumimoji="1" lang="zh-CN" altLang="en-US" smtClean="0"/>
-              <a:t>2023/8/28</a:t>
+              <a:t>2023/8/29</a:t>
             </a:fld>
             <a:endParaRPr kumimoji="1" lang="zh-CN" altLang="en-US"/>
           </a:p>
@@ -2392,7 +2393,7 @@
           <a:p>
             <a:fld id="{1FED3324-CAE9-C448-AEBB-5F479A408AD6}" type="datetimeFigureOut">
               <a:rPr kumimoji="1" lang="zh-CN" altLang="en-US" smtClean="0"/>
-              <a:t>2023/8/28</a:t>
+              <a:t>2023/8/29</a:t>
             </a:fld>
             <a:endParaRPr kumimoji="1" lang="zh-CN" altLang="en-US"/>
           </a:p>
@@ -2680,7 +2681,7 @@
           <a:p>
             <a:fld id="{1FED3324-CAE9-C448-AEBB-5F479A408AD6}" type="datetimeFigureOut">
               <a:rPr kumimoji="1" lang="zh-CN" altLang="en-US" smtClean="0"/>
-              <a:t>2023/8/28</a:t>
+              <a:t>2023/8/29</a:t>
             </a:fld>
             <a:endParaRPr kumimoji="1" lang="zh-CN" altLang="en-US"/>
           </a:p>
@@ -2921,7 +2922,7 @@
           <a:p>
             <a:fld id="{1FED3324-CAE9-C448-AEBB-5F479A408AD6}" type="datetimeFigureOut">
               <a:rPr kumimoji="1" lang="zh-CN" altLang="en-US" smtClean="0"/>
-              <a:t>2023/8/28</a:t>
+              <a:t>2023/8/29</a:t>
             </a:fld>
             <a:endParaRPr kumimoji="1" lang="zh-CN" altLang="en-US"/>
           </a:p>
@@ -6328,6 +6329,2581 @@
 </p:sld>
 </file>
 
+<file path=ppt/slides/slide14.xml><?xml version="1.0" encoding="utf-8"?>
+<p:sld xmlns:a="http://schemas.openxmlformats.org/drawingml/2006/main" xmlns:r="http://schemas.openxmlformats.org/officeDocument/2006/relationships" xmlns:p="http://schemas.openxmlformats.org/presentationml/2006/main">
+  <p:cSld>
+    <p:spTree>
+      <p:nvGrpSpPr>
+        <p:cNvPr id="1" name=""/>
+        <p:cNvGrpSpPr/>
+        <p:nvPr/>
+      </p:nvGrpSpPr>
+      <p:grpSpPr>
+        <a:xfrm>
+          <a:off x="0" y="0"/>
+          <a:ext cx="0" cy="0"/>
+          <a:chOff x="0" y="0"/>
+          <a:chExt cx="0" cy="0"/>
+        </a:xfrm>
+      </p:grpSpPr>
+      <p:sp>
+        <p:nvSpPr>
+          <p:cNvPr id="8" name="矩形: 圆角 10">
+            <a:extLst>
+              <a:ext uri="{FF2B5EF4-FFF2-40B4-BE49-F238E27FC236}">
+                <a16:creationId xmlns:a16="http://schemas.microsoft.com/office/drawing/2014/main" id="{490CC047-7AAD-615B-8709-4C0F831235EF}"/>
+              </a:ext>
+            </a:extLst>
+          </p:cNvPr>
+          <p:cNvSpPr/>
+          <p:nvPr/>
+        </p:nvSpPr>
+        <p:spPr>
+          <a:xfrm>
+            <a:off x="338668" y="186267"/>
+            <a:ext cx="4978399" cy="6434666"/>
+          </a:xfrm>
+          <a:prstGeom prst="roundRect">
+            <a:avLst/>
+          </a:prstGeom>
+        </p:spPr>
+        <p:style>
+          <a:lnRef idx="2">
+            <a:schemeClr val="accent1"/>
+          </a:lnRef>
+          <a:fillRef idx="1">
+            <a:schemeClr val="lt1"/>
+          </a:fillRef>
+          <a:effectRef idx="0">
+            <a:schemeClr val="accent1"/>
+          </a:effectRef>
+          <a:fontRef idx="minor">
+            <a:schemeClr val="dk1"/>
+          </a:fontRef>
+        </p:style>
+        <p:txBody>
+          <a:bodyPr rtlCol="0" anchor="ctr"/>
+          <a:lstStyle/>
+          <a:p>
+            <a:pPr algn="ctr"/>
+            <a:endParaRPr lang="zh-CN" altLang="en-US" dirty="0"/>
+          </a:p>
+        </p:txBody>
+      </p:sp>
+      <p:sp>
+        <p:nvSpPr>
+          <p:cNvPr id="9" name="流程图: 磁盘 4">
+            <a:extLst>
+              <a:ext uri="{FF2B5EF4-FFF2-40B4-BE49-F238E27FC236}">
+                <a16:creationId xmlns:a16="http://schemas.microsoft.com/office/drawing/2014/main" id="{738E081E-D03B-69CA-C5B7-DB1D42BD6DE3}"/>
+              </a:ext>
+            </a:extLst>
+          </p:cNvPr>
+          <p:cNvSpPr/>
+          <p:nvPr/>
+        </p:nvSpPr>
+        <p:spPr>
+          <a:xfrm>
+            <a:off x="846667" y="2128592"/>
+            <a:ext cx="956732" cy="1216815"/>
+          </a:xfrm>
+          <a:prstGeom prst="flowChartMagneticDisk">
+            <a:avLst/>
+          </a:prstGeom>
+        </p:spPr>
+        <p:style>
+          <a:lnRef idx="2">
+            <a:schemeClr val="accent2">
+              <a:shade val="50000"/>
+            </a:schemeClr>
+          </a:lnRef>
+          <a:fillRef idx="1">
+            <a:schemeClr val="accent2"/>
+          </a:fillRef>
+          <a:effectRef idx="0">
+            <a:schemeClr val="accent2"/>
+          </a:effectRef>
+          <a:fontRef idx="minor">
+            <a:schemeClr val="lt1"/>
+          </a:fontRef>
+        </p:style>
+        <p:txBody>
+          <a:bodyPr rtlCol="0" anchor="ctr"/>
+          <a:lstStyle/>
+          <a:p>
+            <a:pPr algn="ctr"/>
+            <a:r>
+              <a:rPr lang="zh-CN" altLang="en-US" sz="1400" b="0" i="0" dirty="0">
+                <a:solidFill>
+                  <a:schemeClr val="bg1"/>
+                </a:solidFill>
+                <a:effectLst/>
+                <a:latin typeface="Microsoft YaHei" panose="020B0503020204020204" pitchFamily="34" charset="-122"/>
+                <a:ea typeface="Microsoft YaHei" panose="020B0503020204020204" pitchFamily="34" charset="-122"/>
+              </a:rPr>
+              <a:t>项目知识库</a:t>
+            </a:r>
+          </a:p>
+        </p:txBody>
+      </p:sp>
+      <p:sp>
+        <p:nvSpPr>
+          <p:cNvPr id="10" name="流程图: 磁盘 7">
+            <a:extLst>
+              <a:ext uri="{FF2B5EF4-FFF2-40B4-BE49-F238E27FC236}">
+                <a16:creationId xmlns:a16="http://schemas.microsoft.com/office/drawing/2014/main" id="{AD92BACB-812C-A62C-D318-E0BB40846A21}"/>
+              </a:ext>
+            </a:extLst>
+          </p:cNvPr>
+          <p:cNvSpPr/>
+          <p:nvPr/>
+        </p:nvSpPr>
+        <p:spPr>
+          <a:xfrm>
+            <a:off x="846667" y="604592"/>
+            <a:ext cx="956732" cy="1216815"/>
+          </a:xfrm>
+          <a:prstGeom prst="flowChartMagneticDisk">
+            <a:avLst/>
+          </a:prstGeom>
+        </p:spPr>
+        <p:style>
+          <a:lnRef idx="2">
+            <a:schemeClr val="accent3">
+              <a:shade val="50000"/>
+            </a:schemeClr>
+          </a:lnRef>
+          <a:fillRef idx="1">
+            <a:schemeClr val="accent3"/>
+          </a:fillRef>
+          <a:effectRef idx="0">
+            <a:schemeClr val="accent3"/>
+          </a:effectRef>
+          <a:fontRef idx="minor">
+            <a:schemeClr val="lt1"/>
+          </a:fontRef>
+        </p:style>
+        <p:txBody>
+          <a:bodyPr rtlCol="0" anchor="ctr"/>
+          <a:lstStyle/>
+          <a:p>
+            <a:pPr algn="ctr"/>
+            <a:r>
+              <a:rPr lang="zh-CN" altLang="en-US" sz="1400" dirty="0">
+                <a:solidFill>
+                  <a:schemeClr val="bg1"/>
+                </a:solidFill>
+                <a:latin typeface="Microsoft YaHei" panose="020B0503020204020204" pitchFamily="34" charset="-122"/>
+                <a:ea typeface="Microsoft YaHei" panose="020B0503020204020204" pitchFamily="34" charset="-122"/>
+              </a:rPr>
+              <a:t>学习</a:t>
+            </a:r>
+            <a:r>
+              <a:rPr lang="zh-CN" altLang="en-US" sz="1400" b="0" i="0" dirty="0">
+                <a:solidFill>
+                  <a:schemeClr val="bg1"/>
+                </a:solidFill>
+                <a:effectLst/>
+                <a:latin typeface="Microsoft YaHei" panose="020B0503020204020204" pitchFamily="34" charset="-122"/>
+                <a:ea typeface="Microsoft YaHei" panose="020B0503020204020204" pitchFamily="34" charset="-122"/>
+              </a:rPr>
+              <a:t>知识库</a:t>
+            </a:r>
+          </a:p>
+        </p:txBody>
+      </p:sp>
+      <p:sp>
+        <p:nvSpPr>
+          <p:cNvPr id="11" name="流程图: 磁盘 8">
+            <a:extLst>
+              <a:ext uri="{FF2B5EF4-FFF2-40B4-BE49-F238E27FC236}">
+                <a16:creationId xmlns:a16="http://schemas.microsoft.com/office/drawing/2014/main" id="{D79DC93D-6B44-AECD-B966-79E8BEBBE35F}"/>
+              </a:ext>
+            </a:extLst>
+          </p:cNvPr>
+          <p:cNvSpPr/>
+          <p:nvPr/>
+        </p:nvSpPr>
+        <p:spPr>
+          <a:xfrm>
+            <a:off x="846667" y="3652592"/>
+            <a:ext cx="956732" cy="1216815"/>
+          </a:xfrm>
+          <a:prstGeom prst="flowChartMagneticDisk">
+            <a:avLst/>
+          </a:prstGeom>
+        </p:spPr>
+        <p:style>
+          <a:lnRef idx="2">
+            <a:schemeClr val="accent5">
+              <a:shade val="50000"/>
+            </a:schemeClr>
+          </a:lnRef>
+          <a:fillRef idx="1">
+            <a:schemeClr val="accent5"/>
+          </a:fillRef>
+          <a:effectRef idx="0">
+            <a:schemeClr val="accent5"/>
+          </a:effectRef>
+          <a:fontRef idx="minor">
+            <a:schemeClr val="lt1"/>
+          </a:fontRef>
+        </p:style>
+        <p:txBody>
+          <a:bodyPr rtlCol="0" anchor="ctr"/>
+          <a:lstStyle/>
+          <a:p>
+            <a:pPr algn="ctr"/>
+            <a:r>
+              <a:rPr lang="zh-CN" altLang="en-US" sz="1400" dirty="0">
+                <a:solidFill>
+                  <a:schemeClr val="bg1"/>
+                </a:solidFill>
+                <a:latin typeface="Microsoft YaHei" panose="020B0503020204020204" pitchFamily="34" charset="-122"/>
+                <a:ea typeface="Microsoft YaHei" panose="020B0503020204020204" pitchFamily="34" charset="-122"/>
+              </a:rPr>
+              <a:t>经验</a:t>
+            </a:r>
+            <a:r>
+              <a:rPr lang="zh-CN" altLang="en-US" sz="1400" b="0" i="0" dirty="0">
+                <a:solidFill>
+                  <a:schemeClr val="bg1"/>
+                </a:solidFill>
+                <a:effectLst/>
+                <a:latin typeface="Microsoft YaHei" panose="020B0503020204020204" pitchFamily="34" charset="-122"/>
+                <a:ea typeface="Microsoft YaHei" panose="020B0503020204020204" pitchFamily="34" charset="-122"/>
+              </a:rPr>
+              <a:t>知识库</a:t>
+            </a:r>
+          </a:p>
+        </p:txBody>
+      </p:sp>
+      <p:sp>
+        <p:nvSpPr>
+          <p:cNvPr id="12" name="流程图: 磁盘 9">
+            <a:extLst>
+              <a:ext uri="{FF2B5EF4-FFF2-40B4-BE49-F238E27FC236}">
+                <a16:creationId xmlns:a16="http://schemas.microsoft.com/office/drawing/2014/main" id="{37F2BA26-15C4-CE77-FEA2-A8E66021AB88}"/>
+              </a:ext>
+            </a:extLst>
+          </p:cNvPr>
+          <p:cNvSpPr/>
+          <p:nvPr/>
+        </p:nvSpPr>
+        <p:spPr>
+          <a:xfrm>
+            <a:off x="846667" y="5176592"/>
+            <a:ext cx="956732" cy="1216815"/>
+          </a:xfrm>
+          <a:prstGeom prst="flowChartMagneticDisk">
+            <a:avLst/>
+          </a:prstGeom>
+        </p:spPr>
+        <p:style>
+          <a:lnRef idx="2">
+            <a:schemeClr val="accent6">
+              <a:shade val="50000"/>
+            </a:schemeClr>
+          </a:lnRef>
+          <a:fillRef idx="1">
+            <a:schemeClr val="accent6"/>
+          </a:fillRef>
+          <a:effectRef idx="0">
+            <a:schemeClr val="accent6"/>
+          </a:effectRef>
+          <a:fontRef idx="minor">
+            <a:schemeClr val="lt1"/>
+          </a:fontRef>
+        </p:style>
+        <p:txBody>
+          <a:bodyPr rtlCol="0" anchor="ctr"/>
+          <a:lstStyle/>
+          <a:p>
+            <a:pPr algn="ctr"/>
+            <a:r>
+              <a:rPr lang="zh-CN" altLang="en-US" sz="1400" b="0" i="0" dirty="0">
+                <a:solidFill>
+                  <a:schemeClr val="bg1"/>
+                </a:solidFill>
+                <a:effectLst/>
+                <a:latin typeface="Microsoft YaHei" panose="020B0503020204020204" pitchFamily="34" charset="-122"/>
+                <a:ea typeface="Microsoft YaHei" panose="020B0503020204020204" pitchFamily="34" charset="-122"/>
+              </a:rPr>
+              <a:t>输出知识库</a:t>
+            </a:r>
+          </a:p>
+        </p:txBody>
+      </p:sp>
+      <p:sp>
+        <p:nvSpPr>
+          <p:cNvPr id="13" name="文本框 12">
+            <a:extLst>
+              <a:ext uri="{FF2B5EF4-FFF2-40B4-BE49-F238E27FC236}">
+                <a16:creationId xmlns:a16="http://schemas.microsoft.com/office/drawing/2014/main" id="{DE354CA5-47A0-41E2-1CF4-69763891CA91}"/>
+              </a:ext>
+            </a:extLst>
+          </p:cNvPr>
+          <p:cNvSpPr txBox="1"/>
+          <p:nvPr/>
+        </p:nvSpPr>
+        <p:spPr>
+          <a:xfrm>
+            <a:off x="3716866" y="317469"/>
+            <a:ext cx="956732" cy="369332"/>
+          </a:xfrm>
+          <a:prstGeom prst="rect">
+            <a:avLst/>
+          </a:prstGeom>
+        </p:spPr>
+        <p:style>
+          <a:lnRef idx="2">
+            <a:schemeClr val="accent6">
+              <a:shade val="50000"/>
+            </a:schemeClr>
+          </a:lnRef>
+          <a:fillRef idx="1">
+            <a:schemeClr val="accent6"/>
+          </a:fillRef>
+          <a:effectRef idx="0">
+            <a:schemeClr val="accent6"/>
+          </a:effectRef>
+          <a:fontRef idx="minor">
+            <a:schemeClr val="lt1"/>
+          </a:fontRef>
+        </p:style>
+        <p:txBody>
+          <a:bodyPr wrap="square" rtlCol="0">
+            <a:spAutoFit/>
+          </a:bodyPr>
+          <a:lstStyle/>
+          <a:p>
+            <a:r>
+              <a:rPr lang="zh-CN" altLang="en-US" dirty="0"/>
+              <a:t>影响圈</a:t>
+            </a:r>
+          </a:p>
+        </p:txBody>
+      </p:sp>
+      <p:sp>
+        <p:nvSpPr>
+          <p:cNvPr id="14" name="文本框 13">
+            <a:extLst>
+              <a:ext uri="{FF2B5EF4-FFF2-40B4-BE49-F238E27FC236}">
+                <a16:creationId xmlns:a16="http://schemas.microsoft.com/office/drawing/2014/main" id="{DB27FE16-1401-10F7-8980-97ACB4DAFB96}"/>
+              </a:ext>
+            </a:extLst>
+          </p:cNvPr>
+          <p:cNvSpPr txBox="1"/>
+          <p:nvPr/>
+        </p:nvSpPr>
+        <p:spPr>
+          <a:xfrm>
+            <a:off x="1972733" y="889000"/>
+            <a:ext cx="2540000" cy="276999"/>
+          </a:xfrm>
+          <a:prstGeom prst="rect">
+            <a:avLst/>
+          </a:prstGeom>
+        </p:spPr>
+        <p:style>
+          <a:lnRef idx="2">
+            <a:schemeClr val="accent1"/>
+          </a:lnRef>
+          <a:fillRef idx="1">
+            <a:schemeClr val="lt1"/>
+          </a:fillRef>
+          <a:effectRef idx="0">
+            <a:schemeClr val="accent1"/>
+          </a:effectRef>
+          <a:fontRef idx="minor">
+            <a:schemeClr val="dk1"/>
+          </a:fontRef>
+        </p:style>
+        <p:txBody>
+          <a:bodyPr wrap="square" rtlCol="0">
+            <a:spAutoFit/>
+          </a:bodyPr>
+          <a:lstStyle/>
+          <a:p>
+            <a:r>
+              <a:rPr lang="zh-CN" altLang="en-US" sz="1200" dirty="0"/>
+              <a:t>学习一项技能或者一个领域的知识</a:t>
+            </a:r>
+          </a:p>
+        </p:txBody>
+      </p:sp>
+      <p:sp>
+        <p:nvSpPr>
+          <p:cNvPr id="15" name="文本框 14">
+            <a:extLst>
+              <a:ext uri="{FF2B5EF4-FFF2-40B4-BE49-F238E27FC236}">
+                <a16:creationId xmlns:a16="http://schemas.microsoft.com/office/drawing/2014/main" id="{CFFF31AD-0AD4-A0D1-0AA4-49351AA3A59B}"/>
+              </a:ext>
+            </a:extLst>
+          </p:cNvPr>
+          <p:cNvSpPr txBox="1"/>
+          <p:nvPr/>
+        </p:nvSpPr>
+        <p:spPr>
+          <a:xfrm>
+            <a:off x="1972733" y="1298187"/>
+            <a:ext cx="2590800" cy="523220"/>
+          </a:xfrm>
+          <a:prstGeom prst="rect">
+            <a:avLst/>
+          </a:prstGeom>
+        </p:spPr>
+        <p:style>
+          <a:lnRef idx="1">
+            <a:schemeClr val="accent3"/>
+          </a:lnRef>
+          <a:fillRef idx="2">
+            <a:schemeClr val="accent3"/>
+          </a:fillRef>
+          <a:effectRef idx="1">
+            <a:schemeClr val="accent3"/>
+          </a:effectRef>
+          <a:fontRef idx="minor">
+            <a:schemeClr val="dk1"/>
+          </a:fontRef>
+        </p:style>
+        <p:txBody>
+          <a:bodyPr wrap="square" rtlCol="0">
+            <a:spAutoFit/>
+          </a:bodyPr>
+          <a:lstStyle/>
+          <a:p>
+            <a:pPr marL="285750" indent="-285750">
+              <a:buFont typeface="Arial" panose="020B0604020202020204" pitchFamily="34" charset="0"/>
+              <a:buChar char="•"/>
+            </a:pPr>
+            <a:r>
+              <a:rPr lang="zh-CN" altLang="en-US" sz="1400" dirty="0"/>
+              <a:t>记录学习过程</a:t>
+            </a:r>
+            <a:endParaRPr lang="en-US" altLang="zh-CN" sz="1400" dirty="0"/>
+          </a:p>
+          <a:p>
+            <a:pPr marL="285750" indent="-285750">
+              <a:buFont typeface="Arial" panose="020B0604020202020204" pitchFamily="34" charset="0"/>
+              <a:buChar char="•"/>
+            </a:pPr>
+            <a:r>
+              <a:rPr lang="zh-CN" altLang="en-US" sz="1400" dirty="0"/>
+              <a:t>心得领悟</a:t>
+            </a:r>
+          </a:p>
+        </p:txBody>
+      </p:sp>
+      <p:sp>
+        <p:nvSpPr>
+          <p:cNvPr id="16" name="文本框 15">
+            <a:extLst>
+              <a:ext uri="{FF2B5EF4-FFF2-40B4-BE49-F238E27FC236}">
+                <a16:creationId xmlns:a16="http://schemas.microsoft.com/office/drawing/2014/main" id="{7B6F43FA-2001-86AF-4FB9-D67DC5DC81D2}"/>
+              </a:ext>
+            </a:extLst>
+          </p:cNvPr>
+          <p:cNvSpPr txBox="1"/>
+          <p:nvPr/>
+        </p:nvSpPr>
+        <p:spPr>
+          <a:xfrm>
+            <a:off x="1972733" y="2277919"/>
+            <a:ext cx="2540000" cy="276999"/>
+          </a:xfrm>
+          <a:prstGeom prst="rect">
+            <a:avLst/>
+          </a:prstGeom>
+        </p:spPr>
+        <p:style>
+          <a:lnRef idx="2">
+            <a:schemeClr val="accent1"/>
+          </a:lnRef>
+          <a:fillRef idx="1">
+            <a:schemeClr val="lt1"/>
+          </a:fillRef>
+          <a:effectRef idx="0">
+            <a:schemeClr val="accent1"/>
+          </a:effectRef>
+          <a:fontRef idx="minor">
+            <a:schemeClr val="dk1"/>
+          </a:fontRef>
+        </p:style>
+        <p:txBody>
+          <a:bodyPr wrap="square" rtlCol="0">
+            <a:spAutoFit/>
+          </a:bodyPr>
+          <a:lstStyle/>
+          <a:p>
+            <a:r>
+              <a:rPr lang="zh-CN" altLang="en-US" sz="1200" dirty="0"/>
+              <a:t>正在开展的阶段性项目</a:t>
+            </a:r>
+            <a:r>
+              <a:rPr lang="en-US" altLang="zh-CN" sz="1200" dirty="0"/>
+              <a:t>/</a:t>
+            </a:r>
+            <a:r>
+              <a:rPr lang="zh-CN" altLang="en-US" sz="1200" dirty="0"/>
+              <a:t>任务</a:t>
+            </a:r>
+          </a:p>
+        </p:txBody>
+      </p:sp>
+      <p:sp>
+        <p:nvSpPr>
+          <p:cNvPr id="17" name="文本框 16">
+            <a:extLst>
+              <a:ext uri="{FF2B5EF4-FFF2-40B4-BE49-F238E27FC236}">
+                <a16:creationId xmlns:a16="http://schemas.microsoft.com/office/drawing/2014/main" id="{20BF09DD-121A-D4BC-D221-AF85BD66FB8A}"/>
+              </a:ext>
+            </a:extLst>
+          </p:cNvPr>
+          <p:cNvSpPr txBox="1"/>
+          <p:nvPr/>
+        </p:nvSpPr>
+        <p:spPr>
+          <a:xfrm>
+            <a:off x="1972733" y="2749820"/>
+            <a:ext cx="2590800" cy="523220"/>
+          </a:xfrm>
+          <a:prstGeom prst="rect">
+            <a:avLst/>
+          </a:prstGeom>
+        </p:spPr>
+        <p:style>
+          <a:lnRef idx="1">
+            <a:schemeClr val="accent2"/>
+          </a:lnRef>
+          <a:fillRef idx="2">
+            <a:schemeClr val="accent2"/>
+          </a:fillRef>
+          <a:effectRef idx="1">
+            <a:schemeClr val="accent2"/>
+          </a:effectRef>
+          <a:fontRef idx="minor">
+            <a:schemeClr val="dk1"/>
+          </a:fontRef>
+        </p:style>
+        <p:txBody>
+          <a:bodyPr wrap="square" rtlCol="0">
+            <a:spAutoFit/>
+          </a:bodyPr>
+          <a:lstStyle/>
+          <a:p>
+            <a:pPr marL="285750" indent="-285750">
+              <a:buFont typeface="Arial" panose="020B0604020202020204" pitchFamily="34" charset="0"/>
+              <a:buChar char="•"/>
+            </a:pPr>
+            <a:r>
+              <a:rPr lang="zh-CN" altLang="en-US" sz="1400" dirty="0"/>
+              <a:t>记录遇到的事</a:t>
+            </a:r>
+            <a:endParaRPr lang="en-US" altLang="zh-CN" sz="1400" dirty="0"/>
+          </a:p>
+          <a:p>
+            <a:pPr marL="285750" indent="-285750">
+              <a:buFont typeface="Arial" panose="020B0604020202020204" pitchFamily="34" charset="0"/>
+              <a:buChar char="•"/>
+            </a:pPr>
+            <a:r>
+              <a:rPr lang="zh-CN" altLang="en-US" sz="1400" dirty="0"/>
+              <a:t>总结</a:t>
+            </a:r>
+            <a:r>
+              <a:rPr lang="en-US" altLang="zh-CN" sz="1400" dirty="0"/>
+              <a:t>/</a:t>
+            </a:r>
+            <a:r>
+              <a:rPr lang="zh-CN" altLang="en-US" sz="1400" dirty="0"/>
+              <a:t>思考</a:t>
+            </a:r>
+          </a:p>
+        </p:txBody>
+      </p:sp>
+      <p:sp>
+        <p:nvSpPr>
+          <p:cNvPr id="18" name="箭头: 左弧形 19">
+            <a:extLst>
+              <a:ext uri="{FF2B5EF4-FFF2-40B4-BE49-F238E27FC236}">
+                <a16:creationId xmlns:a16="http://schemas.microsoft.com/office/drawing/2014/main" id="{6C82BFD8-6D9C-04B3-872E-E3A363A0B2E5}"/>
+              </a:ext>
+            </a:extLst>
+          </p:cNvPr>
+          <p:cNvSpPr/>
+          <p:nvPr/>
+        </p:nvSpPr>
+        <p:spPr>
+          <a:xfrm>
+            <a:off x="406400" y="3011430"/>
+            <a:ext cx="499534" cy="1389033"/>
+          </a:xfrm>
+          <a:prstGeom prst="curvedRightArrow">
+            <a:avLst/>
+          </a:prstGeom>
+        </p:spPr>
+        <p:style>
+          <a:lnRef idx="2">
+            <a:schemeClr val="accent1">
+              <a:shade val="50000"/>
+            </a:schemeClr>
+          </a:lnRef>
+          <a:fillRef idx="1">
+            <a:schemeClr val="accent1"/>
+          </a:fillRef>
+          <a:effectRef idx="0">
+            <a:schemeClr val="accent1"/>
+          </a:effectRef>
+          <a:fontRef idx="minor">
+            <a:schemeClr val="lt1"/>
+          </a:fontRef>
+        </p:style>
+        <p:txBody>
+          <a:bodyPr rtlCol="0" anchor="ctr"/>
+          <a:lstStyle/>
+          <a:p>
+            <a:pPr algn="ctr"/>
+            <a:endParaRPr lang="zh-CN" altLang="en-US">
+              <a:solidFill>
+                <a:schemeClr val="tx1"/>
+              </a:solidFill>
+            </a:endParaRPr>
+          </a:p>
+        </p:txBody>
+      </p:sp>
+      <p:sp>
+        <p:nvSpPr>
+          <p:cNvPr id="19" name="箭头: 直角上 20">
+            <a:extLst>
+              <a:ext uri="{FF2B5EF4-FFF2-40B4-BE49-F238E27FC236}">
+                <a16:creationId xmlns:a16="http://schemas.microsoft.com/office/drawing/2014/main" id="{2649D641-832F-6B90-FB04-3EBA771D61F8}"/>
+              </a:ext>
+            </a:extLst>
+          </p:cNvPr>
+          <p:cNvSpPr/>
+          <p:nvPr/>
+        </p:nvSpPr>
+        <p:spPr>
+          <a:xfrm>
+            <a:off x="1972733" y="3417774"/>
+            <a:ext cx="1744133" cy="915592"/>
+          </a:xfrm>
+          <a:prstGeom prst="bentUpArrow">
+            <a:avLst>
+              <a:gd name="adj1" fmla="val 21301"/>
+              <a:gd name="adj2" fmla="val 25000"/>
+              <a:gd name="adj3" fmla="val 25000"/>
+            </a:avLst>
+          </a:prstGeom>
+        </p:spPr>
+        <p:style>
+          <a:lnRef idx="2">
+            <a:schemeClr val="accent2">
+              <a:shade val="50000"/>
+            </a:schemeClr>
+          </a:lnRef>
+          <a:fillRef idx="1">
+            <a:schemeClr val="accent2"/>
+          </a:fillRef>
+          <a:effectRef idx="0">
+            <a:schemeClr val="accent2"/>
+          </a:effectRef>
+          <a:fontRef idx="minor">
+            <a:schemeClr val="lt1"/>
+          </a:fontRef>
+        </p:style>
+        <p:txBody>
+          <a:bodyPr rtlCol="0" anchor="ctr"/>
+          <a:lstStyle/>
+          <a:p>
+            <a:pPr algn="ctr"/>
+            <a:endParaRPr lang="zh-CN" altLang="en-US"/>
+          </a:p>
+        </p:txBody>
+      </p:sp>
+      <p:sp>
+        <p:nvSpPr>
+          <p:cNvPr id="20" name="文本框 19">
+            <a:extLst>
+              <a:ext uri="{FF2B5EF4-FFF2-40B4-BE49-F238E27FC236}">
+                <a16:creationId xmlns:a16="http://schemas.microsoft.com/office/drawing/2014/main" id="{09330CC6-0230-514D-C263-FEB5BE673059}"/>
+              </a:ext>
+            </a:extLst>
+          </p:cNvPr>
+          <p:cNvSpPr txBox="1"/>
+          <p:nvPr/>
+        </p:nvSpPr>
+        <p:spPr>
+          <a:xfrm>
+            <a:off x="2163234" y="3664758"/>
+            <a:ext cx="1134533" cy="523220"/>
+          </a:xfrm>
+          <a:prstGeom prst="rect">
+            <a:avLst/>
+          </a:prstGeom>
+          <a:noFill/>
+        </p:spPr>
+        <p:txBody>
+          <a:bodyPr wrap="square" rtlCol="0">
+            <a:spAutoFit/>
+          </a:bodyPr>
+          <a:lstStyle/>
+          <a:p>
+            <a:r>
+              <a:rPr lang="zh-CN" altLang="en-US" sz="1400" dirty="0"/>
+              <a:t>经验复用</a:t>
+            </a:r>
+            <a:endParaRPr lang="en-US" altLang="zh-CN" sz="1400" dirty="0"/>
+          </a:p>
+          <a:p>
+            <a:r>
+              <a:rPr lang="zh-CN" altLang="en-US" sz="1400" dirty="0"/>
+              <a:t>新开项目</a:t>
+            </a:r>
+          </a:p>
+        </p:txBody>
+      </p:sp>
+      <p:sp>
+        <p:nvSpPr>
+          <p:cNvPr id="21" name="文本框 20">
+            <a:extLst>
+              <a:ext uri="{FF2B5EF4-FFF2-40B4-BE49-F238E27FC236}">
+                <a16:creationId xmlns:a16="http://schemas.microsoft.com/office/drawing/2014/main" id="{9A752FD4-7A68-945C-6C7B-9890C19B07B0}"/>
+              </a:ext>
+            </a:extLst>
+          </p:cNvPr>
+          <p:cNvSpPr txBox="1"/>
+          <p:nvPr/>
+        </p:nvSpPr>
+        <p:spPr>
+          <a:xfrm>
+            <a:off x="340784" y="3352350"/>
+            <a:ext cx="1134533" cy="523220"/>
+          </a:xfrm>
+          <a:prstGeom prst="rect">
+            <a:avLst/>
+          </a:prstGeom>
+          <a:noFill/>
+        </p:spPr>
+        <p:txBody>
+          <a:bodyPr wrap="square" rtlCol="0">
+            <a:spAutoFit/>
+          </a:bodyPr>
+          <a:lstStyle/>
+          <a:p>
+            <a:r>
+              <a:rPr lang="zh-CN" altLang="en-US" sz="1400" dirty="0"/>
+              <a:t>项目总结</a:t>
+            </a:r>
+            <a:endParaRPr lang="en-US" altLang="zh-CN" sz="1400" dirty="0"/>
+          </a:p>
+          <a:p>
+            <a:r>
+              <a:rPr lang="zh-CN" altLang="en-US" sz="1400" dirty="0"/>
+              <a:t>形成经验</a:t>
+            </a:r>
+          </a:p>
+        </p:txBody>
+      </p:sp>
+      <p:sp>
+        <p:nvSpPr>
+          <p:cNvPr id="22" name="箭头: 圆角右 24">
+            <a:extLst>
+              <a:ext uri="{FF2B5EF4-FFF2-40B4-BE49-F238E27FC236}">
+                <a16:creationId xmlns:a16="http://schemas.microsoft.com/office/drawing/2014/main" id="{1B5484B0-BAF4-E9E9-5E9E-2588D4EF73DB}"/>
+              </a:ext>
+            </a:extLst>
+          </p:cNvPr>
+          <p:cNvSpPr/>
+          <p:nvPr/>
+        </p:nvSpPr>
+        <p:spPr>
+          <a:xfrm rot="10800000">
+            <a:off x="1972733" y="3429000"/>
+            <a:ext cx="2497665" cy="2722736"/>
+          </a:xfrm>
+          <a:prstGeom prst="bentArrow">
+            <a:avLst>
+              <a:gd name="adj1" fmla="val 10128"/>
+              <a:gd name="adj2" fmla="val 15310"/>
+              <a:gd name="adj3" fmla="val 25000"/>
+              <a:gd name="adj4" fmla="val 43750"/>
+            </a:avLst>
+          </a:prstGeom>
+        </p:spPr>
+        <p:style>
+          <a:lnRef idx="2">
+            <a:schemeClr val="accent6">
+              <a:shade val="50000"/>
+            </a:schemeClr>
+          </a:lnRef>
+          <a:fillRef idx="1">
+            <a:schemeClr val="accent6"/>
+          </a:fillRef>
+          <a:effectRef idx="0">
+            <a:schemeClr val="accent6"/>
+          </a:effectRef>
+          <a:fontRef idx="minor">
+            <a:schemeClr val="lt1"/>
+          </a:fontRef>
+        </p:style>
+        <p:txBody>
+          <a:bodyPr rtlCol="0" anchor="ctr"/>
+          <a:lstStyle/>
+          <a:p>
+            <a:pPr algn="ctr"/>
+            <a:endParaRPr lang="zh-CN" altLang="en-US">
+              <a:solidFill>
+                <a:schemeClr val="tx1"/>
+              </a:solidFill>
+            </a:endParaRPr>
+          </a:p>
+        </p:txBody>
+      </p:sp>
+      <p:sp>
+        <p:nvSpPr>
+          <p:cNvPr id="23" name="文本框 22">
+            <a:extLst>
+              <a:ext uri="{FF2B5EF4-FFF2-40B4-BE49-F238E27FC236}">
+                <a16:creationId xmlns:a16="http://schemas.microsoft.com/office/drawing/2014/main" id="{B83C6A89-7CFF-F13E-B353-44D2679CF62F}"/>
+              </a:ext>
+            </a:extLst>
+          </p:cNvPr>
+          <p:cNvSpPr txBox="1"/>
+          <p:nvPr/>
+        </p:nvSpPr>
+        <p:spPr>
+          <a:xfrm>
+            <a:off x="2637366" y="5207448"/>
+            <a:ext cx="1320801" cy="523220"/>
+          </a:xfrm>
+          <a:prstGeom prst="rect">
+            <a:avLst/>
+          </a:prstGeom>
+          <a:noFill/>
+        </p:spPr>
+        <p:txBody>
+          <a:bodyPr wrap="square" rtlCol="0">
+            <a:spAutoFit/>
+          </a:bodyPr>
+          <a:lstStyle/>
+          <a:p>
+            <a:r>
+              <a:rPr lang="zh-CN" altLang="en-US" sz="1400" dirty="0"/>
+              <a:t>发视频、写文章，线下沟通</a:t>
+            </a:r>
+          </a:p>
+        </p:txBody>
+      </p:sp>
+      <p:sp>
+        <p:nvSpPr>
+          <p:cNvPr id="24" name="矩形: 圆角 26">
+            <a:extLst>
+              <a:ext uri="{FF2B5EF4-FFF2-40B4-BE49-F238E27FC236}">
+                <a16:creationId xmlns:a16="http://schemas.microsoft.com/office/drawing/2014/main" id="{06851826-1429-6C99-DB2D-D4F2BE6BED73}"/>
+              </a:ext>
+            </a:extLst>
+          </p:cNvPr>
+          <p:cNvSpPr/>
+          <p:nvPr/>
+        </p:nvSpPr>
+        <p:spPr>
+          <a:xfrm>
+            <a:off x="5981701" y="200441"/>
+            <a:ext cx="4978399" cy="6434666"/>
+          </a:xfrm>
+          <a:prstGeom prst="roundRect">
+            <a:avLst/>
+          </a:prstGeom>
+        </p:spPr>
+        <p:style>
+          <a:lnRef idx="2">
+            <a:schemeClr val="accent1"/>
+          </a:lnRef>
+          <a:fillRef idx="1">
+            <a:schemeClr val="lt1"/>
+          </a:fillRef>
+          <a:effectRef idx="0">
+            <a:schemeClr val="accent1"/>
+          </a:effectRef>
+          <a:fontRef idx="minor">
+            <a:schemeClr val="dk1"/>
+          </a:fontRef>
+        </p:style>
+        <p:txBody>
+          <a:bodyPr rtlCol="0" anchor="ctr"/>
+          <a:lstStyle/>
+          <a:p>
+            <a:pPr algn="ctr"/>
+            <a:endParaRPr lang="zh-CN" altLang="en-US" dirty="0"/>
+          </a:p>
+        </p:txBody>
+      </p:sp>
+      <p:sp>
+        <p:nvSpPr>
+          <p:cNvPr id="25" name="流程图: 磁盘 28">
+            <a:extLst>
+              <a:ext uri="{FF2B5EF4-FFF2-40B4-BE49-F238E27FC236}">
+                <a16:creationId xmlns:a16="http://schemas.microsoft.com/office/drawing/2014/main" id="{F2F63333-F1F3-9558-57EE-DA13F985DEED}"/>
+              </a:ext>
+            </a:extLst>
+          </p:cNvPr>
+          <p:cNvSpPr/>
+          <p:nvPr/>
+        </p:nvSpPr>
+        <p:spPr>
+          <a:xfrm>
+            <a:off x="6472765" y="470608"/>
+            <a:ext cx="956732" cy="827579"/>
+          </a:xfrm>
+          <a:prstGeom prst="flowChartMagneticDisk">
+            <a:avLst/>
+          </a:prstGeom>
+        </p:spPr>
+        <p:style>
+          <a:lnRef idx="2">
+            <a:schemeClr val="accent3">
+              <a:shade val="50000"/>
+            </a:schemeClr>
+          </a:lnRef>
+          <a:fillRef idx="1">
+            <a:schemeClr val="accent3"/>
+          </a:fillRef>
+          <a:effectRef idx="0">
+            <a:schemeClr val="accent3"/>
+          </a:effectRef>
+          <a:fontRef idx="minor">
+            <a:schemeClr val="lt1"/>
+          </a:fontRef>
+        </p:style>
+        <p:txBody>
+          <a:bodyPr rtlCol="0" anchor="ctr"/>
+          <a:lstStyle/>
+          <a:p>
+            <a:pPr algn="ctr"/>
+            <a:r>
+              <a:rPr lang="zh-CN" altLang="en-US" sz="1200" dirty="0">
+                <a:solidFill>
+                  <a:schemeClr val="bg1"/>
+                </a:solidFill>
+                <a:latin typeface="Microsoft YaHei" panose="020B0503020204020204" pitchFamily="34" charset="-122"/>
+                <a:ea typeface="Microsoft YaHei" panose="020B0503020204020204" pitchFamily="34" charset="-122"/>
+              </a:rPr>
+              <a:t>学习</a:t>
+            </a:r>
+            <a:r>
+              <a:rPr lang="zh-CN" altLang="en-US" sz="1200" b="0" i="0" dirty="0">
+                <a:solidFill>
+                  <a:schemeClr val="bg1"/>
+                </a:solidFill>
+                <a:effectLst/>
+                <a:latin typeface="Microsoft YaHei" panose="020B0503020204020204" pitchFamily="34" charset="-122"/>
+                <a:ea typeface="Microsoft YaHei" panose="020B0503020204020204" pitchFamily="34" charset="-122"/>
+              </a:rPr>
+              <a:t>信息库</a:t>
+            </a:r>
+          </a:p>
+        </p:txBody>
+      </p:sp>
+      <p:sp>
+        <p:nvSpPr>
+          <p:cNvPr id="26" name="文本框 25">
+            <a:extLst>
+              <a:ext uri="{FF2B5EF4-FFF2-40B4-BE49-F238E27FC236}">
+                <a16:creationId xmlns:a16="http://schemas.microsoft.com/office/drawing/2014/main" id="{812357AF-0B4D-4D72-B18C-A1B68FA1D316}"/>
+              </a:ext>
+            </a:extLst>
+          </p:cNvPr>
+          <p:cNvSpPr txBox="1"/>
+          <p:nvPr/>
+        </p:nvSpPr>
+        <p:spPr>
+          <a:xfrm>
+            <a:off x="9590620" y="221508"/>
+            <a:ext cx="956732" cy="369332"/>
+          </a:xfrm>
+          <a:prstGeom prst="rect">
+            <a:avLst/>
+          </a:prstGeom>
+        </p:spPr>
+        <p:style>
+          <a:lnRef idx="2">
+            <a:schemeClr val="accent3">
+              <a:shade val="50000"/>
+            </a:schemeClr>
+          </a:lnRef>
+          <a:fillRef idx="1">
+            <a:schemeClr val="accent3"/>
+          </a:fillRef>
+          <a:effectRef idx="0">
+            <a:schemeClr val="accent3"/>
+          </a:effectRef>
+          <a:fontRef idx="minor">
+            <a:schemeClr val="lt1"/>
+          </a:fontRef>
+        </p:style>
+        <p:txBody>
+          <a:bodyPr wrap="square" rtlCol="0">
+            <a:spAutoFit/>
+          </a:bodyPr>
+          <a:lstStyle/>
+          <a:p>
+            <a:r>
+              <a:rPr lang="zh-CN" altLang="en-US" dirty="0"/>
+              <a:t>关注圈</a:t>
+            </a:r>
+          </a:p>
+        </p:txBody>
+      </p:sp>
+      <p:sp>
+        <p:nvSpPr>
+          <p:cNvPr id="27" name="流程图: 磁盘 42">
+            <a:extLst>
+              <a:ext uri="{FF2B5EF4-FFF2-40B4-BE49-F238E27FC236}">
+                <a16:creationId xmlns:a16="http://schemas.microsoft.com/office/drawing/2014/main" id="{1F40F8E1-74F1-933E-BF40-04FDDFC35336}"/>
+              </a:ext>
+            </a:extLst>
+          </p:cNvPr>
+          <p:cNvSpPr/>
+          <p:nvPr/>
+        </p:nvSpPr>
+        <p:spPr>
+          <a:xfrm>
+            <a:off x="6489700" y="1476168"/>
+            <a:ext cx="956732" cy="827579"/>
+          </a:xfrm>
+          <a:prstGeom prst="flowChartMagneticDisk">
+            <a:avLst/>
+          </a:prstGeom>
+        </p:spPr>
+        <p:style>
+          <a:lnRef idx="2">
+            <a:schemeClr val="accent3">
+              <a:shade val="50000"/>
+            </a:schemeClr>
+          </a:lnRef>
+          <a:fillRef idx="1">
+            <a:schemeClr val="accent3"/>
+          </a:fillRef>
+          <a:effectRef idx="0">
+            <a:schemeClr val="accent3"/>
+          </a:effectRef>
+          <a:fontRef idx="minor">
+            <a:schemeClr val="lt1"/>
+          </a:fontRef>
+        </p:style>
+        <p:txBody>
+          <a:bodyPr rtlCol="0" anchor="ctr"/>
+          <a:lstStyle/>
+          <a:p>
+            <a:pPr algn="ctr"/>
+            <a:r>
+              <a:rPr lang="zh-CN" altLang="en-US" sz="1200" dirty="0">
+                <a:solidFill>
+                  <a:schemeClr val="bg1"/>
+                </a:solidFill>
+                <a:latin typeface="Microsoft YaHei" panose="020B0503020204020204" pitchFamily="34" charset="-122"/>
+                <a:ea typeface="Microsoft YaHei" panose="020B0503020204020204" pitchFamily="34" charset="-122"/>
+              </a:rPr>
+              <a:t>想法信息库</a:t>
+            </a:r>
+          </a:p>
+        </p:txBody>
+      </p:sp>
+      <p:sp>
+        <p:nvSpPr>
+          <p:cNvPr id="28" name="流程图: 磁盘 43">
+            <a:extLst>
+              <a:ext uri="{FF2B5EF4-FFF2-40B4-BE49-F238E27FC236}">
+                <a16:creationId xmlns:a16="http://schemas.microsoft.com/office/drawing/2014/main" id="{FC3ECE47-39BE-1035-9EE4-D0266FA2F62C}"/>
+              </a:ext>
+            </a:extLst>
+          </p:cNvPr>
+          <p:cNvSpPr/>
+          <p:nvPr/>
+        </p:nvSpPr>
+        <p:spPr>
+          <a:xfrm>
+            <a:off x="6489700" y="2481728"/>
+            <a:ext cx="956732" cy="827579"/>
+          </a:xfrm>
+          <a:prstGeom prst="flowChartMagneticDisk">
+            <a:avLst/>
+          </a:prstGeom>
+        </p:spPr>
+        <p:style>
+          <a:lnRef idx="2">
+            <a:schemeClr val="accent3">
+              <a:shade val="50000"/>
+            </a:schemeClr>
+          </a:lnRef>
+          <a:fillRef idx="1">
+            <a:schemeClr val="accent3"/>
+          </a:fillRef>
+          <a:effectRef idx="0">
+            <a:schemeClr val="accent3"/>
+          </a:effectRef>
+          <a:fontRef idx="minor">
+            <a:schemeClr val="lt1"/>
+          </a:fontRef>
+        </p:style>
+        <p:txBody>
+          <a:bodyPr rtlCol="0" anchor="ctr"/>
+          <a:lstStyle/>
+          <a:p>
+            <a:pPr algn="ctr"/>
+            <a:r>
+              <a:rPr lang="zh-CN" altLang="en-US" sz="1200" dirty="0">
+                <a:solidFill>
+                  <a:schemeClr val="bg1"/>
+                </a:solidFill>
+                <a:latin typeface="Microsoft YaHei" panose="020B0503020204020204" pitchFamily="34" charset="-122"/>
+                <a:ea typeface="Microsoft YaHei" panose="020B0503020204020204" pitchFamily="34" charset="-122"/>
+              </a:rPr>
+              <a:t>备用信息库</a:t>
+            </a:r>
+          </a:p>
+        </p:txBody>
+      </p:sp>
+      <p:sp>
+        <p:nvSpPr>
+          <p:cNvPr id="29" name="流程图: 磁盘 44">
+            <a:extLst>
+              <a:ext uri="{FF2B5EF4-FFF2-40B4-BE49-F238E27FC236}">
+                <a16:creationId xmlns:a16="http://schemas.microsoft.com/office/drawing/2014/main" id="{2B8FE111-F2EF-A1C8-41BD-33F4D5F07276}"/>
+              </a:ext>
+            </a:extLst>
+          </p:cNvPr>
+          <p:cNvSpPr/>
+          <p:nvPr/>
+        </p:nvSpPr>
+        <p:spPr>
+          <a:xfrm>
+            <a:off x="6489700" y="3487288"/>
+            <a:ext cx="956732" cy="827579"/>
+          </a:xfrm>
+          <a:prstGeom prst="flowChartMagneticDisk">
+            <a:avLst/>
+          </a:prstGeom>
+        </p:spPr>
+        <p:style>
+          <a:lnRef idx="2">
+            <a:schemeClr val="accent3">
+              <a:shade val="50000"/>
+            </a:schemeClr>
+          </a:lnRef>
+          <a:fillRef idx="1">
+            <a:schemeClr val="accent3"/>
+          </a:fillRef>
+          <a:effectRef idx="0">
+            <a:schemeClr val="accent3"/>
+          </a:effectRef>
+          <a:fontRef idx="minor">
+            <a:schemeClr val="lt1"/>
+          </a:fontRef>
+        </p:style>
+        <p:txBody>
+          <a:bodyPr rtlCol="0" anchor="ctr"/>
+          <a:lstStyle/>
+          <a:p>
+            <a:pPr algn="ctr"/>
+            <a:r>
+              <a:rPr lang="zh-CN" altLang="en-US" sz="1200" dirty="0">
+                <a:solidFill>
+                  <a:schemeClr val="bg1"/>
+                </a:solidFill>
+                <a:latin typeface="Microsoft YaHei" panose="020B0503020204020204" pitchFamily="34" charset="-122"/>
+                <a:ea typeface="Microsoft YaHei" panose="020B0503020204020204" pitchFamily="34" charset="-122"/>
+              </a:rPr>
+              <a:t>个人信息库</a:t>
+            </a:r>
+          </a:p>
+        </p:txBody>
+      </p:sp>
+      <p:sp>
+        <p:nvSpPr>
+          <p:cNvPr id="30" name="流程图: 磁盘 45">
+            <a:extLst>
+              <a:ext uri="{FF2B5EF4-FFF2-40B4-BE49-F238E27FC236}">
+                <a16:creationId xmlns:a16="http://schemas.microsoft.com/office/drawing/2014/main" id="{48A703A1-16C9-02E2-2D82-35C28D2C9231}"/>
+              </a:ext>
+            </a:extLst>
+          </p:cNvPr>
+          <p:cNvSpPr/>
+          <p:nvPr/>
+        </p:nvSpPr>
+        <p:spPr>
+          <a:xfrm>
+            <a:off x="6489700" y="4492848"/>
+            <a:ext cx="956732" cy="827579"/>
+          </a:xfrm>
+          <a:prstGeom prst="flowChartMagneticDisk">
+            <a:avLst/>
+          </a:prstGeom>
+        </p:spPr>
+        <p:style>
+          <a:lnRef idx="2">
+            <a:schemeClr val="accent3">
+              <a:shade val="50000"/>
+            </a:schemeClr>
+          </a:lnRef>
+          <a:fillRef idx="1">
+            <a:schemeClr val="accent3"/>
+          </a:fillRef>
+          <a:effectRef idx="0">
+            <a:schemeClr val="accent3"/>
+          </a:effectRef>
+          <a:fontRef idx="minor">
+            <a:schemeClr val="lt1"/>
+          </a:fontRef>
+        </p:style>
+        <p:txBody>
+          <a:bodyPr rtlCol="0" anchor="ctr"/>
+          <a:lstStyle/>
+          <a:p>
+            <a:pPr algn="ctr"/>
+            <a:r>
+              <a:rPr lang="zh-CN" altLang="en-US" sz="1200" dirty="0">
+                <a:solidFill>
+                  <a:schemeClr val="bg1"/>
+                </a:solidFill>
+                <a:latin typeface="Microsoft YaHei" panose="020B0503020204020204" pitchFamily="34" charset="-122"/>
+                <a:ea typeface="Microsoft YaHei" panose="020B0503020204020204" pitchFamily="34" charset="-122"/>
+              </a:rPr>
+              <a:t>家庭信息库</a:t>
+            </a:r>
+          </a:p>
+        </p:txBody>
+      </p:sp>
+      <p:sp>
+        <p:nvSpPr>
+          <p:cNvPr id="31" name="流程图: 磁盘 46">
+            <a:extLst>
+              <a:ext uri="{FF2B5EF4-FFF2-40B4-BE49-F238E27FC236}">
+                <a16:creationId xmlns:a16="http://schemas.microsoft.com/office/drawing/2014/main" id="{98A44DDE-E797-2990-6558-4D5F94CF8561}"/>
+              </a:ext>
+            </a:extLst>
+          </p:cNvPr>
+          <p:cNvSpPr/>
+          <p:nvPr/>
+        </p:nvSpPr>
+        <p:spPr>
+          <a:xfrm>
+            <a:off x="6489700" y="5498408"/>
+            <a:ext cx="956732" cy="827579"/>
+          </a:xfrm>
+          <a:prstGeom prst="flowChartMagneticDisk">
+            <a:avLst/>
+          </a:prstGeom>
+        </p:spPr>
+        <p:style>
+          <a:lnRef idx="2">
+            <a:schemeClr val="accent3">
+              <a:shade val="50000"/>
+            </a:schemeClr>
+          </a:lnRef>
+          <a:fillRef idx="1">
+            <a:schemeClr val="accent3"/>
+          </a:fillRef>
+          <a:effectRef idx="0">
+            <a:schemeClr val="accent3"/>
+          </a:effectRef>
+          <a:fontRef idx="minor">
+            <a:schemeClr val="lt1"/>
+          </a:fontRef>
+        </p:style>
+        <p:txBody>
+          <a:bodyPr rtlCol="0" anchor="ctr"/>
+          <a:lstStyle/>
+          <a:p>
+            <a:pPr algn="ctr"/>
+            <a:r>
+              <a:rPr lang="zh-CN" altLang="en-US" sz="1200" dirty="0">
+                <a:solidFill>
+                  <a:schemeClr val="bg1"/>
+                </a:solidFill>
+                <a:latin typeface="Microsoft YaHei" panose="020B0503020204020204" pitchFamily="34" charset="-122"/>
+                <a:ea typeface="Microsoft YaHei" panose="020B0503020204020204" pitchFamily="34" charset="-122"/>
+              </a:rPr>
+              <a:t>随想信息库</a:t>
+            </a:r>
+          </a:p>
+        </p:txBody>
+      </p:sp>
+      <p:sp>
+        <p:nvSpPr>
+          <p:cNvPr id="32" name="文本框 31">
+            <a:extLst>
+              <a:ext uri="{FF2B5EF4-FFF2-40B4-BE49-F238E27FC236}">
+                <a16:creationId xmlns:a16="http://schemas.microsoft.com/office/drawing/2014/main" id="{05397C77-209D-37DA-87DC-E67A86A019A0}"/>
+              </a:ext>
+            </a:extLst>
+          </p:cNvPr>
+          <p:cNvSpPr txBox="1"/>
+          <p:nvPr/>
+        </p:nvSpPr>
+        <p:spPr>
+          <a:xfrm>
+            <a:off x="7560733" y="610842"/>
+            <a:ext cx="2209800" cy="461665"/>
+          </a:xfrm>
+          <a:prstGeom prst="rect">
+            <a:avLst/>
+          </a:prstGeom>
+        </p:spPr>
+        <p:style>
+          <a:lnRef idx="1">
+            <a:schemeClr val="accent3"/>
+          </a:lnRef>
+          <a:fillRef idx="2">
+            <a:schemeClr val="accent3"/>
+          </a:fillRef>
+          <a:effectRef idx="1">
+            <a:schemeClr val="accent3"/>
+          </a:effectRef>
+          <a:fontRef idx="minor">
+            <a:schemeClr val="dk1"/>
+          </a:fontRef>
+        </p:style>
+        <p:txBody>
+          <a:bodyPr wrap="square" rtlCol="0">
+            <a:spAutoFit/>
+          </a:bodyPr>
+          <a:lstStyle/>
+          <a:p>
+            <a:pPr marL="285750" indent="-285750">
+              <a:buFont typeface="Arial" panose="020B0604020202020204" pitchFamily="34" charset="0"/>
+              <a:buChar char="•"/>
+            </a:pPr>
+            <a:r>
+              <a:rPr lang="zh-CN" altLang="en-US" sz="1200" dirty="0"/>
+              <a:t>兴趣领域知识</a:t>
+            </a:r>
+            <a:endParaRPr lang="en-US" altLang="zh-CN" sz="1200" dirty="0"/>
+          </a:p>
+          <a:p>
+            <a:pPr marL="285750" indent="-285750">
+              <a:buFont typeface="Arial" panose="020B0604020202020204" pitchFamily="34" charset="0"/>
+              <a:buChar char="•"/>
+            </a:pPr>
+            <a:r>
+              <a:rPr lang="zh-CN" altLang="en-US" sz="1200" dirty="0"/>
+              <a:t>问题解决方案</a:t>
+            </a:r>
+            <a:endParaRPr lang="en-US" altLang="zh-CN" sz="1200" dirty="0"/>
+          </a:p>
+        </p:txBody>
+      </p:sp>
+      <p:sp>
+        <p:nvSpPr>
+          <p:cNvPr id="33" name="文本框 32">
+            <a:extLst>
+              <a:ext uri="{FF2B5EF4-FFF2-40B4-BE49-F238E27FC236}">
+                <a16:creationId xmlns:a16="http://schemas.microsoft.com/office/drawing/2014/main" id="{FCBAC739-1219-6F01-C868-6561FC417221}"/>
+              </a:ext>
+            </a:extLst>
+          </p:cNvPr>
+          <p:cNvSpPr txBox="1"/>
+          <p:nvPr/>
+        </p:nvSpPr>
+        <p:spPr>
+          <a:xfrm>
+            <a:off x="7560733" y="1559797"/>
+            <a:ext cx="2209800" cy="276999"/>
+          </a:xfrm>
+          <a:prstGeom prst="rect">
+            <a:avLst/>
+          </a:prstGeom>
+        </p:spPr>
+        <p:style>
+          <a:lnRef idx="1">
+            <a:schemeClr val="accent3"/>
+          </a:lnRef>
+          <a:fillRef idx="2">
+            <a:schemeClr val="accent3"/>
+          </a:fillRef>
+          <a:effectRef idx="1">
+            <a:schemeClr val="accent3"/>
+          </a:effectRef>
+          <a:fontRef idx="minor">
+            <a:schemeClr val="dk1"/>
+          </a:fontRef>
+        </p:style>
+        <p:txBody>
+          <a:bodyPr wrap="square" rtlCol="0">
+            <a:spAutoFit/>
+          </a:bodyPr>
+          <a:lstStyle/>
+          <a:p>
+            <a:pPr marL="285750" indent="-285750">
+              <a:buFont typeface="Arial" panose="020B0604020202020204" pitchFamily="34" charset="0"/>
+              <a:buChar char="•"/>
+            </a:pPr>
+            <a:r>
+              <a:rPr lang="zh-CN" altLang="en-US" sz="1200" dirty="0"/>
+              <a:t>随时有想法随时记</a:t>
+            </a:r>
+            <a:endParaRPr lang="en-US" altLang="zh-CN" sz="1200" dirty="0"/>
+          </a:p>
+        </p:txBody>
+      </p:sp>
+      <p:sp>
+        <p:nvSpPr>
+          <p:cNvPr id="34" name="文本框 33">
+            <a:extLst>
+              <a:ext uri="{FF2B5EF4-FFF2-40B4-BE49-F238E27FC236}">
+                <a16:creationId xmlns:a16="http://schemas.microsoft.com/office/drawing/2014/main" id="{FE841F65-3BD3-FE6B-74B6-06C94EE3AEEE}"/>
+              </a:ext>
+            </a:extLst>
+          </p:cNvPr>
+          <p:cNvSpPr txBox="1"/>
+          <p:nvPr/>
+        </p:nvSpPr>
+        <p:spPr>
+          <a:xfrm>
+            <a:off x="7560733" y="2554918"/>
+            <a:ext cx="2209800" cy="646331"/>
+          </a:xfrm>
+          <a:prstGeom prst="rect">
+            <a:avLst/>
+          </a:prstGeom>
+        </p:spPr>
+        <p:style>
+          <a:lnRef idx="1">
+            <a:schemeClr val="accent3"/>
+          </a:lnRef>
+          <a:fillRef idx="2">
+            <a:schemeClr val="accent3"/>
+          </a:fillRef>
+          <a:effectRef idx="1">
+            <a:schemeClr val="accent3"/>
+          </a:effectRef>
+          <a:fontRef idx="minor">
+            <a:schemeClr val="dk1"/>
+          </a:fontRef>
+        </p:style>
+        <p:txBody>
+          <a:bodyPr wrap="square" rtlCol="0">
+            <a:spAutoFit/>
+          </a:bodyPr>
+          <a:lstStyle/>
+          <a:p>
+            <a:pPr marL="285750" indent="-285750">
+              <a:buFont typeface="Arial" panose="020B0604020202020204" pitchFamily="34" charset="0"/>
+              <a:buChar char="•"/>
+            </a:pPr>
+            <a:r>
+              <a:rPr lang="zh-CN" altLang="en-US" sz="1200" dirty="0"/>
+              <a:t>手册之类的，比如</a:t>
+            </a:r>
+            <a:r>
+              <a:rPr lang="en-US" altLang="zh-CN" sz="1200" dirty="0"/>
+              <a:t>markdown</a:t>
+            </a:r>
+            <a:r>
+              <a:rPr lang="zh-CN" altLang="en-US" sz="1200" dirty="0"/>
+              <a:t>语法</a:t>
+            </a:r>
+            <a:endParaRPr lang="en-US" altLang="zh-CN" sz="1200" dirty="0"/>
+          </a:p>
+          <a:p>
+            <a:pPr marL="285750" indent="-285750">
+              <a:buFont typeface="Arial" panose="020B0604020202020204" pitchFamily="34" charset="0"/>
+              <a:buChar char="•"/>
+            </a:pPr>
+            <a:r>
+              <a:rPr lang="zh-CN" altLang="en-US" sz="1200" dirty="0"/>
+              <a:t>行业基础信息</a:t>
+            </a:r>
+            <a:endParaRPr lang="en-US" altLang="zh-CN" sz="1200" dirty="0"/>
+          </a:p>
+        </p:txBody>
+      </p:sp>
+      <p:sp>
+        <p:nvSpPr>
+          <p:cNvPr id="35" name="文本框 34">
+            <a:extLst>
+              <a:ext uri="{FF2B5EF4-FFF2-40B4-BE49-F238E27FC236}">
+                <a16:creationId xmlns:a16="http://schemas.microsoft.com/office/drawing/2014/main" id="{0CE4E2B4-D415-FEBB-489F-5C001B26D6B7}"/>
+              </a:ext>
+            </a:extLst>
+          </p:cNvPr>
+          <p:cNvSpPr txBox="1"/>
+          <p:nvPr/>
+        </p:nvSpPr>
+        <p:spPr>
+          <a:xfrm>
+            <a:off x="7560733" y="3610585"/>
+            <a:ext cx="2209800" cy="646331"/>
+          </a:xfrm>
+          <a:prstGeom prst="rect">
+            <a:avLst/>
+          </a:prstGeom>
+        </p:spPr>
+        <p:style>
+          <a:lnRef idx="1">
+            <a:schemeClr val="accent3"/>
+          </a:lnRef>
+          <a:fillRef idx="2">
+            <a:schemeClr val="accent3"/>
+          </a:fillRef>
+          <a:effectRef idx="1">
+            <a:schemeClr val="accent3"/>
+          </a:effectRef>
+          <a:fontRef idx="minor">
+            <a:schemeClr val="dk1"/>
+          </a:fontRef>
+        </p:style>
+        <p:txBody>
+          <a:bodyPr wrap="square" rtlCol="0">
+            <a:spAutoFit/>
+          </a:bodyPr>
+          <a:lstStyle/>
+          <a:p>
+            <a:pPr marL="285750" indent="-285750">
+              <a:buFont typeface="Arial" panose="020B0604020202020204" pitchFamily="34" charset="0"/>
+              <a:buChar char="•"/>
+            </a:pPr>
+            <a:r>
+              <a:rPr lang="zh-CN" altLang="en-US" sz="1200" dirty="0"/>
+              <a:t>身份证护照</a:t>
+            </a:r>
+            <a:endParaRPr lang="en-US" altLang="zh-CN" sz="1200" dirty="0"/>
+          </a:p>
+          <a:p>
+            <a:pPr marL="285750" indent="-285750">
+              <a:buFont typeface="Arial" panose="020B0604020202020204" pitchFamily="34" charset="0"/>
+              <a:buChar char="•"/>
+            </a:pPr>
+            <a:r>
+              <a:rPr lang="zh-CN" altLang="en-US" sz="1200" dirty="0"/>
+              <a:t>体检报告</a:t>
+            </a:r>
+            <a:endParaRPr lang="en-US" altLang="zh-CN" sz="1200" dirty="0"/>
+          </a:p>
+          <a:p>
+            <a:pPr marL="285750" indent="-285750">
+              <a:buFont typeface="Arial" panose="020B0604020202020204" pitchFamily="34" charset="0"/>
+              <a:buChar char="•"/>
+            </a:pPr>
+            <a:r>
+              <a:rPr lang="en-US" altLang="zh-CN" sz="1200" dirty="0"/>
+              <a:t>……</a:t>
+            </a:r>
+          </a:p>
+        </p:txBody>
+      </p:sp>
+      <p:sp>
+        <p:nvSpPr>
+          <p:cNvPr id="36" name="文本框 35">
+            <a:extLst>
+              <a:ext uri="{FF2B5EF4-FFF2-40B4-BE49-F238E27FC236}">
+                <a16:creationId xmlns:a16="http://schemas.microsoft.com/office/drawing/2014/main" id="{467CE91C-B68E-27B9-2C6A-B04DEB08CFFC}"/>
+              </a:ext>
+            </a:extLst>
+          </p:cNvPr>
+          <p:cNvSpPr txBox="1"/>
+          <p:nvPr/>
+        </p:nvSpPr>
+        <p:spPr>
+          <a:xfrm>
+            <a:off x="7560733" y="4619850"/>
+            <a:ext cx="2209800" cy="461665"/>
+          </a:xfrm>
+          <a:prstGeom prst="rect">
+            <a:avLst/>
+          </a:prstGeom>
+        </p:spPr>
+        <p:style>
+          <a:lnRef idx="1">
+            <a:schemeClr val="accent3"/>
+          </a:lnRef>
+          <a:fillRef idx="2">
+            <a:schemeClr val="accent3"/>
+          </a:fillRef>
+          <a:effectRef idx="1">
+            <a:schemeClr val="accent3"/>
+          </a:effectRef>
+          <a:fontRef idx="minor">
+            <a:schemeClr val="dk1"/>
+          </a:fontRef>
+        </p:style>
+        <p:txBody>
+          <a:bodyPr wrap="square" rtlCol="0">
+            <a:spAutoFit/>
+          </a:bodyPr>
+          <a:lstStyle/>
+          <a:p>
+            <a:pPr marL="285750" indent="-285750">
+              <a:buFont typeface="Arial" panose="020B0604020202020204" pitchFamily="34" charset="0"/>
+              <a:buChar char="•"/>
+            </a:pPr>
+            <a:r>
+              <a:rPr lang="zh-CN" altLang="en-US" sz="1200" dirty="0"/>
+              <a:t>宽带账户水电煤气账户</a:t>
+            </a:r>
+            <a:endParaRPr lang="en-US" altLang="zh-CN" sz="1200" dirty="0"/>
+          </a:p>
+          <a:p>
+            <a:pPr marL="285750" indent="-285750">
+              <a:buFont typeface="Arial" panose="020B0604020202020204" pitchFamily="34" charset="0"/>
+              <a:buChar char="•"/>
+            </a:pPr>
+            <a:r>
+              <a:rPr lang="en-US" altLang="zh-CN" sz="1200" dirty="0"/>
+              <a:t>……</a:t>
+            </a:r>
+          </a:p>
+        </p:txBody>
+      </p:sp>
+      <p:sp>
+        <p:nvSpPr>
+          <p:cNvPr id="37" name="文本框 36">
+            <a:extLst>
+              <a:ext uri="{FF2B5EF4-FFF2-40B4-BE49-F238E27FC236}">
+                <a16:creationId xmlns:a16="http://schemas.microsoft.com/office/drawing/2014/main" id="{53D7BDCB-64EF-22B3-EA4A-E2C897DC1061}"/>
+              </a:ext>
+            </a:extLst>
+          </p:cNvPr>
+          <p:cNvSpPr txBox="1"/>
+          <p:nvPr/>
+        </p:nvSpPr>
+        <p:spPr>
+          <a:xfrm>
+            <a:off x="7560733" y="5625713"/>
+            <a:ext cx="2209800" cy="276999"/>
+          </a:xfrm>
+          <a:prstGeom prst="rect">
+            <a:avLst/>
+          </a:prstGeom>
+        </p:spPr>
+        <p:style>
+          <a:lnRef idx="1">
+            <a:schemeClr val="accent3"/>
+          </a:lnRef>
+          <a:fillRef idx="2">
+            <a:schemeClr val="accent3"/>
+          </a:fillRef>
+          <a:effectRef idx="1">
+            <a:schemeClr val="accent3"/>
+          </a:effectRef>
+          <a:fontRef idx="minor">
+            <a:schemeClr val="dk1"/>
+          </a:fontRef>
+        </p:style>
+        <p:txBody>
+          <a:bodyPr wrap="square" rtlCol="0">
+            <a:spAutoFit/>
+          </a:bodyPr>
+          <a:lstStyle/>
+          <a:p>
+            <a:pPr marL="285750" indent="-285750">
+              <a:buFont typeface="Arial" panose="020B0604020202020204" pitchFamily="34" charset="0"/>
+              <a:buChar char="•"/>
+            </a:pPr>
+            <a:r>
+              <a:rPr lang="zh-CN" altLang="en-US" sz="1200" dirty="0"/>
+              <a:t>随便想想</a:t>
+            </a:r>
+            <a:endParaRPr lang="en-US" altLang="zh-CN" sz="1200" dirty="0"/>
+          </a:p>
+        </p:txBody>
+      </p:sp>
+      <p:pic>
+        <p:nvPicPr>
+          <p:cNvPr id="38" name="Picture 14" descr="Notion Reviews 2023: Details, Pricing, &amp; Features | G2">
+            <a:extLst>
+              <a:ext uri="{FF2B5EF4-FFF2-40B4-BE49-F238E27FC236}">
+                <a16:creationId xmlns:a16="http://schemas.microsoft.com/office/drawing/2014/main" id="{BC8AEAD2-2FF4-D8A6-E6AF-AABEAAB321F6}"/>
+              </a:ext>
+            </a:extLst>
+          </p:cNvPr>
+          <p:cNvPicPr>
+            <a:picLocks noChangeAspect="1" noChangeArrowheads="1"/>
+          </p:cNvPicPr>
+          <p:nvPr/>
+        </p:nvPicPr>
+        <p:blipFill rotWithShape="1">
+          <a:blip r:embed="rId2">
+            <a:extLst>
+              <a:ext uri="{28A0092B-C50C-407E-A947-70E740481C1C}">
+                <a14:useLocalDpi xmlns:a14="http://schemas.microsoft.com/office/drawing/2010/main" val="0"/>
+              </a:ext>
+            </a:extLst>
+          </a:blip>
+          <a:srcRect l="23549" t="9690" r="23208" b="2274"/>
+          <a:stretch/>
+        </p:blipFill>
+        <p:spPr bwMode="auto">
+          <a:xfrm>
+            <a:off x="1809074" y="4449097"/>
+            <a:ext cx="492594" cy="428262"/>
+          </a:xfrm>
+          <a:prstGeom prst="rect">
+            <a:avLst/>
+          </a:prstGeom>
+          <a:noFill/>
+          <a:extLst>
+            <a:ext uri="{909E8E84-426E-40DD-AFC4-6F175D3DCCD1}">
+              <a14:hiddenFill xmlns:a14="http://schemas.microsoft.com/office/drawing/2010/main">
+                <a:solidFill>
+                  <a:srgbClr val="FFFFFF"/>
+                </a:solidFill>
+              </a14:hiddenFill>
+            </a:ext>
+          </a:extLst>
+        </p:spPr>
+      </p:pic>
+      <p:pic>
+        <p:nvPicPr>
+          <p:cNvPr id="39" name="Picture 14" descr="Notion Reviews 2023: Details, Pricing, &amp; Features | G2">
+            <a:extLst>
+              <a:ext uri="{FF2B5EF4-FFF2-40B4-BE49-F238E27FC236}">
+                <a16:creationId xmlns:a16="http://schemas.microsoft.com/office/drawing/2014/main" id="{BFBA698B-EA3D-578A-621C-3618A57E6053}"/>
+              </a:ext>
+            </a:extLst>
+          </p:cNvPr>
+          <p:cNvPicPr>
+            <a:picLocks noChangeAspect="1" noChangeArrowheads="1"/>
+          </p:cNvPicPr>
+          <p:nvPr/>
+        </p:nvPicPr>
+        <p:blipFill rotWithShape="1">
+          <a:blip r:embed="rId2">
+            <a:extLst>
+              <a:ext uri="{28A0092B-C50C-407E-A947-70E740481C1C}">
+                <a14:useLocalDpi xmlns:a14="http://schemas.microsoft.com/office/drawing/2010/main" val="0"/>
+              </a:ext>
+            </a:extLst>
+          </a:blip>
+          <a:srcRect l="23549" t="9690" r="23208" b="2274"/>
+          <a:stretch/>
+        </p:blipFill>
+        <p:spPr bwMode="auto">
+          <a:xfrm>
+            <a:off x="1803833" y="5948831"/>
+            <a:ext cx="492594" cy="428262"/>
+          </a:xfrm>
+          <a:prstGeom prst="rect">
+            <a:avLst/>
+          </a:prstGeom>
+          <a:noFill/>
+          <a:extLst>
+            <a:ext uri="{909E8E84-426E-40DD-AFC4-6F175D3DCCD1}">
+              <a14:hiddenFill xmlns:a14="http://schemas.microsoft.com/office/drawing/2010/main">
+                <a:solidFill>
+                  <a:srgbClr val="FFFFFF"/>
+                </a:solidFill>
+              </a14:hiddenFill>
+            </a:ext>
+          </a:extLst>
+        </p:spPr>
+      </p:pic>
+      <p:pic>
+        <p:nvPicPr>
+          <p:cNvPr id="40" name="Picture 14" descr="Notion Reviews 2023: Details, Pricing, &amp; Features | G2">
+            <a:extLst>
+              <a:ext uri="{FF2B5EF4-FFF2-40B4-BE49-F238E27FC236}">
+                <a16:creationId xmlns:a16="http://schemas.microsoft.com/office/drawing/2014/main" id="{558C294E-9113-5D75-3452-0E73FA2D30EB}"/>
+              </a:ext>
+            </a:extLst>
+          </p:cNvPr>
+          <p:cNvPicPr>
+            <a:picLocks noChangeAspect="1" noChangeArrowheads="1"/>
+          </p:cNvPicPr>
+          <p:nvPr/>
+        </p:nvPicPr>
+        <p:blipFill rotWithShape="1">
+          <a:blip r:embed="rId2">
+            <a:extLst>
+              <a:ext uri="{28A0092B-C50C-407E-A947-70E740481C1C}">
+                <a14:useLocalDpi xmlns:a14="http://schemas.microsoft.com/office/drawing/2010/main" val="0"/>
+              </a:ext>
+            </a:extLst>
+          </a:blip>
+          <a:srcRect l="23549" t="9690" r="23208" b="2274"/>
+          <a:stretch/>
+        </p:blipFill>
+        <p:spPr bwMode="auto">
+          <a:xfrm>
+            <a:off x="1803833" y="2913867"/>
+            <a:ext cx="492594" cy="428262"/>
+          </a:xfrm>
+          <a:prstGeom prst="rect">
+            <a:avLst/>
+          </a:prstGeom>
+          <a:noFill/>
+          <a:extLst>
+            <a:ext uri="{909E8E84-426E-40DD-AFC4-6F175D3DCCD1}">
+              <a14:hiddenFill xmlns:a14="http://schemas.microsoft.com/office/drawing/2010/main">
+                <a:solidFill>
+                  <a:srgbClr val="FFFFFF"/>
+                </a:solidFill>
+              </a14:hiddenFill>
+            </a:ext>
+          </a:extLst>
+        </p:spPr>
+      </p:pic>
+      <p:pic>
+        <p:nvPicPr>
+          <p:cNvPr id="41" name="Picture 14" descr="Notion Reviews 2023: Details, Pricing, &amp; Features | G2">
+            <a:extLst>
+              <a:ext uri="{FF2B5EF4-FFF2-40B4-BE49-F238E27FC236}">
+                <a16:creationId xmlns:a16="http://schemas.microsoft.com/office/drawing/2014/main" id="{3445D737-79E8-EA54-B75B-C48B6C524DE7}"/>
+              </a:ext>
+            </a:extLst>
+          </p:cNvPr>
+          <p:cNvPicPr>
+            <a:picLocks noChangeAspect="1" noChangeArrowheads="1"/>
+          </p:cNvPicPr>
+          <p:nvPr/>
+        </p:nvPicPr>
+        <p:blipFill rotWithShape="1">
+          <a:blip r:embed="rId2">
+            <a:extLst>
+              <a:ext uri="{28A0092B-C50C-407E-A947-70E740481C1C}">
+                <a14:useLocalDpi xmlns:a14="http://schemas.microsoft.com/office/drawing/2010/main" val="0"/>
+              </a:ext>
+            </a:extLst>
+          </a:blip>
+          <a:srcRect l="23549" t="9690" r="23208" b="2274"/>
+          <a:stretch/>
+        </p:blipFill>
+        <p:spPr bwMode="auto">
+          <a:xfrm>
+            <a:off x="1803833" y="1443227"/>
+            <a:ext cx="492594" cy="428262"/>
+          </a:xfrm>
+          <a:prstGeom prst="rect">
+            <a:avLst/>
+          </a:prstGeom>
+          <a:noFill/>
+          <a:extLst>
+            <a:ext uri="{909E8E84-426E-40DD-AFC4-6F175D3DCCD1}">
+              <a14:hiddenFill xmlns:a14="http://schemas.microsoft.com/office/drawing/2010/main">
+                <a:solidFill>
+                  <a:srgbClr val="FFFFFF"/>
+                </a:solidFill>
+              </a14:hiddenFill>
+            </a:ext>
+          </a:extLst>
+        </p:spPr>
+      </p:pic>
+      <p:pic>
+        <p:nvPicPr>
+          <p:cNvPr id="42" name="Picture 16" descr="Obsidian (software) - Wikipedia">
+            <a:extLst>
+              <a:ext uri="{FF2B5EF4-FFF2-40B4-BE49-F238E27FC236}">
+                <a16:creationId xmlns:a16="http://schemas.microsoft.com/office/drawing/2014/main" id="{B615583F-98CF-8D40-40CB-A179FD61785E}"/>
+              </a:ext>
+            </a:extLst>
+          </p:cNvPr>
+          <p:cNvPicPr>
+            <a:picLocks noChangeAspect="1" noChangeArrowheads="1"/>
+          </p:cNvPicPr>
+          <p:nvPr/>
+        </p:nvPicPr>
+        <p:blipFill>
+          <a:blip r:embed="rId3">
+            <a:extLst>
+              <a:ext uri="{28A0092B-C50C-407E-A947-70E740481C1C}">
+                <a14:useLocalDpi xmlns:a14="http://schemas.microsoft.com/office/drawing/2010/main" val="0"/>
+              </a:ext>
+            </a:extLst>
+          </a:blip>
+          <a:srcRect/>
+          <a:stretch>
+            <a:fillRect/>
+          </a:stretch>
+        </p:blipFill>
+        <p:spPr bwMode="auto">
+          <a:xfrm>
+            <a:off x="2296427" y="5982462"/>
+            <a:ext cx="394631" cy="394631"/>
+          </a:xfrm>
+          <a:prstGeom prst="rect">
+            <a:avLst/>
+          </a:prstGeom>
+          <a:noFill/>
+          <a:extLst>
+            <a:ext uri="{909E8E84-426E-40DD-AFC4-6F175D3DCCD1}">
+              <a14:hiddenFill xmlns:a14="http://schemas.microsoft.com/office/drawing/2010/main">
+                <a:solidFill>
+                  <a:srgbClr val="FFFFFF"/>
+                </a:solidFill>
+              </a14:hiddenFill>
+            </a:ext>
+          </a:extLst>
+        </p:spPr>
+      </p:pic>
+      <p:pic>
+        <p:nvPicPr>
+          <p:cNvPr id="43" name="Picture 16" descr="Obsidian (software) - Wikipedia">
+            <a:extLst>
+              <a:ext uri="{FF2B5EF4-FFF2-40B4-BE49-F238E27FC236}">
+                <a16:creationId xmlns:a16="http://schemas.microsoft.com/office/drawing/2014/main" id="{6BD389E4-9B3E-E421-90DE-2AD918BD7F36}"/>
+              </a:ext>
+            </a:extLst>
+          </p:cNvPr>
+          <p:cNvPicPr>
+            <a:picLocks noChangeAspect="1" noChangeArrowheads="1"/>
+          </p:cNvPicPr>
+          <p:nvPr/>
+        </p:nvPicPr>
+        <p:blipFill>
+          <a:blip r:embed="rId3">
+            <a:extLst>
+              <a:ext uri="{28A0092B-C50C-407E-A947-70E740481C1C}">
+                <a14:useLocalDpi xmlns:a14="http://schemas.microsoft.com/office/drawing/2010/main" val="0"/>
+              </a:ext>
+            </a:extLst>
+          </a:blip>
+          <a:srcRect/>
+          <a:stretch>
+            <a:fillRect/>
+          </a:stretch>
+        </p:blipFill>
+        <p:spPr bwMode="auto">
+          <a:xfrm>
+            <a:off x="1463801" y="1444396"/>
+            <a:ext cx="394631" cy="394631"/>
+          </a:xfrm>
+          <a:prstGeom prst="rect">
+            <a:avLst/>
+          </a:prstGeom>
+          <a:noFill/>
+          <a:extLst>
+            <a:ext uri="{909E8E84-426E-40DD-AFC4-6F175D3DCCD1}">
+              <a14:hiddenFill xmlns:a14="http://schemas.microsoft.com/office/drawing/2010/main">
+                <a:solidFill>
+                  <a:srgbClr val="FFFFFF"/>
+                </a:solidFill>
+              </a14:hiddenFill>
+            </a:ext>
+          </a:extLst>
+        </p:spPr>
+      </p:pic>
+      <p:pic>
+        <p:nvPicPr>
+          <p:cNvPr id="44" name="Picture 2" descr="Billfish素材管理工具的个人空间-Billfish素材管理工具个人主页-哔哩哔哩视频">
+            <a:extLst>
+              <a:ext uri="{FF2B5EF4-FFF2-40B4-BE49-F238E27FC236}">
+                <a16:creationId xmlns:a16="http://schemas.microsoft.com/office/drawing/2014/main" id="{390F788F-27B9-7A26-5B4C-C2DFA6AF1856}"/>
+              </a:ext>
+            </a:extLst>
+          </p:cNvPr>
+          <p:cNvPicPr>
+            <a:picLocks noChangeAspect="1" noChangeArrowheads="1"/>
+          </p:cNvPicPr>
+          <p:nvPr/>
+        </p:nvPicPr>
+        <p:blipFill>
+          <a:blip r:embed="rId4">
+            <a:extLst>
+              <a:ext uri="{28A0092B-C50C-407E-A947-70E740481C1C}">
+                <a14:useLocalDpi xmlns:a14="http://schemas.microsoft.com/office/drawing/2010/main" val="0"/>
+              </a:ext>
+            </a:extLst>
+          </a:blip>
+          <a:srcRect/>
+          <a:stretch>
+            <a:fillRect/>
+          </a:stretch>
+        </p:blipFill>
+        <p:spPr bwMode="auto">
+          <a:xfrm>
+            <a:off x="10471322" y="1276622"/>
+            <a:ext cx="411354" cy="411354"/>
+          </a:xfrm>
+          <a:prstGeom prst="rect">
+            <a:avLst/>
+          </a:prstGeom>
+          <a:noFill/>
+          <a:extLst>
+            <a:ext uri="{909E8E84-426E-40DD-AFC4-6F175D3DCCD1}">
+              <a14:hiddenFill xmlns:a14="http://schemas.microsoft.com/office/drawing/2010/main">
+                <a:solidFill>
+                  <a:srgbClr val="FFFFFF"/>
+                </a:solidFill>
+              </a14:hiddenFill>
+            </a:ext>
+          </a:extLst>
+        </p:spPr>
+      </p:pic>
+      <p:pic>
+        <p:nvPicPr>
+          <p:cNvPr id="2050" name="Picture 2" descr="GitHub - laurent22/joplin: Joplin - the secure note taking and to-do app  with synchronisation capabilities for Windows, macOS, Linux, Android and  iOS.">
+            <a:extLst>
+              <a:ext uri="{FF2B5EF4-FFF2-40B4-BE49-F238E27FC236}">
+                <a16:creationId xmlns:a16="http://schemas.microsoft.com/office/drawing/2014/main" id="{35ED7156-1396-A92A-ECCD-D1DEB48A896A}"/>
+              </a:ext>
+            </a:extLst>
+          </p:cNvPr>
+          <p:cNvPicPr>
+            <a:picLocks noChangeAspect="1" noChangeArrowheads="1"/>
+          </p:cNvPicPr>
+          <p:nvPr/>
+        </p:nvPicPr>
+        <p:blipFill>
+          <a:blip r:embed="rId5">
+            <a:extLst>
+              <a:ext uri="{28A0092B-C50C-407E-A947-70E740481C1C}">
+                <a14:useLocalDpi xmlns:a14="http://schemas.microsoft.com/office/drawing/2010/main" val="0"/>
+              </a:ext>
+            </a:extLst>
+          </a:blip>
+          <a:srcRect/>
+          <a:stretch>
+            <a:fillRect/>
+          </a:stretch>
+        </p:blipFill>
+        <p:spPr bwMode="auto">
+          <a:xfrm>
+            <a:off x="10402059" y="1809234"/>
+            <a:ext cx="558041" cy="558041"/>
+          </a:xfrm>
+          <a:prstGeom prst="rect">
+            <a:avLst/>
+          </a:prstGeom>
+          <a:noFill/>
+          <a:extLst>
+            <a:ext uri="{909E8E84-426E-40DD-AFC4-6F175D3DCCD1}">
+              <a14:hiddenFill xmlns:a14="http://schemas.microsoft.com/office/drawing/2010/main">
+                <a:solidFill>
+                  <a:srgbClr val="FFFFFF"/>
+                </a:solidFill>
+              </a14:hiddenFill>
+            </a:ext>
+          </a:extLst>
+        </p:spPr>
+      </p:pic>
+      <p:pic>
+        <p:nvPicPr>
+          <p:cNvPr id="45" name="Picture 4" descr="苹果手机备忘录怎么恢复？苹果恢复大师恢复iPhone备忘录教程">
+            <a:extLst>
+              <a:ext uri="{FF2B5EF4-FFF2-40B4-BE49-F238E27FC236}">
+                <a16:creationId xmlns:a16="http://schemas.microsoft.com/office/drawing/2014/main" id="{80931E61-A4D1-4516-7A86-61A87A36E680}"/>
+              </a:ext>
+            </a:extLst>
+          </p:cNvPr>
+          <p:cNvPicPr>
+            <a:picLocks noChangeAspect="1" noChangeArrowheads="1"/>
+          </p:cNvPicPr>
+          <p:nvPr/>
+        </p:nvPicPr>
+        <p:blipFill rotWithShape="1">
+          <a:blip r:embed="rId6">
+            <a:extLst>
+              <a:ext uri="{28A0092B-C50C-407E-A947-70E740481C1C}">
+                <a14:useLocalDpi xmlns:a14="http://schemas.microsoft.com/office/drawing/2010/main" val="0"/>
+              </a:ext>
+            </a:extLst>
+          </a:blip>
+          <a:srcRect l="22498" t="2373" r="21062" b="21150"/>
+          <a:stretch/>
+        </p:blipFill>
+        <p:spPr bwMode="auto">
+          <a:xfrm>
+            <a:off x="10471322" y="2427356"/>
+            <a:ext cx="459635" cy="450727"/>
+          </a:xfrm>
+          <a:prstGeom prst="rect">
+            <a:avLst/>
+          </a:prstGeom>
+          <a:noFill/>
+          <a:extLst>
+            <a:ext uri="{909E8E84-426E-40DD-AFC4-6F175D3DCCD1}">
+              <a14:hiddenFill xmlns:a14="http://schemas.microsoft.com/office/drawing/2010/main">
+                <a:solidFill>
+                  <a:srgbClr val="FFFFFF"/>
+                </a:solidFill>
+              </a14:hiddenFill>
+            </a:ext>
+          </a:extLst>
+        </p:spPr>
+      </p:pic>
+      <p:sp>
+        <p:nvSpPr>
+          <p:cNvPr id="46" name="下箭头 45">
+            <a:extLst>
+              <a:ext uri="{FF2B5EF4-FFF2-40B4-BE49-F238E27FC236}">
+                <a16:creationId xmlns:a16="http://schemas.microsoft.com/office/drawing/2014/main" id="{6AD4CF9C-3786-EFCC-6BF1-3CC2913D3067}"/>
+              </a:ext>
+            </a:extLst>
+          </p:cNvPr>
+          <p:cNvSpPr/>
+          <p:nvPr/>
+        </p:nvSpPr>
+        <p:spPr>
+          <a:xfrm>
+            <a:off x="1141299" y="1821407"/>
+            <a:ext cx="336083" cy="307185"/>
+          </a:xfrm>
+          <a:prstGeom prst="downArrow">
+            <a:avLst/>
+          </a:prstGeom>
+        </p:spPr>
+        <p:style>
+          <a:lnRef idx="2">
+            <a:schemeClr val="accent2">
+              <a:shade val="15000"/>
+            </a:schemeClr>
+          </a:lnRef>
+          <a:fillRef idx="1">
+            <a:schemeClr val="accent2"/>
+          </a:fillRef>
+          <a:effectRef idx="0">
+            <a:schemeClr val="accent2"/>
+          </a:effectRef>
+          <a:fontRef idx="minor">
+            <a:schemeClr val="lt1"/>
+          </a:fontRef>
+        </p:style>
+        <p:txBody>
+          <a:bodyPr rtlCol="0" anchor="ctr"/>
+          <a:lstStyle/>
+          <a:p>
+            <a:pPr algn="ctr"/>
+            <a:endParaRPr kumimoji="1" lang="zh-CN" altLang="en-US"/>
+          </a:p>
+        </p:txBody>
+      </p:sp>
+      <p:sp>
+        <p:nvSpPr>
+          <p:cNvPr id="47" name="文本框 46">
+            <a:extLst>
+              <a:ext uri="{FF2B5EF4-FFF2-40B4-BE49-F238E27FC236}">
+                <a16:creationId xmlns:a16="http://schemas.microsoft.com/office/drawing/2014/main" id="{6F42542C-78BE-8B4C-FD2E-753C929D91DB}"/>
+              </a:ext>
+            </a:extLst>
+          </p:cNvPr>
+          <p:cNvSpPr txBox="1"/>
+          <p:nvPr/>
+        </p:nvSpPr>
+        <p:spPr>
+          <a:xfrm>
+            <a:off x="353538" y="1809234"/>
+            <a:ext cx="954562" cy="523220"/>
+          </a:xfrm>
+          <a:prstGeom prst="rect">
+            <a:avLst/>
+          </a:prstGeom>
+          <a:noFill/>
+        </p:spPr>
+        <p:txBody>
+          <a:bodyPr wrap="square" rtlCol="0">
+            <a:spAutoFit/>
+          </a:bodyPr>
+          <a:lstStyle/>
+          <a:p>
+            <a:r>
+              <a:rPr lang="zh-CN" altLang="en-US" sz="1400" dirty="0"/>
+              <a:t>使用知识做项目</a:t>
+            </a:r>
+          </a:p>
+        </p:txBody>
+      </p:sp>
+      <p:sp>
+        <p:nvSpPr>
+          <p:cNvPr id="49" name="竖卷形 48">
+            <a:extLst>
+              <a:ext uri="{FF2B5EF4-FFF2-40B4-BE49-F238E27FC236}">
+                <a16:creationId xmlns:a16="http://schemas.microsoft.com/office/drawing/2014/main" id="{6C4F5682-84A6-CD15-A6B4-C3528F41D77C}"/>
+              </a:ext>
+            </a:extLst>
+          </p:cNvPr>
+          <p:cNvSpPr/>
+          <p:nvPr/>
+        </p:nvSpPr>
+        <p:spPr>
+          <a:xfrm>
+            <a:off x="9677337" y="3300758"/>
+            <a:ext cx="1251698" cy="1237225"/>
+          </a:xfrm>
+          <a:prstGeom prst="verticalScroll">
+            <a:avLst/>
+          </a:prstGeom>
+        </p:spPr>
+        <p:style>
+          <a:lnRef idx="2">
+            <a:schemeClr val="accent1">
+              <a:shade val="15000"/>
+            </a:schemeClr>
+          </a:lnRef>
+          <a:fillRef idx="1">
+            <a:schemeClr val="accent1"/>
+          </a:fillRef>
+          <a:effectRef idx="0">
+            <a:schemeClr val="accent1"/>
+          </a:effectRef>
+          <a:fontRef idx="minor">
+            <a:schemeClr val="lt1"/>
+          </a:fontRef>
+        </p:style>
+        <p:txBody>
+          <a:bodyPr rtlCol="0" anchor="ctr"/>
+          <a:lstStyle/>
+          <a:p>
+            <a:pPr marL="285750" indent="-285750" algn="ctr">
+              <a:buFont typeface="Wingdings" pitchFamily="2" charset="2"/>
+              <a:buChar char="Ø"/>
+            </a:pPr>
+            <a:r>
+              <a:rPr kumimoji="1" lang="zh-CN" altLang="en-US" sz="1400" dirty="0"/>
+              <a:t>收集</a:t>
+            </a:r>
+            <a:endParaRPr kumimoji="1" lang="en-US" altLang="zh-CN" sz="1400" dirty="0"/>
+          </a:p>
+          <a:p>
+            <a:pPr marL="285750" indent="-285750" algn="ctr">
+              <a:buFont typeface="Wingdings" pitchFamily="2" charset="2"/>
+              <a:buChar char="Ø"/>
+            </a:pPr>
+            <a:r>
+              <a:rPr kumimoji="1" lang="zh-CN" altLang="en-US" sz="1400" dirty="0"/>
+              <a:t>整理</a:t>
+            </a:r>
+            <a:endParaRPr kumimoji="1" lang="en-US" altLang="zh-CN" sz="1400" dirty="0"/>
+          </a:p>
+          <a:p>
+            <a:pPr marL="285750" indent="-285750" algn="ctr">
+              <a:buFont typeface="Wingdings" pitchFamily="2" charset="2"/>
+              <a:buChar char="Ø"/>
+            </a:pPr>
+            <a:r>
+              <a:rPr kumimoji="1" lang="zh-CN" altLang="en-US" sz="1400" dirty="0"/>
+              <a:t>使用</a:t>
+            </a:r>
+          </a:p>
+        </p:txBody>
+      </p:sp>
+      <p:sp>
+        <p:nvSpPr>
+          <p:cNvPr id="50" name="左箭头 49">
+            <a:extLst>
+              <a:ext uri="{FF2B5EF4-FFF2-40B4-BE49-F238E27FC236}">
+                <a16:creationId xmlns:a16="http://schemas.microsoft.com/office/drawing/2014/main" id="{D0DA44D4-86EB-26CA-AD31-DFF92A5CDE3D}"/>
+              </a:ext>
+            </a:extLst>
+          </p:cNvPr>
+          <p:cNvSpPr/>
+          <p:nvPr/>
+        </p:nvSpPr>
+        <p:spPr>
+          <a:xfrm>
+            <a:off x="5317067" y="1809234"/>
+            <a:ext cx="664634" cy="391273"/>
+          </a:xfrm>
+          <a:prstGeom prst="leftArrow">
+            <a:avLst/>
+          </a:prstGeom>
+        </p:spPr>
+        <p:style>
+          <a:lnRef idx="2">
+            <a:schemeClr val="accent1">
+              <a:shade val="15000"/>
+            </a:schemeClr>
+          </a:lnRef>
+          <a:fillRef idx="1">
+            <a:schemeClr val="accent1"/>
+          </a:fillRef>
+          <a:effectRef idx="0">
+            <a:schemeClr val="accent1"/>
+          </a:effectRef>
+          <a:fontRef idx="minor">
+            <a:schemeClr val="lt1"/>
+          </a:fontRef>
+        </p:style>
+        <p:txBody>
+          <a:bodyPr rtlCol="0" anchor="ctr"/>
+          <a:lstStyle/>
+          <a:p>
+            <a:pPr algn="ctr"/>
+            <a:endParaRPr kumimoji="1" lang="zh-CN" altLang="en-US"/>
+          </a:p>
+        </p:txBody>
+      </p:sp>
+      <p:sp>
+        <p:nvSpPr>
+          <p:cNvPr id="51" name="文本框 50">
+            <a:extLst>
+              <a:ext uri="{FF2B5EF4-FFF2-40B4-BE49-F238E27FC236}">
+                <a16:creationId xmlns:a16="http://schemas.microsoft.com/office/drawing/2014/main" id="{37BEDDA9-E87A-90AB-AE8B-31A2CE0D2702}"/>
+              </a:ext>
+            </a:extLst>
+          </p:cNvPr>
+          <p:cNvSpPr txBox="1"/>
+          <p:nvPr/>
+        </p:nvSpPr>
+        <p:spPr>
+          <a:xfrm>
+            <a:off x="5269195" y="1313576"/>
+            <a:ext cx="954562" cy="523220"/>
+          </a:xfrm>
+          <a:prstGeom prst="rect">
+            <a:avLst/>
+          </a:prstGeom>
+        </p:spPr>
+        <p:style>
+          <a:lnRef idx="0">
+            <a:schemeClr val="accent6"/>
+          </a:lnRef>
+          <a:fillRef idx="3">
+            <a:schemeClr val="accent6"/>
+          </a:fillRef>
+          <a:effectRef idx="3">
+            <a:schemeClr val="accent6"/>
+          </a:effectRef>
+          <a:fontRef idx="minor">
+            <a:schemeClr val="lt1"/>
+          </a:fontRef>
+        </p:style>
+        <p:txBody>
+          <a:bodyPr wrap="square" rtlCol="0">
+            <a:spAutoFit/>
+          </a:bodyPr>
+          <a:lstStyle/>
+          <a:p>
+            <a:r>
+              <a:rPr lang="zh-CN" altLang="en-US" sz="1400" dirty="0"/>
+              <a:t>命运</a:t>
+            </a:r>
+            <a:r>
+              <a:rPr lang="en-US" altLang="zh-CN" sz="1400" dirty="0"/>
+              <a:t>1:</a:t>
+            </a:r>
+            <a:r>
+              <a:rPr lang="zh-CN" altLang="en-US" sz="1400" dirty="0"/>
+              <a:t>升华为知识</a:t>
+            </a:r>
+          </a:p>
+        </p:txBody>
+      </p:sp>
+      <p:sp>
+        <p:nvSpPr>
+          <p:cNvPr id="52" name="直角上箭头 51">
+            <a:extLst>
+              <a:ext uri="{FF2B5EF4-FFF2-40B4-BE49-F238E27FC236}">
+                <a16:creationId xmlns:a16="http://schemas.microsoft.com/office/drawing/2014/main" id="{4DE5EFD0-D09B-3274-DDF9-C3CCB04CB1B0}"/>
+              </a:ext>
+            </a:extLst>
+          </p:cNvPr>
+          <p:cNvSpPr/>
+          <p:nvPr/>
+        </p:nvSpPr>
+        <p:spPr>
+          <a:xfrm rot="10800000">
+            <a:off x="5434361" y="2549595"/>
+            <a:ext cx="547340" cy="738725"/>
+          </a:xfrm>
+          <a:prstGeom prst="bentUpArrow">
+            <a:avLst/>
+          </a:prstGeom>
+        </p:spPr>
+        <p:style>
+          <a:lnRef idx="2">
+            <a:schemeClr val="accent1">
+              <a:shade val="15000"/>
+            </a:schemeClr>
+          </a:lnRef>
+          <a:fillRef idx="1">
+            <a:schemeClr val="accent1"/>
+          </a:fillRef>
+          <a:effectRef idx="0">
+            <a:schemeClr val="accent1"/>
+          </a:effectRef>
+          <a:fontRef idx="minor">
+            <a:schemeClr val="lt1"/>
+          </a:fontRef>
+        </p:style>
+        <p:txBody>
+          <a:bodyPr rtlCol="0" anchor="ctr"/>
+          <a:lstStyle/>
+          <a:p>
+            <a:pPr algn="ctr"/>
+            <a:endParaRPr kumimoji="1" lang="zh-CN" altLang="en-US"/>
+          </a:p>
+        </p:txBody>
+      </p:sp>
+      <p:sp>
+        <p:nvSpPr>
+          <p:cNvPr id="53" name="文本框 52">
+            <a:extLst>
+              <a:ext uri="{FF2B5EF4-FFF2-40B4-BE49-F238E27FC236}">
+                <a16:creationId xmlns:a16="http://schemas.microsoft.com/office/drawing/2014/main" id="{6FC305D5-33A7-C2CD-0E31-CC64565E89CA}"/>
+              </a:ext>
+            </a:extLst>
+          </p:cNvPr>
+          <p:cNvSpPr txBox="1"/>
+          <p:nvPr/>
+        </p:nvSpPr>
+        <p:spPr>
+          <a:xfrm>
+            <a:off x="5280053" y="3365542"/>
+            <a:ext cx="954562" cy="738664"/>
+          </a:xfrm>
+          <a:prstGeom prst="rect">
+            <a:avLst/>
+          </a:prstGeom>
+        </p:spPr>
+        <p:style>
+          <a:lnRef idx="0">
+            <a:schemeClr val="accent6"/>
+          </a:lnRef>
+          <a:fillRef idx="3">
+            <a:schemeClr val="accent6"/>
+          </a:fillRef>
+          <a:effectRef idx="3">
+            <a:schemeClr val="accent6"/>
+          </a:effectRef>
+          <a:fontRef idx="minor">
+            <a:schemeClr val="lt1"/>
+          </a:fontRef>
+        </p:style>
+        <p:txBody>
+          <a:bodyPr wrap="square" rtlCol="0">
+            <a:spAutoFit/>
+          </a:bodyPr>
+          <a:lstStyle/>
+          <a:p>
+            <a:r>
+              <a:rPr lang="zh-CN" altLang="en-US" sz="1400" dirty="0"/>
+              <a:t>命运</a:t>
+            </a:r>
+            <a:r>
+              <a:rPr lang="en-US" altLang="zh-CN" sz="1400" dirty="0"/>
+              <a:t>2</a:t>
+            </a:r>
+            <a:r>
+              <a:rPr lang="zh-CN" altLang="en-US" sz="1400" dirty="0"/>
+              <a:t>：可能有用，归档</a:t>
+            </a:r>
+          </a:p>
+        </p:txBody>
+      </p:sp>
+      <p:sp>
+        <p:nvSpPr>
+          <p:cNvPr id="54" name="直角上箭头 53">
+            <a:extLst>
+              <a:ext uri="{FF2B5EF4-FFF2-40B4-BE49-F238E27FC236}">
+                <a16:creationId xmlns:a16="http://schemas.microsoft.com/office/drawing/2014/main" id="{428E5DE0-30CB-2FEB-738E-48E2558F84DB}"/>
+              </a:ext>
+            </a:extLst>
+          </p:cNvPr>
+          <p:cNvSpPr/>
+          <p:nvPr/>
+        </p:nvSpPr>
+        <p:spPr>
+          <a:xfrm rot="10800000">
+            <a:off x="5431368" y="4333366"/>
+            <a:ext cx="547340" cy="738725"/>
+          </a:xfrm>
+          <a:prstGeom prst="bentUpArrow">
+            <a:avLst/>
+          </a:prstGeom>
+        </p:spPr>
+        <p:style>
+          <a:lnRef idx="2">
+            <a:schemeClr val="accent1">
+              <a:shade val="15000"/>
+            </a:schemeClr>
+          </a:lnRef>
+          <a:fillRef idx="1">
+            <a:schemeClr val="accent1"/>
+          </a:fillRef>
+          <a:effectRef idx="0">
+            <a:schemeClr val="accent1"/>
+          </a:effectRef>
+          <a:fontRef idx="minor">
+            <a:schemeClr val="lt1"/>
+          </a:fontRef>
+        </p:style>
+        <p:txBody>
+          <a:bodyPr rtlCol="0" anchor="ctr"/>
+          <a:lstStyle/>
+          <a:p>
+            <a:pPr algn="ctr"/>
+            <a:endParaRPr kumimoji="1" lang="zh-CN" altLang="en-US"/>
+          </a:p>
+        </p:txBody>
+      </p:sp>
+      <p:sp>
+        <p:nvSpPr>
+          <p:cNvPr id="55" name="文本框 54">
+            <a:extLst>
+              <a:ext uri="{FF2B5EF4-FFF2-40B4-BE49-F238E27FC236}">
+                <a16:creationId xmlns:a16="http://schemas.microsoft.com/office/drawing/2014/main" id="{91E165E4-5948-9513-2384-B98377FB8897}"/>
+              </a:ext>
+            </a:extLst>
+          </p:cNvPr>
+          <p:cNvSpPr txBox="1"/>
+          <p:nvPr/>
+        </p:nvSpPr>
+        <p:spPr>
+          <a:xfrm>
+            <a:off x="5237720" y="5099726"/>
+            <a:ext cx="954562" cy="738664"/>
+          </a:xfrm>
+          <a:prstGeom prst="rect">
+            <a:avLst/>
+          </a:prstGeom>
+        </p:spPr>
+        <p:style>
+          <a:lnRef idx="0">
+            <a:schemeClr val="accent6"/>
+          </a:lnRef>
+          <a:fillRef idx="3">
+            <a:schemeClr val="accent6"/>
+          </a:fillRef>
+          <a:effectRef idx="3">
+            <a:schemeClr val="accent6"/>
+          </a:effectRef>
+          <a:fontRef idx="minor">
+            <a:schemeClr val="lt1"/>
+          </a:fontRef>
+        </p:style>
+        <p:txBody>
+          <a:bodyPr wrap="square" rtlCol="0">
+            <a:spAutoFit/>
+          </a:bodyPr>
+          <a:lstStyle/>
+          <a:p>
+            <a:r>
+              <a:rPr lang="zh-CN" altLang="en-US" sz="1400" dirty="0"/>
+              <a:t>命运</a:t>
+            </a:r>
+            <a:r>
+              <a:rPr lang="en-US" altLang="zh-CN" sz="1400" dirty="0"/>
+              <a:t>3</a:t>
+            </a:r>
+            <a:r>
+              <a:rPr lang="zh-CN" altLang="en-US" sz="1400" dirty="0"/>
+              <a:t>：阅后即焚，</a:t>
+            </a:r>
+            <a:endParaRPr lang="en-US" altLang="zh-CN" sz="1400" dirty="0"/>
+          </a:p>
+          <a:p>
+            <a:r>
+              <a:rPr lang="zh-CN" altLang="en-US" sz="1400" dirty="0"/>
+              <a:t>删</a:t>
+            </a:r>
+          </a:p>
+        </p:txBody>
+      </p:sp>
+    </p:spTree>
+    <p:extLst>
+      <p:ext uri="{BB962C8B-B14F-4D97-AF65-F5344CB8AC3E}">
+        <p14:creationId xmlns:p14="http://schemas.microsoft.com/office/powerpoint/2010/main" val="2173719263"/>
+      </p:ext>
+    </p:extLst>
+  </p:cSld>
+  <p:clrMapOvr>
+    <a:masterClrMapping/>
+  </p:clrMapOvr>
+</p:sld>
+</file>
+
 <file path=ppt/slides/slide2.xml><?xml version="1.0" encoding="utf-8"?>
 <p:sld xmlns:a="http://schemas.openxmlformats.org/drawingml/2006/main" xmlns:r="http://schemas.openxmlformats.org/officeDocument/2006/relationships" xmlns:p="http://schemas.openxmlformats.org/presentationml/2006/main">
   <p:cSld>
@@ -7018,6 +9594,145 @@
           <a:xfrm>
             <a:off x="981467" y="4757289"/>
             <a:ext cx="1429891" cy="1325564"/>
+          </a:xfrm>
+          <a:prstGeom prst="rect">
+            <a:avLst/>
+          </a:prstGeom>
+          <a:noFill/>
+          <a:extLst>
+            <a:ext uri="{909E8E84-426E-40DD-AFC4-6F175D3DCCD1}">
+              <a14:hiddenFill xmlns:a14="http://schemas.microsoft.com/office/drawing/2010/main">
+                <a:solidFill>
+                  <a:srgbClr val="FFFFFF"/>
+                </a:solidFill>
+              </a14:hiddenFill>
+            </a:ext>
+          </a:extLst>
+        </p:spPr>
+      </p:pic>
+      <p:pic>
+        <p:nvPicPr>
+          <p:cNvPr id="1026" name="Picture 2" descr="Billfish素材管理工具的个人空间-Billfish素材管理工具个人主页-哔哩哔哩视频">
+            <a:extLst>
+              <a:ext uri="{FF2B5EF4-FFF2-40B4-BE49-F238E27FC236}">
+                <a16:creationId xmlns:a16="http://schemas.microsoft.com/office/drawing/2014/main" id="{4D57CA59-1DFA-4445-EBDB-12E854055EF5}"/>
+              </a:ext>
+            </a:extLst>
+          </p:cNvPr>
+          <p:cNvPicPr>
+            <a:picLocks noChangeAspect="1" noChangeArrowheads="1"/>
+          </p:cNvPicPr>
+          <p:nvPr/>
+        </p:nvPicPr>
+        <p:blipFill>
+          <a:blip r:embed="rId13">
+            <a:extLst>
+              <a:ext uri="{28A0092B-C50C-407E-A947-70E740481C1C}">
+                <a14:useLocalDpi xmlns:a14="http://schemas.microsoft.com/office/drawing/2010/main" val="0"/>
+              </a:ext>
+            </a:extLst>
+          </a:blip>
+          <a:srcRect/>
+          <a:stretch>
+            <a:fillRect/>
+          </a:stretch>
+        </p:blipFill>
+        <p:spPr bwMode="auto">
+          <a:xfrm>
+            <a:off x="9245611" y="1406014"/>
+            <a:ext cx="1019872" cy="1019872"/>
+          </a:xfrm>
+          <a:prstGeom prst="rect">
+            <a:avLst/>
+          </a:prstGeom>
+          <a:noFill/>
+          <a:extLst>
+            <a:ext uri="{909E8E84-426E-40DD-AFC4-6F175D3DCCD1}">
+              <a14:hiddenFill xmlns:a14="http://schemas.microsoft.com/office/drawing/2010/main">
+                <a:solidFill>
+                  <a:srgbClr val="FFFFFF"/>
+                </a:solidFill>
+              </a14:hiddenFill>
+            </a:ext>
+          </a:extLst>
+        </p:spPr>
+      </p:pic>
+      <p:pic>
+        <p:nvPicPr>
+          <p:cNvPr id="2" name="Picture 2" descr="GitHub - laurent22/joplin: Joplin - the secure note taking and to-do app  with synchronisation capabilities for Windows, macOS, Linux, Android and  iOS.">
+            <a:extLst>
+              <a:ext uri="{FF2B5EF4-FFF2-40B4-BE49-F238E27FC236}">
+                <a16:creationId xmlns:a16="http://schemas.microsoft.com/office/drawing/2014/main" id="{A5710C36-B1FF-7EF7-9E2B-D12834802884}"/>
+              </a:ext>
+            </a:extLst>
+          </p:cNvPr>
+          <p:cNvPicPr>
+            <a:picLocks noChangeAspect="1" noChangeArrowheads="1"/>
+          </p:cNvPicPr>
+          <p:nvPr/>
+        </p:nvPicPr>
+        <p:blipFill>
+          <a:blip r:embed="rId14">
+            <a:extLst>
+              <a:ext uri="{28A0092B-C50C-407E-A947-70E740481C1C}">
+                <a14:useLocalDpi xmlns:a14="http://schemas.microsoft.com/office/drawing/2010/main" val="0"/>
+              </a:ext>
+            </a:extLst>
+          </a:blip>
+          <a:srcRect/>
+          <a:stretch>
+            <a:fillRect/>
+          </a:stretch>
+        </p:blipFill>
+        <p:spPr bwMode="auto">
+          <a:xfrm>
+            <a:off x="10402059" y="1809234"/>
+            <a:ext cx="971921" cy="971921"/>
+          </a:xfrm>
+          <a:prstGeom prst="rect">
+            <a:avLst/>
+          </a:prstGeom>
+          <a:noFill/>
+          <a:extLst>
+            <a:ext uri="{909E8E84-426E-40DD-AFC4-6F175D3DCCD1}">
+              <a14:hiddenFill xmlns:a14="http://schemas.microsoft.com/office/drawing/2010/main">
+                <a:solidFill>
+                  <a:srgbClr val="FFFFFF"/>
+                </a:solidFill>
+              </a14:hiddenFill>
+            </a:ext>
+          </a:extLst>
+        </p:spPr>
+      </p:pic>
+      <p:pic>
+        <p:nvPicPr>
+          <p:cNvPr id="1028" name="Picture 4" descr="苹果手机备忘录怎么恢复？苹果恢复大师恢复iPhone备忘录教程">
+            <a:extLst>
+              <a:ext uri="{FF2B5EF4-FFF2-40B4-BE49-F238E27FC236}">
+                <a16:creationId xmlns:a16="http://schemas.microsoft.com/office/drawing/2014/main" id="{C2E5B890-7A50-14E8-D623-98C23D9E1E57}"/>
+              </a:ext>
+            </a:extLst>
+          </p:cNvPr>
+          <p:cNvPicPr>
+            <a:picLocks noChangeAspect="1" noChangeArrowheads="1"/>
+          </p:cNvPicPr>
+          <p:nvPr/>
+        </p:nvPicPr>
+        <p:blipFill rotWithShape="1">
+          <a:blip r:embed="rId15">
+            <a:extLst>
+              <a:ext uri="{28A0092B-C50C-407E-A947-70E740481C1C}">
+                <a14:useLocalDpi xmlns:a14="http://schemas.microsoft.com/office/drawing/2010/main" val="0"/>
+              </a:ext>
+            </a:extLst>
+          </a:blip>
+          <a:srcRect l="22498" t="2373" r="21062" b="21150"/>
+          <a:stretch/>
+        </p:blipFill>
+        <p:spPr bwMode="auto">
+          <a:xfrm>
+            <a:off x="10275272" y="3742309"/>
+            <a:ext cx="682297" cy="669073"/>
           </a:xfrm>
           <a:prstGeom prst="rect">
             <a:avLst/>

--- a/images/2023-07-19-ru-he-da-jian-shu-yu-zi-ji-de-zhi-shi-shou-ji-zheng-li-jia-gong-ti-xi/知识管理各种图片.pptx
+++ b/images/2023-07-19-ru-he-da-jian-shu-yu-zi-ji-de-zhi-shi-shou-ji-zheng-li-jia-gong-ti-xi/知识管理各种图片.pptx
@@ -19,6 +19,7 @@
     <p:sldId id="267" r:id="rId13"/>
     <p:sldId id="268" r:id="rId14"/>
     <p:sldId id="269" r:id="rId15"/>
+    <p:sldId id="270" r:id="rId16"/>
   </p:sldIdLst>
   <p:sldSz cx="12192000" cy="6858000"/>
   <p:notesSz cx="6858000" cy="9144000"/>
@@ -272,7 +273,7 @@
           <a:p>
             <a:fld id="{1FED3324-CAE9-C448-AEBB-5F479A408AD6}" type="datetimeFigureOut">
               <a:rPr kumimoji="1" lang="zh-CN" altLang="en-US" smtClean="0"/>
-              <a:t>2023/8/29</a:t>
+              <a:t>2023/8/30</a:t>
             </a:fld>
             <a:endParaRPr kumimoji="1" lang="zh-CN" altLang="en-US"/>
           </a:p>
@@ -470,7 +471,7 @@
           <a:p>
             <a:fld id="{1FED3324-CAE9-C448-AEBB-5F479A408AD6}" type="datetimeFigureOut">
               <a:rPr kumimoji="1" lang="zh-CN" altLang="en-US" smtClean="0"/>
-              <a:t>2023/8/29</a:t>
+              <a:t>2023/8/30</a:t>
             </a:fld>
             <a:endParaRPr kumimoji="1" lang="zh-CN" altLang="en-US"/>
           </a:p>
@@ -678,7 +679,7 @@
           <a:p>
             <a:fld id="{1FED3324-CAE9-C448-AEBB-5F479A408AD6}" type="datetimeFigureOut">
               <a:rPr kumimoji="1" lang="zh-CN" altLang="en-US" smtClean="0"/>
-              <a:t>2023/8/29</a:t>
+              <a:t>2023/8/30</a:t>
             </a:fld>
             <a:endParaRPr kumimoji="1" lang="zh-CN" altLang="en-US"/>
           </a:p>
@@ -876,7 +877,7 @@
           <a:p>
             <a:fld id="{1FED3324-CAE9-C448-AEBB-5F479A408AD6}" type="datetimeFigureOut">
               <a:rPr kumimoji="1" lang="zh-CN" altLang="en-US" smtClean="0"/>
-              <a:t>2023/8/29</a:t>
+              <a:t>2023/8/30</a:t>
             </a:fld>
             <a:endParaRPr kumimoji="1" lang="zh-CN" altLang="en-US"/>
           </a:p>
@@ -1151,7 +1152,7 @@
           <a:p>
             <a:fld id="{1FED3324-CAE9-C448-AEBB-5F479A408AD6}" type="datetimeFigureOut">
               <a:rPr kumimoji="1" lang="zh-CN" altLang="en-US" smtClean="0"/>
-              <a:t>2023/8/29</a:t>
+              <a:t>2023/8/30</a:t>
             </a:fld>
             <a:endParaRPr kumimoji="1" lang="zh-CN" altLang="en-US"/>
           </a:p>
@@ -1416,7 +1417,7 @@
           <a:p>
             <a:fld id="{1FED3324-CAE9-C448-AEBB-5F479A408AD6}" type="datetimeFigureOut">
               <a:rPr kumimoji="1" lang="zh-CN" altLang="en-US" smtClean="0"/>
-              <a:t>2023/8/29</a:t>
+              <a:t>2023/8/30</a:t>
             </a:fld>
             <a:endParaRPr kumimoji="1" lang="zh-CN" altLang="en-US"/>
           </a:p>
@@ -1828,7 +1829,7 @@
           <a:p>
             <a:fld id="{1FED3324-CAE9-C448-AEBB-5F479A408AD6}" type="datetimeFigureOut">
               <a:rPr kumimoji="1" lang="zh-CN" altLang="en-US" smtClean="0"/>
-              <a:t>2023/8/29</a:t>
+              <a:t>2023/8/30</a:t>
             </a:fld>
             <a:endParaRPr kumimoji="1" lang="zh-CN" altLang="en-US"/>
           </a:p>
@@ -1969,7 +1970,7 @@
           <a:p>
             <a:fld id="{1FED3324-CAE9-C448-AEBB-5F479A408AD6}" type="datetimeFigureOut">
               <a:rPr kumimoji="1" lang="zh-CN" altLang="en-US" smtClean="0"/>
-              <a:t>2023/8/29</a:t>
+              <a:t>2023/8/30</a:t>
             </a:fld>
             <a:endParaRPr kumimoji="1" lang="zh-CN" altLang="en-US"/>
           </a:p>
@@ -2082,7 +2083,7 @@
           <a:p>
             <a:fld id="{1FED3324-CAE9-C448-AEBB-5F479A408AD6}" type="datetimeFigureOut">
               <a:rPr kumimoji="1" lang="zh-CN" altLang="en-US" smtClean="0"/>
-              <a:t>2023/8/29</a:t>
+              <a:t>2023/8/30</a:t>
             </a:fld>
             <a:endParaRPr kumimoji="1" lang="zh-CN" altLang="en-US"/>
           </a:p>
@@ -2393,7 +2394,7 @@
           <a:p>
             <a:fld id="{1FED3324-CAE9-C448-AEBB-5F479A408AD6}" type="datetimeFigureOut">
               <a:rPr kumimoji="1" lang="zh-CN" altLang="en-US" smtClean="0"/>
-              <a:t>2023/8/29</a:t>
+              <a:t>2023/8/30</a:t>
             </a:fld>
             <a:endParaRPr kumimoji="1" lang="zh-CN" altLang="en-US"/>
           </a:p>
@@ -2681,7 +2682,7 @@
           <a:p>
             <a:fld id="{1FED3324-CAE9-C448-AEBB-5F479A408AD6}" type="datetimeFigureOut">
               <a:rPr kumimoji="1" lang="zh-CN" altLang="en-US" smtClean="0"/>
-              <a:t>2023/8/29</a:t>
+              <a:t>2023/8/30</a:t>
             </a:fld>
             <a:endParaRPr kumimoji="1" lang="zh-CN" altLang="en-US"/>
           </a:p>
@@ -2922,7 +2923,7 @@
           <a:p>
             <a:fld id="{1FED3324-CAE9-C448-AEBB-5F479A408AD6}" type="datetimeFigureOut">
               <a:rPr kumimoji="1" lang="zh-CN" altLang="en-US" smtClean="0"/>
-              <a:t>2023/8/29</a:t>
+              <a:t>2023/8/30</a:t>
             </a:fld>
             <a:endParaRPr kumimoji="1" lang="zh-CN" altLang="en-US"/>
           </a:p>
@@ -8904,6 +8905,2285 @@
 </p:sld>
 </file>
 
+<file path=ppt/slides/slide15.xml><?xml version="1.0" encoding="utf-8"?>
+<p:sld xmlns:a="http://schemas.openxmlformats.org/drawingml/2006/main" xmlns:r="http://schemas.openxmlformats.org/officeDocument/2006/relationships" xmlns:p="http://schemas.openxmlformats.org/presentationml/2006/main">
+  <p:cSld>
+    <p:spTree>
+      <p:nvGrpSpPr>
+        <p:cNvPr id="1" name=""/>
+        <p:cNvGrpSpPr/>
+        <p:nvPr/>
+      </p:nvGrpSpPr>
+      <p:grpSpPr>
+        <a:xfrm>
+          <a:off x="0" y="0"/>
+          <a:ext cx="0" cy="0"/>
+          <a:chOff x="0" y="0"/>
+          <a:chExt cx="0" cy="0"/>
+        </a:xfrm>
+      </p:grpSpPr>
+      <p:sp>
+        <p:nvSpPr>
+          <p:cNvPr id="4" name="文本框 3">
+            <a:extLst>
+              <a:ext uri="{FF2B5EF4-FFF2-40B4-BE49-F238E27FC236}">
+                <a16:creationId xmlns:a16="http://schemas.microsoft.com/office/drawing/2014/main" id="{5B19263A-5BE4-7633-9E1C-DC0CC48EABFF}"/>
+              </a:ext>
+            </a:extLst>
+          </p:cNvPr>
+          <p:cNvSpPr txBox="1"/>
+          <p:nvPr/>
+        </p:nvSpPr>
+        <p:spPr>
+          <a:xfrm>
+            <a:off x="282498" y="208156"/>
+            <a:ext cx="3102131" cy="369332"/>
+          </a:xfrm>
+          <a:prstGeom prst="rect">
+            <a:avLst/>
+          </a:prstGeom>
+          <a:noFill/>
+        </p:spPr>
+        <p:txBody>
+          <a:bodyPr wrap="none" rtlCol="0">
+            <a:spAutoFit/>
+          </a:bodyPr>
+          <a:lstStyle/>
+          <a:p>
+            <a:r>
+              <a:rPr kumimoji="1" lang="zh-CN" altLang="en-US" dirty="0"/>
+              <a:t>任务：最近学习安装群晖</a:t>
+            </a:r>
+            <a:r>
+              <a:rPr kumimoji="1" lang="en-US" altLang="zh-CN" dirty="0" err="1"/>
+              <a:t>Nas</a:t>
+            </a:r>
+            <a:endParaRPr kumimoji="1" lang="zh-CN" altLang="en-US" dirty="0"/>
+          </a:p>
+        </p:txBody>
+      </p:sp>
+      <p:graphicFrame>
+        <p:nvGraphicFramePr>
+          <p:cNvPr id="5" name="表格 5">
+            <a:extLst>
+              <a:ext uri="{FF2B5EF4-FFF2-40B4-BE49-F238E27FC236}">
+                <a16:creationId xmlns:a16="http://schemas.microsoft.com/office/drawing/2014/main" id="{B604CDCB-3862-A1FF-FDC4-0960BA14F9B3}"/>
+              </a:ext>
+            </a:extLst>
+          </p:cNvPr>
+          <p:cNvGraphicFramePr>
+            <a:graphicFrameLocks noGrp="1"/>
+          </p:cNvGraphicFramePr>
+          <p:nvPr>
+            <p:extLst>
+              <p:ext uri="{D42A27DB-BD31-4B8C-83A1-F6EECF244321}">
+                <p14:modId xmlns:p14="http://schemas.microsoft.com/office/powerpoint/2010/main" val="318847300"/>
+              </p:ext>
+            </p:extLst>
+          </p:nvPr>
+        </p:nvGraphicFramePr>
+        <p:xfrm>
+          <a:off x="104078" y="577488"/>
+          <a:ext cx="12087922" cy="6124440"/>
+        </p:xfrm>
+        <a:graphic>
+          <a:graphicData uri="http://schemas.openxmlformats.org/drawingml/2006/table">
+            <a:tbl>
+              <a:tblPr firstRow="1" bandRow="1">
+                <a:tableStyleId>{5C22544A-7EE6-4342-B048-85BDC9FD1C3A}</a:tableStyleId>
+              </a:tblPr>
+              <a:tblGrid>
+                <a:gridCol w="2240089">
+                  <a:extLst>
+                    <a:ext uri="{9D8B030D-6E8A-4147-A177-3AD203B41FA5}">
+                      <a16:colId xmlns:a16="http://schemas.microsoft.com/office/drawing/2014/main" val="3657672727"/>
+                    </a:ext>
+                  </a:extLst>
+                </a:gridCol>
+                <a:gridCol w="1789217">
+                  <a:extLst>
+                    <a:ext uri="{9D8B030D-6E8A-4147-A177-3AD203B41FA5}">
+                      <a16:colId xmlns:a16="http://schemas.microsoft.com/office/drawing/2014/main" val="2643957050"/>
+                    </a:ext>
+                  </a:extLst>
+                </a:gridCol>
+                <a:gridCol w="2014654">
+                  <a:extLst>
+                    <a:ext uri="{9D8B030D-6E8A-4147-A177-3AD203B41FA5}">
+                      <a16:colId xmlns:a16="http://schemas.microsoft.com/office/drawing/2014/main" val="3515655341"/>
+                    </a:ext>
+                  </a:extLst>
+                </a:gridCol>
+                <a:gridCol w="2014654">
+                  <a:extLst>
+                    <a:ext uri="{9D8B030D-6E8A-4147-A177-3AD203B41FA5}">
+                      <a16:colId xmlns:a16="http://schemas.microsoft.com/office/drawing/2014/main" val="4014197800"/>
+                    </a:ext>
+                  </a:extLst>
+                </a:gridCol>
+                <a:gridCol w="2014654">
+                  <a:extLst>
+                    <a:ext uri="{9D8B030D-6E8A-4147-A177-3AD203B41FA5}">
+                      <a16:colId xmlns:a16="http://schemas.microsoft.com/office/drawing/2014/main" val="1899363383"/>
+                    </a:ext>
+                  </a:extLst>
+                </a:gridCol>
+                <a:gridCol w="2014654">
+                  <a:extLst>
+                    <a:ext uri="{9D8B030D-6E8A-4147-A177-3AD203B41FA5}">
+                      <a16:colId xmlns:a16="http://schemas.microsoft.com/office/drawing/2014/main" val="1183439644"/>
+                    </a:ext>
+                  </a:extLst>
+                </a:gridCol>
+              </a:tblGrid>
+              <a:tr h="285060">
+                <a:tc>
+                  <a:txBody>
+                    <a:bodyPr/>
+                    <a:lstStyle/>
+                    <a:p>
+                      <a:endParaRPr lang="zh-CN" altLang="en-US" sz="1400" dirty="0"/>
+                    </a:p>
+                  </a:txBody>
+                  <a:tcPr/>
+                </a:tc>
+                <a:tc>
+                  <a:txBody>
+                    <a:bodyPr/>
+                    <a:lstStyle/>
+                    <a:p>
+                      <a:r>
+                        <a:rPr lang="zh-CN" altLang="en-US" sz="1400" dirty="0"/>
+                        <a:t>信息库</a:t>
+                      </a:r>
+                      <a:r>
+                        <a:rPr lang="en-US" altLang="zh-CN" sz="1400" dirty="0"/>
+                        <a:t>Joplin</a:t>
+                      </a:r>
+                      <a:endParaRPr lang="zh-CN" altLang="en-US" sz="1400" dirty="0"/>
+                    </a:p>
+                  </a:txBody>
+                  <a:tcPr/>
+                </a:tc>
+                <a:tc>
+                  <a:txBody>
+                    <a:bodyPr/>
+                    <a:lstStyle/>
+                    <a:p>
+                      <a:r>
+                        <a:rPr lang="zh-CN" altLang="en-US" sz="1400" dirty="0"/>
+                        <a:t>学习知识库</a:t>
+                      </a:r>
+                      <a:r>
+                        <a:rPr lang="en-US" altLang="zh-CN" sz="1400" dirty="0"/>
+                        <a:t>Notion</a:t>
+                      </a:r>
+                      <a:endParaRPr lang="zh-CN" altLang="en-US" sz="1400" dirty="0"/>
+                    </a:p>
+                  </a:txBody>
+                  <a:tcPr/>
+                </a:tc>
+                <a:tc>
+                  <a:txBody>
+                    <a:bodyPr/>
+                    <a:lstStyle/>
+                    <a:p>
+                      <a:r>
+                        <a:rPr lang="zh-CN" altLang="en-US" sz="1400" dirty="0"/>
+                        <a:t>项目知识库</a:t>
+                      </a:r>
+                      <a:r>
+                        <a:rPr lang="en-US" altLang="zh-CN" sz="1400" dirty="0"/>
+                        <a:t>Notion</a:t>
+                      </a:r>
+                      <a:endParaRPr lang="zh-CN" altLang="en-US" sz="1400" dirty="0"/>
+                    </a:p>
+                  </a:txBody>
+                  <a:tcPr/>
+                </a:tc>
+                <a:tc>
+                  <a:txBody>
+                    <a:bodyPr/>
+                    <a:lstStyle/>
+                    <a:p>
+                      <a:r>
+                        <a:rPr lang="zh-CN" altLang="en-US" sz="1400" dirty="0"/>
+                        <a:t>经验知识库</a:t>
+                      </a:r>
+                      <a:r>
+                        <a:rPr lang="en-US" altLang="zh-CN" sz="1400" dirty="0"/>
+                        <a:t>Notion</a:t>
+                      </a:r>
+                      <a:endParaRPr lang="zh-CN" altLang="en-US" sz="1400" dirty="0"/>
+                    </a:p>
+                  </a:txBody>
+                  <a:tcPr/>
+                </a:tc>
+                <a:tc>
+                  <a:txBody>
+                    <a:bodyPr/>
+                    <a:lstStyle/>
+                    <a:p>
+                      <a:r>
+                        <a:rPr lang="zh-CN" altLang="en-US" sz="1400" dirty="0"/>
+                        <a:t>深度知识</a:t>
+                      </a:r>
+                      <a:r>
+                        <a:rPr lang="en-US" altLang="zh-CN" sz="1400" dirty="0"/>
+                        <a:t>OB</a:t>
+                      </a:r>
+                      <a:endParaRPr lang="zh-CN" altLang="en-US" sz="1400" dirty="0"/>
+                    </a:p>
+                  </a:txBody>
+                  <a:tcPr/>
+                </a:tc>
+                <a:extLst>
+                  <a:ext uri="{0D108BD9-81ED-4DB2-BD59-A6C34878D82A}">
+                    <a16:rowId xmlns:a16="http://schemas.microsoft.com/office/drawing/2014/main" val="3172573877"/>
+                  </a:ext>
+                </a:extLst>
+              </a:tr>
+              <a:tr h="285060">
+                <a:tc>
+                  <a:txBody>
+                    <a:bodyPr/>
+                    <a:lstStyle/>
+                    <a:p>
+                      <a:r>
+                        <a:rPr lang="zh-CN" altLang="en-US" sz="1200" dirty="0">
+                          <a:solidFill>
+                            <a:schemeClr val="bg1"/>
+                          </a:solidFill>
+                        </a:rPr>
+                        <a:t>收集了很多网页</a:t>
+                      </a:r>
+                    </a:p>
+                  </a:txBody>
+                  <a:tcPr>
+                    <a:solidFill>
+                      <a:schemeClr val="accent6"/>
+                    </a:solidFill>
+                  </a:tcPr>
+                </a:tc>
+                <a:tc>
+                  <a:txBody>
+                    <a:bodyPr/>
+                    <a:lstStyle/>
+                    <a:p>
+                      <a:r>
+                        <a:rPr lang="zh-CN" altLang="en-US" sz="1200" dirty="0"/>
+                        <a:t>存入</a:t>
+                      </a:r>
+                      <a:r>
+                        <a:rPr lang="en-US" altLang="zh-CN" sz="1200" dirty="0" err="1"/>
+                        <a:t>Joplin_inbox</a:t>
+                      </a:r>
+                      <a:endParaRPr lang="zh-CN" altLang="en-US" sz="1200" dirty="0"/>
+                    </a:p>
+                  </a:txBody>
+                  <a:tcPr/>
+                </a:tc>
+                <a:tc>
+                  <a:txBody>
+                    <a:bodyPr/>
+                    <a:lstStyle/>
+                    <a:p>
+                      <a:endParaRPr lang="zh-CN" altLang="en-US" sz="1200"/>
+                    </a:p>
+                  </a:txBody>
+                  <a:tcPr/>
+                </a:tc>
+                <a:tc>
+                  <a:txBody>
+                    <a:bodyPr/>
+                    <a:lstStyle/>
+                    <a:p>
+                      <a:endParaRPr lang="zh-CN" altLang="en-US" sz="1200"/>
+                    </a:p>
+                  </a:txBody>
+                  <a:tcPr/>
+                </a:tc>
+                <a:tc>
+                  <a:txBody>
+                    <a:bodyPr/>
+                    <a:lstStyle/>
+                    <a:p>
+                      <a:endParaRPr lang="zh-CN" altLang="en-US" sz="1200"/>
+                    </a:p>
+                  </a:txBody>
+                  <a:tcPr/>
+                </a:tc>
+                <a:tc>
+                  <a:txBody>
+                    <a:bodyPr/>
+                    <a:lstStyle/>
+                    <a:p>
+                      <a:endParaRPr lang="zh-CN" altLang="en-US" sz="1200"/>
+                    </a:p>
+                  </a:txBody>
+                  <a:tcPr/>
+                </a:tc>
+                <a:extLst>
+                  <a:ext uri="{0D108BD9-81ED-4DB2-BD59-A6C34878D82A}">
+                    <a16:rowId xmlns:a16="http://schemas.microsoft.com/office/drawing/2014/main" val="1893612813"/>
+                  </a:ext>
+                </a:extLst>
+              </a:tr>
+              <a:tr h="285060">
+                <a:tc>
+                  <a:txBody>
+                    <a:bodyPr/>
+                    <a:lstStyle/>
+                    <a:p>
+                      <a:r>
+                        <a:rPr lang="zh-CN" altLang="en-US" sz="1200" dirty="0">
+                          <a:solidFill>
+                            <a:schemeClr val="bg1"/>
+                          </a:solidFill>
+                        </a:rPr>
+                        <a:t>阅读这些信息</a:t>
+                      </a:r>
+                    </a:p>
+                  </a:txBody>
+                  <a:tcPr>
+                    <a:solidFill>
+                      <a:schemeClr val="accent6"/>
+                    </a:solidFill>
+                  </a:tcPr>
+                </a:tc>
+                <a:tc>
+                  <a:txBody>
+                    <a:bodyPr/>
+                    <a:lstStyle/>
+                    <a:p>
+                      <a:r>
+                        <a:rPr lang="zh-CN" altLang="en-US" sz="1200" dirty="0"/>
+                        <a:t>移到</a:t>
+                      </a:r>
+                      <a:r>
+                        <a:rPr lang="en-US" altLang="zh-CN" sz="1200" dirty="0"/>
+                        <a:t>Joplin</a:t>
+                      </a:r>
+                      <a:r>
+                        <a:rPr lang="zh-CN" altLang="en-US" sz="1200" dirty="0"/>
+                        <a:t>知识笔记</a:t>
+                      </a:r>
+                    </a:p>
+                  </a:txBody>
+                  <a:tcPr/>
+                </a:tc>
+                <a:tc>
+                  <a:txBody>
+                    <a:bodyPr/>
+                    <a:lstStyle/>
+                    <a:p>
+                      <a:r>
+                        <a:rPr lang="zh-CN" altLang="en-US" sz="1200" dirty="0"/>
+                        <a:t>把</a:t>
+                      </a:r>
+                      <a:r>
+                        <a:rPr lang="en-US" altLang="zh-CN" sz="1200" dirty="0"/>
+                        <a:t>Joplin</a:t>
+                      </a:r>
+                      <a:r>
+                        <a:rPr lang="zh-CN" altLang="en-US" sz="1200" dirty="0"/>
+                        <a:t>中知识点</a:t>
+                      </a:r>
+                      <a:r>
+                        <a:rPr lang="en-US" altLang="zh-CN" sz="1200" dirty="0"/>
+                        <a:t>inbox</a:t>
+                      </a:r>
+                      <a:endParaRPr lang="zh-CN" altLang="en-US" sz="1200" dirty="0"/>
+                    </a:p>
+                  </a:txBody>
+                  <a:tcPr/>
+                </a:tc>
+                <a:tc>
+                  <a:txBody>
+                    <a:bodyPr/>
+                    <a:lstStyle/>
+                    <a:p>
+                      <a:endParaRPr lang="zh-CN" altLang="en-US" sz="1200"/>
+                    </a:p>
+                  </a:txBody>
+                  <a:tcPr/>
+                </a:tc>
+                <a:tc>
+                  <a:txBody>
+                    <a:bodyPr/>
+                    <a:lstStyle/>
+                    <a:p>
+                      <a:endParaRPr lang="zh-CN" altLang="en-US" sz="1200"/>
+                    </a:p>
+                  </a:txBody>
+                  <a:tcPr/>
+                </a:tc>
+                <a:tc>
+                  <a:txBody>
+                    <a:bodyPr/>
+                    <a:lstStyle/>
+                    <a:p>
+                      <a:endParaRPr lang="zh-CN" altLang="en-US" sz="1200"/>
+                    </a:p>
+                  </a:txBody>
+                  <a:tcPr/>
+                </a:tc>
+                <a:extLst>
+                  <a:ext uri="{0D108BD9-81ED-4DB2-BD59-A6C34878D82A}">
+                    <a16:rowId xmlns:a16="http://schemas.microsoft.com/office/drawing/2014/main" val="3383756183"/>
+                  </a:ext>
+                </a:extLst>
+              </a:tr>
+              <a:tr h="285060">
+                <a:tc>
+                  <a:txBody>
+                    <a:bodyPr/>
+                    <a:lstStyle/>
+                    <a:p>
+                      <a:r>
+                        <a:rPr lang="zh-CN" altLang="en-US" sz="1200" dirty="0">
+                          <a:solidFill>
+                            <a:schemeClr val="bg1"/>
+                          </a:solidFill>
+                        </a:rPr>
+                        <a:t>学习这些知识</a:t>
+                      </a:r>
+                    </a:p>
+                  </a:txBody>
+                  <a:tcPr>
+                    <a:solidFill>
+                      <a:schemeClr val="accent6"/>
+                    </a:solidFill>
+                  </a:tcPr>
+                </a:tc>
+                <a:tc>
+                  <a:txBody>
+                    <a:bodyPr/>
+                    <a:lstStyle/>
+                    <a:p>
+                      <a:endParaRPr lang="zh-CN" altLang="en-US" sz="1200" dirty="0"/>
+                    </a:p>
+                  </a:txBody>
+                  <a:tcPr/>
+                </a:tc>
+                <a:tc>
+                  <a:txBody>
+                    <a:bodyPr/>
+                    <a:lstStyle/>
+                    <a:p>
+                      <a:r>
+                        <a:rPr lang="zh-CN" altLang="en-US" sz="1200" dirty="0"/>
+                        <a:t>整理这些</a:t>
+                      </a:r>
+                      <a:r>
+                        <a:rPr lang="en-US" altLang="zh-CN" sz="1200" dirty="0"/>
+                        <a:t>inbox</a:t>
+                      </a:r>
+                      <a:r>
+                        <a:rPr lang="zh-CN" altLang="en-US" sz="1200" dirty="0"/>
+                        <a:t>到文件夹</a:t>
+                      </a:r>
+                    </a:p>
+                  </a:txBody>
+                  <a:tcPr/>
+                </a:tc>
+                <a:tc>
+                  <a:txBody>
+                    <a:bodyPr/>
+                    <a:lstStyle/>
+                    <a:p>
+                      <a:endParaRPr lang="zh-CN" altLang="en-US" sz="1200"/>
+                    </a:p>
+                  </a:txBody>
+                  <a:tcPr/>
+                </a:tc>
+                <a:tc>
+                  <a:txBody>
+                    <a:bodyPr/>
+                    <a:lstStyle/>
+                    <a:p>
+                      <a:endParaRPr lang="zh-CN" altLang="en-US" sz="1200"/>
+                    </a:p>
+                  </a:txBody>
+                  <a:tcPr/>
+                </a:tc>
+                <a:tc>
+                  <a:txBody>
+                    <a:bodyPr/>
+                    <a:lstStyle/>
+                    <a:p>
+                      <a:endParaRPr lang="zh-CN" altLang="en-US" sz="1200"/>
+                    </a:p>
+                  </a:txBody>
+                  <a:tcPr/>
+                </a:tc>
+                <a:extLst>
+                  <a:ext uri="{0D108BD9-81ED-4DB2-BD59-A6C34878D82A}">
+                    <a16:rowId xmlns:a16="http://schemas.microsoft.com/office/drawing/2014/main" val="2281376262"/>
+                  </a:ext>
+                </a:extLst>
+              </a:tr>
+              <a:tr h="285060">
+                <a:tc>
+                  <a:txBody>
+                    <a:bodyPr/>
+                    <a:lstStyle/>
+                    <a:p>
+                      <a:r>
+                        <a:rPr lang="zh-CN" altLang="en-US" sz="1200" dirty="0">
+                          <a:solidFill>
+                            <a:schemeClr val="bg1"/>
+                          </a:solidFill>
+                        </a:rPr>
+                        <a:t>开始操作</a:t>
+                      </a:r>
+                    </a:p>
+                  </a:txBody>
+                  <a:tcPr>
+                    <a:solidFill>
+                      <a:schemeClr val="accent6"/>
+                    </a:solidFill>
+                  </a:tcPr>
+                </a:tc>
+                <a:tc>
+                  <a:txBody>
+                    <a:bodyPr/>
+                    <a:lstStyle/>
+                    <a:p>
+                      <a:endParaRPr lang="zh-CN" altLang="en-US" sz="1200"/>
+                    </a:p>
+                  </a:txBody>
+                  <a:tcPr/>
+                </a:tc>
+                <a:tc>
+                  <a:txBody>
+                    <a:bodyPr/>
+                    <a:lstStyle/>
+                    <a:p>
+                      <a:endParaRPr lang="zh-CN" altLang="en-US" sz="1200"/>
+                    </a:p>
+                  </a:txBody>
+                  <a:tcPr/>
+                </a:tc>
+                <a:tc>
+                  <a:txBody>
+                    <a:bodyPr/>
+                    <a:lstStyle/>
+                    <a:p>
+                      <a:r>
+                        <a:rPr lang="zh-CN" altLang="en-US" sz="1200" dirty="0"/>
+                        <a:t>建立一个项目笔记</a:t>
+                      </a:r>
+                    </a:p>
+                  </a:txBody>
+                  <a:tcPr/>
+                </a:tc>
+                <a:tc>
+                  <a:txBody>
+                    <a:bodyPr/>
+                    <a:lstStyle/>
+                    <a:p>
+                      <a:endParaRPr lang="zh-CN" altLang="en-US" sz="1200"/>
+                    </a:p>
+                  </a:txBody>
+                  <a:tcPr/>
+                </a:tc>
+                <a:tc>
+                  <a:txBody>
+                    <a:bodyPr/>
+                    <a:lstStyle/>
+                    <a:p>
+                      <a:endParaRPr lang="zh-CN" altLang="en-US" sz="1200"/>
+                    </a:p>
+                  </a:txBody>
+                  <a:tcPr/>
+                </a:tc>
+                <a:extLst>
+                  <a:ext uri="{0D108BD9-81ED-4DB2-BD59-A6C34878D82A}">
+                    <a16:rowId xmlns:a16="http://schemas.microsoft.com/office/drawing/2014/main" val="2725193694"/>
+                  </a:ext>
+                </a:extLst>
+              </a:tr>
+              <a:tr h="285060">
+                <a:tc>
+                  <a:txBody>
+                    <a:bodyPr/>
+                    <a:lstStyle/>
+                    <a:p>
+                      <a:r>
+                        <a:rPr lang="zh-CN" altLang="en-US" sz="1200" dirty="0">
+                          <a:solidFill>
+                            <a:schemeClr val="bg1"/>
+                          </a:solidFill>
+                        </a:rPr>
+                        <a:t>记录操作</a:t>
+                      </a:r>
+                    </a:p>
+                  </a:txBody>
+                  <a:tcPr>
+                    <a:solidFill>
+                      <a:schemeClr val="accent6"/>
+                    </a:solidFill>
+                  </a:tcPr>
+                </a:tc>
+                <a:tc>
+                  <a:txBody>
+                    <a:bodyPr/>
+                    <a:lstStyle/>
+                    <a:p>
+                      <a:endParaRPr lang="zh-CN" altLang="en-US" sz="1200"/>
+                    </a:p>
+                  </a:txBody>
+                  <a:tcPr/>
+                </a:tc>
+                <a:tc>
+                  <a:txBody>
+                    <a:bodyPr/>
+                    <a:lstStyle/>
+                    <a:p>
+                      <a:endParaRPr lang="zh-CN" altLang="en-US" sz="1200"/>
+                    </a:p>
+                  </a:txBody>
+                  <a:tcPr/>
+                </a:tc>
+                <a:tc>
+                  <a:txBody>
+                    <a:bodyPr/>
+                    <a:lstStyle/>
+                    <a:p>
+                      <a:r>
+                        <a:rPr lang="zh-CN" altLang="en-US" sz="1200" dirty="0"/>
+                        <a:t>在项目中记录笔记</a:t>
+                      </a:r>
+                    </a:p>
+                  </a:txBody>
+                  <a:tcPr/>
+                </a:tc>
+                <a:tc>
+                  <a:txBody>
+                    <a:bodyPr/>
+                    <a:lstStyle/>
+                    <a:p>
+                      <a:endParaRPr lang="zh-CN" altLang="en-US" sz="1200"/>
+                    </a:p>
+                  </a:txBody>
+                  <a:tcPr/>
+                </a:tc>
+                <a:tc>
+                  <a:txBody>
+                    <a:bodyPr/>
+                    <a:lstStyle/>
+                    <a:p>
+                      <a:endParaRPr lang="zh-CN" altLang="en-US" sz="1200"/>
+                    </a:p>
+                  </a:txBody>
+                  <a:tcPr/>
+                </a:tc>
+                <a:extLst>
+                  <a:ext uri="{0D108BD9-81ED-4DB2-BD59-A6C34878D82A}">
+                    <a16:rowId xmlns:a16="http://schemas.microsoft.com/office/drawing/2014/main" val="153302980"/>
+                  </a:ext>
+                </a:extLst>
+              </a:tr>
+              <a:tr h="285060">
+                <a:tc>
+                  <a:txBody>
+                    <a:bodyPr/>
+                    <a:lstStyle/>
+                    <a:p>
+                      <a:r>
+                        <a:rPr lang="zh-CN" altLang="en-US" sz="1200" dirty="0">
+                          <a:solidFill>
+                            <a:schemeClr val="bg1"/>
+                          </a:solidFill>
+                        </a:rPr>
+                        <a:t>遇到问题继续找资料</a:t>
+                      </a:r>
+                    </a:p>
+                  </a:txBody>
+                  <a:tcPr>
+                    <a:solidFill>
+                      <a:schemeClr val="accent6"/>
+                    </a:solidFill>
+                  </a:tcPr>
+                </a:tc>
+                <a:tc>
+                  <a:txBody>
+                    <a:bodyPr/>
+                    <a:lstStyle/>
+                    <a:p>
+                      <a:pPr marL="0" marR="0" lvl="0" indent="0" algn="l" defTabSz="914400" rtl="0" eaLnBrk="1" fontAlgn="auto" latinLnBrk="0" hangingPunct="1">
+                        <a:lnSpc>
+                          <a:spcPct val="100000"/>
+                        </a:lnSpc>
+                        <a:spcBef>
+                          <a:spcPts val="0"/>
+                        </a:spcBef>
+                        <a:spcAft>
+                          <a:spcPts val="0"/>
+                        </a:spcAft>
+                        <a:buClrTx/>
+                        <a:buSzTx/>
+                        <a:buFontTx/>
+                        <a:buNone/>
+                        <a:tabLst/>
+                        <a:defRPr/>
+                      </a:pPr>
+                      <a:r>
+                        <a:rPr lang="zh-CN" altLang="en-US" sz="1200" dirty="0"/>
+                        <a:t>存入</a:t>
+                      </a:r>
+                      <a:r>
+                        <a:rPr lang="en-US" altLang="zh-CN" sz="1200" dirty="0" err="1"/>
+                        <a:t>Joplin_inbox</a:t>
+                      </a:r>
+                      <a:endParaRPr lang="zh-CN" altLang="en-US" sz="1200" dirty="0"/>
+                    </a:p>
+                  </a:txBody>
+                  <a:tcPr/>
+                </a:tc>
+                <a:tc>
+                  <a:txBody>
+                    <a:bodyPr/>
+                    <a:lstStyle/>
+                    <a:p>
+                      <a:endParaRPr lang="zh-CN" altLang="en-US" sz="1200"/>
+                    </a:p>
+                  </a:txBody>
+                  <a:tcPr/>
+                </a:tc>
+                <a:tc>
+                  <a:txBody>
+                    <a:bodyPr/>
+                    <a:lstStyle/>
+                    <a:p>
+                      <a:endParaRPr lang="zh-CN" altLang="en-US" sz="1200"/>
+                    </a:p>
+                  </a:txBody>
+                  <a:tcPr/>
+                </a:tc>
+                <a:tc>
+                  <a:txBody>
+                    <a:bodyPr/>
+                    <a:lstStyle/>
+                    <a:p>
+                      <a:endParaRPr lang="zh-CN" altLang="en-US" sz="1200"/>
+                    </a:p>
+                  </a:txBody>
+                  <a:tcPr/>
+                </a:tc>
+                <a:tc>
+                  <a:txBody>
+                    <a:bodyPr/>
+                    <a:lstStyle/>
+                    <a:p>
+                      <a:endParaRPr lang="zh-CN" altLang="en-US" sz="1200"/>
+                    </a:p>
+                  </a:txBody>
+                  <a:tcPr/>
+                </a:tc>
+                <a:extLst>
+                  <a:ext uri="{0D108BD9-81ED-4DB2-BD59-A6C34878D82A}">
+                    <a16:rowId xmlns:a16="http://schemas.microsoft.com/office/drawing/2014/main" val="1930893045"/>
+                  </a:ext>
+                </a:extLst>
+              </a:tr>
+              <a:tr h="351444">
+                <a:tc>
+                  <a:txBody>
+                    <a:bodyPr/>
+                    <a:lstStyle/>
+                    <a:p>
+                      <a:r>
+                        <a:rPr lang="zh-CN" altLang="en-US" sz="1200" dirty="0">
+                          <a:solidFill>
+                            <a:schemeClr val="bg1"/>
+                          </a:solidFill>
+                        </a:rPr>
+                        <a:t>研究这些资料并改进</a:t>
+                      </a:r>
+                    </a:p>
+                  </a:txBody>
+                  <a:tcPr>
+                    <a:solidFill>
+                      <a:schemeClr val="accent6"/>
+                    </a:solidFill>
+                  </a:tcPr>
+                </a:tc>
+                <a:tc>
+                  <a:txBody>
+                    <a:bodyPr/>
+                    <a:lstStyle/>
+                    <a:p>
+                      <a:pPr marL="0" marR="0" lvl="0" indent="0" algn="l" defTabSz="914400" rtl="0" eaLnBrk="1" fontAlgn="auto" latinLnBrk="0" hangingPunct="1">
+                        <a:lnSpc>
+                          <a:spcPct val="100000"/>
+                        </a:lnSpc>
+                        <a:spcBef>
+                          <a:spcPts val="0"/>
+                        </a:spcBef>
+                        <a:spcAft>
+                          <a:spcPts val="0"/>
+                        </a:spcAft>
+                        <a:buClrTx/>
+                        <a:buSzTx/>
+                        <a:buFontTx/>
+                        <a:buNone/>
+                        <a:tabLst/>
+                        <a:defRPr/>
+                      </a:pPr>
+                      <a:r>
+                        <a:rPr lang="zh-CN" altLang="en-US" sz="1200" dirty="0"/>
+                        <a:t>移到</a:t>
+                      </a:r>
+                      <a:r>
+                        <a:rPr lang="en-US" altLang="zh-CN" sz="1200" dirty="0"/>
+                        <a:t>Joplin</a:t>
+                      </a:r>
+                      <a:r>
+                        <a:rPr lang="zh-CN" altLang="en-US" sz="1200" dirty="0"/>
+                        <a:t>知识笔记</a:t>
+                      </a:r>
+                    </a:p>
+                  </a:txBody>
+                  <a:tcPr/>
+                </a:tc>
+                <a:tc>
+                  <a:txBody>
+                    <a:bodyPr/>
+                    <a:lstStyle/>
+                    <a:p>
+                      <a:pPr marL="0" marR="0" lvl="0" indent="0" algn="l" defTabSz="914400" rtl="0" eaLnBrk="1" fontAlgn="auto" latinLnBrk="0" hangingPunct="1">
+                        <a:lnSpc>
+                          <a:spcPct val="100000"/>
+                        </a:lnSpc>
+                        <a:spcBef>
+                          <a:spcPts val="0"/>
+                        </a:spcBef>
+                        <a:spcAft>
+                          <a:spcPts val="0"/>
+                        </a:spcAft>
+                        <a:buClrTx/>
+                        <a:buSzTx/>
+                        <a:buFontTx/>
+                        <a:buNone/>
+                        <a:tabLst/>
+                        <a:defRPr/>
+                      </a:pPr>
+                      <a:r>
+                        <a:rPr lang="zh-CN" altLang="en-US" sz="1200" dirty="0"/>
+                        <a:t>把</a:t>
+                      </a:r>
+                      <a:r>
+                        <a:rPr lang="en-US" altLang="zh-CN" sz="1200" dirty="0"/>
+                        <a:t>Joplin</a:t>
+                      </a:r>
+                      <a:r>
+                        <a:rPr lang="zh-CN" altLang="en-US" sz="1200" dirty="0"/>
+                        <a:t>中知识点</a:t>
+                      </a:r>
+                      <a:r>
+                        <a:rPr lang="en-US" altLang="zh-CN" sz="1200" dirty="0"/>
+                        <a:t>inbox</a:t>
+                      </a:r>
+                      <a:endParaRPr lang="zh-CN" altLang="en-US" sz="1200" dirty="0"/>
+                    </a:p>
+                    <a:p>
+                      <a:pPr marL="0" marR="0" lvl="0" indent="0" algn="l" defTabSz="914400" rtl="0" eaLnBrk="1" fontAlgn="auto" latinLnBrk="0" hangingPunct="1">
+                        <a:lnSpc>
+                          <a:spcPct val="100000"/>
+                        </a:lnSpc>
+                        <a:spcBef>
+                          <a:spcPts val="0"/>
+                        </a:spcBef>
+                        <a:spcAft>
+                          <a:spcPts val="0"/>
+                        </a:spcAft>
+                        <a:buClrTx/>
+                        <a:buSzTx/>
+                        <a:buFontTx/>
+                        <a:buNone/>
+                        <a:tabLst/>
+                        <a:defRPr/>
+                      </a:pPr>
+                      <a:r>
+                        <a:rPr lang="zh-CN" altLang="en-US" sz="1200" dirty="0"/>
+                        <a:t>整理这些</a:t>
+                      </a:r>
+                      <a:r>
+                        <a:rPr lang="en-US" altLang="zh-CN" sz="1200" dirty="0"/>
+                        <a:t>inbox</a:t>
+                      </a:r>
+                      <a:r>
+                        <a:rPr lang="zh-CN" altLang="en-US" sz="1200" dirty="0"/>
+                        <a:t>到文件夹</a:t>
+                      </a:r>
+                    </a:p>
+                  </a:txBody>
+                  <a:tcPr/>
+                </a:tc>
+                <a:tc>
+                  <a:txBody>
+                    <a:bodyPr/>
+                    <a:lstStyle/>
+                    <a:p>
+                      <a:endParaRPr lang="zh-CN" altLang="en-US" sz="1200"/>
+                    </a:p>
+                  </a:txBody>
+                  <a:tcPr/>
+                </a:tc>
+                <a:tc>
+                  <a:txBody>
+                    <a:bodyPr/>
+                    <a:lstStyle/>
+                    <a:p>
+                      <a:endParaRPr lang="zh-CN" altLang="en-US" sz="1200"/>
+                    </a:p>
+                  </a:txBody>
+                  <a:tcPr/>
+                </a:tc>
+                <a:tc>
+                  <a:txBody>
+                    <a:bodyPr/>
+                    <a:lstStyle/>
+                    <a:p>
+                      <a:endParaRPr lang="zh-CN" altLang="en-US" sz="1200" dirty="0"/>
+                    </a:p>
+                  </a:txBody>
+                  <a:tcPr/>
+                </a:tc>
+                <a:extLst>
+                  <a:ext uri="{0D108BD9-81ED-4DB2-BD59-A6C34878D82A}">
+                    <a16:rowId xmlns:a16="http://schemas.microsoft.com/office/drawing/2014/main" val="3002012258"/>
+                  </a:ext>
+                </a:extLst>
+              </a:tr>
+              <a:tr h="351444">
+                <a:tc>
+                  <a:txBody>
+                    <a:bodyPr/>
+                    <a:lstStyle/>
+                    <a:p>
+                      <a:r>
+                        <a:rPr lang="zh-CN" altLang="en-US" sz="1200" dirty="0">
+                          <a:solidFill>
+                            <a:schemeClr val="bg1"/>
+                          </a:solidFill>
+                        </a:rPr>
+                        <a:t>发现搞不定了</a:t>
+                      </a:r>
+                    </a:p>
+                  </a:txBody>
+                  <a:tcPr>
+                    <a:solidFill>
+                      <a:schemeClr val="accent6"/>
+                    </a:solidFill>
+                  </a:tcPr>
+                </a:tc>
+                <a:tc>
+                  <a:txBody>
+                    <a:bodyPr/>
+                    <a:lstStyle/>
+                    <a:p>
+                      <a:r>
+                        <a:rPr lang="zh-CN" altLang="en-US" sz="1200" dirty="0"/>
+                        <a:t>请教朋友</a:t>
+                      </a:r>
+                      <a:r>
+                        <a:rPr lang="en-US" altLang="zh-CN" sz="1200" dirty="0" err="1"/>
+                        <a:t>Joplin_inbox</a:t>
+                      </a:r>
+                      <a:endParaRPr lang="zh-CN" altLang="en-US" sz="1200" dirty="0"/>
+                    </a:p>
+                  </a:txBody>
+                  <a:tcPr/>
+                </a:tc>
+                <a:tc>
+                  <a:txBody>
+                    <a:bodyPr/>
+                    <a:lstStyle/>
+                    <a:p>
+                      <a:pPr marL="0" marR="0" lvl="0" indent="0" algn="l" defTabSz="914400" rtl="0" eaLnBrk="1" fontAlgn="auto" latinLnBrk="0" hangingPunct="1">
+                        <a:lnSpc>
+                          <a:spcPct val="100000"/>
+                        </a:lnSpc>
+                        <a:spcBef>
+                          <a:spcPts val="0"/>
+                        </a:spcBef>
+                        <a:spcAft>
+                          <a:spcPts val="0"/>
+                        </a:spcAft>
+                        <a:buClrTx/>
+                        <a:buSzTx/>
+                        <a:buFontTx/>
+                        <a:buNone/>
+                        <a:tabLst/>
+                        <a:defRPr/>
+                      </a:pPr>
+                      <a:r>
+                        <a:rPr lang="zh-CN" altLang="en-US" sz="1200" dirty="0"/>
+                        <a:t>把</a:t>
+                      </a:r>
+                      <a:r>
+                        <a:rPr lang="en-US" altLang="zh-CN" sz="1200" dirty="0"/>
+                        <a:t>Joplin</a:t>
+                      </a:r>
+                      <a:r>
+                        <a:rPr lang="zh-CN" altLang="en-US" sz="1200" dirty="0"/>
+                        <a:t>中知识点</a:t>
+                      </a:r>
+                      <a:r>
+                        <a:rPr lang="en-US" altLang="zh-CN" sz="1200" dirty="0"/>
+                        <a:t>inbox</a:t>
+                      </a:r>
+                      <a:endParaRPr lang="zh-CN" altLang="en-US" sz="1200" dirty="0"/>
+                    </a:p>
+                    <a:p>
+                      <a:pPr marL="0" marR="0" lvl="0" indent="0" algn="l" defTabSz="914400" rtl="0" eaLnBrk="1" fontAlgn="auto" latinLnBrk="0" hangingPunct="1">
+                        <a:lnSpc>
+                          <a:spcPct val="100000"/>
+                        </a:lnSpc>
+                        <a:spcBef>
+                          <a:spcPts val="0"/>
+                        </a:spcBef>
+                        <a:spcAft>
+                          <a:spcPts val="0"/>
+                        </a:spcAft>
+                        <a:buClrTx/>
+                        <a:buSzTx/>
+                        <a:buFontTx/>
+                        <a:buNone/>
+                        <a:tabLst/>
+                        <a:defRPr/>
+                      </a:pPr>
+                      <a:r>
+                        <a:rPr lang="zh-CN" altLang="en-US" sz="1200" dirty="0"/>
+                        <a:t>整理这些</a:t>
+                      </a:r>
+                      <a:r>
+                        <a:rPr lang="en-US" altLang="zh-CN" sz="1200" dirty="0"/>
+                        <a:t>inbox</a:t>
+                      </a:r>
+                      <a:r>
+                        <a:rPr lang="zh-CN" altLang="en-US" sz="1200" dirty="0"/>
+                        <a:t>到文件夹</a:t>
+                      </a:r>
+                    </a:p>
+                  </a:txBody>
+                  <a:tcPr/>
+                </a:tc>
+                <a:tc>
+                  <a:txBody>
+                    <a:bodyPr/>
+                    <a:lstStyle/>
+                    <a:p>
+                      <a:pPr marL="0" marR="0" lvl="0" indent="0" algn="l" defTabSz="914400" rtl="0" eaLnBrk="1" fontAlgn="auto" latinLnBrk="0" hangingPunct="1">
+                        <a:lnSpc>
+                          <a:spcPct val="100000"/>
+                        </a:lnSpc>
+                        <a:spcBef>
+                          <a:spcPts val="0"/>
+                        </a:spcBef>
+                        <a:spcAft>
+                          <a:spcPts val="0"/>
+                        </a:spcAft>
+                        <a:buClrTx/>
+                        <a:buSzTx/>
+                        <a:buFontTx/>
+                        <a:buNone/>
+                        <a:tabLst/>
+                        <a:defRPr/>
+                      </a:pPr>
+                      <a:r>
+                        <a:rPr lang="zh-CN" altLang="en-US" sz="1200" dirty="0"/>
+                        <a:t>在项目中记录笔记</a:t>
+                      </a:r>
+                    </a:p>
+                  </a:txBody>
+                  <a:tcPr/>
+                </a:tc>
+                <a:tc>
+                  <a:txBody>
+                    <a:bodyPr/>
+                    <a:lstStyle/>
+                    <a:p>
+                      <a:endParaRPr lang="zh-CN" altLang="en-US" sz="1200"/>
+                    </a:p>
+                  </a:txBody>
+                  <a:tcPr/>
+                </a:tc>
+                <a:tc>
+                  <a:txBody>
+                    <a:bodyPr/>
+                    <a:lstStyle/>
+                    <a:p>
+                      <a:endParaRPr lang="zh-CN" altLang="en-US" sz="1200" dirty="0"/>
+                    </a:p>
+                  </a:txBody>
+                  <a:tcPr/>
+                </a:tc>
+                <a:extLst>
+                  <a:ext uri="{0D108BD9-81ED-4DB2-BD59-A6C34878D82A}">
+                    <a16:rowId xmlns:a16="http://schemas.microsoft.com/office/drawing/2014/main" val="3121834010"/>
+                  </a:ext>
+                </a:extLst>
+              </a:tr>
+              <a:tr h="285060">
+                <a:tc>
+                  <a:txBody>
+                    <a:bodyPr/>
+                    <a:lstStyle/>
+                    <a:p>
+                      <a:r>
+                        <a:rPr lang="zh-CN" altLang="en-US" sz="1200" dirty="0">
+                          <a:solidFill>
+                            <a:schemeClr val="bg1"/>
+                          </a:solidFill>
+                        </a:rPr>
+                        <a:t>头大先不弄了</a:t>
+                      </a:r>
+                    </a:p>
+                  </a:txBody>
+                  <a:tcPr>
+                    <a:solidFill>
+                      <a:schemeClr val="accent6"/>
+                    </a:solidFill>
+                  </a:tcPr>
+                </a:tc>
+                <a:tc>
+                  <a:txBody>
+                    <a:bodyPr/>
+                    <a:lstStyle/>
+                    <a:p>
+                      <a:endParaRPr lang="zh-CN" altLang="en-US" sz="1200" dirty="0"/>
+                    </a:p>
+                  </a:txBody>
+                  <a:tcPr/>
+                </a:tc>
+                <a:tc>
+                  <a:txBody>
+                    <a:bodyPr/>
+                    <a:lstStyle/>
+                    <a:p>
+                      <a:endParaRPr lang="zh-CN" altLang="en-US" sz="1200"/>
+                    </a:p>
+                  </a:txBody>
+                  <a:tcPr/>
+                </a:tc>
+                <a:tc>
+                  <a:txBody>
+                    <a:bodyPr/>
+                    <a:lstStyle/>
+                    <a:p>
+                      <a:r>
+                        <a:rPr lang="zh-CN" altLang="en-US" sz="1200" dirty="0"/>
+                        <a:t>加个标记，放几天</a:t>
+                      </a:r>
+                    </a:p>
+                  </a:txBody>
+                  <a:tcPr/>
+                </a:tc>
+                <a:tc>
+                  <a:txBody>
+                    <a:bodyPr/>
+                    <a:lstStyle/>
+                    <a:p>
+                      <a:endParaRPr lang="zh-CN" altLang="en-US" sz="1200"/>
+                    </a:p>
+                  </a:txBody>
+                  <a:tcPr/>
+                </a:tc>
+                <a:tc>
+                  <a:txBody>
+                    <a:bodyPr/>
+                    <a:lstStyle/>
+                    <a:p>
+                      <a:endParaRPr lang="zh-CN" altLang="en-US" sz="1200" dirty="0"/>
+                    </a:p>
+                  </a:txBody>
+                  <a:tcPr/>
+                </a:tc>
+                <a:extLst>
+                  <a:ext uri="{0D108BD9-81ED-4DB2-BD59-A6C34878D82A}">
+                    <a16:rowId xmlns:a16="http://schemas.microsoft.com/office/drawing/2014/main" val="2764257436"/>
+                  </a:ext>
+                </a:extLst>
+              </a:tr>
+              <a:tr h="351444">
+                <a:tc>
+                  <a:txBody>
+                    <a:bodyPr/>
+                    <a:lstStyle/>
+                    <a:p>
+                      <a:r>
+                        <a:rPr lang="zh-CN" altLang="en-US" sz="1200" dirty="0">
+                          <a:solidFill>
+                            <a:schemeClr val="bg1"/>
+                          </a:solidFill>
+                        </a:rPr>
+                        <a:t>隔了几天发现新文章</a:t>
+                      </a:r>
+                    </a:p>
+                  </a:txBody>
+                  <a:tcPr>
+                    <a:solidFill>
+                      <a:schemeClr val="accent6"/>
+                    </a:solidFill>
+                  </a:tcPr>
+                </a:tc>
+                <a:tc>
+                  <a:txBody>
+                    <a:bodyPr/>
+                    <a:lstStyle/>
+                    <a:p>
+                      <a:pPr marL="0" marR="0" lvl="0" indent="0" algn="l" defTabSz="914400" rtl="0" eaLnBrk="1" fontAlgn="auto" latinLnBrk="0" hangingPunct="1">
+                        <a:lnSpc>
+                          <a:spcPct val="100000"/>
+                        </a:lnSpc>
+                        <a:spcBef>
+                          <a:spcPts val="0"/>
+                        </a:spcBef>
+                        <a:spcAft>
+                          <a:spcPts val="0"/>
+                        </a:spcAft>
+                        <a:buClrTx/>
+                        <a:buSzTx/>
+                        <a:buFontTx/>
+                        <a:buNone/>
+                        <a:tabLst/>
+                        <a:defRPr/>
+                      </a:pPr>
+                      <a:r>
+                        <a:rPr lang="zh-CN" altLang="en-US" sz="1200" dirty="0"/>
+                        <a:t>存入</a:t>
+                      </a:r>
+                      <a:r>
+                        <a:rPr lang="en-US" altLang="zh-CN" sz="1200" dirty="0" err="1"/>
+                        <a:t>Joplin_inbox</a:t>
+                      </a:r>
+                      <a:endParaRPr lang="en-US" altLang="zh-CN" sz="1200" dirty="0"/>
+                    </a:p>
+                    <a:p>
+                      <a:pPr marL="0" marR="0" lvl="0" indent="0" algn="l" defTabSz="914400" rtl="0" eaLnBrk="1" fontAlgn="auto" latinLnBrk="0" hangingPunct="1">
+                        <a:lnSpc>
+                          <a:spcPct val="100000"/>
+                        </a:lnSpc>
+                        <a:spcBef>
+                          <a:spcPts val="0"/>
+                        </a:spcBef>
+                        <a:spcAft>
+                          <a:spcPts val="0"/>
+                        </a:spcAft>
+                        <a:buClrTx/>
+                        <a:buSzTx/>
+                        <a:buFontTx/>
+                        <a:buNone/>
+                        <a:tabLst/>
+                        <a:defRPr/>
+                      </a:pPr>
+                      <a:r>
+                        <a:rPr lang="zh-CN" altLang="en-US" sz="1200" dirty="0"/>
+                        <a:t>移到</a:t>
+                      </a:r>
+                      <a:r>
+                        <a:rPr lang="en-US" altLang="zh-CN" sz="1200" dirty="0"/>
+                        <a:t>Joplin</a:t>
+                      </a:r>
+                      <a:r>
+                        <a:rPr lang="zh-CN" altLang="en-US" sz="1200" dirty="0"/>
+                        <a:t>知识笔记</a:t>
+                      </a:r>
+                    </a:p>
+                  </a:txBody>
+                  <a:tcPr/>
+                </a:tc>
+                <a:tc>
+                  <a:txBody>
+                    <a:bodyPr/>
+                    <a:lstStyle/>
+                    <a:p>
+                      <a:pPr marL="0" marR="0" lvl="0" indent="0" algn="l" defTabSz="914400" rtl="0" eaLnBrk="1" fontAlgn="auto" latinLnBrk="0" hangingPunct="1">
+                        <a:lnSpc>
+                          <a:spcPct val="100000"/>
+                        </a:lnSpc>
+                        <a:spcBef>
+                          <a:spcPts val="0"/>
+                        </a:spcBef>
+                        <a:spcAft>
+                          <a:spcPts val="0"/>
+                        </a:spcAft>
+                        <a:buClrTx/>
+                        <a:buSzTx/>
+                        <a:buFontTx/>
+                        <a:buNone/>
+                        <a:tabLst/>
+                        <a:defRPr/>
+                      </a:pPr>
+                      <a:r>
+                        <a:rPr lang="zh-CN" altLang="en-US" sz="1200" dirty="0"/>
+                        <a:t>把</a:t>
+                      </a:r>
+                      <a:r>
+                        <a:rPr lang="en-US" altLang="zh-CN" sz="1200" dirty="0"/>
+                        <a:t>Joplin</a:t>
+                      </a:r>
+                      <a:r>
+                        <a:rPr lang="zh-CN" altLang="en-US" sz="1200" dirty="0"/>
+                        <a:t>中知识点</a:t>
+                      </a:r>
+                      <a:r>
+                        <a:rPr lang="en-US" altLang="zh-CN" sz="1200" dirty="0"/>
+                        <a:t>inbox</a:t>
+                      </a:r>
+                      <a:endParaRPr lang="zh-CN" altLang="en-US" sz="1200" dirty="0"/>
+                    </a:p>
+                    <a:p>
+                      <a:pPr marL="0" marR="0" lvl="0" indent="0" algn="l" defTabSz="914400" rtl="0" eaLnBrk="1" fontAlgn="auto" latinLnBrk="0" hangingPunct="1">
+                        <a:lnSpc>
+                          <a:spcPct val="100000"/>
+                        </a:lnSpc>
+                        <a:spcBef>
+                          <a:spcPts val="0"/>
+                        </a:spcBef>
+                        <a:spcAft>
+                          <a:spcPts val="0"/>
+                        </a:spcAft>
+                        <a:buClrTx/>
+                        <a:buSzTx/>
+                        <a:buFontTx/>
+                        <a:buNone/>
+                        <a:tabLst/>
+                        <a:defRPr/>
+                      </a:pPr>
+                      <a:r>
+                        <a:rPr lang="zh-CN" altLang="en-US" sz="1200" dirty="0"/>
+                        <a:t>整理这些</a:t>
+                      </a:r>
+                      <a:r>
+                        <a:rPr lang="en-US" altLang="zh-CN" sz="1200" dirty="0"/>
+                        <a:t>inbox</a:t>
+                      </a:r>
+                      <a:r>
+                        <a:rPr lang="zh-CN" altLang="en-US" sz="1200" dirty="0"/>
+                        <a:t>到文件夹</a:t>
+                      </a:r>
+                    </a:p>
+                  </a:txBody>
+                  <a:tcPr/>
+                </a:tc>
+                <a:tc>
+                  <a:txBody>
+                    <a:bodyPr/>
+                    <a:lstStyle/>
+                    <a:p>
+                      <a:r>
+                        <a:rPr lang="zh-CN" altLang="en-US" sz="1200" dirty="0"/>
+                        <a:t>在项目中记录笔记</a:t>
+                      </a:r>
+                    </a:p>
+                  </a:txBody>
+                  <a:tcPr/>
+                </a:tc>
+                <a:tc>
+                  <a:txBody>
+                    <a:bodyPr/>
+                    <a:lstStyle/>
+                    <a:p>
+                      <a:endParaRPr lang="zh-CN" altLang="en-US" sz="1200"/>
+                    </a:p>
+                  </a:txBody>
+                  <a:tcPr/>
+                </a:tc>
+                <a:tc>
+                  <a:txBody>
+                    <a:bodyPr/>
+                    <a:lstStyle/>
+                    <a:p>
+                      <a:endParaRPr lang="zh-CN" altLang="en-US" sz="1200" dirty="0"/>
+                    </a:p>
+                  </a:txBody>
+                  <a:tcPr/>
+                </a:tc>
+                <a:extLst>
+                  <a:ext uri="{0D108BD9-81ED-4DB2-BD59-A6C34878D82A}">
+                    <a16:rowId xmlns:a16="http://schemas.microsoft.com/office/drawing/2014/main" val="1112036396"/>
+                  </a:ext>
+                </a:extLst>
+              </a:tr>
+              <a:tr h="285060">
+                <a:tc>
+                  <a:txBody>
+                    <a:bodyPr/>
+                    <a:lstStyle/>
+                    <a:p>
+                      <a:r>
+                        <a:rPr lang="zh-CN" altLang="en-US" sz="1200" dirty="0">
+                          <a:solidFill>
+                            <a:schemeClr val="bg1"/>
+                          </a:solidFill>
+                        </a:rPr>
+                        <a:t>终于搞定了</a:t>
+                      </a:r>
+                    </a:p>
+                  </a:txBody>
+                  <a:tcPr>
+                    <a:solidFill>
+                      <a:schemeClr val="accent6"/>
+                    </a:solidFill>
+                  </a:tcPr>
+                </a:tc>
+                <a:tc>
+                  <a:txBody>
+                    <a:bodyPr/>
+                    <a:lstStyle/>
+                    <a:p>
+                      <a:endParaRPr lang="zh-CN" altLang="en-US" sz="1200" dirty="0"/>
+                    </a:p>
+                  </a:txBody>
+                  <a:tcPr/>
+                </a:tc>
+                <a:tc>
+                  <a:txBody>
+                    <a:bodyPr/>
+                    <a:lstStyle/>
+                    <a:p>
+                      <a:endParaRPr lang="zh-CN" altLang="en-US" sz="1200"/>
+                    </a:p>
+                  </a:txBody>
+                  <a:tcPr/>
+                </a:tc>
+                <a:tc>
+                  <a:txBody>
+                    <a:bodyPr/>
+                    <a:lstStyle/>
+                    <a:p>
+                      <a:r>
+                        <a:rPr lang="zh-CN" altLang="en-US" sz="1200" dirty="0"/>
+                        <a:t>项目归档</a:t>
+                      </a:r>
+                    </a:p>
+                  </a:txBody>
+                  <a:tcPr/>
+                </a:tc>
+                <a:tc>
+                  <a:txBody>
+                    <a:bodyPr/>
+                    <a:lstStyle/>
+                    <a:p>
+                      <a:r>
+                        <a:rPr lang="zh-CN" altLang="en-US" sz="1200" dirty="0"/>
+                        <a:t>整理项目文档形成清单</a:t>
+                      </a:r>
+                    </a:p>
+                  </a:txBody>
+                  <a:tcPr/>
+                </a:tc>
+                <a:tc>
+                  <a:txBody>
+                    <a:bodyPr/>
+                    <a:lstStyle/>
+                    <a:p>
+                      <a:endParaRPr lang="zh-CN" altLang="en-US" sz="1200" dirty="0"/>
+                    </a:p>
+                  </a:txBody>
+                  <a:tcPr/>
+                </a:tc>
+                <a:extLst>
+                  <a:ext uri="{0D108BD9-81ED-4DB2-BD59-A6C34878D82A}">
+                    <a16:rowId xmlns:a16="http://schemas.microsoft.com/office/drawing/2014/main" val="2049640223"/>
+                  </a:ext>
+                </a:extLst>
+              </a:tr>
+              <a:tr h="285060">
+                <a:tc>
+                  <a:txBody>
+                    <a:bodyPr/>
+                    <a:lstStyle/>
+                    <a:p>
+                      <a:r>
+                        <a:rPr lang="zh-CN" altLang="en-US" sz="1200" dirty="0">
+                          <a:solidFill>
+                            <a:schemeClr val="bg1"/>
+                          </a:solidFill>
+                        </a:rPr>
+                        <a:t>又发现新玩法，空了玩</a:t>
+                      </a:r>
+                    </a:p>
+                  </a:txBody>
+                  <a:tcPr>
+                    <a:solidFill>
+                      <a:schemeClr val="accent6"/>
+                    </a:solidFill>
+                  </a:tcPr>
+                </a:tc>
+                <a:tc>
+                  <a:txBody>
+                    <a:bodyPr/>
+                    <a:lstStyle/>
+                    <a:p>
+                      <a:r>
+                        <a:rPr lang="zh-CN" altLang="en-US" sz="1200" dirty="0"/>
+                        <a:t>存入</a:t>
+                      </a:r>
+                      <a:r>
+                        <a:rPr lang="en-US" altLang="zh-CN" sz="1200" dirty="0" err="1"/>
+                        <a:t>Joplin_inbox</a:t>
+                      </a:r>
+                      <a:endParaRPr lang="zh-CN" altLang="en-US" sz="1200" dirty="0"/>
+                    </a:p>
+                  </a:txBody>
+                  <a:tcPr/>
+                </a:tc>
+                <a:tc>
+                  <a:txBody>
+                    <a:bodyPr/>
+                    <a:lstStyle/>
+                    <a:p>
+                      <a:endParaRPr lang="zh-CN" altLang="en-US" sz="1200"/>
+                    </a:p>
+                  </a:txBody>
+                  <a:tcPr/>
+                </a:tc>
+                <a:tc>
+                  <a:txBody>
+                    <a:bodyPr/>
+                    <a:lstStyle/>
+                    <a:p>
+                      <a:endParaRPr lang="zh-CN" altLang="en-US" sz="1200"/>
+                    </a:p>
+                  </a:txBody>
+                  <a:tcPr/>
+                </a:tc>
+                <a:tc>
+                  <a:txBody>
+                    <a:bodyPr/>
+                    <a:lstStyle/>
+                    <a:p>
+                      <a:endParaRPr lang="zh-CN" altLang="en-US" sz="1200"/>
+                    </a:p>
+                  </a:txBody>
+                  <a:tcPr/>
+                </a:tc>
+                <a:tc>
+                  <a:txBody>
+                    <a:bodyPr/>
+                    <a:lstStyle/>
+                    <a:p>
+                      <a:endParaRPr lang="zh-CN" altLang="en-US" sz="1200" dirty="0"/>
+                    </a:p>
+                  </a:txBody>
+                  <a:tcPr/>
+                </a:tc>
+                <a:extLst>
+                  <a:ext uri="{0D108BD9-81ED-4DB2-BD59-A6C34878D82A}">
+                    <a16:rowId xmlns:a16="http://schemas.microsoft.com/office/drawing/2014/main" val="3243975345"/>
+                  </a:ext>
+                </a:extLst>
+              </a:tr>
+              <a:tr h="285060">
+                <a:tc>
+                  <a:txBody>
+                    <a:bodyPr/>
+                    <a:lstStyle/>
+                    <a:p>
+                      <a:r>
+                        <a:rPr lang="zh-CN" altLang="en-US" sz="1200" dirty="0">
+                          <a:solidFill>
+                            <a:schemeClr val="bg1"/>
+                          </a:solidFill>
+                        </a:rPr>
+                        <a:t>感觉一个阶段完成了</a:t>
+                      </a:r>
+                    </a:p>
+                  </a:txBody>
+                  <a:tcPr>
+                    <a:solidFill>
+                      <a:schemeClr val="accent6"/>
+                    </a:solidFill>
+                  </a:tcPr>
+                </a:tc>
+                <a:tc>
+                  <a:txBody>
+                    <a:bodyPr/>
+                    <a:lstStyle/>
+                    <a:p>
+                      <a:endParaRPr lang="zh-CN" altLang="en-US" sz="1200" dirty="0"/>
+                    </a:p>
+                  </a:txBody>
+                  <a:tcPr/>
+                </a:tc>
+                <a:tc>
+                  <a:txBody>
+                    <a:bodyPr/>
+                    <a:lstStyle/>
+                    <a:p>
+                      <a:endParaRPr lang="zh-CN" altLang="en-US" sz="1200"/>
+                    </a:p>
+                  </a:txBody>
+                  <a:tcPr/>
+                </a:tc>
+                <a:tc>
+                  <a:txBody>
+                    <a:bodyPr/>
+                    <a:lstStyle/>
+                    <a:p>
+                      <a:endParaRPr lang="zh-CN" altLang="en-US" sz="1200"/>
+                    </a:p>
+                  </a:txBody>
+                  <a:tcPr/>
+                </a:tc>
+                <a:tc>
+                  <a:txBody>
+                    <a:bodyPr/>
+                    <a:lstStyle/>
+                    <a:p>
+                      <a:endParaRPr lang="zh-CN" altLang="en-US" sz="1200" dirty="0"/>
+                    </a:p>
+                  </a:txBody>
+                  <a:tcPr/>
+                </a:tc>
+                <a:tc>
+                  <a:txBody>
+                    <a:bodyPr/>
+                    <a:lstStyle/>
+                    <a:p>
+                      <a:r>
+                        <a:rPr lang="zh-CN" altLang="en-US" sz="1200" dirty="0"/>
+                        <a:t>整理成文档</a:t>
+                      </a:r>
+                    </a:p>
+                  </a:txBody>
+                  <a:tcPr/>
+                </a:tc>
+                <a:extLst>
+                  <a:ext uri="{0D108BD9-81ED-4DB2-BD59-A6C34878D82A}">
+                    <a16:rowId xmlns:a16="http://schemas.microsoft.com/office/drawing/2014/main" val="3361656178"/>
+                  </a:ext>
+                </a:extLst>
+              </a:tr>
+              <a:tr h="285060">
+                <a:tc>
+                  <a:txBody>
+                    <a:bodyPr/>
+                    <a:lstStyle/>
+                    <a:p>
+                      <a:r>
+                        <a:rPr lang="zh-CN" altLang="en-US" sz="1200" dirty="0">
+                          <a:solidFill>
+                            <a:schemeClr val="bg1"/>
+                          </a:solidFill>
+                        </a:rPr>
+                        <a:t>发现有东西不清楚</a:t>
+                      </a:r>
+                    </a:p>
+                  </a:txBody>
+                  <a:tcPr>
+                    <a:solidFill>
+                      <a:schemeClr val="accent6"/>
+                    </a:solidFill>
+                  </a:tcPr>
+                </a:tc>
+                <a:tc>
+                  <a:txBody>
+                    <a:bodyPr/>
+                    <a:lstStyle/>
+                    <a:p>
+                      <a:pPr marL="0" marR="0" lvl="0" indent="0" algn="l" defTabSz="914400" rtl="0" eaLnBrk="1" fontAlgn="auto" latinLnBrk="0" hangingPunct="1">
+                        <a:lnSpc>
+                          <a:spcPct val="100000"/>
+                        </a:lnSpc>
+                        <a:spcBef>
+                          <a:spcPts val="0"/>
+                        </a:spcBef>
+                        <a:spcAft>
+                          <a:spcPts val="0"/>
+                        </a:spcAft>
+                        <a:buClrTx/>
+                        <a:buSzTx/>
+                        <a:buFontTx/>
+                        <a:buNone/>
+                        <a:tabLst/>
+                        <a:defRPr/>
+                      </a:pPr>
+                      <a:r>
+                        <a:rPr lang="zh-CN" altLang="en-US" sz="1200" dirty="0"/>
+                        <a:t>存入</a:t>
+                      </a:r>
+                      <a:r>
+                        <a:rPr lang="en-US" altLang="zh-CN" sz="1200" dirty="0" err="1"/>
+                        <a:t>Joplin_inbox</a:t>
+                      </a:r>
+                      <a:endParaRPr lang="en-US" altLang="zh-CN" sz="1200" dirty="0"/>
+                    </a:p>
+                    <a:p>
+                      <a:pPr marL="0" marR="0" lvl="0" indent="0" algn="l" defTabSz="914400" rtl="0" eaLnBrk="1" fontAlgn="auto" latinLnBrk="0" hangingPunct="1">
+                        <a:lnSpc>
+                          <a:spcPct val="100000"/>
+                        </a:lnSpc>
+                        <a:spcBef>
+                          <a:spcPts val="0"/>
+                        </a:spcBef>
+                        <a:spcAft>
+                          <a:spcPts val="0"/>
+                        </a:spcAft>
+                        <a:buClrTx/>
+                        <a:buSzTx/>
+                        <a:buFontTx/>
+                        <a:buNone/>
+                        <a:tabLst/>
+                        <a:defRPr/>
+                      </a:pPr>
+                      <a:r>
+                        <a:rPr lang="zh-CN" altLang="en-US" sz="1200" dirty="0"/>
+                        <a:t>移到</a:t>
+                      </a:r>
+                      <a:r>
+                        <a:rPr lang="en-US" altLang="zh-CN" sz="1200" dirty="0"/>
+                        <a:t>Joplin</a:t>
+                      </a:r>
+                      <a:r>
+                        <a:rPr lang="zh-CN" altLang="en-US" sz="1200" dirty="0"/>
+                        <a:t>知识笔记</a:t>
+                      </a:r>
+                    </a:p>
+                  </a:txBody>
+                  <a:tcPr/>
+                </a:tc>
+                <a:tc>
+                  <a:txBody>
+                    <a:bodyPr/>
+                    <a:lstStyle/>
+                    <a:p>
+                      <a:pPr marL="0" marR="0" lvl="0" indent="0" algn="l" defTabSz="914400" rtl="0" eaLnBrk="1" fontAlgn="auto" latinLnBrk="0" hangingPunct="1">
+                        <a:lnSpc>
+                          <a:spcPct val="100000"/>
+                        </a:lnSpc>
+                        <a:spcBef>
+                          <a:spcPts val="0"/>
+                        </a:spcBef>
+                        <a:spcAft>
+                          <a:spcPts val="0"/>
+                        </a:spcAft>
+                        <a:buClrTx/>
+                        <a:buSzTx/>
+                        <a:buFontTx/>
+                        <a:buNone/>
+                        <a:tabLst/>
+                        <a:defRPr/>
+                      </a:pPr>
+                      <a:r>
+                        <a:rPr lang="zh-CN" altLang="en-US" sz="1200" dirty="0"/>
+                        <a:t>把</a:t>
+                      </a:r>
+                      <a:r>
+                        <a:rPr lang="en-US" altLang="zh-CN" sz="1200" dirty="0"/>
+                        <a:t>Joplin</a:t>
+                      </a:r>
+                      <a:r>
+                        <a:rPr lang="zh-CN" altLang="en-US" sz="1200" dirty="0"/>
+                        <a:t>中知识点</a:t>
+                      </a:r>
+                      <a:r>
+                        <a:rPr lang="en-US" altLang="zh-CN" sz="1200" dirty="0"/>
+                        <a:t>inbox</a:t>
+                      </a:r>
+                      <a:endParaRPr lang="zh-CN" altLang="en-US" sz="1200" dirty="0"/>
+                    </a:p>
+                    <a:p>
+                      <a:pPr marL="0" marR="0" lvl="0" indent="0" algn="l" defTabSz="914400" rtl="0" eaLnBrk="1" fontAlgn="auto" latinLnBrk="0" hangingPunct="1">
+                        <a:lnSpc>
+                          <a:spcPct val="100000"/>
+                        </a:lnSpc>
+                        <a:spcBef>
+                          <a:spcPts val="0"/>
+                        </a:spcBef>
+                        <a:spcAft>
+                          <a:spcPts val="0"/>
+                        </a:spcAft>
+                        <a:buClrTx/>
+                        <a:buSzTx/>
+                        <a:buFontTx/>
+                        <a:buNone/>
+                        <a:tabLst/>
+                        <a:defRPr/>
+                      </a:pPr>
+                      <a:r>
+                        <a:rPr lang="zh-CN" altLang="en-US" sz="1200" dirty="0"/>
+                        <a:t>整理这些</a:t>
+                      </a:r>
+                      <a:r>
+                        <a:rPr lang="en-US" altLang="zh-CN" sz="1200" dirty="0"/>
+                        <a:t>inbox</a:t>
+                      </a:r>
+                      <a:r>
+                        <a:rPr lang="zh-CN" altLang="en-US" sz="1200" dirty="0"/>
+                        <a:t>到文件夹</a:t>
+                      </a:r>
+                    </a:p>
+                  </a:txBody>
+                  <a:tcPr/>
+                </a:tc>
+                <a:tc>
+                  <a:txBody>
+                    <a:bodyPr/>
+                    <a:lstStyle/>
+                    <a:p>
+                      <a:endParaRPr lang="zh-CN" altLang="en-US" sz="1200"/>
+                    </a:p>
+                  </a:txBody>
+                  <a:tcPr/>
+                </a:tc>
+                <a:tc>
+                  <a:txBody>
+                    <a:bodyPr/>
+                    <a:lstStyle/>
+                    <a:p>
+                      <a:endParaRPr lang="zh-CN" altLang="en-US" sz="1200"/>
+                    </a:p>
+                  </a:txBody>
+                  <a:tcPr/>
+                </a:tc>
+                <a:tc>
+                  <a:txBody>
+                    <a:bodyPr/>
+                    <a:lstStyle/>
+                    <a:p>
+                      <a:r>
+                        <a:rPr lang="zh-CN" altLang="en-US" sz="1200" dirty="0"/>
+                        <a:t>弄个出链接着写</a:t>
+                      </a:r>
+                    </a:p>
+                  </a:txBody>
+                  <a:tcPr/>
+                </a:tc>
+                <a:extLst>
+                  <a:ext uri="{0D108BD9-81ED-4DB2-BD59-A6C34878D82A}">
+                    <a16:rowId xmlns:a16="http://schemas.microsoft.com/office/drawing/2014/main" val="3947013480"/>
+                  </a:ext>
+                </a:extLst>
+              </a:tr>
+              <a:tr h="285060">
+                <a:tc>
+                  <a:txBody>
+                    <a:bodyPr/>
+                    <a:lstStyle/>
+                    <a:p>
+                      <a:r>
+                        <a:rPr lang="zh-CN" altLang="en-US" sz="1200" dirty="0">
+                          <a:solidFill>
+                            <a:schemeClr val="bg1"/>
+                          </a:solidFill>
+                        </a:rPr>
+                        <a:t>头大先不弄了</a:t>
+                      </a:r>
+                    </a:p>
+                  </a:txBody>
+                  <a:tcPr>
+                    <a:solidFill>
+                      <a:schemeClr val="accent6"/>
+                    </a:solidFill>
+                  </a:tcPr>
+                </a:tc>
+                <a:tc>
+                  <a:txBody>
+                    <a:bodyPr/>
+                    <a:lstStyle/>
+                    <a:p>
+                      <a:pPr marL="0" marR="0" lvl="0" indent="0" algn="l" defTabSz="914400" rtl="0" eaLnBrk="1" fontAlgn="auto" latinLnBrk="0" hangingPunct="1">
+                        <a:lnSpc>
+                          <a:spcPct val="100000"/>
+                        </a:lnSpc>
+                        <a:spcBef>
+                          <a:spcPts val="0"/>
+                        </a:spcBef>
+                        <a:spcAft>
+                          <a:spcPts val="0"/>
+                        </a:spcAft>
+                        <a:buClrTx/>
+                        <a:buSzTx/>
+                        <a:buFontTx/>
+                        <a:buNone/>
+                        <a:tabLst/>
+                        <a:defRPr/>
+                      </a:pPr>
+                      <a:endParaRPr lang="zh-CN" altLang="en-US" sz="1200" dirty="0"/>
+                    </a:p>
+                  </a:txBody>
+                  <a:tcPr/>
+                </a:tc>
+                <a:tc>
+                  <a:txBody>
+                    <a:bodyPr/>
+                    <a:lstStyle/>
+                    <a:p>
+                      <a:endParaRPr lang="zh-CN" altLang="en-US" sz="1200"/>
+                    </a:p>
+                  </a:txBody>
+                  <a:tcPr/>
+                </a:tc>
+                <a:tc>
+                  <a:txBody>
+                    <a:bodyPr/>
+                    <a:lstStyle/>
+                    <a:p>
+                      <a:endParaRPr lang="zh-CN" altLang="en-US" sz="1200"/>
+                    </a:p>
+                  </a:txBody>
+                  <a:tcPr/>
+                </a:tc>
+                <a:tc>
+                  <a:txBody>
+                    <a:bodyPr/>
+                    <a:lstStyle/>
+                    <a:p>
+                      <a:endParaRPr lang="zh-CN" altLang="en-US" sz="1200"/>
+                    </a:p>
+                  </a:txBody>
+                  <a:tcPr/>
+                </a:tc>
+                <a:tc>
+                  <a:txBody>
+                    <a:bodyPr/>
+                    <a:lstStyle/>
+                    <a:p>
+                      <a:r>
+                        <a:rPr lang="zh-CN" altLang="en-US" sz="1200" dirty="0"/>
+                        <a:t>打个标记</a:t>
+                      </a:r>
+                    </a:p>
+                  </a:txBody>
+                  <a:tcPr/>
+                </a:tc>
+                <a:extLst>
+                  <a:ext uri="{0D108BD9-81ED-4DB2-BD59-A6C34878D82A}">
+                    <a16:rowId xmlns:a16="http://schemas.microsoft.com/office/drawing/2014/main" val="1438054811"/>
+                  </a:ext>
+                </a:extLst>
+              </a:tr>
+              <a:tr h="285060">
+                <a:tc>
+                  <a:txBody>
+                    <a:bodyPr/>
+                    <a:lstStyle/>
+                    <a:p>
+                      <a:r>
+                        <a:rPr lang="zh-CN" altLang="en-US" sz="1200" dirty="0">
+                          <a:solidFill>
+                            <a:schemeClr val="bg1"/>
+                          </a:solidFill>
+                        </a:rPr>
+                        <a:t>想到一些东西</a:t>
+                      </a:r>
+                    </a:p>
+                  </a:txBody>
+                  <a:tcPr>
+                    <a:solidFill>
+                      <a:schemeClr val="accent6"/>
+                    </a:solidFill>
+                  </a:tcPr>
+                </a:tc>
+                <a:tc>
+                  <a:txBody>
+                    <a:bodyPr/>
+                    <a:lstStyle/>
+                    <a:p>
+                      <a:pPr marL="0" marR="0" lvl="0" indent="0" algn="l" defTabSz="914400" rtl="0" eaLnBrk="1" fontAlgn="auto" latinLnBrk="0" hangingPunct="1">
+                        <a:lnSpc>
+                          <a:spcPct val="100000"/>
+                        </a:lnSpc>
+                        <a:spcBef>
+                          <a:spcPts val="0"/>
+                        </a:spcBef>
+                        <a:spcAft>
+                          <a:spcPts val="0"/>
+                        </a:spcAft>
+                        <a:buClrTx/>
+                        <a:buSzTx/>
+                        <a:buFontTx/>
+                        <a:buNone/>
+                        <a:tabLst/>
+                        <a:defRPr/>
+                      </a:pPr>
+                      <a:endParaRPr lang="zh-CN" altLang="en-US" sz="1200" dirty="0"/>
+                    </a:p>
+                  </a:txBody>
+                  <a:tcPr/>
+                </a:tc>
+                <a:tc>
+                  <a:txBody>
+                    <a:bodyPr/>
+                    <a:lstStyle/>
+                    <a:p>
+                      <a:endParaRPr lang="zh-CN" altLang="en-US" sz="1200"/>
+                    </a:p>
+                  </a:txBody>
+                  <a:tcPr/>
+                </a:tc>
+                <a:tc>
+                  <a:txBody>
+                    <a:bodyPr/>
+                    <a:lstStyle/>
+                    <a:p>
+                      <a:endParaRPr lang="zh-CN" altLang="en-US" sz="1200"/>
+                    </a:p>
+                  </a:txBody>
+                  <a:tcPr/>
+                </a:tc>
+                <a:tc>
+                  <a:txBody>
+                    <a:bodyPr/>
+                    <a:lstStyle/>
+                    <a:p>
+                      <a:endParaRPr lang="zh-CN" altLang="en-US" sz="1200"/>
+                    </a:p>
+                  </a:txBody>
+                  <a:tcPr/>
+                </a:tc>
+                <a:tc>
+                  <a:txBody>
+                    <a:bodyPr/>
+                    <a:lstStyle/>
+                    <a:p>
+                      <a:r>
+                        <a:rPr lang="zh-CN" altLang="en-US" sz="1200" dirty="0"/>
+                        <a:t>继续完善</a:t>
+                      </a:r>
+                    </a:p>
+                  </a:txBody>
+                  <a:tcPr/>
+                </a:tc>
+                <a:extLst>
+                  <a:ext uri="{0D108BD9-81ED-4DB2-BD59-A6C34878D82A}">
+                    <a16:rowId xmlns:a16="http://schemas.microsoft.com/office/drawing/2014/main" val="258917768"/>
+                  </a:ext>
+                </a:extLst>
+              </a:tr>
+              <a:tr h="285060">
+                <a:tc>
+                  <a:txBody>
+                    <a:bodyPr/>
+                    <a:lstStyle/>
+                    <a:p>
+                      <a:r>
+                        <a:rPr lang="zh-CN" altLang="en-US" sz="1200" dirty="0">
+                          <a:solidFill>
+                            <a:schemeClr val="bg1"/>
+                          </a:solidFill>
+                        </a:rPr>
+                        <a:t>发布</a:t>
+                      </a:r>
+                    </a:p>
+                  </a:txBody>
+                  <a:tcPr>
+                    <a:solidFill>
+                      <a:schemeClr val="accent6"/>
+                    </a:solidFill>
+                  </a:tcPr>
+                </a:tc>
+                <a:tc>
+                  <a:txBody>
+                    <a:bodyPr/>
+                    <a:lstStyle/>
+                    <a:p>
+                      <a:pPr marL="0" marR="0" lvl="0" indent="0" algn="l" defTabSz="914400" rtl="0" eaLnBrk="1" fontAlgn="auto" latinLnBrk="0" hangingPunct="1">
+                        <a:lnSpc>
+                          <a:spcPct val="100000"/>
+                        </a:lnSpc>
+                        <a:spcBef>
+                          <a:spcPts val="0"/>
+                        </a:spcBef>
+                        <a:spcAft>
+                          <a:spcPts val="0"/>
+                        </a:spcAft>
+                        <a:buClrTx/>
+                        <a:buSzTx/>
+                        <a:buFontTx/>
+                        <a:buNone/>
+                        <a:tabLst/>
+                        <a:defRPr/>
+                      </a:pPr>
+                      <a:endParaRPr lang="zh-CN" altLang="en-US" sz="1200" dirty="0"/>
+                    </a:p>
+                  </a:txBody>
+                  <a:tcPr/>
+                </a:tc>
+                <a:tc>
+                  <a:txBody>
+                    <a:bodyPr/>
+                    <a:lstStyle/>
+                    <a:p>
+                      <a:endParaRPr lang="zh-CN" altLang="en-US" sz="1200"/>
+                    </a:p>
+                  </a:txBody>
+                  <a:tcPr/>
+                </a:tc>
+                <a:tc>
+                  <a:txBody>
+                    <a:bodyPr/>
+                    <a:lstStyle/>
+                    <a:p>
+                      <a:endParaRPr lang="zh-CN" altLang="en-US" sz="1200"/>
+                    </a:p>
+                  </a:txBody>
+                  <a:tcPr/>
+                </a:tc>
+                <a:tc>
+                  <a:txBody>
+                    <a:bodyPr/>
+                    <a:lstStyle/>
+                    <a:p>
+                      <a:endParaRPr lang="zh-CN" altLang="en-US" sz="1200"/>
+                    </a:p>
+                  </a:txBody>
+                  <a:tcPr/>
+                </a:tc>
+                <a:tc>
+                  <a:txBody>
+                    <a:bodyPr/>
+                    <a:lstStyle/>
+                    <a:p>
+                      <a:r>
+                        <a:rPr lang="zh-CN" altLang="en-US" sz="1200" dirty="0"/>
+                        <a:t>在</a:t>
+                      </a:r>
+                      <a:r>
+                        <a:rPr lang="en-US" altLang="zh-CN" sz="1200" dirty="0"/>
+                        <a:t>Notion</a:t>
+                      </a:r>
+                      <a:r>
+                        <a:rPr lang="zh-CN" altLang="en-US" sz="1200" dirty="0"/>
+                        <a:t>记录一下</a:t>
+                      </a:r>
+                    </a:p>
+                  </a:txBody>
+                  <a:tcPr/>
+                </a:tc>
+                <a:extLst>
+                  <a:ext uri="{0D108BD9-81ED-4DB2-BD59-A6C34878D82A}">
+                    <a16:rowId xmlns:a16="http://schemas.microsoft.com/office/drawing/2014/main" val="3442062903"/>
+                  </a:ext>
+                </a:extLst>
+              </a:tr>
+              <a:tr h="285060">
+                <a:tc>
+                  <a:txBody>
+                    <a:bodyPr/>
+                    <a:lstStyle/>
+                    <a:p>
+                      <a:r>
+                        <a:rPr lang="zh-CN" altLang="en-US" sz="1200" dirty="0">
+                          <a:solidFill>
+                            <a:schemeClr val="bg1"/>
+                          </a:solidFill>
+                        </a:rPr>
+                        <a:t>又有新文章</a:t>
+                      </a:r>
+                    </a:p>
+                  </a:txBody>
+                  <a:tcPr>
+                    <a:solidFill>
+                      <a:schemeClr val="accent6"/>
+                    </a:solidFill>
+                  </a:tcPr>
+                </a:tc>
+                <a:tc>
+                  <a:txBody>
+                    <a:bodyPr/>
+                    <a:lstStyle/>
+                    <a:p>
+                      <a:pPr marL="0" marR="0" lvl="0" indent="0" algn="l" defTabSz="914400" rtl="0" eaLnBrk="1" fontAlgn="auto" latinLnBrk="0" hangingPunct="1">
+                        <a:lnSpc>
+                          <a:spcPct val="100000"/>
+                        </a:lnSpc>
+                        <a:spcBef>
+                          <a:spcPts val="0"/>
+                        </a:spcBef>
+                        <a:spcAft>
+                          <a:spcPts val="0"/>
+                        </a:spcAft>
+                        <a:buClrTx/>
+                        <a:buSzTx/>
+                        <a:buFontTx/>
+                        <a:buNone/>
+                        <a:tabLst/>
+                        <a:defRPr/>
+                      </a:pPr>
+                      <a:r>
+                        <a:rPr lang="zh-CN" altLang="en-US" sz="1200" dirty="0"/>
+                        <a:t>存入</a:t>
+                      </a:r>
+                      <a:r>
+                        <a:rPr lang="en-US" altLang="zh-CN" sz="1200" dirty="0" err="1"/>
+                        <a:t>Joplin_inbox</a:t>
+                      </a:r>
+                      <a:endParaRPr lang="zh-CN" altLang="en-US" sz="1200" dirty="0"/>
+                    </a:p>
+                  </a:txBody>
+                  <a:tcPr/>
+                </a:tc>
+                <a:tc>
+                  <a:txBody>
+                    <a:bodyPr/>
+                    <a:lstStyle/>
+                    <a:p>
+                      <a:endParaRPr lang="zh-CN" altLang="en-US" sz="1200"/>
+                    </a:p>
+                  </a:txBody>
+                  <a:tcPr/>
+                </a:tc>
+                <a:tc>
+                  <a:txBody>
+                    <a:bodyPr/>
+                    <a:lstStyle/>
+                    <a:p>
+                      <a:endParaRPr lang="zh-CN" altLang="en-US" sz="1200"/>
+                    </a:p>
+                  </a:txBody>
+                  <a:tcPr/>
+                </a:tc>
+                <a:tc>
+                  <a:txBody>
+                    <a:bodyPr/>
+                    <a:lstStyle/>
+                    <a:p>
+                      <a:endParaRPr lang="zh-CN" altLang="en-US" sz="1200"/>
+                    </a:p>
+                  </a:txBody>
+                  <a:tcPr/>
+                </a:tc>
+                <a:tc>
+                  <a:txBody>
+                    <a:bodyPr/>
+                    <a:lstStyle/>
+                    <a:p>
+                      <a:endParaRPr lang="zh-CN" altLang="en-US" sz="1200" dirty="0"/>
+                    </a:p>
+                  </a:txBody>
+                  <a:tcPr/>
+                </a:tc>
+                <a:extLst>
+                  <a:ext uri="{0D108BD9-81ED-4DB2-BD59-A6C34878D82A}">
+                    <a16:rowId xmlns:a16="http://schemas.microsoft.com/office/drawing/2014/main" val="2267699226"/>
+                  </a:ext>
+                </a:extLst>
+              </a:tr>
+            </a:tbl>
+          </a:graphicData>
+        </a:graphic>
+      </p:graphicFrame>
+    </p:spTree>
+    <p:extLst>
+      <p:ext uri="{BB962C8B-B14F-4D97-AF65-F5344CB8AC3E}">
+        <p14:creationId xmlns:p14="http://schemas.microsoft.com/office/powerpoint/2010/main" val="4188083134"/>
+      </p:ext>
+    </p:extLst>
+  </p:cSld>
+  <p:clrMapOvr>
+    <a:masterClrMapping/>
+  </p:clrMapOvr>
+</p:sld>
+</file>
+
 <file path=ppt/slides/slide2.xml><?xml version="1.0" encoding="utf-8"?>
 <p:sld xmlns:a="http://schemas.openxmlformats.org/drawingml/2006/main" xmlns:r="http://schemas.openxmlformats.org/officeDocument/2006/relationships" xmlns:p="http://schemas.openxmlformats.org/presentationml/2006/main">
   <p:cSld>

--- a/images/2023-07-19-ru-he-da-jian-shu-yu-zi-ji-de-zhi-shi-shou-ji-zheng-li-jia-gong-ti-xi/知识管理各种图片.pptx
+++ b/images/2023-07-19-ru-he-da-jian-shu-yu-zi-ji-de-zhi-shi-shou-ji-zheng-li-jia-gong-ti-xi/知识管理各种图片.pptx
@@ -20,6 +20,10 @@
     <p:sldId id="268" r:id="rId14"/>
     <p:sldId id="269" r:id="rId15"/>
     <p:sldId id="270" r:id="rId16"/>
+    <p:sldId id="271" r:id="rId17"/>
+    <p:sldId id="272" r:id="rId18"/>
+    <p:sldId id="273" r:id="rId19"/>
+    <p:sldId id="274" r:id="rId20"/>
   </p:sldIdLst>
   <p:sldSz cx="12192000" cy="6858000"/>
   <p:notesSz cx="6858000" cy="9144000"/>
@@ -273,7 +277,7 @@
           <a:p>
             <a:fld id="{1FED3324-CAE9-C448-AEBB-5F479A408AD6}" type="datetimeFigureOut">
               <a:rPr kumimoji="1" lang="zh-CN" altLang="en-US" smtClean="0"/>
-              <a:t>2023/8/30</a:t>
+              <a:t>2023/8/31</a:t>
             </a:fld>
             <a:endParaRPr kumimoji="1" lang="zh-CN" altLang="en-US"/>
           </a:p>
@@ -471,7 +475,7 @@
           <a:p>
             <a:fld id="{1FED3324-CAE9-C448-AEBB-5F479A408AD6}" type="datetimeFigureOut">
               <a:rPr kumimoji="1" lang="zh-CN" altLang="en-US" smtClean="0"/>
-              <a:t>2023/8/30</a:t>
+              <a:t>2023/8/31</a:t>
             </a:fld>
             <a:endParaRPr kumimoji="1" lang="zh-CN" altLang="en-US"/>
           </a:p>
@@ -679,7 +683,7 @@
           <a:p>
             <a:fld id="{1FED3324-CAE9-C448-AEBB-5F479A408AD6}" type="datetimeFigureOut">
               <a:rPr kumimoji="1" lang="zh-CN" altLang="en-US" smtClean="0"/>
-              <a:t>2023/8/30</a:t>
+              <a:t>2023/8/31</a:t>
             </a:fld>
             <a:endParaRPr kumimoji="1" lang="zh-CN" altLang="en-US"/>
           </a:p>
@@ -877,7 +881,7 @@
           <a:p>
             <a:fld id="{1FED3324-CAE9-C448-AEBB-5F479A408AD6}" type="datetimeFigureOut">
               <a:rPr kumimoji="1" lang="zh-CN" altLang="en-US" smtClean="0"/>
-              <a:t>2023/8/30</a:t>
+              <a:t>2023/8/31</a:t>
             </a:fld>
             <a:endParaRPr kumimoji="1" lang="zh-CN" altLang="en-US"/>
           </a:p>
@@ -1152,7 +1156,7 @@
           <a:p>
             <a:fld id="{1FED3324-CAE9-C448-AEBB-5F479A408AD6}" type="datetimeFigureOut">
               <a:rPr kumimoji="1" lang="zh-CN" altLang="en-US" smtClean="0"/>
-              <a:t>2023/8/30</a:t>
+              <a:t>2023/8/31</a:t>
             </a:fld>
             <a:endParaRPr kumimoji="1" lang="zh-CN" altLang="en-US"/>
           </a:p>
@@ -1417,7 +1421,7 @@
           <a:p>
             <a:fld id="{1FED3324-CAE9-C448-AEBB-5F479A408AD6}" type="datetimeFigureOut">
               <a:rPr kumimoji="1" lang="zh-CN" altLang="en-US" smtClean="0"/>
-              <a:t>2023/8/30</a:t>
+              <a:t>2023/8/31</a:t>
             </a:fld>
             <a:endParaRPr kumimoji="1" lang="zh-CN" altLang="en-US"/>
           </a:p>
@@ -1829,7 +1833,7 @@
           <a:p>
             <a:fld id="{1FED3324-CAE9-C448-AEBB-5F479A408AD6}" type="datetimeFigureOut">
               <a:rPr kumimoji="1" lang="zh-CN" altLang="en-US" smtClean="0"/>
-              <a:t>2023/8/30</a:t>
+              <a:t>2023/8/31</a:t>
             </a:fld>
             <a:endParaRPr kumimoji="1" lang="zh-CN" altLang="en-US"/>
           </a:p>
@@ -1970,7 +1974,7 @@
           <a:p>
             <a:fld id="{1FED3324-CAE9-C448-AEBB-5F479A408AD6}" type="datetimeFigureOut">
               <a:rPr kumimoji="1" lang="zh-CN" altLang="en-US" smtClean="0"/>
-              <a:t>2023/8/30</a:t>
+              <a:t>2023/8/31</a:t>
             </a:fld>
             <a:endParaRPr kumimoji="1" lang="zh-CN" altLang="en-US"/>
           </a:p>
@@ -2083,7 +2087,7 @@
           <a:p>
             <a:fld id="{1FED3324-CAE9-C448-AEBB-5F479A408AD6}" type="datetimeFigureOut">
               <a:rPr kumimoji="1" lang="zh-CN" altLang="en-US" smtClean="0"/>
-              <a:t>2023/8/30</a:t>
+              <a:t>2023/8/31</a:t>
             </a:fld>
             <a:endParaRPr kumimoji="1" lang="zh-CN" altLang="en-US"/>
           </a:p>
@@ -2394,7 +2398,7 @@
           <a:p>
             <a:fld id="{1FED3324-CAE9-C448-AEBB-5F479A408AD6}" type="datetimeFigureOut">
               <a:rPr kumimoji="1" lang="zh-CN" altLang="en-US" smtClean="0"/>
-              <a:t>2023/8/30</a:t>
+              <a:t>2023/8/31</a:t>
             </a:fld>
             <a:endParaRPr kumimoji="1" lang="zh-CN" altLang="en-US"/>
           </a:p>
@@ -2682,7 +2686,7 @@
           <a:p>
             <a:fld id="{1FED3324-CAE9-C448-AEBB-5F479A408AD6}" type="datetimeFigureOut">
               <a:rPr kumimoji="1" lang="zh-CN" altLang="en-US" smtClean="0"/>
-              <a:t>2023/8/30</a:t>
+              <a:t>2023/8/31</a:t>
             </a:fld>
             <a:endParaRPr kumimoji="1" lang="zh-CN" altLang="en-US"/>
           </a:p>
@@ -2923,7 +2927,7 @@
           <a:p>
             <a:fld id="{1FED3324-CAE9-C448-AEBB-5F479A408AD6}" type="datetimeFigureOut">
               <a:rPr kumimoji="1" lang="zh-CN" altLang="en-US" smtClean="0"/>
-              <a:t>2023/8/30</a:t>
+              <a:t>2023/8/31</a:t>
             </a:fld>
             <a:endParaRPr kumimoji="1" lang="zh-CN" altLang="en-US"/>
           </a:p>
@@ -11184,6 +11188,3344 @@
 </p:sld>
 </file>
 
+<file path=ppt/slides/slide16.xml><?xml version="1.0" encoding="utf-8"?>
+<p:sld xmlns:a="http://schemas.openxmlformats.org/drawingml/2006/main" xmlns:r="http://schemas.openxmlformats.org/officeDocument/2006/relationships" xmlns:p="http://schemas.openxmlformats.org/presentationml/2006/main">
+  <p:cSld>
+    <p:spTree>
+      <p:nvGrpSpPr>
+        <p:cNvPr id="1" name=""/>
+        <p:cNvGrpSpPr/>
+        <p:nvPr/>
+      </p:nvGrpSpPr>
+      <p:grpSpPr>
+        <a:xfrm>
+          <a:off x="0" y="0"/>
+          <a:ext cx="0" cy="0"/>
+          <a:chOff x="0" y="0"/>
+          <a:chExt cx="0" cy="0"/>
+        </a:xfrm>
+      </p:grpSpPr>
+      <p:pic>
+        <p:nvPicPr>
+          <p:cNvPr id="1028" name="Picture 4" descr="凌亂的廚房-照片素材（圖片） [67017526] - PIXTA圖庫">
+            <a:extLst>
+              <a:ext uri="{FF2B5EF4-FFF2-40B4-BE49-F238E27FC236}">
+                <a16:creationId xmlns:a16="http://schemas.microsoft.com/office/drawing/2014/main" id="{80E4C692-08BD-F101-B8D0-D5BEA691DBDC}"/>
+              </a:ext>
+            </a:extLst>
+          </p:cNvPr>
+          <p:cNvPicPr>
+            <a:picLocks noGrp="1" noChangeAspect="1" noChangeArrowheads="1"/>
+          </p:cNvPicPr>
+          <p:nvPr>
+            <p:ph idx="1"/>
+          </p:nvPr>
+        </p:nvPicPr>
+        <p:blipFill rotWithShape="1">
+          <a:blip r:embed="rId2">
+            <a:extLst>
+              <a:ext uri="{28A0092B-C50C-407E-A947-70E740481C1C}">
+                <a14:useLocalDpi xmlns:a14="http://schemas.microsoft.com/office/drawing/2010/main" val="0"/>
+              </a:ext>
+            </a:extLst>
+          </a:blip>
+          <a:srcRect r="1610" b="7153"/>
+          <a:stretch/>
+        </p:blipFill>
+        <p:spPr bwMode="auto">
+          <a:xfrm>
+            <a:off x="6624847" y="2192480"/>
+            <a:ext cx="3963988" cy="2720806"/>
+          </a:xfrm>
+          <a:prstGeom prst="rect">
+            <a:avLst/>
+          </a:prstGeom>
+          <a:noFill/>
+          <a:extLst>
+            <a:ext uri="{909E8E84-426E-40DD-AFC4-6F175D3DCCD1}">
+              <a14:hiddenFill xmlns:a14="http://schemas.microsoft.com/office/drawing/2010/main">
+                <a:solidFill>
+                  <a:srgbClr val="FFFFFF"/>
+                </a:solidFill>
+              </a14:hiddenFill>
+            </a:ext>
+          </a:extLst>
+        </p:spPr>
+      </p:pic>
+      <p:pic>
+        <p:nvPicPr>
+          <p:cNvPr id="1030" name="Picture 6" descr="蓝色大海手机桌面壁纸| Free iphone wallpaper, Landscape, Nature">
+            <a:extLst>
+              <a:ext uri="{FF2B5EF4-FFF2-40B4-BE49-F238E27FC236}">
+                <a16:creationId xmlns:a16="http://schemas.microsoft.com/office/drawing/2014/main" id="{052FF107-38BA-FB6B-254F-24DCA0CC1AFC}"/>
+              </a:ext>
+            </a:extLst>
+          </p:cNvPr>
+          <p:cNvPicPr>
+            <a:picLocks noChangeAspect="1" noChangeArrowheads="1"/>
+          </p:cNvPicPr>
+          <p:nvPr/>
+        </p:nvPicPr>
+        <p:blipFill>
+          <a:blip r:embed="rId3">
+            <a:extLst>
+              <a:ext uri="{28A0092B-C50C-407E-A947-70E740481C1C}">
+                <a14:useLocalDpi xmlns:a14="http://schemas.microsoft.com/office/drawing/2010/main" val="0"/>
+              </a:ext>
+            </a:extLst>
+          </a:blip>
+          <a:srcRect/>
+          <a:stretch>
+            <a:fillRect/>
+          </a:stretch>
+        </p:blipFill>
+        <p:spPr bwMode="auto">
+          <a:xfrm>
+            <a:off x="4601683" y="2192481"/>
+            <a:ext cx="1813870" cy="2720806"/>
+          </a:xfrm>
+          <a:prstGeom prst="rect">
+            <a:avLst/>
+          </a:prstGeom>
+          <a:noFill/>
+          <a:extLst>
+            <a:ext uri="{909E8E84-426E-40DD-AFC4-6F175D3DCCD1}">
+              <a14:hiddenFill xmlns:a14="http://schemas.microsoft.com/office/drawing/2010/main">
+                <a:solidFill>
+                  <a:srgbClr val="FFFFFF"/>
+                </a:solidFill>
+              </a14:hiddenFill>
+            </a:ext>
+          </a:extLst>
+        </p:spPr>
+      </p:pic>
+      <p:pic>
+        <p:nvPicPr>
+          <p:cNvPr id="1032" name="Picture 8" descr="伦敦通票带你游景点之：伦敦最古老的哥特式建筑——萨瑟克大教堂-世界游网World Travel Online">
+            <a:extLst>
+              <a:ext uri="{FF2B5EF4-FFF2-40B4-BE49-F238E27FC236}">
+                <a16:creationId xmlns:a16="http://schemas.microsoft.com/office/drawing/2014/main" id="{CF83A80A-4B85-6AC0-E105-B42800379FDD}"/>
+              </a:ext>
+            </a:extLst>
+          </p:cNvPr>
+          <p:cNvPicPr>
+            <a:picLocks noChangeAspect="1" noChangeArrowheads="1"/>
+          </p:cNvPicPr>
+          <p:nvPr/>
+        </p:nvPicPr>
+        <p:blipFill rotWithShape="1">
+          <a:blip r:embed="rId4">
+            <a:extLst>
+              <a:ext uri="{28A0092B-C50C-407E-A947-70E740481C1C}">
+                <a14:useLocalDpi xmlns:a14="http://schemas.microsoft.com/office/drawing/2010/main" val="0"/>
+              </a:ext>
+            </a:extLst>
+          </a:blip>
+          <a:srcRect l="13787" r="11349"/>
+          <a:stretch/>
+        </p:blipFill>
+        <p:spPr bwMode="auto">
+          <a:xfrm>
+            <a:off x="1227158" y="2192480"/>
+            <a:ext cx="3165231" cy="2720806"/>
+          </a:xfrm>
+          <a:prstGeom prst="rect">
+            <a:avLst/>
+          </a:prstGeom>
+          <a:noFill/>
+          <a:extLst>
+            <a:ext uri="{909E8E84-426E-40DD-AFC4-6F175D3DCCD1}">
+              <a14:hiddenFill xmlns:a14="http://schemas.microsoft.com/office/drawing/2010/main">
+                <a:solidFill>
+                  <a:srgbClr val="FFFFFF"/>
+                </a:solidFill>
+              </a14:hiddenFill>
+            </a:ext>
+          </a:extLst>
+        </p:spPr>
+      </p:pic>
+    </p:spTree>
+    <p:extLst>
+      <p:ext uri="{BB962C8B-B14F-4D97-AF65-F5344CB8AC3E}">
+        <p14:creationId xmlns:p14="http://schemas.microsoft.com/office/powerpoint/2010/main" val="1377158138"/>
+      </p:ext>
+    </p:extLst>
+  </p:cSld>
+  <p:clrMapOvr>
+    <a:masterClrMapping/>
+  </p:clrMapOvr>
+</p:sld>
+</file>
+
+<file path=ppt/slides/slide17.xml><?xml version="1.0" encoding="utf-8"?>
+<p:sld xmlns:a="http://schemas.openxmlformats.org/drawingml/2006/main" xmlns:r="http://schemas.openxmlformats.org/officeDocument/2006/relationships" xmlns:p="http://schemas.openxmlformats.org/presentationml/2006/main">
+  <p:cSld>
+    <p:spTree>
+      <p:nvGrpSpPr>
+        <p:cNvPr id="1" name=""/>
+        <p:cNvGrpSpPr/>
+        <p:nvPr/>
+      </p:nvGrpSpPr>
+      <p:grpSpPr>
+        <a:xfrm>
+          <a:off x="0" y="0"/>
+          <a:ext cx="0" cy="0"/>
+          <a:chOff x="0" y="0"/>
+          <a:chExt cx="0" cy="0"/>
+        </a:xfrm>
+      </p:grpSpPr>
+      <p:sp>
+        <p:nvSpPr>
+          <p:cNvPr id="15" name="矩形 14">
+            <a:extLst>
+              <a:ext uri="{FF2B5EF4-FFF2-40B4-BE49-F238E27FC236}">
+                <a16:creationId xmlns:a16="http://schemas.microsoft.com/office/drawing/2014/main" id="{62F14640-734A-B51A-C8A8-F02F092028C1}"/>
+              </a:ext>
+            </a:extLst>
+          </p:cNvPr>
+          <p:cNvSpPr/>
+          <p:nvPr/>
+        </p:nvSpPr>
+        <p:spPr>
+          <a:xfrm>
+            <a:off x="4798446" y="1230923"/>
+            <a:ext cx="2270569" cy="1874911"/>
+          </a:xfrm>
+          <a:prstGeom prst="rect">
+            <a:avLst/>
+          </a:prstGeom>
+        </p:spPr>
+        <p:style>
+          <a:lnRef idx="2">
+            <a:schemeClr val="accent4">
+              <a:shade val="15000"/>
+            </a:schemeClr>
+          </a:lnRef>
+          <a:fillRef idx="1">
+            <a:schemeClr val="accent4"/>
+          </a:fillRef>
+          <a:effectRef idx="0">
+            <a:schemeClr val="accent4"/>
+          </a:effectRef>
+          <a:fontRef idx="minor">
+            <a:schemeClr val="lt1"/>
+          </a:fontRef>
+        </p:style>
+        <p:txBody>
+          <a:bodyPr rtlCol="0" anchor="ctr"/>
+          <a:lstStyle/>
+          <a:p>
+            <a:pPr algn="ctr"/>
+            <a:endParaRPr kumimoji="1" lang="zh-CN" altLang="en-US"/>
+          </a:p>
+        </p:txBody>
+      </p:sp>
+      <p:sp>
+        <p:nvSpPr>
+          <p:cNvPr id="8" name="矩形 7">
+            <a:extLst>
+              <a:ext uri="{FF2B5EF4-FFF2-40B4-BE49-F238E27FC236}">
+                <a16:creationId xmlns:a16="http://schemas.microsoft.com/office/drawing/2014/main" id="{0A33C04E-B3F1-611F-118A-BEA7BEAFCDB4}"/>
+              </a:ext>
+            </a:extLst>
+          </p:cNvPr>
+          <p:cNvSpPr/>
+          <p:nvPr/>
+        </p:nvSpPr>
+        <p:spPr>
+          <a:xfrm>
+            <a:off x="293076" y="1143000"/>
+            <a:ext cx="3487616" cy="4633546"/>
+          </a:xfrm>
+          <a:prstGeom prst="rect">
+            <a:avLst/>
+          </a:prstGeom>
+        </p:spPr>
+        <p:style>
+          <a:lnRef idx="1">
+            <a:schemeClr val="accent1"/>
+          </a:lnRef>
+          <a:fillRef idx="2">
+            <a:schemeClr val="accent1"/>
+          </a:fillRef>
+          <a:effectRef idx="1">
+            <a:schemeClr val="accent1"/>
+          </a:effectRef>
+          <a:fontRef idx="minor">
+            <a:schemeClr val="dk1"/>
+          </a:fontRef>
+        </p:style>
+        <p:txBody>
+          <a:bodyPr rtlCol="0" anchor="ctr"/>
+          <a:lstStyle/>
+          <a:p>
+            <a:pPr algn="ctr"/>
+            <a:endParaRPr kumimoji="1" lang="zh-CN" altLang="en-US" dirty="0"/>
+          </a:p>
+        </p:txBody>
+      </p:sp>
+      <p:sp>
+        <p:nvSpPr>
+          <p:cNvPr id="4" name="文本框 3">
+            <a:extLst>
+              <a:ext uri="{FF2B5EF4-FFF2-40B4-BE49-F238E27FC236}">
+                <a16:creationId xmlns:a16="http://schemas.microsoft.com/office/drawing/2014/main" id="{BF051CBB-49AB-2AC1-F251-B173EB776797}"/>
+              </a:ext>
+            </a:extLst>
+          </p:cNvPr>
+          <p:cNvSpPr txBox="1"/>
+          <p:nvPr/>
+        </p:nvSpPr>
+        <p:spPr>
+          <a:xfrm>
+            <a:off x="1979607" y="1397674"/>
+            <a:ext cx="1742785" cy="2031325"/>
+          </a:xfrm>
+          <a:prstGeom prst="rect">
+            <a:avLst/>
+          </a:prstGeom>
+        </p:spPr>
+        <p:style>
+          <a:lnRef idx="1">
+            <a:schemeClr val="dk1"/>
+          </a:lnRef>
+          <a:fillRef idx="2">
+            <a:schemeClr val="dk1"/>
+          </a:fillRef>
+          <a:effectRef idx="1">
+            <a:schemeClr val="dk1"/>
+          </a:effectRef>
+          <a:fontRef idx="minor">
+            <a:schemeClr val="dk1"/>
+          </a:fontRef>
+        </p:style>
+        <p:txBody>
+          <a:bodyPr wrap="none" rtlCol="0">
+            <a:spAutoFit/>
+          </a:bodyPr>
+          <a:lstStyle/>
+          <a:p>
+            <a:r>
+              <a:rPr kumimoji="1" lang="zh-CN" altLang="en-US" dirty="0"/>
+              <a:t>编程语言</a:t>
+            </a:r>
+            <a:endParaRPr kumimoji="1" lang="en-US" altLang="zh-CN" dirty="0"/>
+          </a:p>
+          <a:p>
+            <a:pPr marL="285750" indent="-285750">
+              <a:buFont typeface="Arial" panose="020B0604020202020204" pitchFamily="34" charset="0"/>
+              <a:buChar char="•"/>
+            </a:pPr>
+            <a:r>
+              <a:rPr kumimoji="1" lang="en-US" altLang="zh-CN" dirty="0"/>
+              <a:t>C</a:t>
+            </a:r>
+          </a:p>
+          <a:p>
+            <a:pPr marL="285750" indent="-285750">
+              <a:buFont typeface="Arial" panose="020B0604020202020204" pitchFamily="34" charset="0"/>
+              <a:buChar char="•"/>
+            </a:pPr>
+            <a:r>
+              <a:rPr kumimoji="1" lang="en-US" altLang="zh-CN" dirty="0"/>
+              <a:t>Rust</a:t>
+            </a:r>
+          </a:p>
+          <a:p>
+            <a:pPr marL="285750" indent="-285750">
+              <a:buFont typeface="Arial" panose="020B0604020202020204" pitchFamily="34" charset="0"/>
+              <a:buChar char="•"/>
+            </a:pPr>
+            <a:r>
+              <a:rPr kumimoji="1" lang="en-US" altLang="zh-CN" dirty="0"/>
+              <a:t>Python</a:t>
+            </a:r>
+          </a:p>
+          <a:p>
+            <a:pPr marL="285750" indent="-285750">
+              <a:buFont typeface="Arial" panose="020B0604020202020204" pitchFamily="34" charset="0"/>
+              <a:buChar char="•"/>
+            </a:pPr>
+            <a:r>
+              <a:rPr kumimoji="1" lang="en-US" altLang="zh-CN" dirty="0"/>
+              <a:t>Java</a:t>
+            </a:r>
+          </a:p>
+          <a:p>
+            <a:pPr marL="285750" indent="-285750">
+              <a:buFont typeface="Arial" panose="020B0604020202020204" pitchFamily="34" charset="0"/>
+              <a:buChar char="•"/>
+            </a:pPr>
+            <a:r>
+              <a:rPr kumimoji="1" lang="en-US" altLang="zh-CN" dirty="0" err="1"/>
+              <a:t>Javascript</a:t>
+            </a:r>
+            <a:endParaRPr kumimoji="1" lang="en-US" altLang="zh-CN" dirty="0"/>
+          </a:p>
+          <a:p>
+            <a:pPr marL="742950" lvl="1" indent="-285750">
+              <a:buFont typeface="Arial" panose="020B0604020202020204" pitchFamily="34" charset="0"/>
+              <a:buChar char="•"/>
+            </a:pPr>
+            <a:r>
+              <a:rPr kumimoji="1" lang="en-US" altLang="zh-CN" dirty="0"/>
+              <a:t>《</a:t>
+            </a:r>
+            <a:r>
+              <a:rPr kumimoji="1" lang="en-US" altLang="zh-CN" dirty="0" err="1"/>
+              <a:t>aaa</a:t>
+            </a:r>
+            <a:r>
+              <a:rPr kumimoji="1" lang="en-US" altLang="zh-CN" dirty="0"/>
+              <a:t>》</a:t>
+            </a:r>
+            <a:endParaRPr kumimoji="1" lang="zh-CN" altLang="en-US" dirty="0"/>
+          </a:p>
+        </p:txBody>
+      </p:sp>
+      <p:sp>
+        <p:nvSpPr>
+          <p:cNvPr id="5" name="文本框 4">
+            <a:extLst>
+              <a:ext uri="{FF2B5EF4-FFF2-40B4-BE49-F238E27FC236}">
+                <a16:creationId xmlns:a16="http://schemas.microsoft.com/office/drawing/2014/main" id="{23E72E9F-DEA0-4D4E-94B1-5A94B2D4883C}"/>
+              </a:ext>
+            </a:extLst>
+          </p:cNvPr>
+          <p:cNvSpPr txBox="1"/>
+          <p:nvPr/>
+        </p:nvSpPr>
+        <p:spPr>
+          <a:xfrm>
+            <a:off x="1921307" y="3960674"/>
+            <a:ext cx="1795684" cy="1754326"/>
+          </a:xfrm>
+          <a:prstGeom prst="rect">
+            <a:avLst/>
+          </a:prstGeom>
+        </p:spPr>
+        <p:style>
+          <a:lnRef idx="1">
+            <a:schemeClr val="dk1"/>
+          </a:lnRef>
+          <a:fillRef idx="2">
+            <a:schemeClr val="dk1"/>
+          </a:fillRef>
+          <a:effectRef idx="1">
+            <a:schemeClr val="dk1"/>
+          </a:effectRef>
+          <a:fontRef idx="minor">
+            <a:schemeClr val="dk1"/>
+          </a:fontRef>
+        </p:style>
+        <p:txBody>
+          <a:bodyPr wrap="none" rtlCol="0">
+            <a:spAutoFit/>
+          </a:bodyPr>
+          <a:lstStyle/>
+          <a:p>
+            <a:r>
+              <a:rPr kumimoji="1" lang="zh-CN" altLang="en-US" dirty="0"/>
+              <a:t>知识管理</a:t>
+            </a:r>
+            <a:endParaRPr kumimoji="1" lang="en-US" altLang="zh-CN" dirty="0"/>
+          </a:p>
+          <a:p>
+            <a:pPr marL="285750" indent="-285750">
+              <a:buFont typeface="Arial" panose="020B0604020202020204" pitchFamily="34" charset="0"/>
+              <a:buChar char="•"/>
+            </a:pPr>
+            <a:r>
+              <a:rPr kumimoji="1" lang="en-US" altLang="zh-CN" dirty="0"/>
+              <a:t>OB</a:t>
+            </a:r>
+          </a:p>
+          <a:p>
+            <a:pPr marL="742950" lvl="1" indent="-285750">
+              <a:buFont typeface="Arial" panose="020B0604020202020204" pitchFamily="34" charset="0"/>
+              <a:buChar char="•"/>
+            </a:pPr>
+            <a:r>
+              <a:rPr kumimoji="1" lang="en-US" altLang="zh-CN" dirty="0"/>
+              <a:t>《</a:t>
+            </a:r>
+            <a:r>
+              <a:rPr kumimoji="1" lang="en-US" altLang="zh-CN" dirty="0" err="1"/>
+              <a:t>bbb</a:t>
+            </a:r>
+            <a:r>
+              <a:rPr kumimoji="1" lang="en-US" altLang="zh-CN" dirty="0"/>
+              <a:t>》</a:t>
+            </a:r>
+          </a:p>
+          <a:p>
+            <a:pPr marL="285750" indent="-285750">
+              <a:buFont typeface="Arial" panose="020B0604020202020204" pitchFamily="34" charset="0"/>
+              <a:buChar char="•"/>
+            </a:pPr>
+            <a:r>
+              <a:rPr kumimoji="1" lang="en-US" altLang="zh-CN" dirty="0"/>
+              <a:t>Notion</a:t>
+            </a:r>
+          </a:p>
+          <a:p>
+            <a:pPr marL="285750" indent="-285750">
+              <a:buFont typeface="Arial" panose="020B0604020202020204" pitchFamily="34" charset="0"/>
+              <a:buChar char="•"/>
+            </a:pPr>
+            <a:r>
+              <a:rPr kumimoji="1" lang="en-US" altLang="zh-CN" dirty="0"/>
+              <a:t>Tana</a:t>
+            </a:r>
+          </a:p>
+          <a:p>
+            <a:pPr marL="285750" indent="-285750">
+              <a:buFont typeface="Arial" panose="020B0604020202020204" pitchFamily="34" charset="0"/>
+              <a:buChar char="•"/>
+            </a:pPr>
+            <a:endParaRPr kumimoji="1" lang="zh-CN" altLang="en-US" dirty="0"/>
+          </a:p>
+        </p:txBody>
+      </p:sp>
+      <p:sp>
+        <p:nvSpPr>
+          <p:cNvPr id="6" name="文本框 5">
+            <a:extLst>
+              <a:ext uri="{FF2B5EF4-FFF2-40B4-BE49-F238E27FC236}">
+                <a16:creationId xmlns:a16="http://schemas.microsoft.com/office/drawing/2014/main" id="{A5F773AB-306C-CA42-E8B1-F1C2EB34CAA1}"/>
+              </a:ext>
+            </a:extLst>
+          </p:cNvPr>
+          <p:cNvSpPr txBox="1"/>
+          <p:nvPr/>
+        </p:nvSpPr>
+        <p:spPr>
+          <a:xfrm>
+            <a:off x="293076" y="3105834"/>
+            <a:ext cx="877163" cy="646331"/>
+          </a:xfrm>
+          <a:prstGeom prst="rect">
+            <a:avLst/>
+          </a:prstGeom>
+        </p:spPr>
+        <p:style>
+          <a:lnRef idx="1">
+            <a:schemeClr val="dk1"/>
+          </a:lnRef>
+          <a:fillRef idx="2">
+            <a:schemeClr val="dk1"/>
+          </a:fillRef>
+          <a:effectRef idx="1">
+            <a:schemeClr val="dk1"/>
+          </a:effectRef>
+          <a:fontRef idx="minor">
+            <a:schemeClr val="dk1"/>
+          </a:fontRef>
+        </p:style>
+        <p:txBody>
+          <a:bodyPr wrap="none" rtlCol="0">
+            <a:spAutoFit/>
+          </a:bodyPr>
+          <a:lstStyle/>
+          <a:p>
+            <a:r>
+              <a:rPr kumimoji="1" lang="zh-CN" altLang="en-US" dirty="0"/>
+              <a:t>服务器</a:t>
+            </a:r>
+            <a:endParaRPr kumimoji="1" lang="en-US" altLang="zh-CN" dirty="0"/>
+          </a:p>
+          <a:p>
+            <a:pPr marL="285750" indent="-285750">
+              <a:buFont typeface="Arial" panose="020B0604020202020204" pitchFamily="34" charset="0"/>
+              <a:buChar char="•"/>
+            </a:pPr>
+            <a:r>
+              <a:rPr kumimoji="1" lang="en-US" altLang="zh-CN" dirty="0"/>
+              <a:t>Git</a:t>
+            </a:r>
+            <a:endParaRPr kumimoji="1" lang="zh-CN" altLang="en-US" dirty="0"/>
+          </a:p>
+        </p:txBody>
+      </p:sp>
+      <p:sp>
+        <p:nvSpPr>
+          <p:cNvPr id="7" name="文本框 6">
+            <a:extLst>
+              <a:ext uri="{FF2B5EF4-FFF2-40B4-BE49-F238E27FC236}">
+                <a16:creationId xmlns:a16="http://schemas.microsoft.com/office/drawing/2014/main" id="{C7D7FCD0-F8D7-BF36-168E-5EFBDD85F1AA}"/>
+              </a:ext>
+            </a:extLst>
+          </p:cNvPr>
+          <p:cNvSpPr txBox="1"/>
+          <p:nvPr/>
+        </p:nvSpPr>
+        <p:spPr>
+          <a:xfrm>
+            <a:off x="4862147" y="1529862"/>
+            <a:ext cx="1858201" cy="1754326"/>
+          </a:xfrm>
+          <a:prstGeom prst="rect">
+            <a:avLst/>
+          </a:prstGeom>
+          <a:noFill/>
+        </p:spPr>
+        <p:txBody>
+          <a:bodyPr wrap="none" rtlCol="0">
+            <a:spAutoFit/>
+          </a:bodyPr>
+          <a:lstStyle/>
+          <a:p>
+            <a:r>
+              <a:rPr kumimoji="1" lang="zh-CN" altLang="en-US" dirty="0"/>
+              <a:t>做一个</a:t>
+            </a:r>
+            <a:r>
+              <a:rPr kumimoji="1" lang="en-US" altLang="zh-CN" dirty="0"/>
+              <a:t>OB</a:t>
+            </a:r>
+            <a:r>
+              <a:rPr kumimoji="1" lang="zh-CN" altLang="en-US" dirty="0"/>
+              <a:t>插件</a:t>
+            </a:r>
+            <a:endParaRPr kumimoji="1" lang="en-US" altLang="zh-CN" dirty="0"/>
+          </a:p>
+          <a:p>
+            <a:pPr marL="285750" indent="-285750">
+              <a:buFont typeface="Arial" panose="020B0604020202020204" pitchFamily="34" charset="0"/>
+              <a:buChar char="•"/>
+            </a:pPr>
+            <a:r>
+              <a:rPr kumimoji="1" lang="en-US" altLang="zh-CN" dirty="0"/>
+              <a:t>《</a:t>
+            </a:r>
+            <a:r>
+              <a:rPr kumimoji="1" lang="en-US" altLang="zh-CN" dirty="0" err="1"/>
+              <a:t>aaa</a:t>
+            </a:r>
+            <a:r>
+              <a:rPr kumimoji="1" lang="en-US" altLang="zh-CN" dirty="0"/>
+              <a:t>》</a:t>
+            </a:r>
+          </a:p>
+          <a:p>
+            <a:pPr marL="285750" indent="-285750">
+              <a:buFont typeface="Arial" panose="020B0604020202020204" pitchFamily="34" charset="0"/>
+              <a:buChar char="•"/>
+            </a:pPr>
+            <a:r>
+              <a:rPr kumimoji="1" lang="en-US" altLang="zh-CN" dirty="0"/>
+              <a:t>《</a:t>
+            </a:r>
+            <a:r>
+              <a:rPr kumimoji="1" lang="en-US" altLang="zh-CN" dirty="0" err="1"/>
+              <a:t>bbb</a:t>
+            </a:r>
+            <a:r>
+              <a:rPr kumimoji="1" lang="en-US" altLang="zh-CN" dirty="0"/>
+              <a:t>》</a:t>
+            </a:r>
+          </a:p>
+          <a:p>
+            <a:pPr marL="285750" indent="-285750">
+              <a:buFont typeface="Arial" panose="020B0604020202020204" pitchFamily="34" charset="0"/>
+              <a:buChar char="•"/>
+            </a:pPr>
+            <a:r>
+              <a:rPr kumimoji="1" lang="zh-CN" altLang="en-US" dirty="0"/>
+              <a:t>我做插件记录</a:t>
+            </a:r>
+            <a:endParaRPr kumimoji="1" lang="en-US" altLang="zh-CN" dirty="0"/>
+          </a:p>
+          <a:p>
+            <a:pPr marL="285750" indent="-285750">
+              <a:buFont typeface="Arial" panose="020B0604020202020204" pitchFamily="34" charset="0"/>
+              <a:buChar char="•"/>
+            </a:pPr>
+            <a:r>
+              <a:rPr kumimoji="1" lang="zh-CN" altLang="en-US" dirty="0"/>
+              <a:t>如何发布插件</a:t>
+            </a:r>
+            <a:endParaRPr kumimoji="1" lang="en-US" altLang="zh-CN" dirty="0"/>
+          </a:p>
+          <a:p>
+            <a:pPr marL="285750" indent="-285750">
+              <a:buFont typeface="Arial" panose="020B0604020202020204" pitchFamily="34" charset="0"/>
+              <a:buChar char="•"/>
+            </a:pPr>
+            <a:endParaRPr kumimoji="1" lang="zh-CN" altLang="en-US" dirty="0"/>
+          </a:p>
+        </p:txBody>
+      </p:sp>
+      <p:sp>
+        <p:nvSpPr>
+          <p:cNvPr id="9" name="文本框 8">
+            <a:extLst>
+              <a:ext uri="{FF2B5EF4-FFF2-40B4-BE49-F238E27FC236}">
+                <a16:creationId xmlns:a16="http://schemas.microsoft.com/office/drawing/2014/main" id="{57BFB551-E26B-8B78-3A9C-8F6E38351802}"/>
+              </a:ext>
+            </a:extLst>
+          </p:cNvPr>
+          <p:cNvSpPr txBox="1"/>
+          <p:nvPr/>
+        </p:nvSpPr>
+        <p:spPr>
+          <a:xfrm>
+            <a:off x="293938" y="1801252"/>
+            <a:ext cx="1627369" cy="646331"/>
+          </a:xfrm>
+          <a:prstGeom prst="rect">
+            <a:avLst/>
+          </a:prstGeom>
+        </p:spPr>
+        <p:style>
+          <a:lnRef idx="1">
+            <a:schemeClr val="dk1"/>
+          </a:lnRef>
+          <a:fillRef idx="2">
+            <a:schemeClr val="dk1"/>
+          </a:fillRef>
+          <a:effectRef idx="1">
+            <a:schemeClr val="dk1"/>
+          </a:effectRef>
+          <a:fontRef idx="minor">
+            <a:schemeClr val="dk1"/>
+          </a:fontRef>
+        </p:style>
+        <p:txBody>
+          <a:bodyPr wrap="none" rtlCol="0">
+            <a:spAutoFit/>
+          </a:bodyPr>
+          <a:lstStyle/>
+          <a:p>
+            <a:r>
+              <a:rPr kumimoji="1" lang="zh-CN" altLang="en-US" dirty="0"/>
+              <a:t>心理学</a:t>
+            </a:r>
+            <a:endParaRPr kumimoji="1" lang="en-US" altLang="zh-CN" dirty="0"/>
+          </a:p>
+          <a:p>
+            <a:pPr marL="285750" indent="-285750">
+              <a:buFont typeface="Arial" panose="020B0604020202020204" pitchFamily="34" charset="0"/>
+              <a:buChar char="•"/>
+            </a:pPr>
+            <a:r>
+              <a:rPr kumimoji="1" lang="zh-CN" altLang="en-US" dirty="0"/>
+              <a:t>消费心理学</a:t>
+            </a:r>
+          </a:p>
+        </p:txBody>
+      </p:sp>
+      <p:cxnSp>
+        <p:nvCxnSpPr>
+          <p:cNvPr id="11" name="直线箭头连接符 10">
+            <a:extLst>
+              <a:ext uri="{FF2B5EF4-FFF2-40B4-BE49-F238E27FC236}">
+                <a16:creationId xmlns:a16="http://schemas.microsoft.com/office/drawing/2014/main" id="{410227AE-3351-A4C7-F71C-F4242F96D058}"/>
+              </a:ext>
+            </a:extLst>
+          </p:cNvPr>
+          <p:cNvCxnSpPr>
+            <a:cxnSpLocks/>
+          </p:cNvCxnSpPr>
+          <p:nvPr/>
+        </p:nvCxnSpPr>
+        <p:spPr>
+          <a:xfrm flipV="1">
+            <a:off x="3631223" y="1987062"/>
+            <a:ext cx="1230924" cy="1222130"/>
+          </a:xfrm>
+          <a:prstGeom prst="straightConnector1">
+            <a:avLst/>
+          </a:prstGeom>
+          <a:ln>
+            <a:tailEnd type="triangle"/>
+          </a:ln>
+        </p:spPr>
+        <p:style>
+          <a:lnRef idx="3">
+            <a:schemeClr val="accent1"/>
+          </a:lnRef>
+          <a:fillRef idx="0">
+            <a:schemeClr val="accent1"/>
+          </a:fillRef>
+          <a:effectRef idx="2">
+            <a:schemeClr val="accent1"/>
+          </a:effectRef>
+          <a:fontRef idx="minor">
+            <a:schemeClr val="tx1"/>
+          </a:fontRef>
+        </p:style>
+      </p:cxnSp>
+      <p:cxnSp>
+        <p:nvCxnSpPr>
+          <p:cNvPr id="12" name="直线箭头连接符 11">
+            <a:extLst>
+              <a:ext uri="{FF2B5EF4-FFF2-40B4-BE49-F238E27FC236}">
+                <a16:creationId xmlns:a16="http://schemas.microsoft.com/office/drawing/2014/main" id="{B355B164-9E9A-90B3-3C6D-8B80E3BA56EF}"/>
+              </a:ext>
+            </a:extLst>
+          </p:cNvPr>
+          <p:cNvCxnSpPr>
+            <a:cxnSpLocks/>
+          </p:cNvCxnSpPr>
+          <p:nvPr/>
+        </p:nvCxnSpPr>
+        <p:spPr>
+          <a:xfrm flipV="1">
+            <a:off x="3569914" y="2447583"/>
+            <a:ext cx="1228532" cy="2194755"/>
+          </a:xfrm>
+          <a:prstGeom prst="straightConnector1">
+            <a:avLst/>
+          </a:prstGeom>
+          <a:ln>
+            <a:tailEnd type="triangle"/>
+          </a:ln>
+        </p:spPr>
+        <p:style>
+          <a:lnRef idx="3">
+            <a:schemeClr val="accent1"/>
+          </a:lnRef>
+          <a:fillRef idx="0">
+            <a:schemeClr val="accent1"/>
+          </a:fillRef>
+          <a:effectRef idx="2">
+            <a:schemeClr val="accent1"/>
+          </a:effectRef>
+          <a:fontRef idx="minor">
+            <a:schemeClr val="tx1"/>
+          </a:fontRef>
+        </p:style>
+      </p:cxnSp>
+    </p:spTree>
+    <p:extLst>
+      <p:ext uri="{BB962C8B-B14F-4D97-AF65-F5344CB8AC3E}">
+        <p14:creationId xmlns:p14="http://schemas.microsoft.com/office/powerpoint/2010/main" val="424698745"/>
+      </p:ext>
+    </p:extLst>
+  </p:cSld>
+  <p:clrMapOvr>
+    <a:masterClrMapping/>
+  </p:clrMapOvr>
+</p:sld>
+</file>
+
+<file path=ppt/slides/slide18.xml><?xml version="1.0" encoding="utf-8"?>
+<p:sld xmlns:a="http://schemas.openxmlformats.org/drawingml/2006/main" xmlns:r="http://schemas.openxmlformats.org/officeDocument/2006/relationships" xmlns:p="http://schemas.openxmlformats.org/presentationml/2006/main">
+  <p:cSld>
+    <p:spTree>
+      <p:nvGrpSpPr>
+        <p:cNvPr id="1" name=""/>
+        <p:cNvGrpSpPr/>
+        <p:nvPr/>
+      </p:nvGrpSpPr>
+      <p:grpSpPr>
+        <a:xfrm>
+          <a:off x="0" y="0"/>
+          <a:ext cx="0" cy="0"/>
+          <a:chOff x="0" y="0"/>
+          <a:chExt cx="0" cy="0"/>
+        </a:xfrm>
+      </p:grpSpPr>
+      <p:sp>
+        <p:nvSpPr>
+          <p:cNvPr id="4" name="矩形 3">
+            <a:extLst>
+              <a:ext uri="{FF2B5EF4-FFF2-40B4-BE49-F238E27FC236}">
+                <a16:creationId xmlns:a16="http://schemas.microsoft.com/office/drawing/2014/main" id="{ABF919B5-E97D-B77A-0309-47441E76124E}"/>
+              </a:ext>
+            </a:extLst>
+          </p:cNvPr>
+          <p:cNvSpPr/>
+          <p:nvPr/>
+        </p:nvSpPr>
+        <p:spPr>
+          <a:xfrm>
+            <a:off x="2822327" y="641835"/>
+            <a:ext cx="1811215" cy="800100"/>
+          </a:xfrm>
+          <a:prstGeom prst="rect">
+            <a:avLst/>
+          </a:prstGeom>
+        </p:spPr>
+        <p:style>
+          <a:lnRef idx="1">
+            <a:schemeClr val="accent3"/>
+          </a:lnRef>
+          <a:fillRef idx="3">
+            <a:schemeClr val="accent3"/>
+          </a:fillRef>
+          <a:effectRef idx="2">
+            <a:schemeClr val="accent3"/>
+          </a:effectRef>
+          <a:fontRef idx="minor">
+            <a:schemeClr val="lt1"/>
+          </a:fontRef>
+        </p:style>
+        <p:txBody>
+          <a:bodyPr rtlCol="0" anchor="ctr"/>
+          <a:lstStyle/>
+          <a:p>
+            <a:pPr algn="ctr"/>
+            <a:r>
+              <a:rPr kumimoji="1" lang="en-US" altLang="zh-CN" sz="2400" b="1" dirty="0">
+                <a:solidFill>
+                  <a:schemeClr val="accent2">
+                    <a:lumMod val="75000"/>
+                  </a:schemeClr>
+                </a:solidFill>
+              </a:rPr>
+              <a:t>P</a:t>
+            </a:r>
+            <a:r>
+              <a:rPr kumimoji="1" lang="en-US" altLang="zh-CN" dirty="0"/>
+              <a:t>roject</a:t>
+            </a:r>
+            <a:r>
+              <a:rPr kumimoji="1" lang="zh-CN" altLang="en-US" dirty="0"/>
+              <a:t>项目</a:t>
+            </a:r>
+          </a:p>
+        </p:txBody>
+      </p:sp>
+      <p:sp>
+        <p:nvSpPr>
+          <p:cNvPr id="5" name="矩形 4">
+            <a:extLst>
+              <a:ext uri="{FF2B5EF4-FFF2-40B4-BE49-F238E27FC236}">
+                <a16:creationId xmlns:a16="http://schemas.microsoft.com/office/drawing/2014/main" id="{1C8369E8-1768-0610-E22C-89DE3C3BDBD0}"/>
+              </a:ext>
+            </a:extLst>
+          </p:cNvPr>
+          <p:cNvSpPr/>
+          <p:nvPr/>
+        </p:nvSpPr>
+        <p:spPr>
+          <a:xfrm>
+            <a:off x="2822327" y="2142390"/>
+            <a:ext cx="1811215" cy="800100"/>
+          </a:xfrm>
+          <a:prstGeom prst="rect">
+            <a:avLst/>
+          </a:prstGeom>
+        </p:spPr>
+        <p:style>
+          <a:lnRef idx="0">
+            <a:schemeClr val="accent3"/>
+          </a:lnRef>
+          <a:fillRef idx="3">
+            <a:schemeClr val="accent3"/>
+          </a:fillRef>
+          <a:effectRef idx="3">
+            <a:schemeClr val="accent3"/>
+          </a:effectRef>
+          <a:fontRef idx="minor">
+            <a:schemeClr val="lt1"/>
+          </a:fontRef>
+        </p:style>
+        <p:txBody>
+          <a:bodyPr rtlCol="0" anchor="ctr"/>
+          <a:lstStyle/>
+          <a:p>
+            <a:pPr algn="ctr"/>
+            <a:r>
+              <a:rPr kumimoji="1" lang="en-US" altLang="zh-CN" sz="2400" b="1">
+                <a:solidFill>
+                  <a:schemeClr val="accent2">
+                    <a:lumMod val="75000"/>
+                  </a:schemeClr>
+                </a:solidFill>
+              </a:rPr>
+              <a:t>A</a:t>
+            </a:r>
+            <a:r>
+              <a:rPr kumimoji="1" lang="en-US" altLang="zh-CN"/>
+              <a:t>rea</a:t>
+            </a:r>
+            <a:r>
+              <a:rPr kumimoji="1" lang="zh-CN" altLang="en-US"/>
+              <a:t>领域</a:t>
+            </a:r>
+            <a:endParaRPr kumimoji="1" lang="zh-CN" altLang="en-US" dirty="0"/>
+          </a:p>
+        </p:txBody>
+      </p:sp>
+      <p:sp>
+        <p:nvSpPr>
+          <p:cNvPr id="6" name="矩形 5">
+            <a:extLst>
+              <a:ext uri="{FF2B5EF4-FFF2-40B4-BE49-F238E27FC236}">
+                <a16:creationId xmlns:a16="http://schemas.microsoft.com/office/drawing/2014/main" id="{3DB8BC5C-3D94-EEE8-B828-3848B8042AA8}"/>
+              </a:ext>
+            </a:extLst>
+          </p:cNvPr>
+          <p:cNvSpPr/>
+          <p:nvPr/>
+        </p:nvSpPr>
+        <p:spPr>
+          <a:xfrm>
+            <a:off x="2822327" y="3642945"/>
+            <a:ext cx="1811215" cy="800100"/>
+          </a:xfrm>
+          <a:prstGeom prst="rect">
+            <a:avLst/>
+          </a:prstGeom>
+        </p:spPr>
+        <p:style>
+          <a:lnRef idx="0">
+            <a:schemeClr val="accent3"/>
+          </a:lnRef>
+          <a:fillRef idx="3">
+            <a:schemeClr val="accent3"/>
+          </a:fillRef>
+          <a:effectRef idx="3">
+            <a:schemeClr val="accent3"/>
+          </a:effectRef>
+          <a:fontRef idx="minor">
+            <a:schemeClr val="lt1"/>
+          </a:fontRef>
+        </p:style>
+        <p:txBody>
+          <a:bodyPr rtlCol="0" anchor="ctr"/>
+          <a:lstStyle/>
+          <a:p>
+            <a:pPr algn="ctr"/>
+            <a:r>
+              <a:rPr kumimoji="1" lang="en-US" altLang="zh-CN" sz="2400" b="1" dirty="0">
+                <a:solidFill>
+                  <a:schemeClr val="accent2">
+                    <a:lumMod val="75000"/>
+                  </a:schemeClr>
+                </a:solidFill>
+              </a:rPr>
+              <a:t>R</a:t>
+            </a:r>
+            <a:r>
+              <a:rPr kumimoji="1" lang="en-US" altLang="zh-CN" dirty="0"/>
+              <a:t>esource</a:t>
+            </a:r>
+            <a:r>
+              <a:rPr kumimoji="1" lang="zh-CN" altLang="en-US" dirty="0"/>
+              <a:t>资源</a:t>
+            </a:r>
+          </a:p>
+        </p:txBody>
+      </p:sp>
+      <p:sp>
+        <p:nvSpPr>
+          <p:cNvPr id="7" name="矩形 6">
+            <a:extLst>
+              <a:ext uri="{FF2B5EF4-FFF2-40B4-BE49-F238E27FC236}">
+                <a16:creationId xmlns:a16="http://schemas.microsoft.com/office/drawing/2014/main" id="{80766597-88CB-39F8-8956-846CFBF65EC2}"/>
+              </a:ext>
+            </a:extLst>
+          </p:cNvPr>
+          <p:cNvSpPr/>
+          <p:nvPr/>
+        </p:nvSpPr>
+        <p:spPr>
+          <a:xfrm>
+            <a:off x="2822327" y="5143500"/>
+            <a:ext cx="1811215" cy="800100"/>
+          </a:xfrm>
+          <a:prstGeom prst="rect">
+            <a:avLst/>
+          </a:prstGeom>
+        </p:spPr>
+        <p:style>
+          <a:lnRef idx="0">
+            <a:schemeClr val="accent3"/>
+          </a:lnRef>
+          <a:fillRef idx="3">
+            <a:schemeClr val="accent3"/>
+          </a:fillRef>
+          <a:effectRef idx="3">
+            <a:schemeClr val="accent3"/>
+          </a:effectRef>
+          <a:fontRef idx="minor">
+            <a:schemeClr val="lt1"/>
+          </a:fontRef>
+        </p:style>
+        <p:txBody>
+          <a:bodyPr rtlCol="0" anchor="ctr"/>
+          <a:lstStyle/>
+          <a:p>
+            <a:pPr algn="ctr"/>
+            <a:r>
+              <a:rPr kumimoji="1" lang="en-US" altLang="zh-CN" sz="2400" b="1" dirty="0">
+                <a:solidFill>
+                  <a:schemeClr val="accent2">
+                    <a:lumMod val="75000"/>
+                  </a:schemeClr>
+                </a:solidFill>
+              </a:rPr>
+              <a:t>A</a:t>
+            </a:r>
+            <a:r>
+              <a:rPr kumimoji="1" lang="en-US" altLang="zh-CN" dirty="0"/>
+              <a:t>rchive</a:t>
+            </a:r>
+            <a:r>
+              <a:rPr kumimoji="1" lang="zh-CN" altLang="en-US" dirty="0"/>
+              <a:t>归档</a:t>
+            </a:r>
+          </a:p>
+        </p:txBody>
+      </p:sp>
+      <p:sp>
+        <p:nvSpPr>
+          <p:cNvPr id="8" name="文本框 7">
+            <a:extLst>
+              <a:ext uri="{FF2B5EF4-FFF2-40B4-BE49-F238E27FC236}">
+                <a16:creationId xmlns:a16="http://schemas.microsoft.com/office/drawing/2014/main" id="{B871509C-D21A-9E4E-BFD4-5D17E1AC8270}"/>
+              </a:ext>
+            </a:extLst>
+          </p:cNvPr>
+          <p:cNvSpPr txBox="1"/>
+          <p:nvPr/>
+        </p:nvSpPr>
+        <p:spPr>
+          <a:xfrm>
+            <a:off x="4765431" y="663811"/>
+            <a:ext cx="4932484" cy="646331"/>
+          </a:xfrm>
+          <a:prstGeom prst="rect">
+            <a:avLst/>
+          </a:prstGeom>
+        </p:spPr>
+        <p:style>
+          <a:lnRef idx="1">
+            <a:schemeClr val="accent5"/>
+          </a:lnRef>
+          <a:fillRef idx="2">
+            <a:schemeClr val="accent5"/>
+          </a:fillRef>
+          <a:effectRef idx="1">
+            <a:schemeClr val="accent5"/>
+          </a:effectRef>
+          <a:fontRef idx="minor">
+            <a:schemeClr val="dk1"/>
+          </a:fontRef>
+        </p:style>
+        <p:txBody>
+          <a:bodyPr wrap="square" rtlCol="0">
+            <a:spAutoFit/>
+          </a:bodyPr>
+          <a:lstStyle/>
+          <a:p>
+            <a:r>
+              <a:rPr kumimoji="1" lang="zh-CN" altLang="en-US" dirty="0"/>
+              <a:t>有时间期限的一件事</a:t>
+            </a:r>
+            <a:r>
+              <a:rPr kumimoji="1" lang="en-US" altLang="zh-CN" dirty="0"/>
+              <a:t>/</a:t>
+            </a:r>
+            <a:r>
+              <a:rPr kumimoji="1" lang="zh-CN" altLang="en-US" dirty="0"/>
+              <a:t>项目，关乎目标</a:t>
+            </a:r>
+            <a:endParaRPr kumimoji="1" lang="en-US" altLang="zh-CN" dirty="0"/>
+          </a:p>
+          <a:p>
+            <a:r>
+              <a:rPr kumimoji="1" lang="zh-CN" altLang="en-US" dirty="0"/>
+              <a:t>是最小执行单位</a:t>
+            </a:r>
+          </a:p>
+        </p:txBody>
+      </p:sp>
+      <p:sp>
+        <p:nvSpPr>
+          <p:cNvPr id="9" name="文本框 8">
+            <a:extLst>
+              <a:ext uri="{FF2B5EF4-FFF2-40B4-BE49-F238E27FC236}">
+                <a16:creationId xmlns:a16="http://schemas.microsoft.com/office/drawing/2014/main" id="{40603BC7-05EE-5EC3-AD40-0CFE7A28871E}"/>
+              </a:ext>
+            </a:extLst>
+          </p:cNvPr>
+          <p:cNvSpPr txBox="1"/>
+          <p:nvPr/>
+        </p:nvSpPr>
+        <p:spPr>
+          <a:xfrm>
+            <a:off x="4765430" y="1419919"/>
+            <a:ext cx="4532010" cy="646331"/>
+          </a:xfrm>
+          <a:prstGeom prst="rect">
+            <a:avLst/>
+          </a:prstGeom>
+        </p:spPr>
+        <p:style>
+          <a:lnRef idx="2">
+            <a:schemeClr val="accent5"/>
+          </a:lnRef>
+          <a:fillRef idx="1">
+            <a:schemeClr val="lt1"/>
+          </a:fillRef>
+          <a:effectRef idx="0">
+            <a:schemeClr val="accent5"/>
+          </a:effectRef>
+          <a:fontRef idx="minor">
+            <a:schemeClr val="dk1"/>
+          </a:fontRef>
+        </p:style>
+        <p:txBody>
+          <a:bodyPr wrap="none" rtlCol="0">
+            <a:spAutoFit/>
+          </a:bodyPr>
+          <a:lstStyle/>
+          <a:p>
+            <a:pPr marL="285750" indent="-285750">
+              <a:buFont typeface="Arial" panose="020B0604020202020204" pitchFamily="34" charset="0"/>
+              <a:buChar char="•"/>
+            </a:pPr>
+            <a:r>
+              <a:rPr kumimoji="1" lang="zh-CN" altLang="en-US" dirty="0"/>
+              <a:t>比如</a:t>
+            </a:r>
+            <a:r>
+              <a:rPr kumimoji="1" lang="en-US" altLang="zh-CN" dirty="0"/>
+              <a:t>3</a:t>
+            </a:r>
+            <a:r>
+              <a:rPr kumimoji="1" lang="zh-CN" altLang="en-US" dirty="0"/>
+              <a:t>个月减肥</a:t>
+            </a:r>
+            <a:r>
+              <a:rPr kumimoji="1" lang="en-US" altLang="zh-CN" dirty="0"/>
+              <a:t>10</a:t>
+            </a:r>
+            <a:r>
+              <a:rPr kumimoji="1" lang="zh-CN" altLang="en-US" dirty="0"/>
+              <a:t>斤，里面所有相关内容</a:t>
+            </a:r>
+            <a:endParaRPr kumimoji="1" lang="en-US" altLang="zh-CN" dirty="0"/>
+          </a:p>
+          <a:p>
+            <a:pPr marL="285750" indent="-285750">
+              <a:buFont typeface="Arial" panose="020B0604020202020204" pitchFamily="34" charset="0"/>
+              <a:buChar char="•"/>
+            </a:pPr>
+            <a:r>
+              <a:rPr kumimoji="1" lang="zh-CN" altLang="en-US" dirty="0"/>
+              <a:t>比如最近要出去旅游、搭建群晖</a:t>
+            </a:r>
+            <a:r>
+              <a:rPr kumimoji="1" lang="en-US" altLang="zh-CN" dirty="0" err="1"/>
+              <a:t>Nas</a:t>
+            </a:r>
+            <a:endParaRPr kumimoji="1" lang="zh-CN" altLang="en-US" dirty="0"/>
+          </a:p>
+        </p:txBody>
+      </p:sp>
+      <p:sp>
+        <p:nvSpPr>
+          <p:cNvPr id="10" name="文本框 9">
+            <a:extLst>
+              <a:ext uri="{FF2B5EF4-FFF2-40B4-BE49-F238E27FC236}">
+                <a16:creationId xmlns:a16="http://schemas.microsoft.com/office/drawing/2014/main" id="{46A59B7D-B45F-1813-AF82-E996D84D4162}"/>
+              </a:ext>
+            </a:extLst>
+          </p:cNvPr>
+          <p:cNvSpPr txBox="1"/>
+          <p:nvPr/>
+        </p:nvSpPr>
+        <p:spPr>
+          <a:xfrm>
+            <a:off x="4765430" y="2142390"/>
+            <a:ext cx="4932484" cy="646331"/>
+          </a:xfrm>
+          <a:prstGeom prst="rect">
+            <a:avLst/>
+          </a:prstGeom>
+        </p:spPr>
+        <p:style>
+          <a:lnRef idx="1">
+            <a:schemeClr val="accent5"/>
+          </a:lnRef>
+          <a:fillRef idx="2">
+            <a:schemeClr val="accent5"/>
+          </a:fillRef>
+          <a:effectRef idx="1">
+            <a:schemeClr val="accent5"/>
+          </a:effectRef>
+          <a:fontRef idx="minor">
+            <a:schemeClr val="dk1"/>
+          </a:fontRef>
+        </p:style>
+        <p:txBody>
+          <a:bodyPr wrap="square" rtlCol="0">
+            <a:spAutoFit/>
+          </a:bodyPr>
+          <a:lstStyle/>
+          <a:p>
+            <a:r>
+              <a:rPr kumimoji="1" lang="zh-CN" altLang="en-US" dirty="0"/>
+              <a:t>你想管理的长期职责</a:t>
+            </a:r>
+            <a:r>
+              <a:rPr kumimoji="1" lang="en-US" altLang="zh-CN" dirty="0"/>
+              <a:t>/</a:t>
+            </a:r>
+            <a:r>
+              <a:rPr kumimoji="1" lang="zh-CN" altLang="en-US" dirty="0"/>
+              <a:t>具有长期标准的活动范围，无时间期间，</a:t>
+            </a:r>
+            <a:r>
+              <a:rPr kumimoji="1" lang="zh-CN" altLang="en-US" dirty="0">
+                <a:solidFill>
+                  <a:schemeClr val="accent2">
+                    <a:lumMod val="75000"/>
+                  </a:schemeClr>
+                </a:solidFill>
+              </a:rPr>
+              <a:t>项目属于领域</a:t>
+            </a:r>
+          </a:p>
+        </p:txBody>
+      </p:sp>
+      <p:sp>
+        <p:nvSpPr>
+          <p:cNvPr id="11" name="文本框 10">
+            <a:extLst>
+              <a:ext uri="{FF2B5EF4-FFF2-40B4-BE49-F238E27FC236}">
+                <a16:creationId xmlns:a16="http://schemas.microsoft.com/office/drawing/2014/main" id="{59E5F0EE-454F-0BC7-D43A-A40B695B0FD7}"/>
+              </a:ext>
+            </a:extLst>
+          </p:cNvPr>
+          <p:cNvSpPr txBox="1"/>
+          <p:nvPr/>
+        </p:nvSpPr>
+        <p:spPr>
+          <a:xfrm>
+            <a:off x="4765429" y="2910209"/>
+            <a:ext cx="5232523" cy="646331"/>
+          </a:xfrm>
+          <a:prstGeom prst="rect">
+            <a:avLst/>
+          </a:prstGeom>
+        </p:spPr>
+        <p:style>
+          <a:lnRef idx="2">
+            <a:schemeClr val="accent5"/>
+          </a:lnRef>
+          <a:fillRef idx="1">
+            <a:schemeClr val="lt1"/>
+          </a:fillRef>
+          <a:effectRef idx="0">
+            <a:schemeClr val="accent5"/>
+          </a:effectRef>
+          <a:fontRef idx="minor">
+            <a:schemeClr val="dk1"/>
+          </a:fontRef>
+        </p:style>
+        <p:txBody>
+          <a:bodyPr wrap="none" rtlCol="0">
+            <a:spAutoFit/>
+          </a:bodyPr>
+          <a:lstStyle/>
+          <a:p>
+            <a:pPr marL="285750" indent="-285750">
+              <a:buFont typeface="Arial" panose="020B0604020202020204" pitchFamily="34" charset="0"/>
+              <a:buChar char="•"/>
+            </a:pPr>
+            <a:r>
+              <a:rPr kumimoji="1" lang="zh-CN" altLang="en-US" dirty="0"/>
+              <a:t>比如健身、健康、产品研发、旅游、兴趣爱好</a:t>
+            </a:r>
+            <a:endParaRPr kumimoji="1" lang="en-US" altLang="zh-CN" dirty="0"/>
+          </a:p>
+          <a:p>
+            <a:pPr marL="285750" indent="-285750">
+              <a:buFont typeface="Arial" panose="020B0604020202020204" pitchFamily="34" charset="0"/>
+              <a:buChar char="•"/>
+            </a:pPr>
+            <a:r>
+              <a:rPr kumimoji="1" lang="zh-CN" altLang="en-US" dirty="0"/>
+              <a:t>比如财务、公司制度建设、绩效管理</a:t>
+            </a:r>
+            <a:endParaRPr kumimoji="1" lang="en-US" altLang="zh-CN" dirty="0"/>
+          </a:p>
+        </p:txBody>
+      </p:sp>
+      <p:sp>
+        <p:nvSpPr>
+          <p:cNvPr id="12" name="文本框 11">
+            <a:extLst>
+              <a:ext uri="{FF2B5EF4-FFF2-40B4-BE49-F238E27FC236}">
+                <a16:creationId xmlns:a16="http://schemas.microsoft.com/office/drawing/2014/main" id="{57F45648-2B1E-48ED-5512-061A68893D67}"/>
+              </a:ext>
+            </a:extLst>
+          </p:cNvPr>
+          <p:cNvSpPr txBox="1"/>
+          <p:nvPr/>
+        </p:nvSpPr>
+        <p:spPr>
+          <a:xfrm>
+            <a:off x="4765430" y="3642945"/>
+            <a:ext cx="4932484" cy="646331"/>
+          </a:xfrm>
+          <a:prstGeom prst="rect">
+            <a:avLst/>
+          </a:prstGeom>
+        </p:spPr>
+        <p:style>
+          <a:lnRef idx="1">
+            <a:schemeClr val="accent5"/>
+          </a:lnRef>
+          <a:fillRef idx="2">
+            <a:schemeClr val="accent5"/>
+          </a:fillRef>
+          <a:effectRef idx="1">
+            <a:schemeClr val="accent5"/>
+          </a:effectRef>
+          <a:fontRef idx="minor">
+            <a:schemeClr val="dk1"/>
+          </a:fontRef>
+        </p:style>
+        <p:txBody>
+          <a:bodyPr wrap="square" rtlCol="0">
+            <a:spAutoFit/>
+          </a:bodyPr>
+          <a:lstStyle/>
+          <a:p>
+            <a:r>
+              <a:rPr lang="zh-CN" altLang="en-US" b="0" i="0" dirty="0">
+                <a:solidFill>
+                  <a:srgbClr val="777777"/>
+                </a:solidFill>
+                <a:effectLst/>
+                <a:latin typeface="Helvetica" pitchFamily="2" charset="0"/>
+              </a:rPr>
+              <a:t>将来可能有用的主题或兴趣。可以支持前面</a:t>
+            </a:r>
+            <a:r>
+              <a:rPr lang="en-US" altLang="zh-CN" b="0" i="0" dirty="0">
+                <a:solidFill>
+                  <a:srgbClr val="777777"/>
+                </a:solidFill>
+                <a:effectLst/>
+                <a:latin typeface="Helvetica" pitchFamily="2" charset="0"/>
+              </a:rPr>
+              <a:t>2</a:t>
+            </a:r>
+            <a:r>
+              <a:rPr lang="zh-CN" altLang="en-US" b="0" i="0" dirty="0">
+                <a:solidFill>
+                  <a:srgbClr val="777777"/>
+                </a:solidFill>
+                <a:effectLst/>
+                <a:latin typeface="Helvetica" pitchFamily="2" charset="0"/>
+              </a:rPr>
+              <a:t>项，也可以只是自己的兴趣</a:t>
+            </a:r>
+            <a:endParaRPr kumimoji="1" lang="zh-CN" altLang="en-US" dirty="0"/>
+          </a:p>
+        </p:txBody>
+      </p:sp>
+      <p:sp>
+        <p:nvSpPr>
+          <p:cNvPr id="13" name="文本框 12">
+            <a:extLst>
+              <a:ext uri="{FF2B5EF4-FFF2-40B4-BE49-F238E27FC236}">
+                <a16:creationId xmlns:a16="http://schemas.microsoft.com/office/drawing/2014/main" id="{55B81233-5DB8-40EE-C37D-8898EDCFE174}"/>
+              </a:ext>
+            </a:extLst>
+          </p:cNvPr>
+          <p:cNvSpPr txBox="1"/>
+          <p:nvPr/>
+        </p:nvSpPr>
+        <p:spPr>
+          <a:xfrm>
+            <a:off x="4765428" y="4410764"/>
+            <a:ext cx="4288353" cy="646331"/>
+          </a:xfrm>
+          <a:prstGeom prst="rect">
+            <a:avLst/>
+          </a:prstGeom>
+        </p:spPr>
+        <p:style>
+          <a:lnRef idx="2">
+            <a:schemeClr val="accent5"/>
+          </a:lnRef>
+          <a:fillRef idx="1">
+            <a:schemeClr val="lt1"/>
+          </a:fillRef>
+          <a:effectRef idx="0">
+            <a:schemeClr val="accent5"/>
+          </a:effectRef>
+          <a:fontRef idx="minor">
+            <a:schemeClr val="dk1"/>
+          </a:fontRef>
+        </p:style>
+        <p:txBody>
+          <a:bodyPr wrap="none" rtlCol="0">
+            <a:spAutoFit/>
+          </a:bodyPr>
+          <a:lstStyle/>
+          <a:p>
+            <a:pPr marL="285750" indent="-285750">
+              <a:buFont typeface="Arial" panose="020B0604020202020204" pitchFamily="34" charset="0"/>
+              <a:buChar char="•"/>
+            </a:pPr>
+            <a:r>
+              <a:rPr kumimoji="1" lang="zh-CN" altLang="en-US" dirty="0"/>
+              <a:t>比如摄影、脱口秀、编剧、跨境电商</a:t>
+            </a:r>
+            <a:endParaRPr kumimoji="1" lang="en-US" altLang="zh-CN" dirty="0"/>
+          </a:p>
+          <a:p>
+            <a:pPr marL="285750" indent="-285750">
+              <a:buFont typeface="Arial" panose="020B0604020202020204" pitchFamily="34" charset="0"/>
+              <a:buChar char="•"/>
+            </a:pPr>
+            <a:r>
+              <a:rPr kumimoji="1" lang="zh-CN" altLang="en-US" dirty="0"/>
+              <a:t>比如茶文化、高效学习</a:t>
+            </a:r>
+          </a:p>
+        </p:txBody>
+      </p:sp>
+      <p:sp>
+        <p:nvSpPr>
+          <p:cNvPr id="14" name="文本框 13">
+            <a:extLst>
+              <a:ext uri="{FF2B5EF4-FFF2-40B4-BE49-F238E27FC236}">
+                <a16:creationId xmlns:a16="http://schemas.microsoft.com/office/drawing/2014/main" id="{7A0CFC66-32FC-C2B9-81CA-CD49FB189124}"/>
+              </a:ext>
+            </a:extLst>
+          </p:cNvPr>
+          <p:cNvSpPr txBox="1"/>
+          <p:nvPr/>
+        </p:nvSpPr>
+        <p:spPr>
+          <a:xfrm>
+            <a:off x="4765430" y="5143500"/>
+            <a:ext cx="4932484" cy="369332"/>
+          </a:xfrm>
+          <a:prstGeom prst="rect">
+            <a:avLst/>
+          </a:prstGeom>
+        </p:spPr>
+        <p:style>
+          <a:lnRef idx="1">
+            <a:schemeClr val="accent5"/>
+          </a:lnRef>
+          <a:fillRef idx="2">
+            <a:schemeClr val="accent5"/>
+          </a:fillRef>
+          <a:effectRef idx="1">
+            <a:schemeClr val="accent5"/>
+          </a:effectRef>
+          <a:fontRef idx="minor">
+            <a:schemeClr val="dk1"/>
+          </a:fontRef>
+        </p:style>
+        <p:txBody>
+          <a:bodyPr wrap="square" rtlCol="0">
+            <a:spAutoFit/>
+          </a:bodyPr>
+          <a:lstStyle/>
+          <a:p>
+            <a:r>
+              <a:rPr lang="zh-CN" altLang="en-US" b="0" i="0" dirty="0">
+                <a:solidFill>
+                  <a:srgbClr val="777777"/>
+                </a:solidFill>
+                <a:effectLst/>
+                <a:latin typeface="Helvetica" pitchFamily="2" charset="0"/>
+              </a:rPr>
+              <a:t>来自其他三个类别的非活动项目。</a:t>
+            </a:r>
+            <a:endParaRPr kumimoji="1" lang="zh-CN" altLang="en-US" dirty="0"/>
+          </a:p>
+        </p:txBody>
+      </p:sp>
+      <p:sp>
+        <p:nvSpPr>
+          <p:cNvPr id="15" name="文本框 14">
+            <a:extLst>
+              <a:ext uri="{FF2B5EF4-FFF2-40B4-BE49-F238E27FC236}">
+                <a16:creationId xmlns:a16="http://schemas.microsoft.com/office/drawing/2014/main" id="{30A95309-9CF0-00D3-7B6A-CB4BB409A142}"/>
+              </a:ext>
+            </a:extLst>
+          </p:cNvPr>
+          <p:cNvSpPr txBox="1"/>
+          <p:nvPr/>
+        </p:nvSpPr>
+        <p:spPr>
+          <a:xfrm>
+            <a:off x="4765429" y="5547915"/>
+            <a:ext cx="4570482" cy="646331"/>
+          </a:xfrm>
+          <a:prstGeom prst="rect">
+            <a:avLst/>
+          </a:prstGeom>
+        </p:spPr>
+        <p:style>
+          <a:lnRef idx="2">
+            <a:schemeClr val="accent5"/>
+          </a:lnRef>
+          <a:fillRef idx="1">
+            <a:schemeClr val="lt1"/>
+          </a:fillRef>
+          <a:effectRef idx="0">
+            <a:schemeClr val="accent5"/>
+          </a:effectRef>
+          <a:fontRef idx="minor">
+            <a:schemeClr val="dk1"/>
+          </a:fontRef>
+        </p:style>
+        <p:txBody>
+          <a:bodyPr wrap="none" rtlCol="0">
+            <a:spAutoFit/>
+          </a:bodyPr>
+          <a:lstStyle/>
+          <a:p>
+            <a:r>
+              <a:rPr kumimoji="1" lang="zh-CN" altLang="en-US" dirty="0"/>
+              <a:t>项目做完了可以放这里、不再感兴趣的资源</a:t>
+            </a:r>
+            <a:endParaRPr kumimoji="1" lang="en-US" altLang="zh-CN" dirty="0"/>
+          </a:p>
+          <a:p>
+            <a:r>
+              <a:rPr kumimoji="1" lang="zh-CN" altLang="en-US" dirty="0"/>
+              <a:t>不再维护的领域</a:t>
+            </a:r>
+          </a:p>
+        </p:txBody>
+      </p:sp>
+      <p:sp>
+        <p:nvSpPr>
+          <p:cNvPr id="16" name="决策 15">
+            <a:extLst>
+              <a:ext uri="{FF2B5EF4-FFF2-40B4-BE49-F238E27FC236}">
+                <a16:creationId xmlns:a16="http://schemas.microsoft.com/office/drawing/2014/main" id="{DCD982AE-74B2-E341-7B64-B3B682E2ACBB}"/>
+              </a:ext>
+            </a:extLst>
+          </p:cNvPr>
+          <p:cNvSpPr/>
+          <p:nvPr/>
+        </p:nvSpPr>
+        <p:spPr>
+          <a:xfrm>
+            <a:off x="298937" y="1754088"/>
+            <a:ext cx="1811215" cy="800100"/>
+          </a:xfrm>
+          <a:prstGeom prst="flowChartDecision">
+            <a:avLst/>
+          </a:prstGeom>
+        </p:spPr>
+        <p:style>
+          <a:lnRef idx="2">
+            <a:schemeClr val="accent1"/>
+          </a:lnRef>
+          <a:fillRef idx="1">
+            <a:schemeClr val="lt1"/>
+          </a:fillRef>
+          <a:effectRef idx="0">
+            <a:schemeClr val="accent1"/>
+          </a:effectRef>
+          <a:fontRef idx="minor">
+            <a:schemeClr val="dk1"/>
+          </a:fontRef>
+        </p:style>
+        <p:txBody>
+          <a:bodyPr rtlCol="0" anchor="ctr"/>
+          <a:lstStyle/>
+          <a:p>
+            <a:pPr algn="ctr"/>
+            <a:r>
+              <a:rPr lang="zh-CN" altLang="en-US" sz="1200" b="0" i="0" dirty="0">
+                <a:solidFill>
+                  <a:srgbClr val="777777"/>
+                </a:solidFill>
+                <a:effectLst/>
+                <a:latin typeface="Helvetica" pitchFamily="2" charset="0"/>
+              </a:rPr>
+              <a:t>在哪个项目中最有用？</a:t>
+            </a:r>
+          </a:p>
+        </p:txBody>
+      </p:sp>
+      <p:sp>
+        <p:nvSpPr>
+          <p:cNvPr id="17" name="文本框 16">
+            <a:extLst>
+              <a:ext uri="{FF2B5EF4-FFF2-40B4-BE49-F238E27FC236}">
+                <a16:creationId xmlns:a16="http://schemas.microsoft.com/office/drawing/2014/main" id="{177D51AC-BCCB-910C-B317-9A0F401E8FEA}"/>
+              </a:ext>
+            </a:extLst>
+          </p:cNvPr>
+          <p:cNvSpPr txBox="1"/>
+          <p:nvPr/>
+        </p:nvSpPr>
+        <p:spPr>
+          <a:xfrm>
+            <a:off x="2822327" y="1441935"/>
+            <a:ext cx="1800493" cy="369332"/>
+          </a:xfrm>
+          <a:prstGeom prst="rect">
+            <a:avLst/>
+          </a:prstGeom>
+          <a:noFill/>
+        </p:spPr>
+        <p:txBody>
+          <a:bodyPr wrap="none" rtlCol="0">
+            <a:spAutoFit/>
+          </a:bodyPr>
+          <a:lstStyle/>
+          <a:p>
+            <a:r>
+              <a:rPr lang="zh-CN" altLang="en-US" b="1" i="0" dirty="0">
+                <a:solidFill>
+                  <a:srgbClr val="1EA089"/>
+                </a:solidFill>
+                <a:effectLst/>
+                <a:latin typeface="Helvetica" pitchFamily="2" charset="0"/>
+              </a:rPr>
+              <a:t>我现在正在做的</a:t>
+            </a:r>
+          </a:p>
+        </p:txBody>
+      </p:sp>
+      <p:sp>
+        <p:nvSpPr>
+          <p:cNvPr id="18" name="文本框 17">
+            <a:extLst>
+              <a:ext uri="{FF2B5EF4-FFF2-40B4-BE49-F238E27FC236}">
+                <a16:creationId xmlns:a16="http://schemas.microsoft.com/office/drawing/2014/main" id="{39394502-9579-AEF3-C321-0DBAD0A04F38}"/>
+              </a:ext>
+            </a:extLst>
+          </p:cNvPr>
+          <p:cNvSpPr txBox="1"/>
+          <p:nvPr/>
+        </p:nvSpPr>
+        <p:spPr>
+          <a:xfrm>
+            <a:off x="2795946" y="2950447"/>
+            <a:ext cx="1800493" cy="646331"/>
+          </a:xfrm>
+          <a:prstGeom prst="rect">
+            <a:avLst/>
+          </a:prstGeom>
+          <a:noFill/>
+        </p:spPr>
+        <p:txBody>
+          <a:bodyPr wrap="none" rtlCol="0">
+            <a:spAutoFit/>
+          </a:bodyPr>
+          <a:lstStyle/>
+          <a:p>
+            <a:pPr algn="l"/>
+            <a:r>
+              <a:rPr lang="zh-CN" altLang="en-US" b="1" i="0" dirty="0">
+                <a:solidFill>
+                  <a:srgbClr val="1EA089"/>
+                </a:solidFill>
+                <a:effectLst/>
+                <a:latin typeface="Helvetica" pitchFamily="2" charset="0"/>
+              </a:rPr>
+              <a:t>随着时间的推移</a:t>
+            </a:r>
+            <a:endParaRPr lang="en-US" altLang="zh-CN" b="1" i="0" dirty="0">
+              <a:solidFill>
+                <a:srgbClr val="1EA089"/>
+              </a:solidFill>
+              <a:effectLst/>
+              <a:latin typeface="Helvetica" pitchFamily="2" charset="0"/>
+            </a:endParaRPr>
+          </a:p>
+          <a:p>
+            <a:pPr algn="l"/>
+            <a:r>
+              <a:rPr lang="zh-CN" altLang="en-US" b="1" i="0" dirty="0">
+                <a:solidFill>
+                  <a:srgbClr val="1EA089"/>
+                </a:solidFill>
+                <a:effectLst/>
+                <a:latin typeface="Helvetica" pitchFamily="2" charset="0"/>
+              </a:rPr>
+              <a:t>我致力于什么</a:t>
+            </a:r>
+          </a:p>
+        </p:txBody>
+      </p:sp>
+      <p:sp>
+        <p:nvSpPr>
+          <p:cNvPr id="20" name="文本框 19">
+            <a:extLst>
+              <a:ext uri="{FF2B5EF4-FFF2-40B4-BE49-F238E27FC236}">
+                <a16:creationId xmlns:a16="http://schemas.microsoft.com/office/drawing/2014/main" id="{75FD32E5-4DD1-AA58-81B8-FFE25773D5E6}"/>
+              </a:ext>
+            </a:extLst>
+          </p:cNvPr>
+          <p:cNvSpPr txBox="1"/>
+          <p:nvPr/>
+        </p:nvSpPr>
+        <p:spPr>
+          <a:xfrm>
+            <a:off x="2822327" y="4528758"/>
+            <a:ext cx="2110158" cy="369332"/>
+          </a:xfrm>
+          <a:prstGeom prst="rect">
+            <a:avLst/>
+          </a:prstGeom>
+          <a:noFill/>
+        </p:spPr>
+        <p:txBody>
+          <a:bodyPr wrap="square">
+            <a:spAutoFit/>
+          </a:bodyPr>
+          <a:lstStyle/>
+          <a:p>
+            <a:pPr algn="l"/>
+            <a:r>
+              <a:rPr lang="zh-CN" altLang="en-US" b="1" i="0" dirty="0">
+                <a:solidFill>
+                  <a:srgbClr val="1EA089"/>
+                </a:solidFill>
+                <a:effectLst/>
+                <a:latin typeface="Helvetica" pitchFamily="2" charset="0"/>
+              </a:rPr>
+              <a:t>以后想参考的东西</a:t>
+            </a:r>
+          </a:p>
+        </p:txBody>
+      </p:sp>
+      <p:sp>
+        <p:nvSpPr>
+          <p:cNvPr id="22" name="文本框 21">
+            <a:extLst>
+              <a:ext uri="{FF2B5EF4-FFF2-40B4-BE49-F238E27FC236}">
+                <a16:creationId xmlns:a16="http://schemas.microsoft.com/office/drawing/2014/main" id="{4340A470-B81F-97F0-5D15-6ABAED756D66}"/>
+              </a:ext>
+            </a:extLst>
+          </p:cNvPr>
+          <p:cNvSpPr txBox="1"/>
+          <p:nvPr/>
+        </p:nvSpPr>
+        <p:spPr>
+          <a:xfrm>
+            <a:off x="2822327" y="6024073"/>
+            <a:ext cx="2031027" cy="369332"/>
+          </a:xfrm>
+          <a:prstGeom prst="rect">
+            <a:avLst/>
+          </a:prstGeom>
+          <a:noFill/>
+        </p:spPr>
+        <p:txBody>
+          <a:bodyPr wrap="square">
+            <a:spAutoFit/>
+          </a:bodyPr>
+          <a:lstStyle/>
+          <a:p>
+            <a:pPr algn="l"/>
+            <a:r>
+              <a:rPr lang="zh-CN" altLang="en-US" b="1" i="0" dirty="0">
+                <a:solidFill>
+                  <a:srgbClr val="1EA089"/>
+                </a:solidFill>
+                <a:effectLst/>
+                <a:latin typeface="Helvetica" pitchFamily="2" charset="0"/>
+              </a:rPr>
+              <a:t>已经完成或搁置的</a:t>
+            </a:r>
+          </a:p>
+        </p:txBody>
+      </p:sp>
+      <p:sp>
+        <p:nvSpPr>
+          <p:cNvPr id="23" name="决策 22">
+            <a:extLst>
+              <a:ext uri="{FF2B5EF4-FFF2-40B4-BE49-F238E27FC236}">
+                <a16:creationId xmlns:a16="http://schemas.microsoft.com/office/drawing/2014/main" id="{A1090CFD-B380-07E4-3ACA-1262B986C475}"/>
+              </a:ext>
+            </a:extLst>
+          </p:cNvPr>
+          <p:cNvSpPr/>
+          <p:nvPr/>
+        </p:nvSpPr>
+        <p:spPr>
+          <a:xfrm>
+            <a:off x="298937" y="3048142"/>
+            <a:ext cx="1811215" cy="800100"/>
+          </a:xfrm>
+          <a:prstGeom prst="flowChartDecision">
+            <a:avLst/>
+          </a:prstGeom>
+        </p:spPr>
+        <p:style>
+          <a:lnRef idx="2">
+            <a:schemeClr val="accent1"/>
+          </a:lnRef>
+          <a:fillRef idx="1">
+            <a:schemeClr val="lt1"/>
+          </a:fillRef>
+          <a:effectRef idx="0">
+            <a:schemeClr val="accent1"/>
+          </a:effectRef>
+          <a:fontRef idx="minor">
+            <a:schemeClr val="dk1"/>
+          </a:fontRef>
+        </p:style>
+        <p:txBody>
+          <a:bodyPr rtlCol="0" anchor="ctr"/>
+          <a:lstStyle/>
+          <a:p>
+            <a:pPr algn="ctr"/>
+            <a:r>
+              <a:rPr lang="zh-CN" altLang="en-US" sz="1200" b="0" i="0" dirty="0">
+                <a:solidFill>
+                  <a:srgbClr val="777777"/>
+                </a:solidFill>
+                <a:effectLst/>
+                <a:latin typeface="Helvetica" pitchFamily="2" charset="0"/>
+              </a:rPr>
+              <a:t>在哪个领域最有用？</a:t>
+            </a:r>
+          </a:p>
+        </p:txBody>
+      </p:sp>
+      <p:sp>
+        <p:nvSpPr>
+          <p:cNvPr id="24" name="决策 23">
+            <a:extLst>
+              <a:ext uri="{FF2B5EF4-FFF2-40B4-BE49-F238E27FC236}">
+                <a16:creationId xmlns:a16="http://schemas.microsoft.com/office/drawing/2014/main" id="{D0522060-40B0-A3F8-C0AB-B671D557FA5B}"/>
+              </a:ext>
+            </a:extLst>
+          </p:cNvPr>
+          <p:cNvSpPr/>
+          <p:nvPr/>
+        </p:nvSpPr>
+        <p:spPr>
+          <a:xfrm>
+            <a:off x="298937" y="4333879"/>
+            <a:ext cx="1811215" cy="800100"/>
+          </a:xfrm>
+          <a:prstGeom prst="flowChartDecision">
+            <a:avLst/>
+          </a:prstGeom>
+        </p:spPr>
+        <p:style>
+          <a:lnRef idx="2">
+            <a:schemeClr val="accent1"/>
+          </a:lnRef>
+          <a:fillRef idx="1">
+            <a:schemeClr val="lt1"/>
+          </a:fillRef>
+          <a:effectRef idx="0">
+            <a:schemeClr val="accent1"/>
+          </a:effectRef>
+          <a:fontRef idx="minor">
+            <a:schemeClr val="dk1"/>
+          </a:fontRef>
+        </p:style>
+        <p:txBody>
+          <a:bodyPr rtlCol="0" anchor="ctr"/>
+          <a:lstStyle/>
+          <a:p>
+            <a:pPr algn="ctr"/>
+            <a:r>
+              <a:rPr lang="zh-CN" altLang="en-US" sz="1200" b="0" i="0" dirty="0">
+                <a:solidFill>
+                  <a:srgbClr val="777777"/>
+                </a:solidFill>
+                <a:effectLst/>
+                <a:latin typeface="Helvetica" pitchFamily="2" charset="0"/>
+              </a:rPr>
+              <a:t>属于哪个资源？</a:t>
+            </a:r>
+          </a:p>
+        </p:txBody>
+      </p:sp>
+      <p:cxnSp>
+        <p:nvCxnSpPr>
+          <p:cNvPr id="28" name="肘形连接符 27">
+            <a:extLst>
+              <a:ext uri="{FF2B5EF4-FFF2-40B4-BE49-F238E27FC236}">
+                <a16:creationId xmlns:a16="http://schemas.microsoft.com/office/drawing/2014/main" id="{4790F5D9-BD2B-6EF4-653C-BF8282002CF7}"/>
+              </a:ext>
+            </a:extLst>
+          </p:cNvPr>
+          <p:cNvCxnSpPr>
+            <a:stCxn id="16" idx="3"/>
+            <a:endCxn id="4" idx="1"/>
+          </p:cNvCxnSpPr>
+          <p:nvPr/>
+        </p:nvCxnSpPr>
+        <p:spPr>
+          <a:xfrm flipV="1">
+            <a:off x="2110152" y="1041885"/>
+            <a:ext cx="712175" cy="1112253"/>
+          </a:xfrm>
+          <a:prstGeom prst="bentConnector3">
+            <a:avLst/>
+          </a:prstGeom>
+          <a:ln>
+            <a:tailEnd type="triangle"/>
+          </a:ln>
+        </p:spPr>
+        <p:style>
+          <a:lnRef idx="3">
+            <a:schemeClr val="accent1"/>
+          </a:lnRef>
+          <a:fillRef idx="0">
+            <a:schemeClr val="accent1"/>
+          </a:fillRef>
+          <a:effectRef idx="2">
+            <a:schemeClr val="accent1"/>
+          </a:effectRef>
+          <a:fontRef idx="minor">
+            <a:schemeClr val="tx1"/>
+          </a:fontRef>
+        </p:style>
+      </p:cxnSp>
+      <p:cxnSp>
+        <p:nvCxnSpPr>
+          <p:cNvPr id="29" name="肘形连接符 28">
+            <a:extLst>
+              <a:ext uri="{FF2B5EF4-FFF2-40B4-BE49-F238E27FC236}">
+                <a16:creationId xmlns:a16="http://schemas.microsoft.com/office/drawing/2014/main" id="{E1F135A0-2B0A-DF04-5A3C-F78BCA27C6BF}"/>
+              </a:ext>
+            </a:extLst>
+          </p:cNvPr>
+          <p:cNvCxnSpPr>
+            <a:cxnSpLocks/>
+            <a:stCxn id="23" idx="3"/>
+            <a:endCxn id="5" idx="1"/>
+          </p:cNvCxnSpPr>
+          <p:nvPr/>
+        </p:nvCxnSpPr>
+        <p:spPr>
+          <a:xfrm flipV="1">
+            <a:off x="2110152" y="2542440"/>
+            <a:ext cx="712175" cy="905752"/>
+          </a:xfrm>
+          <a:prstGeom prst="bentConnector3">
+            <a:avLst>
+              <a:gd name="adj1" fmla="val 50000"/>
+            </a:avLst>
+          </a:prstGeom>
+          <a:ln>
+            <a:tailEnd type="triangle"/>
+          </a:ln>
+        </p:spPr>
+        <p:style>
+          <a:lnRef idx="3">
+            <a:schemeClr val="accent1"/>
+          </a:lnRef>
+          <a:fillRef idx="0">
+            <a:schemeClr val="accent1"/>
+          </a:fillRef>
+          <a:effectRef idx="2">
+            <a:schemeClr val="accent1"/>
+          </a:effectRef>
+          <a:fontRef idx="minor">
+            <a:schemeClr val="tx1"/>
+          </a:fontRef>
+        </p:style>
+      </p:cxnSp>
+      <p:cxnSp>
+        <p:nvCxnSpPr>
+          <p:cNvPr id="34" name="肘形连接符 33">
+            <a:extLst>
+              <a:ext uri="{FF2B5EF4-FFF2-40B4-BE49-F238E27FC236}">
+                <a16:creationId xmlns:a16="http://schemas.microsoft.com/office/drawing/2014/main" id="{1581267C-B928-B45C-8FB1-BC4BFFFBA184}"/>
+              </a:ext>
+            </a:extLst>
+          </p:cNvPr>
+          <p:cNvCxnSpPr>
+            <a:cxnSpLocks/>
+            <a:stCxn id="24" idx="3"/>
+            <a:endCxn id="6" idx="1"/>
+          </p:cNvCxnSpPr>
+          <p:nvPr/>
+        </p:nvCxnSpPr>
+        <p:spPr>
+          <a:xfrm flipV="1">
+            <a:off x="2110152" y="4042995"/>
+            <a:ext cx="712175" cy="690934"/>
+          </a:xfrm>
+          <a:prstGeom prst="bentConnector3">
+            <a:avLst>
+              <a:gd name="adj1" fmla="val 50000"/>
+            </a:avLst>
+          </a:prstGeom>
+          <a:ln>
+            <a:tailEnd type="triangle"/>
+          </a:ln>
+        </p:spPr>
+        <p:style>
+          <a:lnRef idx="3">
+            <a:schemeClr val="accent1"/>
+          </a:lnRef>
+          <a:fillRef idx="0">
+            <a:schemeClr val="accent1"/>
+          </a:fillRef>
+          <a:effectRef idx="2">
+            <a:schemeClr val="accent1"/>
+          </a:effectRef>
+          <a:fontRef idx="minor">
+            <a:schemeClr val="tx1"/>
+          </a:fontRef>
+        </p:style>
+      </p:cxnSp>
+      <p:cxnSp>
+        <p:nvCxnSpPr>
+          <p:cNvPr id="37" name="肘形连接符 36">
+            <a:extLst>
+              <a:ext uri="{FF2B5EF4-FFF2-40B4-BE49-F238E27FC236}">
+                <a16:creationId xmlns:a16="http://schemas.microsoft.com/office/drawing/2014/main" id="{5F4ADAAC-8188-B545-2D6A-B48AEAB6D897}"/>
+              </a:ext>
+            </a:extLst>
+          </p:cNvPr>
+          <p:cNvCxnSpPr>
+            <a:cxnSpLocks/>
+            <a:stCxn id="24" idx="2"/>
+            <a:endCxn id="7" idx="1"/>
+          </p:cNvCxnSpPr>
+          <p:nvPr/>
+        </p:nvCxnSpPr>
+        <p:spPr>
+          <a:xfrm rot="16200000" flipH="1">
+            <a:off x="1808651" y="4529873"/>
+            <a:ext cx="409571" cy="1617782"/>
+          </a:xfrm>
+          <a:prstGeom prst="bentConnector2">
+            <a:avLst/>
+          </a:prstGeom>
+          <a:ln>
+            <a:tailEnd type="triangle"/>
+          </a:ln>
+        </p:spPr>
+        <p:style>
+          <a:lnRef idx="3">
+            <a:schemeClr val="accent1"/>
+          </a:lnRef>
+          <a:fillRef idx="0">
+            <a:schemeClr val="accent1"/>
+          </a:fillRef>
+          <a:effectRef idx="2">
+            <a:schemeClr val="accent1"/>
+          </a:effectRef>
+          <a:fontRef idx="minor">
+            <a:schemeClr val="tx1"/>
+          </a:fontRef>
+        </p:style>
+      </p:cxnSp>
+      <p:cxnSp>
+        <p:nvCxnSpPr>
+          <p:cNvPr id="41" name="直线箭头连接符 40">
+            <a:extLst>
+              <a:ext uri="{FF2B5EF4-FFF2-40B4-BE49-F238E27FC236}">
+                <a16:creationId xmlns:a16="http://schemas.microsoft.com/office/drawing/2014/main" id="{D9391F0A-40C5-3486-DC60-45226C881A9C}"/>
+              </a:ext>
+            </a:extLst>
+          </p:cNvPr>
+          <p:cNvCxnSpPr>
+            <a:stCxn id="16" idx="2"/>
+            <a:endCxn id="23" idx="0"/>
+          </p:cNvCxnSpPr>
+          <p:nvPr/>
+        </p:nvCxnSpPr>
+        <p:spPr>
+          <a:xfrm>
+            <a:off x="1204545" y="2554188"/>
+            <a:ext cx="0" cy="493954"/>
+          </a:xfrm>
+          <a:prstGeom prst="straightConnector1">
+            <a:avLst/>
+          </a:prstGeom>
+          <a:ln>
+            <a:tailEnd type="triangle"/>
+          </a:ln>
+        </p:spPr>
+        <p:style>
+          <a:lnRef idx="3">
+            <a:schemeClr val="accent1"/>
+          </a:lnRef>
+          <a:fillRef idx="0">
+            <a:schemeClr val="accent1"/>
+          </a:fillRef>
+          <a:effectRef idx="2">
+            <a:schemeClr val="accent1"/>
+          </a:effectRef>
+          <a:fontRef idx="minor">
+            <a:schemeClr val="tx1"/>
+          </a:fontRef>
+        </p:style>
+      </p:cxnSp>
+      <p:cxnSp>
+        <p:nvCxnSpPr>
+          <p:cNvPr id="45" name="直线箭头连接符 44">
+            <a:extLst>
+              <a:ext uri="{FF2B5EF4-FFF2-40B4-BE49-F238E27FC236}">
+                <a16:creationId xmlns:a16="http://schemas.microsoft.com/office/drawing/2014/main" id="{054C4767-722D-324A-E7E8-ABD01892C510}"/>
+              </a:ext>
+            </a:extLst>
+          </p:cNvPr>
+          <p:cNvCxnSpPr>
+            <a:cxnSpLocks/>
+            <a:stCxn id="23" idx="2"/>
+            <a:endCxn id="24" idx="0"/>
+          </p:cNvCxnSpPr>
+          <p:nvPr/>
+        </p:nvCxnSpPr>
+        <p:spPr>
+          <a:xfrm>
+            <a:off x="1204545" y="3848242"/>
+            <a:ext cx="0" cy="485637"/>
+          </a:xfrm>
+          <a:prstGeom prst="straightConnector1">
+            <a:avLst/>
+          </a:prstGeom>
+          <a:ln>
+            <a:tailEnd type="triangle"/>
+          </a:ln>
+        </p:spPr>
+        <p:style>
+          <a:lnRef idx="3">
+            <a:schemeClr val="accent1"/>
+          </a:lnRef>
+          <a:fillRef idx="0">
+            <a:schemeClr val="accent1"/>
+          </a:fillRef>
+          <a:effectRef idx="2">
+            <a:schemeClr val="accent1"/>
+          </a:effectRef>
+          <a:fontRef idx="minor">
+            <a:schemeClr val="tx1"/>
+          </a:fontRef>
+        </p:style>
+      </p:cxnSp>
+      <p:sp>
+        <p:nvSpPr>
+          <p:cNvPr id="49" name="矩形 48">
+            <a:extLst>
+              <a:ext uri="{FF2B5EF4-FFF2-40B4-BE49-F238E27FC236}">
+                <a16:creationId xmlns:a16="http://schemas.microsoft.com/office/drawing/2014/main" id="{9B5CF343-9F39-DAB8-9D0F-8FC016F4D7AE}"/>
+              </a:ext>
+            </a:extLst>
+          </p:cNvPr>
+          <p:cNvSpPr/>
+          <p:nvPr/>
+        </p:nvSpPr>
+        <p:spPr>
+          <a:xfrm>
+            <a:off x="663817" y="729755"/>
+            <a:ext cx="1081453" cy="637403"/>
+          </a:xfrm>
+          <a:prstGeom prst="rect">
+            <a:avLst/>
+          </a:prstGeom>
+        </p:spPr>
+        <p:style>
+          <a:lnRef idx="2">
+            <a:schemeClr val="accent6">
+              <a:shade val="15000"/>
+            </a:schemeClr>
+          </a:lnRef>
+          <a:fillRef idx="1">
+            <a:schemeClr val="accent6"/>
+          </a:fillRef>
+          <a:effectRef idx="0">
+            <a:schemeClr val="accent6"/>
+          </a:effectRef>
+          <a:fontRef idx="minor">
+            <a:schemeClr val="lt1"/>
+          </a:fontRef>
+        </p:style>
+        <p:txBody>
+          <a:bodyPr rtlCol="0" anchor="ctr"/>
+          <a:lstStyle/>
+          <a:p>
+            <a:pPr algn="ctr"/>
+            <a:r>
+              <a:rPr kumimoji="1" lang="zh-CN" altLang="en-US" dirty="0"/>
+              <a:t>新知识</a:t>
+            </a:r>
+          </a:p>
+        </p:txBody>
+      </p:sp>
+      <p:cxnSp>
+        <p:nvCxnSpPr>
+          <p:cNvPr id="50" name="直线箭头连接符 49">
+            <a:extLst>
+              <a:ext uri="{FF2B5EF4-FFF2-40B4-BE49-F238E27FC236}">
+                <a16:creationId xmlns:a16="http://schemas.microsoft.com/office/drawing/2014/main" id="{C9EA6DC4-3DE5-1017-740D-31CB15FD032A}"/>
+              </a:ext>
+            </a:extLst>
+          </p:cNvPr>
+          <p:cNvCxnSpPr>
+            <a:cxnSpLocks/>
+            <a:stCxn id="49" idx="2"/>
+            <a:endCxn id="16" idx="0"/>
+          </p:cNvCxnSpPr>
+          <p:nvPr/>
+        </p:nvCxnSpPr>
+        <p:spPr>
+          <a:xfrm>
+            <a:off x="1204544" y="1367158"/>
+            <a:ext cx="1" cy="386930"/>
+          </a:xfrm>
+          <a:prstGeom prst="straightConnector1">
+            <a:avLst/>
+          </a:prstGeom>
+          <a:ln>
+            <a:tailEnd type="triangle"/>
+          </a:ln>
+        </p:spPr>
+        <p:style>
+          <a:lnRef idx="3">
+            <a:schemeClr val="accent1"/>
+          </a:lnRef>
+          <a:fillRef idx="0">
+            <a:schemeClr val="accent1"/>
+          </a:fillRef>
+          <a:effectRef idx="2">
+            <a:schemeClr val="accent1"/>
+          </a:effectRef>
+          <a:fontRef idx="minor">
+            <a:schemeClr val="tx1"/>
+          </a:fontRef>
+        </p:style>
+      </p:cxnSp>
+      <p:sp>
+        <p:nvSpPr>
+          <p:cNvPr id="53" name="文本框 52">
+            <a:extLst>
+              <a:ext uri="{FF2B5EF4-FFF2-40B4-BE49-F238E27FC236}">
+                <a16:creationId xmlns:a16="http://schemas.microsoft.com/office/drawing/2014/main" id="{C8D55A90-DD2F-8A0A-0240-E33A2FE27524}"/>
+              </a:ext>
+            </a:extLst>
+          </p:cNvPr>
+          <p:cNvSpPr txBox="1"/>
+          <p:nvPr/>
+        </p:nvSpPr>
+        <p:spPr>
+          <a:xfrm>
+            <a:off x="2268415" y="1598011"/>
+            <a:ext cx="415498" cy="369332"/>
+          </a:xfrm>
+          <a:prstGeom prst="rect">
+            <a:avLst/>
+          </a:prstGeom>
+          <a:noFill/>
+        </p:spPr>
+        <p:txBody>
+          <a:bodyPr wrap="none" rtlCol="0">
+            <a:spAutoFit/>
+          </a:bodyPr>
+          <a:lstStyle/>
+          <a:p>
+            <a:r>
+              <a:rPr kumimoji="1" lang="zh-CN" altLang="en-US" dirty="0"/>
+              <a:t>是</a:t>
+            </a:r>
+          </a:p>
+        </p:txBody>
+      </p:sp>
+      <p:sp>
+        <p:nvSpPr>
+          <p:cNvPr id="54" name="文本框 53">
+            <a:extLst>
+              <a:ext uri="{FF2B5EF4-FFF2-40B4-BE49-F238E27FC236}">
+                <a16:creationId xmlns:a16="http://schemas.microsoft.com/office/drawing/2014/main" id="{F4C386F4-D6A5-5335-8CBB-45F0B96A963F}"/>
+              </a:ext>
+            </a:extLst>
+          </p:cNvPr>
+          <p:cNvSpPr txBox="1"/>
+          <p:nvPr/>
+        </p:nvSpPr>
+        <p:spPr>
+          <a:xfrm>
+            <a:off x="2258490" y="2864042"/>
+            <a:ext cx="415498" cy="369332"/>
+          </a:xfrm>
+          <a:prstGeom prst="rect">
+            <a:avLst/>
+          </a:prstGeom>
+          <a:noFill/>
+        </p:spPr>
+        <p:txBody>
+          <a:bodyPr wrap="none" rtlCol="0">
+            <a:spAutoFit/>
+          </a:bodyPr>
+          <a:lstStyle/>
+          <a:p>
+            <a:r>
+              <a:rPr kumimoji="1" lang="zh-CN" altLang="en-US" dirty="0"/>
+              <a:t>是</a:t>
+            </a:r>
+          </a:p>
+        </p:txBody>
+      </p:sp>
+      <p:sp>
+        <p:nvSpPr>
+          <p:cNvPr id="55" name="文本框 54">
+            <a:extLst>
+              <a:ext uri="{FF2B5EF4-FFF2-40B4-BE49-F238E27FC236}">
+                <a16:creationId xmlns:a16="http://schemas.microsoft.com/office/drawing/2014/main" id="{53D0C143-1C5D-D1D9-D000-BA91C8EFFC20}"/>
+              </a:ext>
+            </a:extLst>
+          </p:cNvPr>
+          <p:cNvSpPr txBox="1"/>
+          <p:nvPr/>
+        </p:nvSpPr>
+        <p:spPr>
+          <a:xfrm>
+            <a:off x="2258490" y="4203796"/>
+            <a:ext cx="415498" cy="369332"/>
+          </a:xfrm>
+          <a:prstGeom prst="rect">
+            <a:avLst/>
+          </a:prstGeom>
+          <a:noFill/>
+        </p:spPr>
+        <p:txBody>
+          <a:bodyPr wrap="none" rtlCol="0">
+            <a:spAutoFit/>
+          </a:bodyPr>
+          <a:lstStyle/>
+          <a:p>
+            <a:r>
+              <a:rPr kumimoji="1" lang="zh-CN" altLang="en-US" dirty="0"/>
+              <a:t>是</a:t>
+            </a:r>
+          </a:p>
+        </p:txBody>
+      </p:sp>
+      <p:sp>
+        <p:nvSpPr>
+          <p:cNvPr id="56" name="文本框 55">
+            <a:extLst>
+              <a:ext uri="{FF2B5EF4-FFF2-40B4-BE49-F238E27FC236}">
+                <a16:creationId xmlns:a16="http://schemas.microsoft.com/office/drawing/2014/main" id="{263E4A6D-B9BD-AFED-2432-BAB4BE626815}"/>
+              </a:ext>
+            </a:extLst>
+          </p:cNvPr>
+          <p:cNvSpPr txBox="1"/>
+          <p:nvPr/>
+        </p:nvSpPr>
+        <p:spPr>
+          <a:xfrm>
+            <a:off x="1392115" y="5338764"/>
+            <a:ext cx="415498" cy="369332"/>
+          </a:xfrm>
+          <a:prstGeom prst="rect">
+            <a:avLst/>
+          </a:prstGeom>
+          <a:noFill/>
+        </p:spPr>
+        <p:txBody>
+          <a:bodyPr wrap="none" rtlCol="0">
+            <a:spAutoFit/>
+          </a:bodyPr>
+          <a:lstStyle/>
+          <a:p>
+            <a:r>
+              <a:rPr kumimoji="1" lang="zh-CN" altLang="en-US" dirty="0"/>
+              <a:t>否</a:t>
+            </a:r>
+          </a:p>
+        </p:txBody>
+      </p:sp>
+      <p:sp>
+        <p:nvSpPr>
+          <p:cNvPr id="57" name="文本框 56">
+            <a:extLst>
+              <a:ext uri="{FF2B5EF4-FFF2-40B4-BE49-F238E27FC236}">
+                <a16:creationId xmlns:a16="http://schemas.microsoft.com/office/drawing/2014/main" id="{7EFA6E1A-D366-D81D-0F89-C6864E6F00EA}"/>
+              </a:ext>
+            </a:extLst>
+          </p:cNvPr>
+          <p:cNvSpPr txBox="1"/>
+          <p:nvPr/>
+        </p:nvSpPr>
+        <p:spPr>
+          <a:xfrm>
+            <a:off x="1093513" y="3923945"/>
+            <a:ext cx="415498" cy="369332"/>
+          </a:xfrm>
+          <a:prstGeom prst="rect">
+            <a:avLst/>
+          </a:prstGeom>
+          <a:noFill/>
+        </p:spPr>
+        <p:txBody>
+          <a:bodyPr wrap="none" rtlCol="0">
+            <a:spAutoFit/>
+          </a:bodyPr>
+          <a:lstStyle/>
+          <a:p>
+            <a:r>
+              <a:rPr kumimoji="1" lang="zh-CN" altLang="en-US" dirty="0"/>
+              <a:t>否</a:t>
+            </a:r>
+          </a:p>
+        </p:txBody>
+      </p:sp>
+      <p:sp>
+        <p:nvSpPr>
+          <p:cNvPr id="58" name="文本框 57">
+            <a:extLst>
+              <a:ext uri="{FF2B5EF4-FFF2-40B4-BE49-F238E27FC236}">
+                <a16:creationId xmlns:a16="http://schemas.microsoft.com/office/drawing/2014/main" id="{0225EB81-CF0A-035E-09C7-736D80A7B58C}"/>
+              </a:ext>
+            </a:extLst>
+          </p:cNvPr>
+          <p:cNvSpPr txBox="1"/>
+          <p:nvPr/>
+        </p:nvSpPr>
+        <p:spPr>
+          <a:xfrm>
+            <a:off x="1130818" y="2616499"/>
+            <a:ext cx="415498" cy="369332"/>
+          </a:xfrm>
+          <a:prstGeom prst="rect">
+            <a:avLst/>
+          </a:prstGeom>
+          <a:noFill/>
+        </p:spPr>
+        <p:txBody>
+          <a:bodyPr wrap="none" rtlCol="0">
+            <a:spAutoFit/>
+          </a:bodyPr>
+          <a:lstStyle/>
+          <a:p>
+            <a:r>
+              <a:rPr kumimoji="1" lang="zh-CN" altLang="en-US" dirty="0"/>
+              <a:t>否</a:t>
+            </a:r>
+          </a:p>
+        </p:txBody>
+      </p:sp>
+    </p:spTree>
+    <p:extLst>
+      <p:ext uri="{BB962C8B-B14F-4D97-AF65-F5344CB8AC3E}">
+        <p14:creationId xmlns:p14="http://schemas.microsoft.com/office/powerpoint/2010/main" val="1566831950"/>
+      </p:ext>
+    </p:extLst>
+  </p:cSld>
+  <p:clrMapOvr>
+    <a:masterClrMapping/>
+  </p:clrMapOvr>
+</p:sld>
+</file>
+
+<file path=ppt/slides/slide19.xml><?xml version="1.0" encoding="utf-8"?>
+<p:sld xmlns:a="http://schemas.openxmlformats.org/drawingml/2006/main" xmlns:r="http://schemas.openxmlformats.org/officeDocument/2006/relationships" xmlns:p="http://schemas.openxmlformats.org/presentationml/2006/main">
+  <p:cSld>
+    <p:spTree>
+      <p:nvGrpSpPr>
+        <p:cNvPr id="1" name=""/>
+        <p:cNvGrpSpPr/>
+        <p:nvPr/>
+      </p:nvGrpSpPr>
+      <p:grpSpPr>
+        <a:xfrm>
+          <a:off x="0" y="0"/>
+          <a:ext cx="0" cy="0"/>
+          <a:chOff x="0" y="0"/>
+          <a:chExt cx="0" cy="0"/>
+        </a:xfrm>
+      </p:grpSpPr>
+      <p:sp>
+        <p:nvSpPr>
+          <p:cNvPr id="4" name="椭圆 3">
+            <a:extLst>
+              <a:ext uri="{FF2B5EF4-FFF2-40B4-BE49-F238E27FC236}">
+                <a16:creationId xmlns:a16="http://schemas.microsoft.com/office/drawing/2014/main" id="{3C14AB8F-3CE5-B57E-F815-F8FA8CFD421C}"/>
+              </a:ext>
+            </a:extLst>
+          </p:cNvPr>
+          <p:cNvSpPr/>
+          <p:nvPr/>
+        </p:nvSpPr>
+        <p:spPr>
+          <a:xfrm>
+            <a:off x="3138854" y="580293"/>
+            <a:ext cx="2233246" cy="2233246"/>
+          </a:xfrm>
+          <a:prstGeom prst="ellipse">
+            <a:avLst/>
+          </a:prstGeom>
+        </p:spPr>
+        <p:style>
+          <a:lnRef idx="2">
+            <a:schemeClr val="accent3">
+              <a:shade val="15000"/>
+            </a:schemeClr>
+          </a:lnRef>
+          <a:fillRef idx="1">
+            <a:schemeClr val="accent3"/>
+          </a:fillRef>
+          <a:effectRef idx="0">
+            <a:schemeClr val="accent3"/>
+          </a:effectRef>
+          <a:fontRef idx="minor">
+            <a:schemeClr val="lt1"/>
+          </a:fontRef>
+        </p:style>
+        <p:txBody>
+          <a:bodyPr rtlCol="0" anchor="ctr"/>
+          <a:lstStyle/>
+          <a:p>
+            <a:pPr algn="ctr"/>
+            <a:r>
+              <a:rPr kumimoji="1" lang="zh-CN" altLang="en-US" dirty="0"/>
+              <a:t>运动</a:t>
+            </a:r>
+          </a:p>
+        </p:txBody>
+      </p:sp>
+      <p:sp>
+        <p:nvSpPr>
+          <p:cNvPr id="5" name="椭圆 4">
+            <a:extLst>
+              <a:ext uri="{FF2B5EF4-FFF2-40B4-BE49-F238E27FC236}">
+                <a16:creationId xmlns:a16="http://schemas.microsoft.com/office/drawing/2014/main" id="{A0039758-6D63-7811-C07A-26D3A373FBDB}"/>
+              </a:ext>
+            </a:extLst>
+          </p:cNvPr>
+          <p:cNvSpPr/>
+          <p:nvPr/>
+        </p:nvSpPr>
+        <p:spPr>
+          <a:xfrm>
+            <a:off x="3138854" y="3748454"/>
+            <a:ext cx="2233246" cy="2233246"/>
+          </a:xfrm>
+          <a:prstGeom prst="ellipse">
+            <a:avLst/>
+          </a:prstGeom>
+        </p:spPr>
+        <p:style>
+          <a:lnRef idx="2">
+            <a:schemeClr val="accent3">
+              <a:shade val="15000"/>
+            </a:schemeClr>
+          </a:lnRef>
+          <a:fillRef idx="1">
+            <a:schemeClr val="accent3"/>
+          </a:fillRef>
+          <a:effectRef idx="0">
+            <a:schemeClr val="accent3"/>
+          </a:effectRef>
+          <a:fontRef idx="minor">
+            <a:schemeClr val="lt1"/>
+          </a:fontRef>
+        </p:style>
+        <p:txBody>
+          <a:bodyPr rtlCol="0" anchor="ctr"/>
+          <a:lstStyle/>
+          <a:p>
+            <a:pPr algn="ctr"/>
+            <a:r>
+              <a:rPr kumimoji="1" lang="zh-CN" altLang="en-US" dirty="0"/>
+              <a:t>财务</a:t>
+            </a:r>
+          </a:p>
+        </p:txBody>
+      </p:sp>
+      <p:sp>
+        <p:nvSpPr>
+          <p:cNvPr id="6" name="椭圆 5">
+            <a:extLst>
+              <a:ext uri="{FF2B5EF4-FFF2-40B4-BE49-F238E27FC236}">
+                <a16:creationId xmlns:a16="http://schemas.microsoft.com/office/drawing/2014/main" id="{9F053549-B733-211D-AD21-03814FACB706}"/>
+              </a:ext>
+            </a:extLst>
+          </p:cNvPr>
+          <p:cNvSpPr/>
+          <p:nvPr/>
+        </p:nvSpPr>
+        <p:spPr>
+          <a:xfrm>
+            <a:off x="7027985" y="580293"/>
+            <a:ext cx="2233246" cy="2233246"/>
+          </a:xfrm>
+          <a:prstGeom prst="ellipse">
+            <a:avLst/>
+          </a:prstGeom>
+        </p:spPr>
+        <p:style>
+          <a:lnRef idx="2">
+            <a:schemeClr val="accent3">
+              <a:shade val="15000"/>
+            </a:schemeClr>
+          </a:lnRef>
+          <a:fillRef idx="1">
+            <a:schemeClr val="accent3"/>
+          </a:fillRef>
+          <a:effectRef idx="0">
+            <a:schemeClr val="accent3"/>
+          </a:effectRef>
+          <a:fontRef idx="minor">
+            <a:schemeClr val="lt1"/>
+          </a:fontRef>
+        </p:style>
+        <p:txBody>
+          <a:bodyPr rtlCol="0" anchor="ctr"/>
+          <a:lstStyle/>
+          <a:p>
+            <a:pPr algn="ctr"/>
+            <a:r>
+              <a:rPr kumimoji="1" lang="zh-CN" altLang="en-US" dirty="0"/>
+              <a:t>学习</a:t>
+            </a:r>
+          </a:p>
+        </p:txBody>
+      </p:sp>
+      <p:sp>
+        <p:nvSpPr>
+          <p:cNvPr id="7" name="椭圆 6">
+            <a:extLst>
+              <a:ext uri="{FF2B5EF4-FFF2-40B4-BE49-F238E27FC236}">
+                <a16:creationId xmlns:a16="http://schemas.microsoft.com/office/drawing/2014/main" id="{0617F2B6-8687-1A07-5629-016233374A78}"/>
+              </a:ext>
+            </a:extLst>
+          </p:cNvPr>
+          <p:cNvSpPr/>
+          <p:nvPr/>
+        </p:nvSpPr>
+        <p:spPr>
+          <a:xfrm>
+            <a:off x="7027985" y="3748454"/>
+            <a:ext cx="2233246" cy="2233246"/>
+          </a:xfrm>
+          <a:prstGeom prst="ellipse">
+            <a:avLst/>
+          </a:prstGeom>
+        </p:spPr>
+        <p:style>
+          <a:lnRef idx="2">
+            <a:schemeClr val="accent3">
+              <a:shade val="15000"/>
+            </a:schemeClr>
+          </a:lnRef>
+          <a:fillRef idx="1">
+            <a:schemeClr val="accent3"/>
+          </a:fillRef>
+          <a:effectRef idx="0">
+            <a:schemeClr val="accent3"/>
+          </a:effectRef>
+          <a:fontRef idx="minor">
+            <a:schemeClr val="lt1"/>
+          </a:fontRef>
+        </p:style>
+        <p:txBody>
+          <a:bodyPr rtlCol="0" anchor="ctr"/>
+          <a:lstStyle/>
+          <a:p>
+            <a:pPr algn="ctr"/>
+            <a:r>
+              <a:rPr kumimoji="1" lang="zh-CN" altLang="en-US" dirty="0"/>
+              <a:t>旅游</a:t>
+            </a:r>
+          </a:p>
+        </p:txBody>
+      </p:sp>
+      <p:sp>
+        <p:nvSpPr>
+          <p:cNvPr id="8" name="椭圆 7">
+            <a:extLst>
+              <a:ext uri="{FF2B5EF4-FFF2-40B4-BE49-F238E27FC236}">
+                <a16:creationId xmlns:a16="http://schemas.microsoft.com/office/drawing/2014/main" id="{0B7C03CD-7E25-832F-7E24-E82E902C2B4D}"/>
+              </a:ext>
+            </a:extLst>
+          </p:cNvPr>
+          <p:cNvSpPr/>
+          <p:nvPr/>
+        </p:nvSpPr>
+        <p:spPr>
+          <a:xfrm>
+            <a:off x="7798777" y="3982915"/>
+            <a:ext cx="800100" cy="738554"/>
+          </a:xfrm>
+          <a:prstGeom prst="ellipse">
+            <a:avLst/>
+          </a:prstGeom>
+        </p:spPr>
+        <p:style>
+          <a:lnRef idx="2">
+            <a:schemeClr val="accent6">
+              <a:shade val="15000"/>
+            </a:schemeClr>
+          </a:lnRef>
+          <a:fillRef idx="1">
+            <a:schemeClr val="accent6"/>
+          </a:fillRef>
+          <a:effectRef idx="0">
+            <a:schemeClr val="accent6"/>
+          </a:effectRef>
+          <a:fontRef idx="minor">
+            <a:schemeClr val="lt1"/>
+          </a:fontRef>
+        </p:style>
+        <p:txBody>
+          <a:bodyPr rtlCol="0" anchor="ctr"/>
+          <a:lstStyle/>
+          <a:p>
+            <a:pPr algn="ctr"/>
+            <a:r>
+              <a:rPr kumimoji="1" lang="zh-CN" altLang="en-US" sz="1200" dirty="0"/>
+              <a:t>这个暑假去</a:t>
+            </a:r>
+            <a:r>
+              <a:rPr kumimoji="1" lang="en-US" altLang="zh-CN" sz="1200" dirty="0"/>
+              <a:t>xxx</a:t>
+            </a:r>
+            <a:endParaRPr kumimoji="1" lang="zh-CN" altLang="en-US" sz="1200" dirty="0"/>
+          </a:p>
+        </p:txBody>
+      </p:sp>
+      <p:sp>
+        <p:nvSpPr>
+          <p:cNvPr id="9" name="椭圆 8">
+            <a:extLst>
+              <a:ext uri="{FF2B5EF4-FFF2-40B4-BE49-F238E27FC236}">
+                <a16:creationId xmlns:a16="http://schemas.microsoft.com/office/drawing/2014/main" id="{2AC152F6-C955-2B60-C6EA-CD2030C72144}"/>
+              </a:ext>
+            </a:extLst>
+          </p:cNvPr>
+          <p:cNvSpPr/>
+          <p:nvPr/>
+        </p:nvSpPr>
+        <p:spPr>
+          <a:xfrm>
+            <a:off x="7744558" y="5102469"/>
+            <a:ext cx="800100" cy="738554"/>
+          </a:xfrm>
+          <a:prstGeom prst="ellipse">
+            <a:avLst/>
+          </a:prstGeom>
+        </p:spPr>
+        <p:style>
+          <a:lnRef idx="2">
+            <a:schemeClr val="accent6">
+              <a:shade val="15000"/>
+            </a:schemeClr>
+          </a:lnRef>
+          <a:fillRef idx="1">
+            <a:schemeClr val="accent6"/>
+          </a:fillRef>
+          <a:effectRef idx="0">
+            <a:schemeClr val="accent6"/>
+          </a:effectRef>
+          <a:fontRef idx="minor">
+            <a:schemeClr val="lt1"/>
+          </a:fontRef>
+        </p:style>
+        <p:txBody>
+          <a:bodyPr rtlCol="0" anchor="ctr"/>
+          <a:lstStyle/>
+          <a:p>
+            <a:pPr algn="ctr"/>
+            <a:r>
+              <a:rPr kumimoji="1" lang="zh-CN" altLang="en-US" sz="1200" dirty="0"/>
+              <a:t>下周去爬</a:t>
+            </a:r>
+            <a:r>
+              <a:rPr kumimoji="1" lang="en-US" altLang="zh-CN" sz="1200" dirty="0"/>
+              <a:t>xxx</a:t>
+            </a:r>
+            <a:r>
+              <a:rPr kumimoji="1" lang="zh-CN" altLang="en-US" sz="1200" dirty="0"/>
+              <a:t>山</a:t>
+            </a:r>
+          </a:p>
+        </p:txBody>
+      </p:sp>
+      <p:sp>
+        <p:nvSpPr>
+          <p:cNvPr id="10" name="椭圆 9">
+            <a:extLst>
+              <a:ext uri="{FF2B5EF4-FFF2-40B4-BE49-F238E27FC236}">
+                <a16:creationId xmlns:a16="http://schemas.microsoft.com/office/drawing/2014/main" id="{20264BFF-FEF3-BD94-0923-EC1B1915CB9B}"/>
+              </a:ext>
+            </a:extLst>
+          </p:cNvPr>
+          <p:cNvSpPr/>
+          <p:nvPr/>
+        </p:nvSpPr>
+        <p:spPr>
+          <a:xfrm>
+            <a:off x="7082204" y="4542692"/>
+            <a:ext cx="800100" cy="738554"/>
+          </a:xfrm>
+          <a:prstGeom prst="ellipse">
+            <a:avLst/>
+          </a:prstGeom>
+        </p:spPr>
+        <p:style>
+          <a:lnRef idx="2">
+            <a:schemeClr val="accent6">
+              <a:shade val="15000"/>
+            </a:schemeClr>
+          </a:lnRef>
+          <a:fillRef idx="1">
+            <a:schemeClr val="accent6"/>
+          </a:fillRef>
+          <a:effectRef idx="0">
+            <a:schemeClr val="accent6"/>
+          </a:effectRef>
+          <a:fontRef idx="minor">
+            <a:schemeClr val="lt1"/>
+          </a:fontRef>
+        </p:style>
+        <p:txBody>
+          <a:bodyPr rtlCol="0" anchor="ctr"/>
+          <a:lstStyle/>
+          <a:p>
+            <a:pPr algn="ctr"/>
+            <a:r>
+              <a:rPr kumimoji="1" lang="zh-CN" altLang="en-US" sz="1200" dirty="0"/>
+              <a:t>这次过年去</a:t>
+            </a:r>
+            <a:r>
+              <a:rPr kumimoji="1" lang="en-US" altLang="zh-CN" sz="1200" dirty="0"/>
+              <a:t>xxx</a:t>
+            </a:r>
+            <a:endParaRPr kumimoji="1" lang="zh-CN" altLang="en-US" sz="1200" dirty="0"/>
+          </a:p>
+        </p:txBody>
+      </p:sp>
+      <p:sp>
+        <p:nvSpPr>
+          <p:cNvPr id="11" name="椭圆 10">
+            <a:extLst>
+              <a:ext uri="{FF2B5EF4-FFF2-40B4-BE49-F238E27FC236}">
+                <a16:creationId xmlns:a16="http://schemas.microsoft.com/office/drawing/2014/main" id="{D7C56DF4-573D-296E-2ACB-BA7959979B77}"/>
+              </a:ext>
+            </a:extLst>
+          </p:cNvPr>
+          <p:cNvSpPr/>
+          <p:nvPr/>
+        </p:nvSpPr>
+        <p:spPr>
+          <a:xfrm>
+            <a:off x="3855427" y="3804138"/>
+            <a:ext cx="800100" cy="738554"/>
+          </a:xfrm>
+          <a:prstGeom prst="ellipse">
+            <a:avLst/>
+          </a:prstGeom>
+        </p:spPr>
+        <p:style>
+          <a:lnRef idx="2">
+            <a:schemeClr val="accent6">
+              <a:shade val="15000"/>
+            </a:schemeClr>
+          </a:lnRef>
+          <a:fillRef idx="1">
+            <a:schemeClr val="accent6"/>
+          </a:fillRef>
+          <a:effectRef idx="0">
+            <a:schemeClr val="accent6"/>
+          </a:effectRef>
+          <a:fontRef idx="minor">
+            <a:schemeClr val="lt1"/>
+          </a:fontRef>
+        </p:style>
+        <p:txBody>
+          <a:bodyPr rtlCol="0" anchor="ctr"/>
+          <a:lstStyle/>
+          <a:p>
+            <a:pPr algn="ctr"/>
+            <a:r>
+              <a:rPr kumimoji="1" lang="zh-CN" altLang="en-US" sz="1200" dirty="0"/>
+              <a:t>整理去年信用卡</a:t>
+            </a:r>
+          </a:p>
+        </p:txBody>
+      </p:sp>
+      <p:sp>
+        <p:nvSpPr>
+          <p:cNvPr id="12" name="椭圆 11">
+            <a:extLst>
+              <a:ext uri="{FF2B5EF4-FFF2-40B4-BE49-F238E27FC236}">
+                <a16:creationId xmlns:a16="http://schemas.microsoft.com/office/drawing/2014/main" id="{BD7327D4-2A19-D6FD-51D2-ACCE8656BD1F}"/>
+              </a:ext>
+            </a:extLst>
+          </p:cNvPr>
+          <p:cNvSpPr/>
+          <p:nvPr/>
+        </p:nvSpPr>
+        <p:spPr>
+          <a:xfrm>
+            <a:off x="3411415" y="5102469"/>
+            <a:ext cx="956897" cy="738554"/>
+          </a:xfrm>
+          <a:prstGeom prst="ellipse">
+            <a:avLst/>
+          </a:prstGeom>
+        </p:spPr>
+        <p:style>
+          <a:lnRef idx="2">
+            <a:schemeClr val="accent6">
+              <a:shade val="15000"/>
+            </a:schemeClr>
+          </a:lnRef>
+          <a:fillRef idx="1">
+            <a:schemeClr val="accent6"/>
+          </a:fillRef>
+          <a:effectRef idx="0">
+            <a:schemeClr val="accent6"/>
+          </a:effectRef>
+          <a:fontRef idx="minor">
+            <a:schemeClr val="lt1"/>
+          </a:fontRef>
+        </p:style>
+        <p:txBody>
+          <a:bodyPr rtlCol="0" anchor="ctr"/>
+          <a:lstStyle/>
+          <a:p>
+            <a:pPr algn="ctr"/>
+            <a:r>
+              <a:rPr kumimoji="1" lang="zh-CN" altLang="en-US" sz="1200" dirty="0"/>
+              <a:t>如何下个月快乐吃土</a:t>
+            </a:r>
+          </a:p>
+        </p:txBody>
+      </p:sp>
+      <p:sp>
+        <p:nvSpPr>
+          <p:cNvPr id="13" name="椭圆 12">
+            <a:extLst>
+              <a:ext uri="{FF2B5EF4-FFF2-40B4-BE49-F238E27FC236}">
+                <a16:creationId xmlns:a16="http://schemas.microsoft.com/office/drawing/2014/main" id="{58BB925D-568A-17DD-4773-9C5A5197E3E3}"/>
+              </a:ext>
+            </a:extLst>
+          </p:cNvPr>
+          <p:cNvSpPr/>
+          <p:nvPr/>
+        </p:nvSpPr>
+        <p:spPr>
+          <a:xfrm>
+            <a:off x="3770435" y="1985597"/>
+            <a:ext cx="885092" cy="738554"/>
+          </a:xfrm>
+          <a:prstGeom prst="ellipse">
+            <a:avLst/>
+          </a:prstGeom>
+        </p:spPr>
+        <p:style>
+          <a:lnRef idx="2">
+            <a:schemeClr val="accent6">
+              <a:shade val="15000"/>
+            </a:schemeClr>
+          </a:lnRef>
+          <a:fillRef idx="1">
+            <a:schemeClr val="accent6"/>
+          </a:fillRef>
+          <a:effectRef idx="0">
+            <a:schemeClr val="accent6"/>
+          </a:effectRef>
+          <a:fontRef idx="minor">
+            <a:schemeClr val="lt1"/>
+          </a:fontRef>
+        </p:style>
+        <p:txBody>
+          <a:bodyPr rtlCol="0" anchor="ctr"/>
+          <a:lstStyle/>
+          <a:p>
+            <a:pPr algn="ctr"/>
+            <a:r>
+              <a:rPr kumimoji="1" lang="en-US" altLang="zh-CN" sz="1200" dirty="0"/>
+              <a:t>3</a:t>
+            </a:r>
+            <a:r>
+              <a:rPr kumimoji="1" lang="zh-CN" altLang="en-US" sz="1200" dirty="0"/>
+              <a:t>个月学会游泳</a:t>
+            </a:r>
+          </a:p>
+        </p:txBody>
+      </p:sp>
+      <p:sp>
+        <p:nvSpPr>
+          <p:cNvPr id="14" name="椭圆 13">
+            <a:extLst>
+              <a:ext uri="{FF2B5EF4-FFF2-40B4-BE49-F238E27FC236}">
+                <a16:creationId xmlns:a16="http://schemas.microsoft.com/office/drawing/2014/main" id="{A3B081CB-5874-DCDD-8D4F-642A487A8EEA}"/>
+              </a:ext>
+            </a:extLst>
+          </p:cNvPr>
+          <p:cNvSpPr/>
+          <p:nvPr/>
+        </p:nvSpPr>
+        <p:spPr>
+          <a:xfrm>
+            <a:off x="3889862" y="687266"/>
+            <a:ext cx="981075" cy="738554"/>
+          </a:xfrm>
+          <a:prstGeom prst="ellipse">
+            <a:avLst/>
+          </a:prstGeom>
+        </p:spPr>
+        <p:style>
+          <a:lnRef idx="2">
+            <a:schemeClr val="accent6">
+              <a:shade val="15000"/>
+            </a:schemeClr>
+          </a:lnRef>
+          <a:fillRef idx="1">
+            <a:schemeClr val="accent6"/>
+          </a:fillRef>
+          <a:effectRef idx="0">
+            <a:schemeClr val="accent6"/>
+          </a:effectRef>
+          <a:fontRef idx="minor">
+            <a:schemeClr val="lt1"/>
+          </a:fontRef>
+        </p:style>
+        <p:txBody>
+          <a:bodyPr rtlCol="0" anchor="ctr"/>
+          <a:lstStyle/>
+          <a:p>
+            <a:pPr algn="ctr"/>
+            <a:r>
+              <a:rPr kumimoji="1" lang="zh-CN" altLang="en-US" sz="1200" dirty="0"/>
+              <a:t>报名</a:t>
+            </a:r>
+            <a:r>
+              <a:rPr kumimoji="1" lang="en-US" altLang="zh-CN" sz="1200" dirty="0"/>
+              <a:t>50</a:t>
+            </a:r>
+            <a:r>
+              <a:rPr kumimoji="1" lang="zh-CN" altLang="en-US" sz="1200" dirty="0"/>
+              <a:t>公里毅行</a:t>
+            </a:r>
+          </a:p>
+        </p:txBody>
+      </p:sp>
+      <p:sp>
+        <p:nvSpPr>
+          <p:cNvPr id="15" name="椭圆 14">
+            <a:extLst>
+              <a:ext uri="{FF2B5EF4-FFF2-40B4-BE49-F238E27FC236}">
+                <a16:creationId xmlns:a16="http://schemas.microsoft.com/office/drawing/2014/main" id="{EE2C6410-1B15-8A32-A461-8AFAC899E468}"/>
+              </a:ext>
+            </a:extLst>
+          </p:cNvPr>
+          <p:cNvSpPr/>
+          <p:nvPr/>
+        </p:nvSpPr>
+        <p:spPr>
+          <a:xfrm>
+            <a:off x="7659566" y="687266"/>
+            <a:ext cx="885092" cy="738554"/>
+          </a:xfrm>
+          <a:prstGeom prst="ellipse">
+            <a:avLst/>
+          </a:prstGeom>
+        </p:spPr>
+        <p:style>
+          <a:lnRef idx="2">
+            <a:schemeClr val="accent6">
+              <a:shade val="15000"/>
+            </a:schemeClr>
+          </a:lnRef>
+          <a:fillRef idx="1">
+            <a:schemeClr val="accent6"/>
+          </a:fillRef>
+          <a:effectRef idx="0">
+            <a:schemeClr val="accent6"/>
+          </a:effectRef>
+          <a:fontRef idx="minor">
+            <a:schemeClr val="lt1"/>
+          </a:fontRef>
+        </p:style>
+        <p:txBody>
+          <a:bodyPr rtlCol="0" anchor="ctr"/>
+          <a:lstStyle/>
+          <a:p>
+            <a:pPr algn="ctr"/>
+            <a:r>
+              <a:rPr kumimoji="1" lang="zh-CN" altLang="en-US" sz="1200" dirty="0"/>
+              <a:t>准备考雅思</a:t>
+            </a:r>
+          </a:p>
+        </p:txBody>
+      </p:sp>
+      <p:sp>
+        <p:nvSpPr>
+          <p:cNvPr id="16" name="椭圆 15">
+            <a:extLst>
+              <a:ext uri="{FF2B5EF4-FFF2-40B4-BE49-F238E27FC236}">
+                <a16:creationId xmlns:a16="http://schemas.microsoft.com/office/drawing/2014/main" id="{989B2E9D-A0E8-F353-AA9F-46D4C8939D61}"/>
+              </a:ext>
+            </a:extLst>
+          </p:cNvPr>
+          <p:cNvSpPr/>
+          <p:nvPr/>
+        </p:nvSpPr>
+        <p:spPr>
+          <a:xfrm>
+            <a:off x="7659566" y="1975340"/>
+            <a:ext cx="885092" cy="738554"/>
+          </a:xfrm>
+          <a:prstGeom prst="ellipse">
+            <a:avLst/>
+          </a:prstGeom>
+        </p:spPr>
+        <p:style>
+          <a:lnRef idx="2">
+            <a:schemeClr val="accent6">
+              <a:shade val="15000"/>
+            </a:schemeClr>
+          </a:lnRef>
+          <a:fillRef idx="1">
+            <a:schemeClr val="accent6"/>
+          </a:fillRef>
+          <a:effectRef idx="0">
+            <a:schemeClr val="accent6"/>
+          </a:effectRef>
+          <a:fontRef idx="minor">
+            <a:schemeClr val="lt1"/>
+          </a:fontRef>
+        </p:style>
+        <p:txBody>
+          <a:bodyPr rtlCol="0" anchor="ctr"/>
+          <a:lstStyle/>
+          <a:p>
+            <a:pPr algn="ctr"/>
+            <a:r>
+              <a:rPr kumimoji="1" lang="zh-CN" altLang="en-US" sz="1200" dirty="0"/>
+              <a:t>学习</a:t>
+            </a:r>
+            <a:r>
+              <a:rPr kumimoji="1" lang="en-US" altLang="zh-CN" sz="1200" dirty="0"/>
+              <a:t>rust</a:t>
+            </a:r>
+            <a:endParaRPr kumimoji="1" lang="zh-CN" altLang="en-US" sz="1200" dirty="0"/>
+          </a:p>
+        </p:txBody>
+      </p:sp>
+      <p:sp>
+        <p:nvSpPr>
+          <p:cNvPr id="18" name="椭圆 17">
+            <a:extLst>
+              <a:ext uri="{FF2B5EF4-FFF2-40B4-BE49-F238E27FC236}">
+                <a16:creationId xmlns:a16="http://schemas.microsoft.com/office/drawing/2014/main" id="{42BEBC30-10B3-5C04-529C-7BD694900D95}"/>
+              </a:ext>
+            </a:extLst>
+          </p:cNvPr>
+          <p:cNvSpPr/>
+          <p:nvPr/>
+        </p:nvSpPr>
+        <p:spPr>
+          <a:xfrm>
+            <a:off x="4625487" y="1630241"/>
+            <a:ext cx="3034810" cy="3301511"/>
+          </a:xfrm>
+          <a:prstGeom prst="ellipse">
+            <a:avLst/>
+          </a:prstGeom>
+        </p:spPr>
+        <p:style>
+          <a:lnRef idx="2">
+            <a:schemeClr val="accent3">
+              <a:shade val="15000"/>
+            </a:schemeClr>
+          </a:lnRef>
+          <a:fillRef idx="1">
+            <a:schemeClr val="accent3"/>
+          </a:fillRef>
+          <a:effectRef idx="0">
+            <a:schemeClr val="accent3"/>
+          </a:effectRef>
+          <a:fontRef idx="minor">
+            <a:schemeClr val="lt1"/>
+          </a:fontRef>
+        </p:style>
+        <p:txBody>
+          <a:bodyPr rtlCol="0" anchor="ctr"/>
+          <a:lstStyle/>
+          <a:p>
+            <a:pPr algn="ctr"/>
+            <a:r>
+              <a:rPr kumimoji="1" lang="zh-CN" altLang="en-US" dirty="0"/>
+              <a:t>领域：生活工作中的重要事项，没有明确日期，除非不重要</a:t>
+            </a:r>
+            <a:r>
+              <a:rPr kumimoji="1" lang="en-US" altLang="zh-CN" dirty="0"/>
+              <a:t>/</a:t>
+            </a:r>
+            <a:r>
+              <a:rPr kumimoji="1" lang="zh-CN" altLang="en-US" dirty="0"/>
+              <a:t>不感兴趣了</a:t>
+            </a:r>
+          </a:p>
+        </p:txBody>
+      </p:sp>
+      <p:sp>
+        <p:nvSpPr>
+          <p:cNvPr id="19" name="椭圆 18">
+            <a:extLst>
+              <a:ext uri="{FF2B5EF4-FFF2-40B4-BE49-F238E27FC236}">
+                <a16:creationId xmlns:a16="http://schemas.microsoft.com/office/drawing/2014/main" id="{35147CCC-5B96-FCD6-2034-EBEE11DB708B}"/>
+              </a:ext>
+            </a:extLst>
+          </p:cNvPr>
+          <p:cNvSpPr/>
+          <p:nvPr/>
+        </p:nvSpPr>
+        <p:spPr>
+          <a:xfrm>
+            <a:off x="5550145" y="3890595"/>
+            <a:ext cx="1308588" cy="652097"/>
+          </a:xfrm>
+          <a:prstGeom prst="ellipse">
+            <a:avLst/>
+          </a:prstGeom>
+        </p:spPr>
+        <p:style>
+          <a:lnRef idx="2">
+            <a:schemeClr val="accent6">
+              <a:shade val="15000"/>
+            </a:schemeClr>
+          </a:lnRef>
+          <a:fillRef idx="1">
+            <a:schemeClr val="accent6"/>
+          </a:fillRef>
+          <a:effectRef idx="0">
+            <a:schemeClr val="accent6"/>
+          </a:effectRef>
+          <a:fontRef idx="minor">
+            <a:schemeClr val="lt1"/>
+          </a:fontRef>
+        </p:style>
+        <p:txBody>
+          <a:bodyPr rtlCol="0" anchor="ctr"/>
+          <a:lstStyle/>
+          <a:p>
+            <a:pPr algn="ctr"/>
+            <a:r>
+              <a:rPr kumimoji="1" lang="zh-CN" altLang="en-US" sz="1200" dirty="0"/>
+              <a:t>明确目标，有时间限制</a:t>
+            </a:r>
+          </a:p>
+        </p:txBody>
+      </p:sp>
+    </p:spTree>
+    <p:extLst>
+      <p:ext uri="{BB962C8B-B14F-4D97-AF65-F5344CB8AC3E}">
+        <p14:creationId xmlns:p14="http://schemas.microsoft.com/office/powerpoint/2010/main" val="2926431953"/>
+      </p:ext>
+    </p:extLst>
+  </p:cSld>
+  <p:clrMapOvr>
+    <a:masterClrMapping/>
+  </p:clrMapOvr>
+</p:sld>
+</file>
+
 <file path=ppt/slides/slide2.xml><?xml version="1.0" encoding="utf-8"?>
 <p:sld xmlns:a="http://schemas.openxmlformats.org/drawingml/2006/main" xmlns:r="http://schemas.openxmlformats.org/officeDocument/2006/relationships" xmlns:p="http://schemas.openxmlformats.org/presentationml/2006/main">
   <p:cSld>

--- a/images/2023-07-19-ru-he-da-jian-shu-yu-zi-ji-de-zhi-shi-shou-ji-zheng-li-jia-gong-ti-xi/知识管理各种图片.pptx
+++ b/images/2023-07-19-ru-he-da-jian-shu-yu-zi-ji-de-zhi-shi-shou-ji-zheng-li-jia-gong-ti-xi/知识管理各种图片.pptx
@@ -24,6 +24,8 @@
     <p:sldId id="272" r:id="rId18"/>
     <p:sldId id="273" r:id="rId19"/>
     <p:sldId id="274" r:id="rId20"/>
+    <p:sldId id="275" r:id="rId21"/>
+    <p:sldId id="276" r:id="rId22"/>
   </p:sldIdLst>
   <p:sldSz cx="12192000" cy="6858000"/>
   <p:notesSz cx="6858000" cy="9144000"/>
@@ -277,7 +279,7 @@
           <a:p>
             <a:fld id="{1FED3324-CAE9-C448-AEBB-5F479A408AD6}" type="datetimeFigureOut">
               <a:rPr kumimoji="1" lang="zh-CN" altLang="en-US" smtClean="0"/>
-              <a:t>2023/8/31</a:t>
+              <a:t>2023/9/4</a:t>
             </a:fld>
             <a:endParaRPr kumimoji="1" lang="zh-CN" altLang="en-US"/>
           </a:p>
@@ -475,7 +477,7 @@
           <a:p>
             <a:fld id="{1FED3324-CAE9-C448-AEBB-5F479A408AD6}" type="datetimeFigureOut">
               <a:rPr kumimoji="1" lang="zh-CN" altLang="en-US" smtClean="0"/>
-              <a:t>2023/8/31</a:t>
+              <a:t>2023/9/4</a:t>
             </a:fld>
             <a:endParaRPr kumimoji="1" lang="zh-CN" altLang="en-US"/>
           </a:p>
@@ -683,7 +685,7 @@
           <a:p>
             <a:fld id="{1FED3324-CAE9-C448-AEBB-5F479A408AD6}" type="datetimeFigureOut">
               <a:rPr kumimoji="1" lang="zh-CN" altLang="en-US" smtClean="0"/>
-              <a:t>2023/8/31</a:t>
+              <a:t>2023/9/4</a:t>
             </a:fld>
             <a:endParaRPr kumimoji="1" lang="zh-CN" altLang="en-US"/>
           </a:p>
@@ -881,7 +883,7 @@
           <a:p>
             <a:fld id="{1FED3324-CAE9-C448-AEBB-5F479A408AD6}" type="datetimeFigureOut">
               <a:rPr kumimoji="1" lang="zh-CN" altLang="en-US" smtClean="0"/>
-              <a:t>2023/8/31</a:t>
+              <a:t>2023/9/4</a:t>
             </a:fld>
             <a:endParaRPr kumimoji="1" lang="zh-CN" altLang="en-US"/>
           </a:p>
@@ -1156,7 +1158,7 @@
           <a:p>
             <a:fld id="{1FED3324-CAE9-C448-AEBB-5F479A408AD6}" type="datetimeFigureOut">
               <a:rPr kumimoji="1" lang="zh-CN" altLang="en-US" smtClean="0"/>
-              <a:t>2023/8/31</a:t>
+              <a:t>2023/9/4</a:t>
             </a:fld>
             <a:endParaRPr kumimoji="1" lang="zh-CN" altLang="en-US"/>
           </a:p>
@@ -1421,7 +1423,7 @@
           <a:p>
             <a:fld id="{1FED3324-CAE9-C448-AEBB-5F479A408AD6}" type="datetimeFigureOut">
               <a:rPr kumimoji="1" lang="zh-CN" altLang="en-US" smtClean="0"/>
-              <a:t>2023/8/31</a:t>
+              <a:t>2023/9/4</a:t>
             </a:fld>
             <a:endParaRPr kumimoji="1" lang="zh-CN" altLang="en-US"/>
           </a:p>
@@ -1833,7 +1835,7 @@
           <a:p>
             <a:fld id="{1FED3324-CAE9-C448-AEBB-5F479A408AD6}" type="datetimeFigureOut">
               <a:rPr kumimoji="1" lang="zh-CN" altLang="en-US" smtClean="0"/>
-              <a:t>2023/8/31</a:t>
+              <a:t>2023/9/4</a:t>
             </a:fld>
             <a:endParaRPr kumimoji="1" lang="zh-CN" altLang="en-US"/>
           </a:p>
@@ -1974,7 +1976,7 @@
           <a:p>
             <a:fld id="{1FED3324-CAE9-C448-AEBB-5F479A408AD6}" type="datetimeFigureOut">
               <a:rPr kumimoji="1" lang="zh-CN" altLang="en-US" smtClean="0"/>
-              <a:t>2023/8/31</a:t>
+              <a:t>2023/9/4</a:t>
             </a:fld>
             <a:endParaRPr kumimoji="1" lang="zh-CN" altLang="en-US"/>
           </a:p>
@@ -2087,7 +2089,7 @@
           <a:p>
             <a:fld id="{1FED3324-CAE9-C448-AEBB-5F479A408AD6}" type="datetimeFigureOut">
               <a:rPr kumimoji="1" lang="zh-CN" altLang="en-US" smtClean="0"/>
-              <a:t>2023/8/31</a:t>
+              <a:t>2023/9/4</a:t>
             </a:fld>
             <a:endParaRPr kumimoji="1" lang="zh-CN" altLang="en-US"/>
           </a:p>
@@ -2398,7 +2400,7 @@
           <a:p>
             <a:fld id="{1FED3324-CAE9-C448-AEBB-5F479A408AD6}" type="datetimeFigureOut">
               <a:rPr kumimoji="1" lang="zh-CN" altLang="en-US" smtClean="0"/>
-              <a:t>2023/8/31</a:t>
+              <a:t>2023/9/4</a:t>
             </a:fld>
             <a:endParaRPr kumimoji="1" lang="zh-CN" altLang="en-US"/>
           </a:p>
@@ -2686,7 +2688,7 @@
           <a:p>
             <a:fld id="{1FED3324-CAE9-C448-AEBB-5F479A408AD6}" type="datetimeFigureOut">
               <a:rPr kumimoji="1" lang="zh-CN" altLang="en-US" smtClean="0"/>
-              <a:t>2023/8/31</a:t>
+              <a:t>2023/9/4</a:t>
             </a:fld>
             <a:endParaRPr kumimoji="1" lang="zh-CN" altLang="en-US"/>
           </a:p>
@@ -2927,7 +2929,7 @@
           <a:p>
             <a:fld id="{1FED3324-CAE9-C448-AEBB-5F479A408AD6}" type="datetimeFigureOut">
               <a:rPr kumimoji="1" lang="zh-CN" altLang="en-US" smtClean="0"/>
-              <a:t>2023/8/31</a:t>
+              <a:t>2023/9/4</a:t>
             </a:fld>
             <a:endParaRPr kumimoji="1" lang="zh-CN" altLang="en-US"/>
           </a:p>
@@ -14700,6 +14702,1059 @@
 </p:sld>
 </file>
 
+<file path=ppt/slides/slide20.xml><?xml version="1.0" encoding="utf-8"?>
+<p:sld xmlns:a="http://schemas.openxmlformats.org/drawingml/2006/main" xmlns:r="http://schemas.openxmlformats.org/officeDocument/2006/relationships" xmlns:p="http://schemas.openxmlformats.org/presentationml/2006/main">
+  <p:cSld>
+    <p:spTree>
+      <p:nvGrpSpPr>
+        <p:cNvPr id="1" name=""/>
+        <p:cNvGrpSpPr/>
+        <p:nvPr/>
+      </p:nvGrpSpPr>
+      <p:grpSpPr>
+        <a:xfrm>
+          <a:off x="0" y="0"/>
+          <a:ext cx="0" cy="0"/>
+          <a:chOff x="0" y="0"/>
+          <a:chExt cx="0" cy="0"/>
+        </a:xfrm>
+      </p:grpSpPr>
+      <p:sp>
+        <p:nvSpPr>
+          <p:cNvPr id="9" name="矩形 8">
+            <a:extLst>
+              <a:ext uri="{FF2B5EF4-FFF2-40B4-BE49-F238E27FC236}">
+                <a16:creationId xmlns:a16="http://schemas.microsoft.com/office/drawing/2014/main" id="{8354E5A1-4397-0DCB-014E-88A9DD5B4E1B}"/>
+              </a:ext>
+            </a:extLst>
+          </p:cNvPr>
+          <p:cNvSpPr/>
+          <p:nvPr/>
+        </p:nvSpPr>
+        <p:spPr>
+          <a:xfrm>
+            <a:off x="1613210" y="735979"/>
+            <a:ext cx="2364058" cy="1915653"/>
+          </a:xfrm>
+          <a:prstGeom prst="rect">
+            <a:avLst/>
+          </a:prstGeom>
+        </p:spPr>
+        <p:style>
+          <a:lnRef idx="2">
+            <a:schemeClr val="accent1"/>
+          </a:lnRef>
+          <a:fillRef idx="1">
+            <a:schemeClr val="lt1"/>
+          </a:fillRef>
+          <a:effectRef idx="0">
+            <a:schemeClr val="accent1"/>
+          </a:effectRef>
+          <a:fontRef idx="minor">
+            <a:schemeClr val="dk1"/>
+          </a:fontRef>
+        </p:style>
+        <p:txBody>
+          <a:bodyPr rtlCol="0" anchor="ctr"/>
+          <a:lstStyle/>
+          <a:p>
+            <a:pPr algn="ctr"/>
+            <a:endParaRPr kumimoji="1" lang="zh-CN" altLang="en-US" dirty="0"/>
+          </a:p>
+        </p:txBody>
+      </p:sp>
+      <p:sp>
+        <p:nvSpPr>
+          <p:cNvPr id="8" name="矩形 7">
+            <a:extLst>
+              <a:ext uri="{FF2B5EF4-FFF2-40B4-BE49-F238E27FC236}">
+                <a16:creationId xmlns:a16="http://schemas.microsoft.com/office/drawing/2014/main" id="{DBC0FAFF-A377-ECBB-82E5-345BB5CB908D}"/>
+              </a:ext>
+            </a:extLst>
+          </p:cNvPr>
+          <p:cNvSpPr/>
+          <p:nvPr/>
+        </p:nvSpPr>
+        <p:spPr>
+          <a:xfrm>
+            <a:off x="401444" y="2728332"/>
+            <a:ext cx="2178206" cy="2155902"/>
+          </a:xfrm>
+          <a:prstGeom prst="rect">
+            <a:avLst/>
+          </a:prstGeom>
+        </p:spPr>
+        <p:style>
+          <a:lnRef idx="2">
+            <a:schemeClr val="accent2"/>
+          </a:lnRef>
+          <a:fillRef idx="1">
+            <a:schemeClr val="lt1"/>
+          </a:fillRef>
+          <a:effectRef idx="0">
+            <a:schemeClr val="accent2"/>
+          </a:effectRef>
+          <a:fontRef idx="minor">
+            <a:schemeClr val="dk1"/>
+          </a:fontRef>
+        </p:style>
+        <p:txBody>
+          <a:bodyPr rtlCol="0" anchor="ctr"/>
+          <a:lstStyle/>
+          <a:p>
+            <a:pPr algn="ctr"/>
+            <a:endParaRPr kumimoji="1" lang="zh-CN" altLang="en-US" dirty="0"/>
+          </a:p>
+        </p:txBody>
+      </p:sp>
+      <p:graphicFrame>
+        <p:nvGraphicFramePr>
+          <p:cNvPr id="5" name="表格 5">
+            <a:extLst>
+              <a:ext uri="{FF2B5EF4-FFF2-40B4-BE49-F238E27FC236}">
+                <a16:creationId xmlns:a16="http://schemas.microsoft.com/office/drawing/2014/main" id="{1C84BF42-326E-2DF1-07BA-2A908C72D8CB}"/>
+              </a:ext>
+            </a:extLst>
+          </p:cNvPr>
+          <p:cNvGraphicFramePr>
+            <a:graphicFrameLocks noGrp="1"/>
+          </p:cNvGraphicFramePr>
+          <p:nvPr>
+            <p:extLst>
+              <p:ext uri="{D42A27DB-BD31-4B8C-83A1-F6EECF244321}">
+                <p14:modId xmlns:p14="http://schemas.microsoft.com/office/powerpoint/2010/main" val="3117897606"/>
+              </p:ext>
+            </p:extLst>
+          </p:nvPr>
+        </p:nvGraphicFramePr>
+        <p:xfrm>
+          <a:off x="557561" y="3898011"/>
+          <a:ext cx="1836236" cy="728091"/>
+        </p:xfrm>
+        <a:graphic>
+          <a:graphicData uri="http://schemas.openxmlformats.org/drawingml/2006/table">
+            <a:tbl>
+              <a:tblPr firstRow="1" bandRow="1">
+                <a:tableStyleId>{5C22544A-7EE6-4342-B048-85BDC9FD1C3A}</a:tableStyleId>
+              </a:tblPr>
+              <a:tblGrid>
+                <a:gridCol w="498088">
+                  <a:extLst>
+                    <a:ext uri="{9D8B030D-6E8A-4147-A177-3AD203B41FA5}">
+                      <a16:colId xmlns:a16="http://schemas.microsoft.com/office/drawing/2014/main" val="1374588732"/>
+                    </a:ext>
+                  </a:extLst>
+                </a:gridCol>
+                <a:gridCol w="475785">
+                  <a:extLst>
+                    <a:ext uri="{9D8B030D-6E8A-4147-A177-3AD203B41FA5}">
+                      <a16:colId xmlns:a16="http://schemas.microsoft.com/office/drawing/2014/main" val="1439415139"/>
+                    </a:ext>
+                  </a:extLst>
+                </a:gridCol>
+                <a:gridCol w="431181">
+                  <a:extLst>
+                    <a:ext uri="{9D8B030D-6E8A-4147-A177-3AD203B41FA5}">
+                      <a16:colId xmlns:a16="http://schemas.microsoft.com/office/drawing/2014/main" val="2204683691"/>
+                    </a:ext>
+                  </a:extLst>
+                </a:gridCol>
+                <a:gridCol w="431182">
+                  <a:extLst>
+                    <a:ext uri="{9D8B030D-6E8A-4147-A177-3AD203B41FA5}">
+                      <a16:colId xmlns:a16="http://schemas.microsoft.com/office/drawing/2014/main" val="2971076291"/>
+                    </a:ext>
+                  </a:extLst>
+                </a:gridCol>
+              </a:tblGrid>
+              <a:tr h="242697">
+                <a:tc>
+                  <a:txBody>
+                    <a:bodyPr/>
+                    <a:lstStyle/>
+                    <a:p>
+                      <a:r>
+                        <a:rPr lang="zh-CN" altLang="en-US" sz="800" dirty="0"/>
+                        <a:t>分类</a:t>
+                      </a:r>
+                      <a:r>
+                        <a:rPr lang="en-US" altLang="zh-CN" sz="800" dirty="0"/>
+                        <a:t>id</a:t>
+                      </a:r>
+                      <a:endParaRPr lang="zh-CN" altLang="en-US" sz="800" dirty="0"/>
+                    </a:p>
+                  </a:txBody>
+                  <a:tcPr/>
+                </a:tc>
+                <a:tc>
+                  <a:txBody>
+                    <a:bodyPr/>
+                    <a:lstStyle/>
+                    <a:p>
+                      <a:r>
+                        <a:rPr lang="zh-CN" altLang="en-US" sz="800" dirty="0"/>
+                        <a:t>文章</a:t>
+                      </a:r>
+                      <a:r>
+                        <a:rPr lang="en-US" altLang="zh-CN" sz="800" dirty="0"/>
+                        <a:t>id</a:t>
+                      </a:r>
+                      <a:endParaRPr lang="zh-CN" altLang="en-US" sz="800" dirty="0"/>
+                    </a:p>
+                  </a:txBody>
+                  <a:tcPr/>
+                </a:tc>
+                <a:tc>
+                  <a:txBody>
+                    <a:bodyPr/>
+                    <a:lstStyle/>
+                    <a:p>
+                      <a:r>
+                        <a:rPr lang="zh-CN" altLang="en-US" sz="800" dirty="0"/>
+                        <a:t>标题</a:t>
+                      </a:r>
+                    </a:p>
+                  </a:txBody>
+                  <a:tcPr/>
+                </a:tc>
+                <a:tc>
+                  <a:txBody>
+                    <a:bodyPr/>
+                    <a:lstStyle/>
+                    <a:p>
+                      <a:r>
+                        <a:rPr lang="zh-CN" altLang="en-US" sz="800" dirty="0"/>
+                        <a:t>内容</a:t>
+                      </a:r>
+                    </a:p>
+                  </a:txBody>
+                  <a:tcPr/>
+                </a:tc>
+                <a:extLst>
+                  <a:ext uri="{0D108BD9-81ED-4DB2-BD59-A6C34878D82A}">
+                    <a16:rowId xmlns:a16="http://schemas.microsoft.com/office/drawing/2014/main" val="981397754"/>
+                  </a:ext>
+                </a:extLst>
+              </a:tr>
+              <a:tr h="242697">
+                <a:tc>
+                  <a:txBody>
+                    <a:bodyPr/>
+                    <a:lstStyle/>
+                    <a:p>
+                      <a:endParaRPr lang="zh-CN" altLang="en-US" sz="800" dirty="0"/>
+                    </a:p>
+                  </a:txBody>
+                  <a:tcPr/>
+                </a:tc>
+                <a:tc>
+                  <a:txBody>
+                    <a:bodyPr/>
+                    <a:lstStyle/>
+                    <a:p>
+                      <a:endParaRPr lang="zh-CN" altLang="en-US" sz="800"/>
+                    </a:p>
+                  </a:txBody>
+                  <a:tcPr/>
+                </a:tc>
+                <a:tc>
+                  <a:txBody>
+                    <a:bodyPr/>
+                    <a:lstStyle/>
+                    <a:p>
+                      <a:endParaRPr lang="zh-CN" altLang="en-US" sz="800"/>
+                    </a:p>
+                  </a:txBody>
+                  <a:tcPr/>
+                </a:tc>
+                <a:tc>
+                  <a:txBody>
+                    <a:bodyPr/>
+                    <a:lstStyle/>
+                    <a:p>
+                      <a:endParaRPr lang="zh-CN" altLang="en-US" sz="800" dirty="0"/>
+                    </a:p>
+                  </a:txBody>
+                  <a:tcPr/>
+                </a:tc>
+                <a:extLst>
+                  <a:ext uri="{0D108BD9-81ED-4DB2-BD59-A6C34878D82A}">
+                    <a16:rowId xmlns:a16="http://schemas.microsoft.com/office/drawing/2014/main" val="3526396329"/>
+                  </a:ext>
+                </a:extLst>
+              </a:tr>
+              <a:tr h="242697">
+                <a:tc>
+                  <a:txBody>
+                    <a:bodyPr/>
+                    <a:lstStyle/>
+                    <a:p>
+                      <a:endParaRPr lang="zh-CN" altLang="en-US" sz="800" dirty="0"/>
+                    </a:p>
+                  </a:txBody>
+                  <a:tcPr/>
+                </a:tc>
+                <a:tc>
+                  <a:txBody>
+                    <a:bodyPr/>
+                    <a:lstStyle/>
+                    <a:p>
+                      <a:endParaRPr lang="zh-CN" altLang="en-US" sz="800"/>
+                    </a:p>
+                  </a:txBody>
+                  <a:tcPr/>
+                </a:tc>
+                <a:tc>
+                  <a:txBody>
+                    <a:bodyPr/>
+                    <a:lstStyle/>
+                    <a:p>
+                      <a:endParaRPr lang="zh-CN" altLang="en-US" sz="800" dirty="0"/>
+                    </a:p>
+                  </a:txBody>
+                  <a:tcPr/>
+                </a:tc>
+                <a:tc>
+                  <a:txBody>
+                    <a:bodyPr/>
+                    <a:lstStyle/>
+                    <a:p>
+                      <a:endParaRPr lang="zh-CN" altLang="en-US" sz="800" dirty="0"/>
+                    </a:p>
+                  </a:txBody>
+                  <a:tcPr/>
+                </a:tc>
+                <a:extLst>
+                  <a:ext uri="{0D108BD9-81ED-4DB2-BD59-A6C34878D82A}">
+                    <a16:rowId xmlns:a16="http://schemas.microsoft.com/office/drawing/2014/main" val="321171683"/>
+                  </a:ext>
+                </a:extLst>
+              </a:tr>
+            </a:tbl>
+          </a:graphicData>
+        </a:graphic>
+      </p:graphicFrame>
+      <p:graphicFrame>
+        <p:nvGraphicFramePr>
+          <p:cNvPr id="6" name="表格 5">
+            <a:extLst>
+              <a:ext uri="{FF2B5EF4-FFF2-40B4-BE49-F238E27FC236}">
+                <a16:creationId xmlns:a16="http://schemas.microsoft.com/office/drawing/2014/main" id="{BB32F13C-21A9-D8B0-DA5A-4BC5DC0B8979}"/>
+              </a:ext>
+            </a:extLst>
+          </p:cNvPr>
+          <p:cNvGraphicFramePr>
+            <a:graphicFrameLocks noGrp="1"/>
+          </p:cNvGraphicFramePr>
+          <p:nvPr>
+            <p:extLst>
+              <p:ext uri="{D42A27DB-BD31-4B8C-83A1-F6EECF244321}">
+                <p14:modId xmlns:p14="http://schemas.microsoft.com/office/powerpoint/2010/main" val="2131339995"/>
+              </p:ext>
+            </p:extLst>
+          </p:nvPr>
+        </p:nvGraphicFramePr>
+        <p:xfrm>
+          <a:off x="557561" y="2959989"/>
+          <a:ext cx="1025912" cy="728091"/>
+        </p:xfrm>
+        <a:graphic>
+          <a:graphicData uri="http://schemas.openxmlformats.org/drawingml/2006/table">
+            <a:tbl>
+              <a:tblPr firstRow="1" bandRow="1">
+                <a:tableStyleId>{5C22544A-7EE6-4342-B048-85BDC9FD1C3A}</a:tableStyleId>
+              </a:tblPr>
+              <a:tblGrid>
+                <a:gridCol w="483219">
+                  <a:extLst>
+                    <a:ext uri="{9D8B030D-6E8A-4147-A177-3AD203B41FA5}">
+                      <a16:colId xmlns:a16="http://schemas.microsoft.com/office/drawing/2014/main" val="1374588732"/>
+                    </a:ext>
+                  </a:extLst>
+                </a:gridCol>
+                <a:gridCol w="542693">
+                  <a:extLst>
+                    <a:ext uri="{9D8B030D-6E8A-4147-A177-3AD203B41FA5}">
+                      <a16:colId xmlns:a16="http://schemas.microsoft.com/office/drawing/2014/main" val="1439415139"/>
+                    </a:ext>
+                  </a:extLst>
+                </a:gridCol>
+              </a:tblGrid>
+              <a:tr h="242697">
+                <a:tc>
+                  <a:txBody>
+                    <a:bodyPr/>
+                    <a:lstStyle/>
+                    <a:p>
+                      <a:r>
+                        <a:rPr lang="zh-CN" altLang="en-US" sz="800" dirty="0"/>
+                        <a:t>分类</a:t>
+                      </a:r>
+                      <a:r>
+                        <a:rPr lang="en-US" altLang="zh-CN" sz="800" dirty="0"/>
+                        <a:t>id</a:t>
+                      </a:r>
+                      <a:endParaRPr lang="zh-CN" altLang="en-US" sz="800" dirty="0"/>
+                    </a:p>
+                  </a:txBody>
+                  <a:tcPr/>
+                </a:tc>
+                <a:tc>
+                  <a:txBody>
+                    <a:bodyPr/>
+                    <a:lstStyle/>
+                    <a:p>
+                      <a:r>
+                        <a:rPr lang="zh-CN" altLang="en-US" sz="800" dirty="0"/>
+                        <a:t>分类名</a:t>
+                      </a:r>
+                    </a:p>
+                  </a:txBody>
+                  <a:tcPr/>
+                </a:tc>
+                <a:extLst>
+                  <a:ext uri="{0D108BD9-81ED-4DB2-BD59-A6C34878D82A}">
+                    <a16:rowId xmlns:a16="http://schemas.microsoft.com/office/drawing/2014/main" val="981397754"/>
+                  </a:ext>
+                </a:extLst>
+              </a:tr>
+              <a:tr h="242697">
+                <a:tc>
+                  <a:txBody>
+                    <a:bodyPr/>
+                    <a:lstStyle/>
+                    <a:p>
+                      <a:endParaRPr lang="zh-CN" altLang="en-US" sz="800" dirty="0"/>
+                    </a:p>
+                  </a:txBody>
+                  <a:tcPr/>
+                </a:tc>
+                <a:tc>
+                  <a:txBody>
+                    <a:bodyPr/>
+                    <a:lstStyle/>
+                    <a:p>
+                      <a:endParaRPr lang="zh-CN" altLang="en-US" sz="800"/>
+                    </a:p>
+                  </a:txBody>
+                  <a:tcPr/>
+                </a:tc>
+                <a:extLst>
+                  <a:ext uri="{0D108BD9-81ED-4DB2-BD59-A6C34878D82A}">
+                    <a16:rowId xmlns:a16="http://schemas.microsoft.com/office/drawing/2014/main" val="3526396329"/>
+                  </a:ext>
+                </a:extLst>
+              </a:tr>
+              <a:tr h="242697">
+                <a:tc>
+                  <a:txBody>
+                    <a:bodyPr/>
+                    <a:lstStyle/>
+                    <a:p>
+                      <a:endParaRPr lang="zh-CN" altLang="en-US" sz="800" dirty="0"/>
+                    </a:p>
+                  </a:txBody>
+                  <a:tcPr/>
+                </a:tc>
+                <a:tc>
+                  <a:txBody>
+                    <a:bodyPr/>
+                    <a:lstStyle/>
+                    <a:p>
+                      <a:endParaRPr lang="zh-CN" altLang="en-US" sz="800" dirty="0"/>
+                    </a:p>
+                  </a:txBody>
+                  <a:tcPr/>
+                </a:tc>
+                <a:extLst>
+                  <a:ext uri="{0D108BD9-81ED-4DB2-BD59-A6C34878D82A}">
+                    <a16:rowId xmlns:a16="http://schemas.microsoft.com/office/drawing/2014/main" val="321171683"/>
+                  </a:ext>
+                </a:extLst>
+              </a:tr>
+            </a:tbl>
+          </a:graphicData>
+        </a:graphic>
+      </p:graphicFrame>
+      <p:pic>
+        <p:nvPicPr>
+          <p:cNvPr id="7" name="Picture 6" descr="HTML - Wikipedia">
+            <a:extLst>
+              <a:ext uri="{FF2B5EF4-FFF2-40B4-BE49-F238E27FC236}">
+                <a16:creationId xmlns:a16="http://schemas.microsoft.com/office/drawing/2014/main" id="{695CFF1E-0D1B-E131-88EA-C08C09420CB7}"/>
+              </a:ext>
+            </a:extLst>
+          </p:cNvPr>
+          <p:cNvPicPr>
+            <a:picLocks noChangeAspect="1" noChangeArrowheads="1"/>
+          </p:cNvPicPr>
+          <p:nvPr/>
+        </p:nvPicPr>
+        <p:blipFill>
+          <a:blip r:embed="rId2">
+            <a:extLst>
+              <a:ext uri="{28A0092B-C50C-407E-A947-70E740481C1C}">
+                <a14:useLocalDpi xmlns:a14="http://schemas.microsoft.com/office/drawing/2010/main" val="0"/>
+              </a:ext>
+            </a:extLst>
+          </a:blip>
+          <a:srcRect/>
+          <a:stretch>
+            <a:fillRect/>
+          </a:stretch>
+        </p:blipFill>
+        <p:spPr bwMode="auto">
+          <a:xfrm>
+            <a:off x="2045008" y="1756240"/>
+            <a:ext cx="534642" cy="534642"/>
+          </a:xfrm>
+          <a:prstGeom prst="rect">
+            <a:avLst/>
+          </a:prstGeom>
+          <a:noFill/>
+          <a:extLst>
+            <a:ext uri="{909E8E84-426E-40DD-AFC4-6F175D3DCCD1}">
+              <a14:hiddenFill xmlns:a14="http://schemas.microsoft.com/office/drawing/2010/main">
+                <a:solidFill>
+                  <a:srgbClr val="FFFFFF"/>
+                </a:solidFill>
+              </a14:hiddenFill>
+            </a:ext>
+          </a:extLst>
+        </p:spPr>
+      </p:pic>
+      <p:pic>
+        <p:nvPicPr>
+          <p:cNvPr id="1030" name="Picture 6" descr="CSS - Wikipedia">
+            <a:extLst>
+              <a:ext uri="{FF2B5EF4-FFF2-40B4-BE49-F238E27FC236}">
+                <a16:creationId xmlns:a16="http://schemas.microsoft.com/office/drawing/2014/main" id="{08B77266-5BC1-9099-2E24-B2DB2084096D}"/>
+              </a:ext>
+            </a:extLst>
+          </p:cNvPr>
+          <p:cNvPicPr>
+            <a:picLocks noChangeAspect="1" noChangeArrowheads="1"/>
+          </p:cNvPicPr>
+          <p:nvPr/>
+        </p:nvPicPr>
+        <p:blipFill>
+          <a:blip r:embed="rId3">
+            <a:extLst>
+              <a:ext uri="{28A0092B-C50C-407E-A947-70E740481C1C}">
+                <a14:useLocalDpi xmlns:a14="http://schemas.microsoft.com/office/drawing/2010/main" val="0"/>
+              </a:ext>
+            </a:extLst>
+          </a:blip>
+          <a:srcRect/>
+          <a:stretch>
+            <a:fillRect/>
+          </a:stretch>
+        </p:blipFill>
+        <p:spPr bwMode="auto">
+          <a:xfrm>
+            <a:off x="2119293" y="1028996"/>
+            <a:ext cx="386072" cy="544687"/>
+          </a:xfrm>
+          <a:prstGeom prst="rect">
+            <a:avLst/>
+          </a:prstGeom>
+          <a:noFill/>
+          <a:extLst>
+            <a:ext uri="{909E8E84-426E-40DD-AFC4-6F175D3DCCD1}">
+              <a14:hiddenFill xmlns:a14="http://schemas.microsoft.com/office/drawing/2010/main">
+                <a:solidFill>
+                  <a:srgbClr val="FFFFFF"/>
+                </a:solidFill>
+              </a14:hiddenFill>
+            </a:ext>
+          </a:extLst>
+        </p:spPr>
+      </p:pic>
+      <p:pic>
+        <p:nvPicPr>
+          <p:cNvPr id="1032" name="Picture 8" descr="JavaScript Logo, symbol, meaning, history, PNG, brand">
+            <a:extLst>
+              <a:ext uri="{FF2B5EF4-FFF2-40B4-BE49-F238E27FC236}">
+                <a16:creationId xmlns:a16="http://schemas.microsoft.com/office/drawing/2014/main" id="{D8E773F6-27D1-AFD7-0049-57193B4C65A9}"/>
+              </a:ext>
+            </a:extLst>
+          </p:cNvPr>
+          <p:cNvPicPr>
+            <a:picLocks noChangeAspect="1" noChangeArrowheads="1"/>
+          </p:cNvPicPr>
+          <p:nvPr/>
+        </p:nvPicPr>
+        <p:blipFill rotWithShape="1">
+          <a:blip r:embed="rId4">
+            <a:extLst>
+              <a:ext uri="{28A0092B-C50C-407E-A947-70E740481C1C}">
+                <a14:useLocalDpi xmlns:a14="http://schemas.microsoft.com/office/drawing/2010/main" val="0"/>
+              </a:ext>
+            </a:extLst>
+          </a:blip>
+          <a:srcRect l="23375" r="22904"/>
+          <a:stretch/>
+        </p:blipFill>
+        <p:spPr bwMode="auto">
+          <a:xfrm>
+            <a:off x="2746815" y="1028995"/>
+            <a:ext cx="520200" cy="544687"/>
+          </a:xfrm>
+          <a:prstGeom prst="rect">
+            <a:avLst/>
+          </a:prstGeom>
+          <a:noFill/>
+          <a:extLst>
+            <a:ext uri="{909E8E84-426E-40DD-AFC4-6F175D3DCCD1}">
+              <a14:hiddenFill xmlns:a14="http://schemas.microsoft.com/office/drawing/2010/main">
+                <a:solidFill>
+                  <a:srgbClr val="FFFFFF"/>
+                </a:solidFill>
+              </a14:hiddenFill>
+            </a:ext>
+          </a:extLst>
+        </p:spPr>
+      </p:pic>
+      <p:pic>
+        <p:nvPicPr>
+          <p:cNvPr id="1034" name="Picture 10" descr="Audio and video for an Internet web page">
+            <a:extLst>
+              <a:ext uri="{FF2B5EF4-FFF2-40B4-BE49-F238E27FC236}">
+                <a16:creationId xmlns:a16="http://schemas.microsoft.com/office/drawing/2014/main" id="{D136CDA7-C0B9-3E87-C2CD-7E5485186444}"/>
+              </a:ext>
+            </a:extLst>
+          </p:cNvPr>
+          <p:cNvPicPr>
+            <a:picLocks noChangeAspect="1" noChangeArrowheads="1"/>
+          </p:cNvPicPr>
+          <p:nvPr/>
+        </p:nvPicPr>
+        <p:blipFill rotWithShape="1">
+          <a:blip r:embed="rId5">
+            <a:extLst>
+              <a:ext uri="{28A0092B-C50C-407E-A947-70E740481C1C}">
+                <a14:useLocalDpi xmlns:a14="http://schemas.microsoft.com/office/drawing/2010/main" val="0"/>
+              </a:ext>
+            </a:extLst>
+          </a:blip>
+          <a:srcRect l="27756" t="19307" r="28195" b="16149"/>
+          <a:stretch/>
+        </p:blipFill>
+        <p:spPr bwMode="auto">
+          <a:xfrm>
+            <a:off x="2706260" y="1633268"/>
+            <a:ext cx="1121510" cy="780586"/>
+          </a:xfrm>
+          <a:prstGeom prst="rect">
+            <a:avLst/>
+          </a:prstGeom>
+          <a:noFill/>
+          <a:extLst>
+            <a:ext uri="{909E8E84-426E-40DD-AFC4-6F175D3DCCD1}">
+              <a14:hiddenFill xmlns:a14="http://schemas.microsoft.com/office/drawing/2010/main">
+                <a:solidFill>
+                  <a:srgbClr val="FFFFFF"/>
+                </a:solidFill>
+              </a14:hiddenFill>
+            </a:ext>
+          </a:extLst>
+        </p:spPr>
+      </p:pic>
+      <p:pic>
+        <p:nvPicPr>
+          <p:cNvPr id="1036" name="Picture 12" descr="Java Logo, symbol, meaning, history, PNG, brand">
+            <a:extLst>
+              <a:ext uri="{FF2B5EF4-FFF2-40B4-BE49-F238E27FC236}">
+                <a16:creationId xmlns:a16="http://schemas.microsoft.com/office/drawing/2014/main" id="{A3C3C2E7-CC4E-5BE8-29D6-E8BEA59A2D6E}"/>
+              </a:ext>
+            </a:extLst>
+          </p:cNvPr>
+          <p:cNvPicPr>
+            <a:picLocks noChangeAspect="1" noChangeArrowheads="1"/>
+          </p:cNvPicPr>
+          <p:nvPr/>
+        </p:nvPicPr>
+        <p:blipFill rotWithShape="1">
+          <a:blip r:embed="rId6">
+            <a:extLst>
+              <a:ext uri="{28A0092B-C50C-407E-A947-70E740481C1C}">
+                <a14:useLocalDpi xmlns:a14="http://schemas.microsoft.com/office/drawing/2010/main" val="0"/>
+              </a:ext>
+            </a:extLst>
+          </a:blip>
+          <a:srcRect l="33377" t="1192" r="31341"/>
+          <a:stretch/>
+        </p:blipFill>
+        <p:spPr bwMode="auto">
+          <a:xfrm>
+            <a:off x="3267015" y="3057293"/>
+            <a:ext cx="950936" cy="1497980"/>
+          </a:xfrm>
+          <a:prstGeom prst="rect">
+            <a:avLst/>
+          </a:prstGeom>
+          <a:noFill/>
+          <a:extLst>
+            <a:ext uri="{909E8E84-426E-40DD-AFC4-6F175D3DCCD1}">
+              <a14:hiddenFill xmlns:a14="http://schemas.microsoft.com/office/drawing/2010/main">
+                <a:solidFill>
+                  <a:srgbClr val="FFFFFF"/>
+                </a:solidFill>
+              </a14:hiddenFill>
+            </a:ext>
+          </a:extLst>
+        </p:spPr>
+      </p:pic>
+      <p:pic>
+        <p:nvPicPr>
+          <p:cNvPr id="10" name="Picture 2">
+            <a:extLst>
+              <a:ext uri="{FF2B5EF4-FFF2-40B4-BE49-F238E27FC236}">
+                <a16:creationId xmlns:a16="http://schemas.microsoft.com/office/drawing/2014/main" id="{7D35A19B-031F-C560-BD14-3758A695A869}"/>
+              </a:ext>
+            </a:extLst>
+          </p:cNvPr>
+          <p:cNvPicPr>
+            <a:picLocks noChangeAspect="1" noChangeArrowheads="1"/>
+          </p:cNvPicPr>
+          <p:nvPr/>
+        </p:nvPicPr>
+        <p:blipFill>
+          <a:blip r:embed="rId7">
+            <a:extLst>
+              <a:ext uri="{28A0092B-C50C-407E-A947-70E740481C1C}">
+                <a14:useLocalDpi xmlns:a14="http://schemas.microsoft.com/office/drawing/2010/main" val="0"/>
+              </a:ext>
+            </a:extLst>
+          </a:blip>
+          <a:srcRect/>
+          <a:stretch>
+            <a:fillRect/>
+          </a:stretch>
+        </p:blipFill>
+        <p:spPr bwMode="auto">
+          <a:xfrm>
+            <a:off x="4573193" y="2309432"/>
+            <a:ext cx="800410" cy="800410"/>
+          </a:xfrm>
+          <a:prstGeom prst="rect">
+            <a:avLst/>
+          </a:prstGeom>
+          <a:noFill/>
+          <a:extLst>
+            <a:ext uri="{909E8E84-426E-40DD-AFC4-6F175D3DCCD1}">
+              <a14:hiddenFill xmlns:a14="http://schemas.microsoft.com/office/drawing/2010/main">
+                <a:solidFill>
+                  <a:srgbClr val="FFFFFF"/>
+                </a:solidFill>
+              </a14:hiddenFill>
+            </a:ext>
+          </a:extLst>
+        </p:spPr>
+      </p:pic>
+      <p:pic>
+        <p:nvPicPr>
+          <p:cNvPr id="11" name="图片 10">
+            <a:extLst>
+              <a:ext uri="{FF2B5EF4-FFF2-40B4-BE49-F238E27FC236}">
+                <a16:creationId xmlns:a16="http://schemas.microsoft.com/office/drawing/2014/main" id="{5526AC07-317E-7703-25E8-137257CCFA51}"/>
+              </a:ext>
+            </a:extLst>
+          </p:cNvPr>
+          <p:cNvPicPr>
+            <a:picLocks noChangeAspect="1"/>
+          </p:cNvPicPr>
+          <p:nvPr/>
+        </p:nvPicPr>
+        <p:blipFill>
+          <a:blip r:embed="rId8"/>
+          <a:stretch>
+            <a:fillRect/>
+          </a:stretch>
+        </p:blipFill>
+        <p:spPr>
+          <a:xfrm>
+            <a:off x="5960872" y="1887349"/>
+            <a:ext cx="1938096" cy="1644576"/>
+          </a:xfrm>
+          <a:prstGeom prst="rect">
+            <a:avLst/>
+          </a:prstGeom>
+        </p:spPr>
+      </p:pic>
+      <p:cxnSp>
+        <p:nvCxnSpPr>
+          <p:cNvPr id="13" name="直线箭头连接符 12">
+            <a:extLst>
+              <a:ext uri="{FF2B5EF4-FFF2-40B4-BE49-F238E27FC236}">
+                <a16:creationId xmlns:a16="http://schemas.microsoft.com/office/drawing/2014/main" id="{E095B10E-8265-300B-949E-B2AE6598448F}"/>
+              </a:ext>
+            </a:extLst>
+          </p:cNvPr>
+          <p:cNvCxnSpPr>
+            <a:stCxn id="8" idx="3"/>
+            <a:endCxn id="1036" idx="1"/>
+          </p:cNvCxnSpPr>
+          <p:nvPr/>
+        </p:nvCxnSpPr>
+        <p:spPr>
+          <a:xfrm>
+            <a:off x="2579650" y="3806283"/>
+            <a:ext cx="687365" cy="0"/>
+          </a:xfrm>
+          <a:prstGeom prst="straightConnector1">
+            <a:avLst/>
+          </a:prstGeom>
+          <a:ln w="57150">
+            <a:tailEnd type="triangle"/>
+          </a:ln>
+        </p:spPr>
+        <p:style>
+          <a:lnRef idx="1">
+            <a:schemeClr val="accent1"/>
+          </a:lnRef>
+          <a:fillRef idx="0">
+            <a:schemeClr val="accent1"/>
+          </a:fillRef>
+          <a:effectRef idx="0">
+            <a:schemeClr val="accent1"/>
+          </a:effectRef>
+          <a:fontRef idx="minor">
+            <a:schemeClr val="tx1"/>
+          </a:fontRef>
+        </p:style>
+      </p:cxnSp>
+      <p:cxnSp>
+        <p:nvCxnSpPr>
+          <p:cNvPr id="15" name="直线箭头连接符 14">
+            <a:extLst>
+              <a:ext uri="{FF2B5EF4-FFF2-40B4-BE49-F238E27FC236}">
+                <a16:creationId xmlns:a16="http://schemas.microsoft.com/office/drawing/2014/main" id="{75412294-7EFD-3800-0844-745B82BDB751}"/>
+              </a:ext>
+            </a:extLst>
+          </p:cNvPr>
+          <p:cNvCxnSpPr>
+            <a:cxnSpLocks/>
+            <a:stCxn id="9" idx="3"/>
+            <a:endCxn id="10" idx="0"/>
+          </p:cNvCxnSpPr>
+          <p:nvPr/>
+        </p:nvCxnSpPr>
+        <p:spPr>
+          <a:xfrm>
+            <a:off x="3977268" y="1693806"/>
+            <a:ext cx="996130" cy="615626"/>
+          </a:xfrm>
+          <a:prstGeom prst="straightConnector1">
+            <a:avLst/>
+          </a:prstGeom>
+          <a:ln w="57150">
+            <a:tailEnd type="triangle"/>
+          </a:ln>
+        </p:spPr>
+        <p:style>
+          <a:lnRef idx="1">
+            <a:schemeClr val="accent1"/>
+          </a:lnRef>
+          <a:fillRef idx="0">
+            <a:schemeClr val="accent1"/>
+          </a:fillRef>
+          <a:effectRef idx="0">
+            <a:schemeClr val="accent1"/>
+          </a:effectRef>
+          <a:fontRef idx="minor">
+            <a:schemeClr val="tx1"/>
+          </a:fontRef>
+        </p:style>
+      </p:cxnSp>
+      <p:cxnSp>
+        <p:nvCxnSpPr>
+          <p:cNvPr id="16" name="直线箭头连接符 15">
+            <a:extLst>
+              <a:ext uri="{FF2B5EF4-FFF2-40B4-BE49-F238E27FC236}">
+                <a16:creationId xmlns:a16="http://schemas.microsoft.com/office/drawing/2014/main" id="{58F1688A-26E2-4379-3F88-DF1F8C949672}"/>
+              </a:ext>
+            </a:extLst>
+          </p:cNvPr>
+          <p:cNvCxnSpPr>
+            <a:cxnSpLocks/>
+            <a:stCxn id="1036" idx="3"/>
+            <a:endCxn id="10" idx="2"/>
+          </p:cNvCxnSpPr>
+          <p:nvPr/>
+        </p:nvCxnSpPr>
+        <p:spPr>
+          <a:xfrm flipV="1">
+            <a:off x="4217951" y="3109842"/>
+            <a:ext cx="755447" cy="696441"/>
+          </a:xfrm>
+          <a:prstGeom prst="straightConnector1">
+            <a:avLst/>
+          </a:prstGeom>
+          <a:ln w="57150">
+            <a:tailEnd type="triangle"/>
+          </a:ln>
+        </p:spPr>
+        <p:style>
+          <a:lnRef idx="1">
+            <a:schemeClr val="accent1"/>
+          </a:lnRef>
+          <a:fillRef idx="0">
+            <a:schemeClr val="accent1"/>
+          </a:fillRef>
+          <a:effectRef idx="0">
+            <a:schemeClr val="accent1"/>
+          </a:effectRef>
+          <a:fontRef idx="minor">
+            <a:schemeClr val="tx1"/>
+          </a:fontRef>
+        </p:style>
+      </p:cxnSp>
+      <p:cxnSp>
+        <p:nvCxnSpPr>
+          <p:cNvPr id="19" name="直线箭头连接符 18">
+            <a:extLst>
+              <a:ext uri="{FF2B5EF4-FFF2-40B4-BE49-F238E27FC236}">
+                <a16:creationId xmlns:a16="http://schemas.microsoft.com/office/drawing/2014/main" id="{E7FDDC45-1CCC-CF68-D8C3-5961974DAF5C}"/>
+              </a:ext>
+            </a:extLst>
+          </p:cNvPr>
+          <p:cNvCxnSpPr>
+            <a:cxnSpLocks/>
+            <a:stCxn id="10" idx="3"/>
+            <a:endCxn id="11" idx="1"/>
+          </p:cNvCxnSpPr>
+          <p:nvPr/>
+        </p:nvCxnSpPr>
+        <p:spPr>
+          <a:xfrm>
+            <a:off x="5373603" y="2709637"/>
+            <a:ext cx="587269" cy="0"/>
+          </a:xfrm>
+          <a:prstGeom prst="straightConnector1">
+            <a:avLst/>
+          </a:prstGeom>
+          <a:ln w="57150">
+            <a:tailEnd type="triangle"/>
+          </a:ln>
+        </p:spPr>
+        <p:style>
+          <a:lnRef idx="1">
+            <a:schemeClr val="accent1"/>
+          </a:lnRef>
+          <a:fillRef idx="0">
+            <a:schemeClr val="accent1"/>
+          </a:fillRef>
+          <a:effectRef idx="0">
+            <a:schemeClr val="accent1"/>
+          </a:effectRef>
+          <a:fontRef idx="minor">
+            <a:schemeClr val="tx1"/>
+          </a:fontRef>
+        </p:style>
+      </p:cxnSp>
+    </p:spTree>
+    <p:extLst>
+      <p:ext uri="{BB962C8B-B14F-4D97-AF65-F5344CB8AC3E}">
+        <p14:creationId xmlns:p14="http://schemas.microsoft.com/office/powerpoint/2010/main" val="1053509690"/>
+      </p:ext>
+    </p:extLst>
+  </p:cSld>
+  <p:clrMapOvr>
+    <a:masterClrMapping/>
+  </p:clrMapOvr>
+</p:sld>
+</file>
+
+<file path=ppt/slides/slide21.xml><?xml version="1.0" encoding="utf-8"?>
+<p:sld xmlns:a="http://schemas.openxmlformats.org/drawingml/2006/main" xmlns:r="http://schemas.openxmlformats.org/officeDocument/2006/relationships" xmlns:p="http://schemas.openxmlformats.org/presentationml/2006/main">
+  <p:cSld>
+    <p:spTree>
+      <p:nvGrpSpPr>
+        <p:cNvPr id="1" name=""/>
+        <p:cNvGrpSpPr/>
+        <p:nvPr/>
+      </p:nvGrpSpPr>
+      <p:grpSpPr>
+        <a:xfrm>
+          <a:off x="0" y="0"/>
+          <a:ext cx="0" cy="0"/>
+          <a:chOff x="0" y="0"/>
+          <a:chExt cx="0" cy="0"/>
+        </a:xfrm>
+      </p:grpSpPr>
+      <p:pic>
+        <p:nvPicPr>
+          <p:cNvPr id="5" name="图片 4">
+            <a:extLst>
+              <a:ext uri="{FF2B5EF4-FFF2-40B4-BE49-F238E27FC236}">
+                <a16:creationId xmlns:a16="http://schemas.microsoft.com/office/drawing/2014/main" id="{0435A7D6-BD25-A1C8-A9BA-18628CCAF908}"/>
+              </a:ext>
+            </a:extLst>
+          </p:cNvPr>
+          <p:cNvPicPr>
+            <a:picLocks noChangeAspect="1"/>
+          </p:cNvPicPr>
+          <p:nvPr/>
+        </p:nvPicPr>
+        <p:blipFill>
+          <a:blip r:embed="rId2"/>
+          <a:stretch>
+            <a:fillRect/>
+          </a:stretch>
+        </p:blipFill>
+        <p:spPr>
+          <a:xfrm>
+            <a:off x="1615069" y="3284535"/>
+            <a:ext cx="7772400" cy="2689229"/>
+          </a:xfrm>
+          <a:prstGeom prst="rect">
+            <a:avLst/>
+          </a:prstGeom>
+        </p:spPr>
+      </p:pic>
+      <p:pic>
+        <p:nvPicPr>
+          <p:cNvPr id="4" name="图片 3">
+            <a:extLst>
+              <a:ext uri="{FF2B5EF4-FFF2-40B4-BE49-F238E27FC236}">
+                <a16:creationId xmlns:a16="http://schemas.microsoft.com/office/drawing/2014/main" id="{35FB0B19-53BE-025A-BC91-93A777D45B8D}"/>
+              </a:ext>
+            </a:extLst>
+          </p:cNvPr>
+          <p:cNvPicPr>
+            <a:picLocks noChangeAspect="1"/>
+          </p:cNvPicPr>
+          <p:nvPr/>
+        </p:nvPicPr>
+        <p:blipFill rotWithShape="1">
+          <a:blip r:embed="rId3"/>
+          <a:srcRect l="21126" r="5901" b="16009"/>
+          <a:stretch/>
+        </p:blipFill>
+        <p:spPr>
+          <a:xfrm>
+            <a:off x="4326672" y="2890490"/>
+            <a:ext cx="2066694" cy="2016047"/>
+          </a:xfrm>
+          <a:prstGeom prst="rect">
+            <a:avLst/>
+          </a:prstGeom>
+        </p:spPr>
+      </p:pic>
+    </p:spTree>
+    <p:extLst>
+      <p:ext uri="{BB962C8B-B14F-4D97-AF65-F5344CB8AC3E}">
+        <p14:creationId xmlns:p14="http://schemas.microsoft.com/office/powerpoint/2010/main" val="2141579763"/>
+      </p:ext>
+    </p:extLst>
+  </p:cSld>
+  <p:clrMapOvr>
+    <a:masterClrMapping/>
+  </p:clrMapOvr>
+</p:sld>
+</file>
+
 <file path=ppt/slides/slide3.xml><?xml version="1.0" encoding="utf-8"?>
 <p:sld xmlns:a="http://schemas.openxmlformats.org/drawingml/2006/main" xmlns:r="http://schemas.openxmlformats.org/officeDocument/2006/relationships" xmlns:p="http://schemas.openxmlformats.org/presentationml/2006/main">
   <p:cSld>
